--- a/src/main/resources/static/ArquiteturaProjeto/ArquiteturaModeloProjetoSpringBoot.pptx
+++ b/src/main/resources/static/ArquiteturaProjeto/ArquiteturaModeloProjetoSpringBoot.pptx
@@ -5,10 +5,10 @@
     <p:sldMasterId id="2147483648" r:id="rId1"/>
   </p:sldMasterIdLst>
   <p:notesMasterIdLst>
-    <p:notesMasterId r:id="rId16"/>
+    <p:notesMasterId r:id="rId18"/>
   </p:notesMasterIdLst>
   <p:handoutMasterIdLst>
-    <p:handoutMasterId r:id="rId17"/>
+    <p:handoutMasterId r:id="rId19"/>
   </p:handoutMasterIdLst>
   <p:sldIdLst>
     <p:sldId id="256" r:id="rId3"/>
@@ -17,13 +17,15 @@
     <p:sldId id="259" r:id="rId6"/>
     <p:sldId id="274" r:id="rId7"/>
     <p:sldId id="275" r:id="rId8"/>
-    <p:sldId id="279" r:id="rId9"/>
-    <p:sldId id="262" r:id="rId10"/>
-    <p:sldId id="281" r:id="rId11"/>
-    <p:sldId id="284" r:id="rId12"/>
-    <p:sldId id="285" r:id="rId13"/>
-    <p:sldId id="280" r:id="rId14"/>
-    <p:sldId id="263" r:id="rId15"/>
+    <p:sldId id="288" r:id="rId9"/>
+    <p:sldId id="289" r:id="rId10"/>
+    <p:sldId id="279" r:id="rId11"/>
+    <p:sldId id="262" r:id="rId12"/>
+    <p:sldId id="281" r:id="rId13"/>
+    <p:sldId id="284" r:id="rId14"/>
+    <p:sldId id="285" r:id="rId15"/>
+    <p:sldId id="280" r:id="rId16"/>
+    <p:sldId id="263" r:id="rId17"/>
   </p:sldIdLst>
   <p:sldSz cx="12192000" cy="6858000"/>
   <p:notesSz cx="7103745" cy="10234295"/>
@@ -4053,6 +4055,248 @@
           <a:bodyPr/>
           <a:p>
             <a:r>
+              <a:rPr lang="pt-BR" altLang="en-US"/>
+              <a:t>WEB - Modelo Exemplo</a:t>
+            </a:r>
+            <a:endParaRPr lang="pt-BR" altLang="en-US"/>
+          </a:p>
+        </p:txBody>
+      </p:sp>
+      <p:graphicFrame>
+        <p:nvGraphicFramePr>
+          <p:cNvPr id="5" name="Espaço Reservado para Conteúdo 4"/>
+          <p:cNvGraphicFramePr/>
+          <p:nvPr>
+            <p:ph sz="half" idx="1"/>
+          </p:nvPr>
+        </p:nvGraphicFramePr>
+        <p:xfrm>
+          <a:off x="1006475" y="1048385"/>
+          <a:ext cx="8345170" cy="5106035"/>
+        </p:xfrm>
+        <a:graphic>
+          <a:graphicData uri="http://schemas.openxmlformats.org/presentationml/2006/ole">
+            <mc:AlternateContent xmlns:mc="http://schemas.openxmlformats.org/markup-compatibility/2006">
+              <mc:Choice xmlns:v="urn:schemas-microsoft-com:vml" Requires="v">
+                <p:oleObj spid="_x0000_s6" name="" r:id="rId1" imgW="7629525" imgH="5781675" progId="Paint.Picture">
+                  <p:embed/>
+                </p:oleObj>
+              </mc:Choice>
+              <mc:Fallback>
+                <p:oleObj name="" r:id="rId1" imgW="7629525" imgH="5781675" progId="Paint.Picture">
+                  <p:embed/>
+                  <p:pic>
+                    <p:nvPicPr>
+                      <p:cNvPr id="0" name="Imagem 5"/>
+                      <p:cNvPicPr/>
+                      <p:nvPr/>
+                    </p:nvPicPr>
+                    <p:blipFill>
+                      <a:blip r:embed="rId2"/>
+                      <a:stretch>
+                        <a:fillRect/>
+                      </a:stretch>
+                    </p:blipFill>
+                    <p:spPr>
+                      <a:xfrm>
+                        <a:off x="1006475" y="1048385"/>
+                        <a:ext cx="8345170" cy="5106035"/>
+                      </a:xfrm>
+                      <a:prstGeom prst="rect">
+                        <a:avLst/>
+                      </a:prstGeom>
+                    </p:spPr>
+                  </p:pic>
+                </p:oleObj>
+              </mc:Fallback>
+            </mc:AlternateContent>
+          </a:graphicData>
+        </a:graphic>
+      </p:graphicFrame>
+      <p:sp>
+        <p:nvSpPr>
+          <p:cNvPr id="10" name="Caixa de Texto 9"/>
+          <p:cNvSpPr txBox="1"/>
+          <p:nvPr/>
+        </p:nvSpPr>
+        <p:spPr>
+          <a:xfrm>
+            <a:off x="492125" y="6282690"/>
+            <a:ext cx="9868535" cy="460375"/>
+          </a:xfrm>
+          <a:prstGeom prst="rect">
+            <a:avLst/>
+          </a:prstGeom>
+          <a:noFill/>
+        </p:spPr>
+        <p:txBody>
+          <a:bodyPr wrap="square" rtlCol="0" anchor="t">
+            <a:spAutoFit/>
+          </a:bodyPr>
+          <a:p>
+            <a:r>
+              <a:rPr lang="pt-BR" altLang="en-US" sz="2400" b="1"/>
+              <a:t>https://github.com/michelmontenegro/projeto</a:t>
+            </a:r>
+            <a:endParaRPr lang="pt-BR" altLang="en-US" sz="2400" b="1"/>
+          </a:p>
+        </p:txBody>
+      </p:sp>
+    </p:spTree>
+  </p:cSld>
+  <p:clrMapOvr>
+    <a:masterClrMapping/>
+  </p:clrMapOvr>
+</p:sld>
+</file>
+
+<file path=ppt/slides/slide11.xml><?xml version="1.0" encoding="utf-8"?>
+<p:sld xmlns:a="http://schemas.openxmlformats.org/drawingml/2006/main" xmlns:r="http://schemas.openxmlformats.org/officeDocument/2006/relationships" xmlns:p="http://schemas.openxmlformats.org/presentationml/2006/main">
+  <p:cSld>
+    <p:spTree>
+      <p:nvGrpSpPr>
+        <p:cNvPr id="1" name=""/>
+        <p:cNvGrpSpPr/>
+        <p:nvPr/>
+      </p:nvGrpSpPr>
+      <p:grpSpPr/>
+      <p:sp>
+        <p:nvSpPr>
+          <p:cNvPr id="7" name="Título 6"/>
+          <p:cNvSpPr>
+            <a:spLocks noGrp="1"/>
+          </p:cNvSpPr>
+          <p:nvPr>
+            <p:ph type="title"/>
+          </p:nvPr>
+        </p:nvSpPr>
+        <p:spPr/>
+        <p:txBody>
+          <a:bodyPr/>
+          <a:p>
+            <a:r>
+              <a:rPr lang="pt-BR" altLang="en-US">
+                <a:sym typeface="+mn-ea"/>
+              </a:rPr>
+              <a:t>WEB - Modelo Exemplo</a:t>
+            </a:r>
+            <a:endParaRPr lang="pt-BR" altLang="en-US"/>
+          </a:p>
+        </p:txBody>
+      </p:sp>
+      <p:graphicFrame>
+        <p:nvGraphicFramePr>
+          <p:cNvPr id="5" name="Espaço Reservado para Conteúdo 4"/>
+          <p:cNvGraphicFramePr/>
+          <p:nvPr>
+            <p:ph idx="1"/>
+          </p:nvPr>
+        </p:nvGraphicFramePr>
+        <p:xfrm>
+          <a:off x="492125" y="1174750"/>
+          <a:ext cx="9230360" cy="4953000"/>
+        </p:xfrm>
+        <a:graphic>
+          <a:graphicData uri="http://schemas.openxmlformats.org/presentationml/2006/ole">
+            <mc:AlternateContent xmlns:mc="http://schemas.openxmlformats.org/markup-compatibility/2006">
+              <mc:Choice xmlns:v="urn:schemas-microsoft-com:vml" Requires="v">
+                <p:oleObj spid="_x0000_s6" name="" r:id="rId1" imgW="10848975" imgH="5553075" progId="Paint.Picture">
+                  <p:embed/>
+                </p:oleObj>
+              </mc:Choice>
+              <mc:Fallback>
+                <p:oleObj name="" r:id="rId1" imgW="10848975" imgH="5553075" progId="Paint.Picture">
+                  <p:embed/>
+                  <p:pic>
+                    <p:nvPicPr>
+                      <p:cNvPr id="0" name="Imagem 5"/>
+                      <p:cNvPicPr/>
+                      <p:nvPr/>
+                    </p:nvPicPr>
+                    <p:blipFill>
+                      <a:blip r:embed="rId2"/>
+                      <a:stretch>
+                        <a:fillRect/>
+                      </a:stretch>
+                    </p:blipFill>
+                    <p:spPr>
+                      <a:xfrm>
+                        <a:off x="492125" y="1174750"/>
+                        <a:ext cx="9230360" cy="4953000"/>
+                      </a:xfrm>
+                      <a:prstGeom prst="rect">
+                        <a:avLst/>
+                      </a:prstGeom>
+                    </p:spPr>
+                  </p:pic>
+                </p:oleObj>
+              </mc:Fallback>
+            </mc:AlternateContent>
+          </a:graphicData>
+        </a:graphic>
+      </p:graphicFrame>
+      <p:sp>
+        <p:nvSpPr>
+          <p:cNvPr id="10" name="Caixa de Texto 9"/>
+          <p:cNvSpPr txBox="1"/>
+          <p:nvPr/>
+        </p:nvSpPr>
+        <p:spPr>
+          <a:xfrm>
+            <a:off x="492125" y="6282690"/>
+            <a:ext cx="9230360" cy="460375"/>
+          </a:xfrm>
+          <a:prstGeom prst="rect">
+            <a:avLst/>
+          </a:prstGeom>
+          <a:noFill/>
+        </p:spPr>
+        <p:txBody>
+          <a:bodyPr wrap="square" rtlCol="0" anchor="t">
+            <a:spAutoFit/>
+          </a:bodyPr>
+          <a:p>
+            <a:r>
+              <a:rPr lang="pt-BR" altLang="en-US" sz="2400" b="1"/>
+              <a:t>https://github.com/michelmontenegro/projeto</a:t>
+            </a:r>
+            <a:endParaRPr lang="pt-BR" altLang="en-US" sz="2400" b="1"/>
+          </a:p>
+        </p:txBody>
+      </p:sp>
+    </p:spTree>
+  </p:cSld>
+  <p:clrMapOvr>
+    <a:masterClrMapping/>
+  </p:clrMapOvr>
+</p:sld>
+</file>
+
+<file path=ppt/slides/slide12.xml><?xml version="1.0" encoding="utf-8"?>
+<p:sld xmlns:a="http://schemas.openxmlformats.org/drawingml/2006/main" xmlns:r="http://schemas.openxmlformats.org/officeDocument/2006/relationships" xmlns:p="http://schemas.openxmlformats.org/presentationml/2006/main">
+  <p:cSld>
+    <p:spTree>
+      <p:nvGrpSpPr>
+        <p:cNvPr id="1" name=""/>
+        <p:cNvGrpSpPr/>
+        <p:nvPr/>
+      </p:nvGrpSpPr>
+      <p:grpSpPr/>
+      <p:sp>
+        <p:nvSpPr>
+          <p:cNvPr id="2" name="Título 1"/>
+          <p:cNvSpPr>
+            <a:spLocks noGrp="1"/>
+          </p:cNvSpPr>
+          <p:nvPr>
+            <p:ph type="title"/>
+          </p:nvPr>
+        </p:nvSpPr>
+        <p:spPr/>
+        <p:txBody>
+          <a:bodyPr/>
+          <a:p>
+            <a:r>
               <a:rPr lang="pt-BR" altLang="en-US">
                 <a:sym typeface="+mn-ea"/>
               </a:rPr>
@@ -4164,7 +4408,7 @@
 </p:sld>
 </file>
 
-<file path=ppt/slides/slide11.xml><?xml version="1.0" encoding="utf-8"?>
+<file path=ppt/slides/slide13.xml><?xml version="1.0" encoding="utf-8"?>
 <p:sld xmlns:a="http://schemas.openxmlformats.org/drawingml/2006/main" xmlns:r="http://schemas.openxmlformats.org/officeDocument/2006/relationships" xmlns:p="http://schemas.openxmlformats.org/presentationml/2006/main">
   <p:cSld>
     <p:spTree>
@@ -4257,7 +4501,7 @@
 </p:sld>
 </file>
 
-<file path=ppt/slides/slide12.xml><?xml version="1.0" encoding="utf-8"?>
+<file path=ppt/slides/slide14.xml><?xml version="1.0" encoding="utf-8"?>
 <p:sld xmlns:a="http://schemas.openxmlformats.org/drawingml/2006/main" xmlns:r="http://schemas.openxmlformats.org/officeDocument/2006/relationships" xmlns:p="http://schemas.openxmlformats.org/presentationml/2006/main">
   <p:cSld>
     <p:spTree>
@@ -4351,7 +4595,7 @@
 </p:sld>
 </file>
 
-<file path=ppt/slides/slide13.xml><?xml version="1.0" encoding="utf-8"?>
+<file path=ppt/slides/slide15.xml><?xml version="1.0" encoding="utf-8"?>
 <p:sld xmlns:a="http://schemas.openxmlformats.org/drawingml/2006/main" xmlns:r="http://schemas.openxmlformats.org/officeDocument/2006/relationships" xmlns:p="http://schemas.openxmlformats.org/presentationml/2006/main">
   <p:cSld>
     <p:spTree>
@@ -9846,6 +10090,1148 @@
           <a:p>
             <a:r>
               <a:rPr lang="pt-BR" altLang="en-US"/>
+              <a:t>Arquitetura:  Testes Unitários</a:t>
+            </a:r>
+            <a:endParaRPr lang="pt-BR" altLang="en-US"/>
+          </a:p>
+        </p:txBody>
+      </p:sp>
+      <p:sp>
+        <p:nvSpPr>
+          <p:cNvPr id="4" name="Elipse 3"/>
+          <p:cNvSpPr/>
+          <p:nvPr/>
+        </p:nvSpPr>
+        <p:spPr>
+          <a:xfrm>
+            <a:off x="148590" y="3503295"/>
+            <a:ext cx="2342515" cy="548640"/>
+          </a:xfrm>
+          <a:prstGeom prst="ellipse">
+            <a:avLst/>
+          </a:prstGeom>
+          <a:gradFill rotWithShape="0">
+            <a:gsLst>
+              <a:gs pos="0">
+                <a:schemeClr val="accent1"/>
+              </a:gs>
+              <a:gs pos="100000">
+                <a:schemeClr val="accent2"/>
+              </a:gs>
+            </a:gsLst>
+            <a:lin ang="5400000" scaled="1"/>
+          </a:gradFill>
+          <a:ln w="9525" cap="flat" cmpd="sng" algn="ctr">
+            <a:solidFill>
+              <a:schemeClr val="accent1"/>
+            </a:solidFill>
+            <a:prstDash val="solid"/>
+            <a:round/>
+            <a:headEnd type="none" w="med" len="med"/>
+            <a:tailEnd type="none" w="med" len="med"/>
+          </a:ln>
+        </p:spPr>
+        <p:txBody>
+          <a:bodyPr vert="horz" wrap="none" lIns="91440" tIns="45720" rIns="91440" bIns="45720" numCol="1" anchor="ctr" anchorCtr="0" compatLnSpc="1"/>
+          <a:p>
+            <a:pPr marL="0" marR="0" indent="0" algn="ctr" defTabSz="914400" rtl="0" eaLnBrk="1" fontAlgn="base" latinLnBrk="0" hangingPunct="1">
+              <a:lnSpc>
+                <a:spcPct val="100000"/>
+              </a:lnSpc>
+              <a:spcBef>
+                <a:spcPct val="0"/>
+              </a:spcBef>
+              <a:spcAft>
+                <a:spcPct val="0"/>
+              </a:spcAft>
+              <a:buClrTx/>
+              <a:buSzTx/>
+              <a:buFontTx/>
+              <a:buNone/>
+            </a:pPr>
+            <a:r>
+              <a:rPr kumimoji="0" lang="pt-BR" altLang="zh-CN" sz="1600" b="0" i="0" u="none" strike="noStrike" cap="none" normalizeH="0" baseline="0" smtClean="0">
+                <a:ln>
+                  <a:noFill/>
+                </a:ln>
+                <a:solidFill>
+                  <a:schemeClr val="tx1"/>
+                </a:solidFill>
+                <a:effectLst/>
+                <a:latin typeface="+mj-lt"/>
+                <a:ea typeface="SimSun" panose="02010600030101010101" pitchFamily="2" charset="-122"/>
+                <a:cs typeface="+mj-lt"/>
+              </a:rPr>
+              <a:t>test.java.br.com.projeto</a:t>
+            </a:r>
+            <a:endParaRPr kumimoji="0" lang="pt-BR" altLang="zh-CN" sz="1600" b="0" i="0" u="none" strike="noStrike" cap="none" normalizeH="0" baseline="0" smtClean="0">
+              <a:ln>
+                <a:noFill/>
+              </a:ln>
+              <a:solidFill>
+                <a:schemeClr val="tx1"/>
+              </a:solidFill>
+              <a:effectLst/>
+              <a:latin typeface="+mj-lt"/>
+              <a:ea typeface="SimSun" panose="02010600030101010101" pitchFamily="2" charset="-122"/>
+              <a:cs typeface="+mj-lt"/>
+            </a:endParaRPr>
+          </a:p>
+        </p:txBody>
+      </p:sp>
+      <p:sp>
+        <p:nvSpPr>
+          <p:cNvPr id="51" name="Elipse 50"/>
+          <p:cNvSpPr/>
+          <p:nvPr/>
+        </p:nvSpPr>
+        <p:spPr>
+          <a:xfrm>
+            <a:off x="3939540" y="4989830"/>
+            <a:ext cx="1299845" cy="548640"/>
+          </a:xfrm>
+          <a:prstGeom prst="ellipse">
+            <a:avLst/>
+          </a:prstGeom>
+          <a:solidFill>
+            <a:schemeClr val="accent3">
+              <a:lumMod val="85000"/>
+            </a:schemeClr>
+          </a:solidFill>
+          <a:ln w="9525" cap="flat" cmpd="sng" algn="ctr">
+            <a:solidFill>
+              <a:schemeClr val="accent1"/>
+            </a:solidFill>
+            <a:prstDash val="solid"/>
+            <a:round/>
+            <a:headEnd type="none" w="med" len="med"/>
+            <a:tailEnd type="none" w="med" len="med"/>
+          </a:ln>
+        </p:spPr>
+        <p:txBody>
+          <a:bodyPr vert="horz" wrap="none" lIns="91440" tIns="45720" rIns="91440" bIns="45720" numCol="1" anchor="ctr" anchorCtr="0" compatLnSpc="1"/>
+          <a:p>
+            <a:pPr marL="0" marR="0" indent="0" algn="ctr" defTabSz="914400" rtl="0" eaLnBrk="1" fontAlgn="base" latinLnBrk="0" hangingPunct="1">
+              <a:lnSpc>
+                <a:spcPct val="100000"/>
+              </a:lnSpc>
+              <a:spcBef>
+                <a:spcPct val="0"/>
+              </a:spcBef>
+              <a:spcAft>
+                <a:spcPct val="0"/>
+              </a:spcAft>
+              <a:buClrTx/>
+              <a:buSzTx/>
+              <a:buFontTx/>
+              <a:buNone/>
+            </a:pPr>
+            <a:r>
+              <a:rPr kumimoji="0" lang="pt-BR" altLang="zh-CN" sz="1600" b="0" i="0" u="none" strike="noStrike" cap="none" normalizeH="0" baseline="0" smtClean="0">
+                <a:ln>
+                  <a:noFill/>
+                </a:ln>
+                <a:solidFill>
+                  <a:schemeClr val="tx1"/>
+                </a:solidFill>
+                <a:effectLst/>
+                <a:latin typeface="+mj-lt"/>
+                <a:ea typeface="SimSun" panose="02010600030101010101" pitchFamily="2" charset="-122"/>
+                <a:cs typeface="+mj-lt"/>
+              </a:rPr>
+              <a:t>Controller</a:t>
+            </a:r>
+            <a:endParaRPr kumimoji="0" lang="pt-BR" altLang="zh-CN" sz="1600" b="0" i="0" u="none" strike="noStrike" cap="none" normalizeH="0" baseline="0" smtClean="0">
+              <a:ln>
+                <a:noFill/>
+              </a:ln>
+              <a:solidFill>
+                <a:schemeClr val="tx1"/>
+              </a:solidFill>
+              <a:effectLst/>
+              <a:latin typeface="+mj-lt"/>
+              <a:ea typeface="SimSun" panose="02010600030101010101" pitchFamily="2" charset="-122"/>
+              <a:cs typeface="+mj-lt"/>
+            </a:endParaRPr>
+          </a:p>
+        </p:txBody>
+      </p:sp>
+      <p:cxnSp>
+        <p:nvCxnSpPr>
+          <p:cNvPr id="54" name="Conector de Seta Reta 53"/>
+          <p:cNvCxnSpPr>
+            <a:stCxn id="4" idx="6"/>
+            <a:endCxn id="51" idx="2"/>
+          </p:cNvCxnSpPr>
+          <p:nvPr/>
+        </p:nvCxnSpPr>
+        <p:spPr>
+          <a:xfrm>
+            <a:off x="2491105" y="3777615"/>
+            <a:ext cx="1448435" cy="1486535"/>
+          </a:xfrm>
+          <a:prstGeom prst="straightConnector1">
+            <a:avLst/>
+          </a:prstGeom>
+          <a:gradFill rotWithShape="0">
+            <a:gsLst>
+              <a:gs pos="0">
+                <a:schemeClr val="accent1"/>
+              </a:gs>
+              <a:gs pos="100000">
+                <a:schemeClr val="accent2"/>
+              </a:gs>
+            </a:gsLst>
+            <a:lin ang="5400000" scaled="1"/>
+          </a:gradFill>
+          <a:ln w="9525" cap="flat" cmpd="sng" algn="ctr">
+            <a:solidFill>
+              <a:schemeClr val="accent1"/>
+            </a:solidFill>
+            <a:prstDash val="solid"/>
+            <a:round/>
+            <a:headEnd type="none" w="med" len="med"/>
+            <a:tailEnd type="arrow" w="med" len="med"/>
+          </a:ln>
+        </p:spPr>
+      </p:cxnSp>
+      <p:sp>
+        <p:nvSpPr>
+          <p:cNvPr id="57" name="Elipse 56"/>
+          <p:cNvSpPr/>
+          <p:nvPr/>
+        </p:nvSpPr>
+        <p:spPr>
+          <a:xfrm>
+            <a:off x="5680075" y="4305935"/>
+            <a:ext cx="1217930" cy="532130"/>
+          </a:xfrm>
+          <a:prstGeom prst="ellipse">
+            <a:avLst/>
+          </a:prstGeom>
+          <a:solidFill>
+            <a:schemeClr val="accent3">
+              <a:lumMod val="85000"/>
+            </a:schemeClr>
+          </a:solidFill>
+          <a:ln w="9525" cap="flat" cmpd="sng" algn="ctr">
+            <a:solidFill>
+              <a:schemeClr val="accent1"/>
+            </a:solidFill>
+            <a:prstDash val="solid"/>
+            <a:round/>
+            <a:headEnd type="none" w="med" len="med"/>
+            <a:tailEnd type="none" w="med" len="med"/>
+          </a:ln>
+        </p:spPr>
+        <p:txBody>
+          <a:bodyPr vert="horz" wrap="none" lIns="91440" tIns="45720" rIns="91440" bIns="45720" numCol="1" anchor="ctr" anchorCtr="0" compatLnSpc="1"/>
+          <a:p>
+            <a:pPr marL="0" marR="0" indent="0" algn="ctr" defTabSz="914400" rtl="0" eaLnBrk="1" fontAlgn="base" latinLnBrk="0" hangingPunct="1">
+              <a:lnSpc>
+                <a:spcPct val="100000"/>
+              </a:lnSpc>
+              <a:spcBef>
+                <a:spcPct val="0"/>
+              </a:spcBef>
+              <a:spcAft>
+                <a:spcPct val="0"/>
+              </a:spcAft>
+              <a:buClrTx/>
+              <a:buSzTx/>
+              <a:buFontTx/>
+              <a:buNone/>
+            </a:pPr>
+            <a:r>
+              <a:rPr kumimoji="0" lang="pt-BR" altLang="zh-CN" sz="1600" b="0" i="0" u="none" strike="noStrike" cap="none" normalizeH="0" baseline="0" smtClean="0">
+                <a:ln>
+                  <a:noFill/>
+                </a:ln>
+                <a:solidFill>
+                  <a:schemeClr val="tx1"/>
+                </a:solidFill>
+                <a:effectLst/>
+                <a:latin typeface="+mj-lt"/>
+                <a:ea typeface="SimSun" panose="02010600030101010101" pitchFamily="2" charset="-122"/>
+                <a:cs typeface="+mj-lt"/>
+              </a:rPr>
+              <a:t>Rest</a:t>
+            </a:r>
+            <a:endParaRPr kumimoji="0" lang="pt-BR" altLang="zh-CN" sz="1600" b="0" i="0" u="none" strike="noStrike" cap="none" normalizeH="0" baseline="0" smtClean="0">
+              <a:ln>
+                <a:noFill/>
+              </a:ln>
+              <a:solidFill>
+                <a:schemeClr val="tx1"/>
+              </a:solidFill>
+              <a:effectLst/>
+              <a:latin typeface="+mj-lt"/>
+              <a:ea typeface="SimSun" panose="02010600030101010101" pitchFamily="2" charset="-122"/>
+              <a:cs typeface="+mj-lt"/>
+            </a:endParaRPr>
+          </a:p>
+        </p:txBody>
+      </p:sp>
+      <p:cxnSp>
+        <p:nvCxnSpPr>
+          <p:cNvPr id="59" name="Conector de Seta Reta 58"/>
+          <p:cNvCxnSpPr>
+            <a:stCxn id="51" idx="6"/>
+            <a:endCxn id="57" idx="2"/>
+          </p:cNvCxnSpPr>
+          <p:nvPr/>
+        </p:nvCxnSpPr>
+        <p:spPr>
+          <a:xfrm flipV="1">
+            <a:off x="5239385" y="4572000"/>
+            <a:ext cx="440690" cy="692150"/>
+          </a:xfrm>
+          <a:prstGeom prst="straightConnector1">
+            <a:avLst/>
+          </a:prstGeom>
+          <a:gradFill rotWithShape="0">
+            <a:gsLst>
+              <a:gs pos="0">
+                <a:schemeClr val="accent1"/>
+              </a:gs>
+              <a:gs pos="100000">
+                <a:schemeClr val="accent2"/>
+              </a:gs>
+            </a:gsLst>
+            <a:lin ang="5400000" scaled="1"/>
+          </a:gradFill>
+          <a:ln w="9525" cap="flat" cmpd="sng" algn="ctr">
+            <a:solidFill>
+              <a:schemeClr val="accent1"/>
+            </a:solidFill>
+            <a:prstDash val="solid"/>
+            <a:round/>
+            <a:headEnd type="none" w="med" len="med"/>
+            <a:tailEnd type="arrow" w="med" len="med"/>
+          </a:ln>
+        </p:spPr>
+      </p:cxnSp>
+      <p:sp>
+        <p:nvSpPr>
+          <p:cNvPr id="66" name="Fluxograma: multidocument 65"/>
+          <p:cNvSpPr/>
+          <p:nvPr/>
+        </p:nvSpPr>
+        <p:spPr>
+          <a:xfrm>
+            <a:off x="7812405" y="4019550"/>
+            <a:ext cx="3372485" cy="818515"/>
+          </a:xfrm>
+          <a:prstGeom prst="flowChartMultidocument">
+            <a:avLst/>
+          </a:prstGeom>
+          <a:solidFill>
+            <a:schemeClr val="accent3">
+              <a:lumMod val="85000"/>
+            </a:schemeClr>
+          </a:solidFill>
+          <a:ln w="9525" cap="flat" cmpd="sng" algn="ctr">
+            <a:solidFill>
+              <a:schemeClr val="accent1"/>
+            </a:solidFill>
+            <a:prstDash val="solid"/>
+            <a:round/>
+            <a:headEnd type="none" w="med" len="med"/>
+            <a:tailEnd type="none" w="med" len="med"/>
+          </a:ln>
+        </p:spPr>
+        <p:txBody>
+          <a:bodyPr vert="horz" wrap="none" lIns="91440" tIns="45720" rIns="91440" bIns="45720" numCol="1" anchor="ctr" anchorCtr="0" compatLnSpc="1"/>
+          <a:p>
+            <a:pPr marL="0" marR="0" indent="0" algn="l" defTabSz="914400" rtl="0" eaLnBrk="1" fontAlgn="base" latinLnBrk="0" hangingPunct="1">
+              <a:lnSpc>
+                <a:spcPct val="100000"/>
+              </a:lnSpc>
+              <a:spcBef>
+                <a:spcPct val="0"/>
+              </a:spcBef>
+              <a:spcAft>
+                <a:spcPct val="0"/>
+              </a:spcAft>
+              <a:buClrTx/>
+              <a:buSzTx/>
+              <a:buFontTx/>
+              <a:buNone/>
+            </a:pPr>
+            <a:r>
+              <a:rPr kumimoji="0" lang="pt-BR" altLang="zh-CN" sz="1800" b="0" i="0" u="none" strike="noStrike" cap="none" normalizeH="0" baseline="0" smtClean="0">
+                <a:ln>
+                  <a:noFill/>
+                </a:ln>
+                <a:solidFill>
+                  <a:schemeClr val="tx1"/>
+                </a:solidFill>
+                <a:effectLst/>
+                <a:latin typeface="Arial" panose="020B0604020202020204" pitchFamily="34" charset="0"/>
+                <a:ea typeface="SimSun" panose="02010600030101010101" pitchFamily="2" charset="-122"/>
+              </a:rPr>
+              <a:t>nomeRestTest.java</a:t>
+            </a:r>
+            <a:endParaRPr kumimoji="0" lang="pt-BR" altLang="zh-CN" sz="1800" b="0" i="0" u="none" strike="noStrike" cap="none" normalizeH="0" baseline="0" smtClean="0">
+              <a:ln>
+                <a:noFill/>
+              </a:ln>
+              <a:solidFill>
+                <a:schemeClr val="tx1"/>
+              </a:solidFill>
+              <a:effectLst/>
+              <a:latin typeface="Arial" panose="020B0604020202020204" pitchFamily="34" charset="0"/>
+              <a:ea typeface="SimSun" panose="02010600030101010101" pitchFamily="2" charset="-122"/>
+            </a:endParaRPr>
+          </a:p>
+          <a:p>
+            <a:pPr marL="0" marR="0" indent="0" algn="l" defTabSz="914400" rtl="0" eaLnBrk="1" fontAlgn="base" latinLnBrk="0" hangingPunct="1">
+              <a:lnSpc>
+                <a:spcPct val="100000"/>
+              </a:lnSpc>
+              <a:spcBef>
+                <a:spcPct val="0"/>
+              </a:spcBef>
+              <a:spcAft>
+                <a:spcPct val="0"/>
+              </a:spcAft>
+              <a:buClrTx/>
+              <a:buSzTx/>
+              <a:buFontTx/>
+              <a:buNone/>
+            </a:pPr>
+            <a:r>
+              <a:rPr kumimoji="0" lang="pt-BR" altLang="zh-CN" sz="1800" b="0" i="0" u="none" strike="noStrike" cap="none" normalizeH="0" baseline="0" smtClean="0">
+                <a:ln>
+                  <a:noFill/>
+                </a:ln>
+                <a:solidFill>
+                  <a:schemeClr val="tx1"/>
+                </a:solidFill>
+                <a:effectLst/>
+                <a:latin typeface="Arial" panose="020B0604020202020204" pitchFamily="34" charset="0"/>
+                <a:ea typeface="SimSun" panose="02010600030101010101" pitchFamily="2" charset="-122"/>
+              </a:rPr>
+              <a:t>...</a:t>
+            </a:r>
+            <a:endParaRPr kumimoji="0" lang="pt-BR" altLang="zh-CN" sz="1800" b="0" i="0" u="none" strike="noStrike" cap="none" normalizeH="0" baseline="0" smtClean="0">
+              <a:ln>
+                <a:noFill/>
+              </a:ln>
+              <a:solidFill>
+                <a:schemeClr val="tx1"/>
+              </a:solidFill>
+              <a:effectLst/>
+              <a:latin typeface="Arial" panose="020B0604020202020204" pitchFamily="34" charset="0"/>
+              <a:ea typeface="SimSun" panose="02010600030101010101" pitchFamily="2" charset="-122"/>
+            </a:endParaRPr>
+          </a:p>
+        </p:txBody>
+      </p:sp>
+      <p:cxnSp>
+        <p:nvCxnSpPr>
+          <p:cNvPr id="67" name="Conector de Seta Reta 66"/>
+          <p:cNvCxnSpPr>
+            <a:stCxn id="57" idx="6"/>
+            <a:endCxn id="66" idx="1"/>
+          </p:cNvCxnSpPr>
+          <p:nvPr/>
+        </p:nvCxnSpPr>
+        <p:spPr>
+          <a:xfrm flipV="1">
+            <a:off x="6898005" y="4429125"/>
+            <a:ext cx="914400" cy="142875"/>
+          </a:xfrm>
+          <a:prstGeom prst="straightConnector1">
+            <a:avLst/>
+          </a:prstGeom>
+          <a:gradFill rotWithShape="0">
+            <a:gsLst>
+              <a:gs pos="0">
+                <a:schemeClr val="accent1"/>
+              </a:gs>
+              <a:gs pos="100000">
+                <a:schemeClr val="accent2"/>
+              </a:gs>
+            </a:gsLst>
+            <a:lin ang="5400000" scaled="1"/>
+          </a:gradFill>
+          <a:ln w="9525" cap="flat" cmpd="sng" algn="ctr">
+            <a:solidFill>
+              <a:schemeClr val="accent1"/>
+            </a:solidFill>
+            <a:prstDash val="solid"/>
+            <a:round/>
+            <a:headEnd type="none" w="med" len="med"/>
+            <a:tailEnd type="arrow" w="med" len="med"/>
+          </a:ln>
+        </p:spPr>
+      </p:cxnSp>
+      <p:sp>
+        <p:nvSpPr>
+          <p:cNvPr id="6" name="Elipse 5"/>
+          <p:cNvSpPr/>
+          <p:nvPr/>
+        </p:nvSpPr>
+        <p:spPr>
+          <a:xfrm>
+            <a:off x="4164330" y="2954655"/>
+            <a:ext cx="1299845" cy="548640"/>
+          </a:xfrm>
+          <a:prstGeom prst="ellipse">
+            <a:avLst/>
+          </a:prstGeom>
+          <a:solidFill>
+            <a:schemeClr val="accent3">
+              <a:lumMod val="85000"/>
+            </a:schemeClr>
+          </a:solidFill>
+          <a:ln w="9525" cap="flat" cmpd="sng" algn="ctr">
+            <a:solidFill>
+              <a:schemeClr val="accent1"/>
+            </a:solidFill>
+            <a:prstDash val="solid"/>
+            <a:round/>
+            <a:headEnd type="none" w="med" len="med"/>
+            <a:tailEnd type="none" w="med" len="med"/>
+          </a:ln>
+        </p:spPr>
+        <p:txBody>
+          <a:bodyPr vert="horz" wrap="none" lIns="91440" tIns="45720" rIns="91440" bIns="45720" numCol="1" anchor="ctr" anchorCtr="0" compatLnSpc="1"/>
+          <a:p>
+            <a:pPr marL="0" marR="0" indent="0" algn="ctr" defTabSz="914400" rtl="0" eaLnBrk="1" fontAlgn="base" latinLnBrk="0" hangingPunct="1">
+              <a:lnSpc>
+                <a:spcPct val="100000"/>
+              </a:lnSpc>
+              <a:spcBef>
+                <a:spcPct val="0"/>
+              </a:spcBef>
+              <a:spcAft>
+                <a:spcPct val="0"/>
+              </a:spcAft>
+              <a:buClrTx/>
+              <a:buSzTx/>
+              <a:buFontTx/>
+              <a:buNone/>
+            </a:pPr>
+            <a:r>
+              <a:rPr kumimoji="0" lang="pt-BR" altLang="zh-CN" sz="1600" b="0" i="0" u="none" strike="noStrike" cap="none" normalizeH="0" baseline="0" smtClean="0">
+                <a:ln>
+                  <a:noFill/>
+                </a:ln>
+                <a:solidFill>
+                  <a:schemeClr val="tx1"/>
+                </a:solidFill>
+                <a:effectLst/>
+                <a:latin typeface="+mj-lt"/>
+                <a:ea typeface="SimSun" panose="02010600030101010101" pitchFamily="2" charset="-122"/>
+                <a:cs typeface="+mj-lt"/>
+              </a:rPr>
+              <a:t>....</a:t>
+            </a:r>
+            <a:endParaRPr kumimoji="0" lang="pt-BR" altLang="zh-CN" sz="1600" b="0" i="0" u="none" strike="noStrike" cap="none" normalizeH="0" baseline="0" smtClean="0">
+              <a:ln>
+                <a:noFill/>
+              </a:ln>
+              <a:solidFill>
+                <a:schemeClr val="tx1"/>
+              </a:solidFill>
+              <a:effectLst/>
+              <a:latin typeface="+mj-lt"/>
+              <a:ea typeface="SimSun" panose="02010600030101010101" pitchFamily="2" charset="-122"/>
+              <a:cs typeface="+mj-lt"/>
+            </a:endParaRPr>
+          </a:p>
+        </p:txBody>
+      </p:sp>
+      <p:cxnSp>
+        <p:nvCxnSpPr>
+          <p:cNvPr id="7" name="Conector de Seta Reta 6"/>
+          <p:cNvCxnSpPr>
+            <a:stCxn id="4" idx="6"/>
+            <a:endCxn id="6" idx="2"/>
+          </p:cNvCxnSpPr>
+          <p:nvPr/>
+        </p:nvCxnSpPr>
+        <p:spPr>
+          <a:xfrm flipV="1">
+            <a:off x="2491105" y="3228975"/>
+            <a:ext cx="1673225" cy="548640"/>
+          </a:xfrm>
+          <a:prstGeom prst="straightConnector1">
+            <a:avLst/>
+          </a:prstGeom>
+          <a:gradFill rotWithShape="0">
+            <a:gsLst>
+              <a:gs pos="0">
+                <a:schemeClr val="accent1"/>
+              </a:gs>
+              <a:gs pos="100000">
+                <a:schemeClr val="accent2"/>
+              </a:gs>
+            </a:gsLst>
+            <a:lin ang="5400000" scaled="1"/>
+          </a:gradFill>
+          <a:ln w="9525" cap="flat" cmpd="sng" algn="ctr">
+            <a:solidFill>
+              <a:schemeClr val="accent1"/>
+            </a:solidFill>
+            <a:prstDash val="solid"/>
+            <a:round/>
+            <a:headEnd type="none" w="med" len="med"/>
+            <a:tailEnd type="arrow" w="med" len="med"/>
+          </a:ln>
+        </p:spPr>
+      </p:cxnSp>
+      <p:sp>
+        <p:nvSpPr>
+          <p:cNvPr id="8" name="Elipse 7"/>
+          <p:cNvSpPr/>
+          <p:nvPr/>
+        </p:nvSpPr>
+        <p:spPr>
+          <a:xfrm>
+            <a:off x="5828665" y="5640705"/>
+            <a:ext cx="1217930" cy="532130"/>
+          </a:xfrm>
+          <a:prstGeom prst="ellipse">
+            <a:avLst/>
+          </a:prstGeom>
+          <a:solidFill>
+            <a:schemeClr val="accent3">
+              <a:lumMod val="85000"/>
+            </a:schemeClr>
+          </a:solidFill>
+          <a:ln w="9525" cap="flat" cmpd="sng" algn="ctr">
+            <a:solidFill>
+              <a:schemeClr val="accent1"/>
+            </a:solidFill>
+            <a:prstDash val="solid"/>
+            <a:round/>
+            <a:headEnd type="none" w="med" len="med"/>
+            <a:tailEnd type="none" w="med" len="med"/>
+          </a:ln>
+        </p:spPr>
+        <p:txBody>
+          <a:bodyPr vert="horz" wrap="none" lIns="91440" tIns="45720" rIns="91440" bIns="45720" numCol="1" anchor="ctr" anchorCtr="0" compatLnSpc="1"/>
+          <a:p>
+            <a:pPr marL="0" marR="0" indent="0" algn="ctr" defTabSz="914400" rtl="0" eaLnBrk="1" fontAlgn="base" latinLnBrk="0" hangingPunct="1">
+              <a:lnSpc>
+                <a:spcPct val="100000"/>
+              </a:lnSpc>
+              <a:spcBef>
+                <a:spcPct val="0"/>
+              </a:spcBef>
+              <a:spcAft>
+                <a:spcPct val="0"/>
+              </a:spcAft>
+              <a:buClrTx/>
+              <a:buSzTx/>
+              <a:buFontTx/>
+              <a:buNone/>
+            </a:pPr>
+            <a:r>
+              <a:rPr kumimoji="0" lang="pt-BR" altLang="zh-CN" sz="1600" b="0" i="0" u="none" strike="noStrike" cap="none" normalizeH="0" baseline="0" smtClean="0">
+                <a:ln>
+                  <a:noFill/>
+                </a:ln>
+                <a:solidFill>
+                  <a:schemeClr val="tx1"/>
+                </a:solidFill>
+                <a:effectLst/>
+                <a:latin typeface="+mj-lt"/>
+                <a:ea typeface="SimSun" panose="02010600030101010101" pitchFamily="2" charset="-122"/>
+                <a:cs typeface="+mj-lt"/>
+              </a:rPr>
+              <a:t>Web</a:t>
+            </a:r>
+            <a:endParaRPr kumimoji="0" lang="pt-BR" altLang="zh-CN" sz="1600" b="0" i="0" u="none" strike="noStrike" cap="none" normalizeH="0" baseline="0" smtClean="0">
+              <a:ln>
+                <a:noFill/>
+              </a:ln>
+              <a:solidFill>
+                <a:schemeClr val="tx1"/>
+              </a:solidFill>
+              <a:effectLst/>
+              <a:latin typeface="+mj-lt"/>
+              <a:ea typeface="SimSun" panose="02010600030101010101" pitchFamily="2" charset="-122"/>
+              <a:cs typeface="+mj-lt"/>
+            </a:endParaRPr>
+          </a:p>
+        </p:txBody>
+      </p:sp>
+      <p:cxnSp>
+        <p:nvCxnSpPr>
+          <p:cNvPr id="9" name="Conector de Seta Reta 8"/>
+          <p:cNvCxnSpPr>
+            <a:stCxn id="51" idx="6"/>
+            <a:endCxn id="8" idx="2"/>
+          </p:cNvCxnSpPr>
+          <p:nvPr/>
+        </p:nvCxnSpPr>
+        <p:spPr>
+          <a:xfrm>
+            <a:off x="5239385" y="5264150"/>
+            <a:ext cx="589280" cy="642620"/>
+          </a:xfrm>
+          <a:prstGeom prst="straightConnector1">
+            <a:avLst/>
+          </a:prstGeom>
+          <a:gradFill rotWithShape="0">
+            <a:gsLst>
+              <a:gs pos="0">
+                <a:schemeClr val="accent1"/>
+              </a:gs>
+              <a:gs pos="100000">
+                <a:schemeClr val="accent2"/>
+              </a:gs>
+            </a:gsLst>
+            <a:lin ang="5400000" scaled="1"/>
+          </a:gradFill>
+          <a:ln w="9525" cap="flat" cmpd="sng" algn="ctr">
+            <a:solidFill>
+              <a:schemeClr val="accent1"/>
+            </a:solidFill>
+            <a:prstDash val="solid"/>
+            <a:round/>
+            <a:headEnd type="none" w="med" len="med"/>
+            <a:tailEnd type="arrow" w="med" len="med"/>
+          </a:ln>
+        </p:spPr>
+      </p:cxnSp>
+      <p:sp>
+        <p:nvSpPr>
+          <p:cNvPr id="11" name="Fluxograma: multidocument 10"/>
+          <p:cNvSpPr/>
+          <p:nvPr/>
+        </p:nvSpPr>
+        <p:spPr>
+          <a:xfrm>
+            <a:off x="7812405" y="5518150"/>
+            <a:ext cx="3372485" cy="818515"/>
+          </a:xfrm>
+          <a:prstGeom prst="flowChartMultidocument">
+            <a:avLst/>
+          </a:prstGeom>
+          <a:solidFill>
+            <a:schemeClr val="accent3">
+              <a:lumMod val="85000"/>
+            </a:schemeClr>
+          </a:solidFill>
+          <a:ln w="9525" cap="flat" cmpd="sng" algn="ctr">
+            <a:solidFill>
+              <a:schemeClr val="accent1"/>
+            </a:solidFill>
+            <a:prstDash val="solid"/>
+            <a:round/>
+            <a:headEnd type="none" w="med" len="med"/>
+            <a:tailEnd type="none" w="med" len="med"/>
+          </a:ln>
+        </p:spPr>
+        <p:txBody>
+          <a:bodyPr vert="horz" wrap="none" lIns="91440" tIns="45720" rIns="91440" bIns="45720" numCol="1" anchor="ctr" anchorCtr="0" compatLnSpc="1"/>
+          <a:p>
+            <a:pPr marL="0" marR="0" indent="0" algn="l" defTabSz="914400" rtl="0" eaLnBrk="1" fontAlgn="base" latinLnBrk="0" hangingPunct="1">
+              <a:lnSpc>
+                <a:spcPct val="100000"/>
+              </a:lnSpc>
+              <a:spcBef>
+                <a:spcPct val="0"/>
+              </a:spcBef>
+              <a:spcAft>
+                <a:spcPct val="0"/>
+              </a:spcAft>
+              <a:buClrTx/>
+              <a:buSzTx/>
+              <a:buFontTx/>
+              <a:buNone/>
+            </a:pPr>
+            <a:r>
+              <a:rPr kumimoji="0" lang="pt-BR" altLang="zh-CN" sz="1800" b="0" i="0" u="none" strike="noStrike" cap="none" normalizeH="0" baseline="0" smtClean="0">
+                <a:ln>
+                  <a:noFill/>
+                </a:ln>
+                <a:solidFill>
+                  <a:schemeClr val="tx1"/>
+                </a:solidFill>
+                <a:effectLst/>
+                <a:latin typeface="Arial" panose="020B0604020202020204" pitchFamily="34" charset="0"/>
+                <a:ea typeface="SimSun" panose="02010600030101010101" pitchFamily="2" charset="-122"/>
+              </a:rPr>
+              <a:t>nomeRestTest.java</a:t>
+            </a:r>
+            <a:endParaRPr kumimoji="0" lang="pt-BR" altLang="zh-CN" sz="1800" b="0" i="0" u="none" strike="noStrike" cap="none" normalizeH="0" baseline="0" smtClean="0">
+              <a:ln>
+                <a:noFill/>
+              </a:ln>
+              <a:solidFill>
+                <a:schemeClr val="tx1"/>
+              </a:solidFill>
+              <a:effectLst/>
+              <a:latin typeface="Arial" panose="020B0604020202020204" pitchFamily="34" charset="0"/>
+              <a:ea typeface="SimSun" panose="02010600030101010101" pitchFamily="2" charset="-122"/>
+            </a:endParaRPr>
+          </a:p>
+          <a:p>
+            <a:pPr marL="0" marR="0" indent="0" algn="l" defTabSz="914400" rtl="0" eaLnBrk="1" fontAlgn="base" latinLnBrk="0" hangingPunct="1">
+              <a:lnSpc>
+                <a:spcPct val="100000"/>
+              </a:lnSpc>
+              <a:spcBef>
+                <a:spcPct val="0"/>
+              </a:spcBef>
+              <a:spcAft>
+                <a:spcPct val="0"/>
+              </a:spcAft>
+              <a:buClrTx/>
+              <a:buSzTx/>
+              <a:buFontTx/>
+              <a:buNone/>
+            </a:pPr>
+            <a:r>
+              <a:rPr kumimoji="0" lang="pt-BR" altLang="zh-CN" sz="1800" b="0" i="0" u="none" strike="noStrike" cap="none" normalizeH="0" baseline="0" smtClean="0">
+                <a:ln>
+                  <a:noFill/>
+                </a:ln>
+                <a:solidFill>
+                  <a:schemeClr val="tx1"/>
+                </a:solidFill>
+                <a:effectLst/>
+                <a:latin typeface="Arial" panose="020B0604020202020204" pitchFamily="34" charset="0"/>
+                <a:ea typeface="SimSun" panose="02010600030101010101" pitchFamily="2" charset="-122"/>
+              </a:rPr>
+              <a:t>...</a:t>
+            </a:r>
+            <a:endParaRPr kumimoji="0" lang="pt-BR" altLang="zh-CN" sz="1800" b="0" i="0" u="none" strike="noStrike" cap="none" normalizeH="0" baseline="0" smtClean="0">
+              <a:ln>
+                <a:noFill/>
+              </a:ln>
+              <a:solidFill>
+                <a:schemeClr val="tx1"/>
+              </a:solidFill>
+              <a:effectLst/>
+              <a:latin typeface="Arial" panose="020B0604020202020204" pitchFamily="34" charset="0"/>
+              <a:ea typeface="SimSun" panose="02010600030101010101" pitchFamily="2" charset="-122"/>
+            </a:endParaRPr>
+          </a:p>
+        </p:txBody>
+      </p:sp>
+      <p:cxnSp>
+        <p:nvCxnSpPr>
+          <p:cNvPr id="12" name="Conector de Seta Reta 11"/>
+          <p:cNvCxnSpPr>
+            <a:stCxn id="8" idx="6"/>
+            <a:endCxn id="11" idx="1"/>
+          </p:cNvCxnSpPr>
+          <p:nvPr/>
+        </p:nvCxnSpPr>
+        <p:spPr>
+          <a:xfrm>
+            <a:off x="7046595" y="5906770"/>
+            <a:ext cx="765810" cy="20955"/>
+          </a:xfrm>
+          <a:prstGeom prst="straightConnector1">
+            <a:avLst/>
+          </a:prstGeom>
+          <a:gradFill rotWithShape="0">
+            <a:gsLst>
+              <a:gs pos="0">
+                <a:schemeClr val="accent1"/>
+              </a:gs>
+              <a:gs pos="100000">
+                <a:schemeClr val="accent2"/>
+              </a:gs>
+            </a:gsLst>
+            <a:lin ang="5400000" scaled="1"/>
+          </a:gradFill>
+          <a:ln w="9525" cap="flat" cmpd="sng" algn="ctr">
+            <a:solidFill>
+              <a:schemeClr val="accent1"/>
+            </a:solidFill>
+            <a:prstDash val="solid"/>
+            <a:round/>
+            <a:headEnd type="none" w="med" len="med"/>
+            <a:tailEnd type="arrow" w="med" len="med"/>
+          </a:ln>
+        </p:spPr>
+      </p:cxnSp>
+      <p:sp>
+        <p:nvSpPr>
+          <p:cNvPr id="14" name="Caixa de Texto 13"/>
+          <p:cNvSpPr txBox="1"/>
+          <p:nvPr/>
+        </p:nvSpPr>
+        <p:spPr>
+          <a:xfrm>
+            <a:off x="295910" y="1408430"/>
+            <a:ext cx="10952480" cy="645160"/>
+          </a:xfrm>
+          <a:prstGeom prst="rect">
+            <a:avLst/>
+          </a:prstGeom>
+          <a:noFill/>
+        </p:spPr>
+        <p:txBody>
+          <a:bodyPr wrap="square" rtlCol="0" anchor="t">
+            <a:spAutoFit/>
+          </a:bodyPr>
+          <a:p>
+            <a:r>
+              <a:rPr lang="pt-BR" altLang="en-US"/>
+              <a:t>Ambiente de teste para cada metodo especifico dos controles, uma das vantagens é que podemos testar  </a:t>
+            </a:r>
+            <a:endParaRPr lang="pt-BR" altLang="en-US"/>
+          </a:p>
+          <a:p>
+            <a:r>
+              <a:rPr lang="pt-BR" altLang="en-US"/>
+              <a:t>certos resultados sem um abiente visual (Pagina Web Completa) ou um Postman/SoapUi, etc.</a:t>
+            </a:r>
+            <a:endParaRPr lang="pt-BR" altLang="en-US"/>
+          </a:p>
+        </p:txBody>
+      </p:sp>
+    </p:spTree>
+  </p:cSld>
+  <p:clrMapOvr>
+    <a:masterClrMapping/>
+  </p:clrMapOvr>
+</p:sld>
+</file>
+
+<file path=ppt/slides/slide8.xml><?xml version="1.0" encoding="utf-8"?>
+<p:sld xmlns:a="http://schemas.openxmlformats.org/drawingml/2006/main" xmlns:r="http://schemas.openxmlformats.org/officeDocument/2006/relationships" xmlns:p="http://schemas.openxmlformats.org/presentationml/2006/main">
+  <p:cSld>
+    <p:spTree>
+      <p:nvGrpSpPr>
+        <p:cNvPr id="1" name=""/>
+        <p:cNvGrpSpPr/>
+        <p:nvPr/>
+      </p:nvGrpSpPr>
+      <p:grpSpPr/>
+      <p:sp>
+        <p:nvSpPr>
+          <p:cNvPr id="2" name="Título 1"/>
+          <p:cNvSpPr>
+            <a:spLocks noGrp="1"/>
+          </p:cNvSpPr>
+          <p:nvPr>
+            <p:ph type="title"/>
+          </p:nvPr>
+        </p:nvSpPr>
+        <p:spPr/>
+        <p:txBody>
+          <a:bodyPr/>
+          <a:p>
+            <a:r>
+              <a:rPr lang="pt-BR" altLang="en-US"/>
+              <a:t>Uso de Profiles (Perfis: Dev e Prod)</a:t>
+            </a:r>
+            <a:endParaRPr lang="pt-BR" altLang="en-US"/>
+          </a:p>
+        </p:txBody>
+      </p:sp>
+      <p:graphicFrame>
+        <p:nvGraphicFramePr>
+          <p:cNvPr id="7" name="Espaço Reservado para Conteúdo 6"/>
+          <p:cNvGraphicFramePr>
+            <a:graphicFrameLocks noChangeAspect="1"/>
+          </p:cNvGraphicFramePr>
+          <p:nvPr>
+            <p:ph idx="1"/>
+          </p:nvPr>
+        </p:nvGraphicFramePr>
+        <p:xfrm>
+          <a:off x="142240" y="976630"/>
+          <a:ext cx="8599170" cy="5749290"/>
+        </p:xfrm>
+        <a:graphic>
+          <a:graphicData uri="http://schemas.openxmlformats.org/presentationml/2006/ole">
+            <mc:AlternateContent xmlns:mc="http://schemas.openxmlformats.org/markup-compatibility/2006">
+              <mc:Choice xmlns:v="urn:schemas-microsoft-com:vml" Requires="v">
+                <p:oleObj spid="_x0000_s8" name="" r:id="rId1" imgW="8562975" imgH="5724525" progId="Paint.Picture">
+                  <p:embed/>
+                </p:oleObj>
+              </mc:Choice>
+              <mc:Fallback>
+                <p:oleObj name="" r:id="rId1" imgW="8562975" imgH="5724525" progId="Paint.Picture">
+                  <p:embed/>
+                  <p:pic>
+                    <p:nvPicPr>
+                      <p:cNvPr id="0" name="Imagem 7"/>
+                      <p:cNvPicPr/>
+                      <p:nvPr/>
+                    </p:nvPicPr>
+                    <p:blipFill>
+                      <a:blip r:embed="rId2"/>
+                      <a:stretch>
+                        <a:fillRect/>
+                      </a:stretch>
+                    </p:blipFill>
+                    <p:spPr>
+                      <a:xfrm>
+                        <a:off x="142240" y="976630"/>
+                        <a:ext cx="8599170" cy="5749290"/>
+                      </a:xfrm>
+                      <a:prstGeom prst="rect">
+                        <a:avLst/>
+                      </a:prstGeom>
+                    </p:spPr>
+                  </p:pic>
+                </p:oleObj>
+              </mc:Fallback>
+            </mc:AlternateContent>
+          </a:graphicData>
+        </a:graphic>
+      </p:graphicFrame>
+      <p:sp>
+        <p:nvSpPr>
+          <p:cNvPr id="9" name="Caixa de Texto 8"/>
+          <p:cNvSpPr txBox="1"/>
+          <p:nvPr/>
+        </p:nvSpPr>
+        <p:spPr>
+          <a:xfrm>
+            <a:off x="8874760" y="1557655"/>
+            <a:ext cx="3357880" cy="3138170"/>
+          </a:xfrm>
+          <a:prstGeom prst="rect">
+            <a:avLst/>
+          </a:prstGeom>
+          <a:noFill/>
+        </p:spPr>
+        <p:txBody>
+          <a:bodyPr wrap="none" rtlCol="0" anchor="t">
+            <a:spAutoFit/>
+          </a:bodyPr>
+          <a:p>
+            <a:pPr algn="l"/>
+            <a:r>
+              <a:rPr lang="pt-BR" altLang="en-US">
+                <a:sym typeface="+mn-ea"/>
+              </a:rPr>
+              <a:t>Uso de dois Perfis, o de </a:t>
+            </a:r>
+            <a:endParaRPr lang="pt-BR" altLang="en-US">
+              <a:sym typeface="+mn-ea"/>
+            </a:endParaRPr>
+          </a:p>
+          <a:p>
+            <a:pPr algn="l"/>
+            <a:r>
+              <a:rPr lang="pt-BR" altLang="en-US">
+                <a:sym typeface="+mn-ea"/>
+              </a:rPr>
+              <a:t>desenvolvimento (dev) e o </a:t>
+            </a:r>
+            <a:endParaRPr lang="pt-BR" altLang="en-US">
+              <a:sym typeface="+mn-ea"/>
+            </a:endParaRPr>
+          </a:p>
+          <a:p>
+            <a:pPr algn="l"/>
+            <a:r>
+              <a:rPr lang="pt-BR" altLang="en-US"/>
+              <a:t>de Produção (Prod).</a:t>
+            </a:r>
+            <a:endParaRPr lang="pt-BR" altLang="en-US"/>
+          </a:p>
+          <a:p>
+            <a:pPr algn="l"/>
+            <a:endParaRPr lang="pt-BR" altLang="en-US"/>
+          </a:p>
+          <a:p>
+            <a:pPr algn="l"/>
+            <a:r>
+              <a:rPr lang="pt-BR" altLang="en-US"/>
+              <a:t>O desenvolvedor na hora de </a:t>
+            </a:r>
+            <a:endParaRPr lang="pt-BR" altLang="en-US"/>
+          </a:p>
+          <a:p>
+            <a:pPr algn="l"/>
+            <a:r>
+              <a:rPr lang="pt-BR" altLang="en-US"/>
+              <a:t>submeter (Commit) só precisa</a:t>
+            </a:r>
+            <a:endParaRPr lang="pt-BR" altLang="en-US"/>
+          </a:p>
+          <a:p>
+            <a:pPr algn="l"/>
+            <a:r>
+              <a:rPr lang="pt-BR" altLang="en-US"/>
+              <a:t>mudar no Application.propertier</a:t>
+            </a:r>
+            <a:endParaRPr lang="pt-BR" altLang="en-US"/>
+          </a:p>
+          <a:p>
+            <a:pPr algn="l"/>
+            <a:r>
+              <a:rPr lang="pt-BR" altLang="en-US"/>
+              <a:t>o parametro</a:t>
+            </a:r>
+            <a:endParaRPr lang="pt-BR" altLang="en-US"/>
+          </a:p>
+          <a:p>
+            <a:pPr algn="l"/>
+            <a:r>
+              <a:rPr lang="pt-BR" altLang="en-US"/>
+              <a:t>spring.profiles.active=dev</a:t>
+            </a:r>
+            <a:endParaRPr lang="pt-BR" altLang="en-US"/>
+          </a:p>
+          <a:p>
+            <a:pPr algn="l"/>
+            <a:r>
+              <a:rPr lang="pt-BR" altLang="en-US"/>
+              <a:t>para</a:t>
+            </a:r>
+            <a:endParaRPr lang="pt-BR" altLang="en-US"/>
+          </a:p>
+          <a:p>
+            <a:pPr algn="l"/>
+            <a:r>
+              <a:rPr lang="pt-BR" altLang="en-US"/>
+              <a:t>spring.profiles.active=prod</a:t>
+            </a:r>
+            <a:endParaRPr lang="pt-BR" altLang="en-US"/>
+          </a:p>
+        </p:txBody>
+      </p:sp>
+    </p:spTree>
+  </p:cSld>
+  <p:clrMapOvr>
+    <a:masterClrMapping/>
+  </p:clrMapOvr>
+</p:sld>
+</file>
+
+<file path=ppt/slides/slide9.xml><?xml version="1.0" encoding="utf-8"?>
+<p:sld xmlns:a="http://schemas.openxmlformats.org/drawingml/2006/main" xmlns:r="http://schemas.openxmlformats.org/officeDocument/2006/relationships" xmlns:p="http://schemas.openxmlformats.org/presentationml/2006/main">
+  <p:cSld>
+    <p:spTree>
+      <p:nvGrpSpPr>
+        <p:cNvPr id="1" name=""/>
+        <p:cNvGrpSpPr/>
+        <p:nvPr/>
+      </p:nvGrpSpPr>
+      <p:grpSpPr/>
+      <p:sp>
+        <p:nvSpPr>
+          <p:cNvPr id="2" name="Título 1"/>
+          <p:cNvSpPr>
+            <a:spLocks noGrp="1"/>
+          </p:cNvSpPr>
+          <p:nvPr>
+            <p:ph type="title"/>
+          </p:nvPr>
+        </p:nvSpPr>
+        <p:spPr/>
+        <p:txBody>
+          <a:bodyPr/>
+          <a:p>
+            <a:r>
+              <a:rPr lang="pt-BR" altLang="en-US"/>
               <a:t>Arquitetura:  </a:t>
             </a:r>
             <a:r>
@@ -9932,7 +11318,7 @@
         <p:spPr>
           <a:xfrm>
             <a:off x="3286125" y="1884680"/>
-            <a:ext cx="4631055" cy="3077210"/>
+            <a:ext cx="4798695" cy="3077210"/>
           </a:xfrm>
           <a:prstGeom prst="ellipse">
             <a:avLst/>
@@ -9991,7 +11377,7 @@
         <p:spPr>
           <a:xfrm>
             <a:off x="6256655" y="1884680"/>
-            <a:ext cx="4317365" cy="3077210"/>
+            <a:ext cx="4929505" cy="3077210"/>
           </a:xfrm>
           <a:prstGeom prst="ellipse">
             <a:avLst/>
@@ -10049,7 +11435,7 @@
         </p:nvSpPr>
         <p:spPr>
           <a:xfrm>
-            <a:off x="4859020" y="1370965"/>
+            <a:off x="4746625" y="1104265"/>
             <a:ext cx="1643380" cy="368300"/>
           </a:xfrm>
           <a:prstGeom prst="rect">
@@ -10180,8 +11566,8 @@
         </p:nvSpPr>
         <p:spPr>
           <a:xfrm>
-            <a:off x="4704080" y="3029585"/>
-            <a:ext cx="1313180" cy="368300"/>
+            <a:off x="4683760" y="3050540"/>
+            <a:ext cx="1600200" cy="1938020"/>
           </a:xfrm>
           <a:prstGeom prst="rect">
             <a:avLst/>
@@ -10189,18 +11575,44 @@
           <a:noFill/>
         </p:spPr>
         <p:txBody>
-          <a:bodyPr wrap="none" rtlCol="0" anchor="t">
+          <a:bodyPr wrap="square" rtlCol="0" anchor="t">
             <a:spAutoFit/>
           </a:bodyPr>
           <a:p>
             <a:pPr algn="l"/>
             <a:r>
-              <a:rPr lang="pt-BR" altLang="en-US">
+              <a:rPr lang="pt-BR" altLang="en-US" b="1">
                 <a:sym typeface="+mn-ea"/>
               </a:rPr>
               <a:t>SpringBoot</a:t>
             </a:r>
+            <a:endParaRPr lang="pt-BR" altLang="en-US">
+              <a:sym typeface="+mn-ea"/>
+            </a:endParaRPr>
+          </a:p>
+          <a:p>
+            <a:pPr algn="l"/>
             <a:endParaRPr lang="pt-BR" altLang="en-US"/>
+          </a:p>
+          <a:p>
+            <a:pPr algn="l"/>
+            <a:endParaRPr lang="pt-BR" altLang="en-US"/>
+          </a:p>
+          <a:p>
+            <a:pPr algn="l"/>
+            <a:endParaRPr lang="pt-BR" altLang="en-US"/>
+          </a:p>
+          <a:p>
+            <a:pPr algn="l"/>
+            <a:endParaRPr lang="pt-BR" altLang="en-US"/>
+          </a:p>
+          <a:p>
+            <a:pPr algn="l"/>
+            <a:endParaRPr lang="pt-BR" altLang="en-US"/>
+          </a:p>
+          <a:p>
+            <a:pPr algn="l"/>
+            <a:endParaRPr lang="pt-BR" altLang="en-US" sz="1200"/>
           </a:p>
         </p:txBody>
       </p:sp>
@@ -10212,8 +11624,8 @@
         </p:nvSpPr>
         <p:spPr>
           <a:xfrm>
-            <a:off x="6502400" y="3035300"/>
-            <a:ext cx="1313180" cy="368300"/>
+            <a:off x="6390005" y="2905125"/>
+            <a:ext cx="1656080" cy="645160"/>
           </a:xfrm>
           <a:prstGeom prst="rect">
             <a:avLst/>
@@ -10227,7 +11639,7 @@
           <a:p>
             <a:pPr algn="l"/>
             <a:r>
-              <a:rPr lang="pt-BR" altLang="zh-CN" smtClean="0">
+              <a:rPr lang="pt-BR" altLang="zh-CN" b="1" smtClean="0">
                 <a:ln>
                   <a:noFill/>
                 </a:ln>
@@ -10239,6 +11651,23 @@
               </a:rPr>
               <a:t>Thymeleaf </a:t>
             </a:r>
+            <a:endParaRPr lang="pt-BR" altLang="zh-CN" smtClean="0">
+              <a:ln>
+                <a:noFill/>
+              </a:ln>
+              <a:effectLst/>
+              <a:latin typeface="+mj-lt"/>
+              <a:ea typeface="SimSun" panose="02010600030101010101" pitchFamily="2" charset="-122"/>
+              <a:cs typeface="+mj-lt"/>
+              <a:sym typeface="+mn-ea"/>
+            </a:endParaRPr>
+          </a:p>
+          <a:p>
+            <a:pPr algn="l"/>
+            <a:r>
+              <a:rPr lang="pt-BR" altLang="en-US"/>
+              <a:t>(Servlets/html)</a:t>
+            </a:r>
             <a:endParaRPr lang="pt-BR" altLang="en-US"/>
           </a:p>
         </p:txBody>
@@ -10252,7 +11681,7 @@
         <p:spPr>
           <a:xfrm>
             <a:off x="6811645" y="3669030"/>
-            <a:ext cx="628650" cy="1917065"/>
+            <a:ext cx="628650" cy="2013585"/>
           </a:xfrm>
           <a:prstGeom prst="downArrow">
             <a:avLst/>
@@ -10388,7 +11817,7 @@
         </p:nvSpPr>
         <p:spPr>
           <a:xfrm>
-            <a:off x="342900" y="5875655"/>
+            <a:off x="205740" y="5875655"/>
             <a:ext cx="2728595" cy="711200"/>
           </a:xfrm>
           <a:prstGeom prst="flowChartMultidocument">
@@ -10447,7 +11876,7 @@
                 <a:latin typeface="Arial" panose="020B0604020202020204" pitchFamily="34" charset="0"/>
                 <a:ea typeface="SimSun" panose="02010600030101010101" pitchFamily="2" charset="-122"/>
               </a:rPr>
-              <a:t>Fragmentos (*html)</a:t>
+              <a:t>Fragmentos (html) </a:t>
             </a:r>
             <a:endParaRPr kumimoji="0" lang="pt-BR" altLang="zh-CN" sz="1800" b="0" i="0" u="none" strike="noStrike" cap="none" normalizeH="0" baseline="0" smtClean="0">
               <a:ln>
@@ -10471,7 +11900,7 @@
         </p:nvSpPr>
         <p:spPr>
           <a:xfrm>
-            <a:off x="3688080" y="5902960"/>
+            <a:off x="6810375" y="5800725"/>
             <a:ext cx="892810" cy="579120"/>
           </a:xfrm>
           <a:prstGeom prst="flowChartAlternateProcess">
@@ -10554,8 +11983,8 @@
         </p:nvSpPr>
         <p:spPr>
           <a:xfrm>
-            <a:off x="8448675" y="3043555"/>
-            <a:ext cx="1363980" cy="368300"/>
+            <a:off x="8300085" y="2489835"/>
+            <a:ext cx="2646680" cy="1476375"/>
           </a:xfrm>
           <a:prstGeom prst="rect">
             <a:avLst/>
@@ -10581,6 +12010,47 @@
               </a:rPr>
               <a:t>CSS, JS, ...</a:t>
             </a:r>
+            <a:endParaRPr lang="pt-BR" altLang="zh-CN" smtClean="0">
+              <a:ln>
+                <a:noFill/>
+              </a:ln>
+              <a:effectLst/>
+              <a:latin typeface="+mj-lt"/>
+              <a:ea typeface="SimSun" panose="02010600030101010101" pitchFamily="2" charset="-122"/>
+              <a:cs typeface="+mj-lt"/>
+              <a:sym typeface="+mn-ea"/>
+            </a:endParaRPr>
+          </a:p>
+          <a:p>
+            <a:pPr algn="l"/>
+            <a:endParaRPr lang="pt-BR" altLang="en-US"/>
+          </a:p>
+          <a:p>
+            <a:pPr algn="l"/>
+            <a:r>
+              <a:rPr lang="pt-BR" altLang="en-US" b="1"/>
+              <a:t>Analisar</a:t>
+            </a:r>
+            <a:r>
+              <a:rPr lang="pt-BR" altLang="en-US"/>
+              <a:t>: React, Vue </a:t>
+            </a:r>
+            <a:endParaRPr lang="pt-BR" altLang="en-US"/>
+          </a:p>
+          <a:p>
+            <a:pPr algn="l"/>
+            <a:r>
+              <a:rPr lang="pt-BR" altLang="en-US"/>
+              <a:t>ou Angular em conjunto </a:t>
+            </a:r>
+            <a:endParaRPr lang="pt-BR" altLang="en-US"/>
+          </a:p>
+          <a:p>
+            <a:pPr algn="l"/>
+            <a:r>
+              <a:rPr lang="pt-BR" altLang="en-US"/>
+              <a:t>com Thymeleaf</a:t>
+            </a:r>
             <a:endParaRPr lang="pt-BR" altLang="en-US"/>
           </a:p>
         </p:txBody>
@@ -10595,9 +12065,9 @@
           <p:nvPr/>
         </p:nvCxnSpPr>
         <p:spPr>
-          <a:xfrm flipV="1">
-            <a:off x="4580890" y="6176645"/>
-            <a:ext cx="880110" cy="15875"/>
+          <a:xfrm>
+            <a:off x="7703185" y="6090285"/>
+            <a:ext cx="880110" cy="9525"/>
           </a:xfrm>
           <a:prstGeom prst="straightConnector1">
             <a:avLst/>
@@ -10634,8 +12104,8 @@
         </p:nvSpPr>
         <p:spPr>
           <a:xfrm>
-            <a:off x="5461000" y="5754370"/>
-            <a:ext cx="876300" cy="843915"/>
+            <a:off x="8583295" y="5784850"/>
+            <a:ext cx="1009015" cy="629920"/>
           </a:xfrm>
           <a:prstGeom prst="foldedCorner">
             <a:avLst/>
@@ -10707,107 +12177,16 @@
           </a:p>
         </p:txBody>
       </p:sp>
-    </p:spTree>
-  </p:cSld>
-  <p:clrMapOvr>
-    <a:masterClrMapping/>
-  </p:clrMapOvr>
-</p:sld>
-</file>
-
-<file path=ppt/slides/slide8.xml><?xml version="1.0" encoding="utf-8"?>
-<p:sld xmlns:a="http://schemas.openxmlformats.org/drawingml/2006/main" xmlns:r="http://schemas.openxmlformats.org/officeDocument/2006/relationships" xmlns:p="http://schemas.openxmlformats.org/presentationml/2006/main">
-  <p:cSld>
-    <p:spTree>
-      <p:nvGrpSpPr>
-        <p:cNvPr id="1" name=""/>
-        <p:cNvGrpSpPr/>
-        <p:nvPr/>
-      </p:nvGrpSpPr>
-      <p:grpSpPr/>
-      <p:sp>
-        <p:nvSpPr>
-          <p:cNvPr id="2" name="Título 1"/>
-          <p:cNvSpPr>
-            <a:spLocks noGrp="1"/>
-          </p:cNvSpPr>
-          <p:nvPr>
-            <p:ph type="title"/>
-          </p:nvPr>
-        </p:nvSpPr>
-        <p:spPr/>
-        <p:txBody>
-          <a:bodyPr/>
-          <a:p>
-            <a:r>
-              <a:rPr lang="pt-BR" altLang="en-US"/>
-              <a:t>WEB - Modelo Exemplo</a:t>
-            </a:r>
-            <a:endParaRPr lang="pt-BR" altLang="en-US"/>
-          </a:p>
-        </p:txBody>
-      </p:sp>
-      <p:graphicFrame>
-        <p:nvGraphicFramePr>
-          <p:cNvPr id="5" name="Espaço Reservado para Conteúdo 4"/>
-          <p:cNvGraphicFramePr/>
-          <p:nvPr>
-            <p:ph sz="half" idx="1"/>
-          </p:nvPr>
-        </p:nvGraphicFramePr>
-        <p:xfrm>
-          <a:off x="1006475" y="1048385"/>
-          <a:ext cx="8345170" cy="5106035"/>
-        </p:xfrm>
-        <a:graphic>
-          <a:graphicData uri="http://schemas.openxmlformats.org/presentationml/2006/ole">
-            <mc:AlternateContent xmlns:mc="http://schemas.openxmlformats.org/markup-compatibility/2006">
-              <mc:Choice xmlns:v="urn:schemas-microsoft-com:vml" Requires="v">
-                <p:oleObj spid="_x0000_s6" name="" r:id="rId1" imgW="7629525" imgH="5781675" progId="Paint.Picture">
-                  <p:embed/>
-                </p:oleObj>
-              </mc:Choice>
-              <mc:Fallback>
-                <p:oleObj name="" r:id="rId1" imgW="7629525" imgH="5781675" progId="Paint.Picture">
-                  <p:embed/>
-                  <p:pic>
-                    <p:nvPicPr>
-                      <p:cNvPr id="0" name="Imagem 5"/>
-                      <p:cNvPicPr/>
-                      <p:nvPr/>
-                    </p:nvPicPr>
-                    <p:blipFill>
-                      <a:blip r:embed="rId2"/>
-                      <a:stretch>
-                        <a:fillRect/>
-                      </a:stretch>
-                    </p:blipFill>
-                    <p:spPr>
-                      <a:xfrm>
-                        <a:off x="1006475" y="1048385"/>
-                        <a:ext cx="8345170" cy="5106035"/>
-                      </a:xfrm>
-                      <a:prstGeom prst="rect">
-                        <a:avLst/>
-                      </a:prstGeom>
-                    </p:spPr>
-                  </p:pic>
-                </p:oleObj>
-              </mc:Fallback>
-            </mc:AlternateContent>
-          </a:graphicData>
-        </a:graphic>
-      </p:graphicFrame>
-      <p:sp>
-        <p:nvSpPr>
-          <p:cNvPr id="10" name="Caixa de Texto 9"/>
+      <p:sp>
+        <p:nvSpPr>
+          <p:cNvPr id="3" name="Caixa de Texto 2"/>
           <p:cNvSpPr txBox="1"/>
           <p:nvPr/>
         </p:nvSpPr>
         <p:spPr>
           <a:xfrm>
-            <a:off x="492125" y="6282690"/>
-            <a:ext cx="9868535" cy="460375"/>
+            <a:off x="4537075" y="3597910"/>
+            <a:ext cx="2037715" cy="1198880"/>
           </a:xfrm>
           <a:prstGeom prst="rect">
             <a:avLst/>
@@ -10819,117 +12198,43 @@
             <a:spAutoFit/>
           </a:bodyPr>
           <a:p>
-            <a:r>
-              <a:rPr lang="pt-BR" altLang="en-US" sz="2400" b="1"/>
-              <a:t>https://github.com/michelmontenegro/projeto</a:t>
-            </a:r>
-            <a:endParaRPr lang="pt-BR" altLang="en-US" sz="2400" b="1"/>
-          </a:p>
-        </p:txBody>
-      </p:sp>
-    </p:spTree>
-  </p:cSld>
-  <p:clrMapOvr>
-    <a:masterClrMapping/>
-  </p:clrMapOvr>
-</p:sld>
-</file>
-
-<file path=ppt/slides/slide9.xml><?xml version="1.0" encoding="utf-8"?>
-<p:sld xmlns:a="http://schemas.openxmlformats.org/drawingml/2006/main" xmlns:r="http://schemas.openxmlformats.org/officeDocument/2006/relationships" xmlns:p="http://schemas.openxmlformats.org/presentationml/2006/main">
-  <p:cSld>
-    <p:spTree>
-      <p:nvGrpSpPr>
-        <p:cNvPr id="1" name=""/>
-        <p:cNvGrpSpPr/>
-        <p:nvPr/>
-      </p:nvGrpSpPr>
-      <p:grpSpPr/>
-      <p:sp>
-        <p:nvSpPr>
-          <p:cNvPr id="7" name="Título 6"/>
-          <p:cNvSpPr>
-            <a:spLocks noGrp="1"/>
-          </p:cNvSpPr>
-          <p:nvPr>
-            <p:ph type="title"/>
-          </p:nvPr>
-        </p:nvSpPr>
-        <p:spPr/>
-        <p:txBody>
-          <a:bodyPr/>
-          <a:p>
+            <a:pPr algn="l"/>
             <a:r>
               <a:rPr lang="pt-BR" altLang="en-US">
                 <a:sym typeface="+mn-ea"/>
               </a:rPr>
-              <a:t>WEB - Modelo Exemplo</a:t>
+              <a:t>        </a:t>
+            </a:r>
+            <a:r>
+              <a:rPr lang="pt-BR" altLang="en-US" b="1">
+                <a:sym typeface="+mn-ea"/>
+              </a:rPr>
+              <a:t>TDD </a:t>
             </a:r>
             <a:endParaRPr lang="pt-BR" altLang="en-US"/>
           </a:p>
-        </p:txBody>
-      </p:sp>
-      <p:graphicFrame>
-        <p:nvGraphicFramePr>
-          <p:cNvPr id="5" name="Espaço Reservado para Conteúdo 4"/>
-          <p:cNvGraphicFramePr/>
-          <p:nvPr>
-            <p:ph idx="1"/>
-          </p:nvPr>
-        </p:nvGraphicFramePr>
-        <p:xfrm>
-          <a:off x="492125" y="1174750"/>
-          <a:ext cx="9230360" cy="4953000"/>
-        </p:xfrm>
-        <a:graphic>
-          <a:graphicData uri="http://schemas.openxmlformats.org/presentationml/2006/ole">
-            <mc:AlternateContent xmlns:mc="http://schemas.openxmlformats.org/markup-compatibility/2006">
-              <mc:Choice xmlns:v="urn:schemas-microsoft-com:vml" Requires="v">
-                <p:oleObj spid="_x0000_s6" name="" r:id="rId1" imgW="10848975" imgH="5553075" progId="Paint.Picture">
-                  <p:embed/>
-                </p:oleObj>
-              </mc:Choice>
-              <mc:Fallback>
-                <p:oleObj name="" r:id="rId1" imgW="10848975" imgH="5553075" progId="Paint.Picture">
-                  <p:embed/>
-                  <p:pic>
-                    <p:nvPicPr>
-                      <p:cNvPr id="0" name="Imagem 5"/>
-                      <p:cNvPicPr/>
-                      <p:nvPr/>
-                    </p:nvPicPr>
-                    <p:blipFill>
-                      <a:blip r:embed="rId2"/>
-                      <a:stretch>
-                        <a:fillRect/>
-                      </a:stretch>
-                    </p:blipFill>
-                    <p:spPr>
-                      <a:xfrm>
-                        <a:off x="492125" y="1174750"/>
-                        <a:ext cx="9230360" cy="4953000"/>
-                      </a:xfrm>
-                      <a:prstGeom prst="rect">
-                        <a:avLst/>
-                      </a:prstGeom>
-                    </p:spPr>
-                  </p:pic>
-                </p:oleObj>
-              </mc:Fallback>
-            </mc:AlternateContent>
-          </a:graphicData>
-        </a:graphic>
-      </p:graphicFrame>
-      <p:sp>
-        <p:nvSpPr>
-          <p:cNvPr id="10" name="Caixa de Texto 9"/>
+          <a:p>
+            <a:pPr algn="l"/>
+            <a:r>
+              <a:rPr lang="pt-BR" altLang="en-US">
+                <a:sym typeface="+mn-ea"/>
+              </a:rPr>
+              <a:t>(Desenvlvimento Orientado a Teste )</a:t>
+            </a:r>
+            <a:endParaRPr lang="pt-BR" altLang="en-US"/>
+          </a:p>
+        </p:txBody>
+      </p:sp>
+      <p:sp>
+        <p:nvSpPr>
+          <p:cNvPr id="4" name="Caixa de Texto 3"/>
           <p:cNvSpPr txBox="1"/>
           <p:nvPr/>
         </p:nvSpPr>
         <p:spPr>
           <a:xfrm>
-            <a:off x="492125" y="6282690"/>
-            <a:ext cx="9230360" cy="460375"/>
+            <a:off x="4672965" y="1461770"/>
+            <a:ext cx="1884680" cy="368300"/>
           </a:xfrm>
           <a:prstGeom prst="rect">
             <a:avLst/>
@@ -10937,15 +12242,170 @@
           <a:noFill/>
         </p:spPr>
         <p:txBody>
-          <a:bodyPr wrap="square" rtlCol="0" anchor="t">
+          <a:bodyPr wrap="none" rtlCol="0" anchor="t">
             <a:spAutoFit/>
           </a:bodyPr>
           <a:p>
-            <a:r>
-              <a:rPr lang="pt-BR" altLang="en-US" sz="2400" b="1"/>
-              <a:t>https://github.com/michelmontenegro/projeto</a:t>
-            </a:r>
-            <a:endParaRPr lang="pt-BR" altLang="en-US" sz="2400" b="1"/>
+            <a:pPr algn="l"/>
+            <a:r>
+              <a:rPr lang="pt-BR" altLang="en-US">
+                <a:sym typeface="+mn-ea"/>
+              </a:rPr>
+              <a:t>[Programadores]</a:t>
+            </a:r>
+            <a:endParaRPr lang="pt-BR" altLang="en-US"/>
+          </a:p>
+        </p:txBody>
+      </p:sp>
+      <p:sp>
+        <p:nvSpPr>
+          <p:cNvPr id="13" name="Fluxograma: Armazenamento interno 12"/>
+          <p:cNvSpPr/>
+          <p:nvPr/>
+        </p:nvSpPr>
+        <p:spPr>
+          <a:xfrm>
+            <a:off x="4387850" y="5797550"/>
+            <a:ext cx="1951990" cy="618490"/>
+          </a:xfrm>
+          <a:prstGeom prst="flowChartInternalStorage">
+            <a:avLst/>
+          </a:prstGeom>
+          <a:gradFill rotWithShape="0">
+            <a:gsLst>
+              <a:gs pos="0">
+                <a:schemeClr val="accent1"/>
+              </a:gs>
+              <a:gs pos="100000">
+                <a:schemeClr val="accent2"/>
+              </a:gs>
+            </a:gsLst>
+            <a:lin ang="5400000" scaled="1"/>
+          </a:gradFill>
+          <a:ln w="28575" cap="flat" cmpd="sng" algn="ctr">
+            <a:solidFill>
+              <a:schemeClr val="accent1">
+                <a:shade val="50000"/>
+              </a:schemeClr>
+            </a:solidFill>
+            <a:prstDash val="solid"/>
+            <a:round/>
+            <a:headEnd type="none" w="med" len="med"/>
+            <a:tailEnd type="none" w="med" len="med"/>
+          </a:ln>
+        </p:spPr>
+        <p:txBody>
+          <a:bodyPr vert="horz" wrap="none" lIns="91440" tIns="45720" rIns="91440" bIns="45720" numCol="1" anchor="ctr" anchorCtr="0" compatLnSpc="1"/>
+          <a:p>
+            <a:pPr marL="0" marR="0" indent="0" algn="l" defTabSz="914400" rtl="0" eaLnBrk="1" fontAlgn="base" latinLnBrk="0" hangingPunct="1">
+              <a:lnSpc>
+                <a:spcPct val="100000"/>
+              </a:lnSpc>
+              <a:spcBef>
+                <a:spcPct val="0"/>
+              </a:spcBef>
+              <a:spcAft>
+                <a:spcPct val="0"/>
+              </a:spcAft>
+              <a:buClrTx/>
+              <a:buSzTx/>
+              <a:buFontTx/>
+              <a:buNone/>
+            </a:pPr>
+            <a:r>
+              <a:rPr kumimoji="0" lang="pt-BR" altLang="zh-CN" sz="1800" b="0" i="0" u="none" strike="noStrike" cap="none" normalizeH="0" baseline="0" smtClean="0">
+                <a:ln>
+                  <a:noFill/>
+                </a:ln>
+                <a:solidFill>
+                  <a:schemeClr val="tx1"/>
+                </a:solidFill>
+                <a:effectLst/>
+                <a:latin typeface="Arial" panose="020B0604020202020204" pitchFamily="34" charset="0"/>
+                <a:ea typeface="SimSun" panose="02010600030101010101" pitchFamily="2" charset="-122"/>
+              </a:rPr>
+              <a:t>Pagina.html</a:t>
+            </a:r>
+            <a:endParaRPr kumimoji="0" lang="pt-BR" altLang="zh-CN" sz="1800" b="0" i="0" u="none" strike="noStrike" cap="none" normalizeH="0" baseline="0" smtClean="0">
+              <a:ln>
+                <a:noFill/>
+              </a:ln>
+              <a:solidFill>
+                <a:schemeClr val="tx1"/>
+              </a:solidFill>
+              <a:effectLst/>
+              <a:latin typeface="Arial" panose="020B0604020202020204" pitchFamily="34" charset="0"/>
+              <a:ea typeface="SimSun" panose="02010600030101010101" pitchFamily="2" charset="-122"/>
+            </a:endParaRPr>
+          </a:p>
+        </p:txBody>
+      </p:sp>
+      <p:sp>
+        <p:nvSpPr>
+          <p:cNvPr id="19" name="Esquerda-Direita Seta 18"/>
+          <p:cNvSpPr/>
+          <p:nvPr/>
+        </p:nvSpPr>
+        <p:spPr>
+          <a:xfrm>
+            <a:off x="2934335" y="5953125"/>
+            <a:ext cx="1453515" cy="429895"/>
+          </a:xfrm>
+          <a:prstGeom prst="leftRightArrow">
+            <a:avLst/>
+          </a:prstGeom>
+          <a:gradFill rotWithShape="0">
+            <a:gsLst>
+              <a:gs pos="0">
+                <a:schemeClr val="accent1"/>
+              </a:gs>
+              <a:gs pos="100000">
+                <a:schemeClr val="accent2"/>
+              </a:gs>
+            </a:gsLst>
+            <a:lin ang="5400000" scaled="1"/>
+          </a:gradFill>
+          <a:ln w="28575" cap="flat" cmpd="sng" algn="ctr">
+            <a:solidFill>
+              <a:schemeClr val="accent1">
+                <a:shade val="50000"/>
+              </a:schemeClr>
+            </a:solidFill>
+            <a:prstDash val="solid"/>
+            <a:round/>
+            <a:headEnd type="none" w="med" len="med"/>
+            <a:tailEnd type="none" w="med" len="med"/>
+          </a:ln>
+        </p:spPr>
+        <p:txBody>
+          <a:bodyPr vert="horz" wrap="none" lIns="91440" tIns="45720" rIns="91440" bIns="45720" numCol="1" anchor="ctr" anchorCtr="0" compatLnSpc="1"/>
+          <a:p>
+            <a:pPr marL="0" marR="0" indent="0" algn="l" defTabSz="914400" rtl="0" eaLnBrk="1" fontAlgn="base" latinLnBrk="0" hangingPunct="1">
+              <a:lnSpc>
+                <a:spcPct val="100000"/>
+              </a:lnSpc>
+              <a:spcBef>
+                <a:spcPct val="0"/>
+              </a:spcBef>
+              <a:spcAft>
+                <a:spcPct val="0"/>
+              </a:spcAft>
+              <a:buClrTx/>
+              <a:buSzTx/>
+              <a:buFontTx/>
+              <a:buNone/>
+            </a:pPr>
+            <a:endParaRPr kumimoji="0" lang="zh-CN" altLang="en-US" sz="1800" b="0" i="0" u="none" strike="noStrike" cap="none" normalizeH="0" baseline="0" smtClean="0">
+              <a:ln>
+                <a:noFill/>
+              </a:ln>
+              <a:solidFill>
+                <a:schemeClr val="tx1"/>
+              </a:solidFill>
+              <a:effectLst/>
+              <a:latin typeface="Arial" panose="020B0604020202020204" pitchFamily="34" charset="0"/>
+              <a:ea typeface="SimSun" panose="02010600030101010101" pitchFamily="2" charset="-122"/>
+            </a:endParaRPr>
           </a:p>
         </p:txBody>
       </p:sp>

--- a/src/main/resources/static/ArquiteturaProjeto/ArquiteturaModeloProjetoSpringBoot.pptx
+++ b/src/main/resources/static/ArquiteturaProjeto/ArquiteturaModeloProjetoSpringBoot.pptx
@@ -7262,7 +7262,7 @@
         <p:spPr>
           <a:xfrm>
             <a:off x="148590" y="1041400"/>
-            <a:ext cx="6224270" cy="337185"/>
+            <a:ext cx="10095230" cy="337185"/>
           </a:xfrm>
           <a:prstGeom prst="rect">
             <a:avLst/>
@@ -7301,7 +7301,7 @@
                 <a:latin typeface="+mj-lt"/>
                 <a:cs typeface="+mj-lt"/>
               </a:rPr>
-              <a:t>dados (JSON ou XML)</a:t>
+              <a:t>dados (JSON [Padrão] ou XML [Web Services - WSDL] )</a:t>
             </a:r>
             <a:endParaRPr lang="pt-BR" altLang="en-US" sz="1600">
               <a:latin typeface="+mj-lt"/>
@@ -7850,7 +7850,7 @@
         </p:nvSpPr>
         <p:spPr>
           <a:xfrm>
-            <a:off x="6356985" y="2581910"/>
+            <a:off x="6356985" y="2423795"/>
             <a:ext cx="1217930" cy="532130"/>
           </a:xfrm>
           <a:prstGeom prst="ellipse">
@@ -7976,7 +7976,7 @@
         <p:spPr>
           <a:xfrm>
             <a:off x="4935220" y="2268855"/>
-            <a:ext cx="1421765" cy="579120"/>
+            <a:ext cx="1421765" cy="421005"/>
           </a:xfrm>
           <a:prstGeom prst="straightConnector1">
             <a:avLst/>
@@ -8497,7 +8497,7 @@
         </p:nvSpPr>
         <p:spPr>
           <a:xfrm>
-            <a:off x="8833485" y="2500630"/>
+            <a:off x="8833485" y="2335530"/>
             <a:ext cx="2859405" cy="694690"/>
           </a:xfrm>
           <a:prstGeom prst="flowChartMultidocument">
@@ -8622,9 +8622,9 @@
           <p:nvPr/>
         </p:nvCxnSpPr>
         <p:spPr>
-          <a:xfrm>
-            <a:off x="7574915" y="2847975"/>
-            <a:ext cx="1258570" cy="0"/>
+          <a:xfrm flipV="1">
+            <a:off x="7574915" y="2682875"/>
+            <a:ext cx="1258570" cy="6985"/>
           </a:xfrm>
           <a:prstGeom prst="straightConnector1">
             <a:avLst/>
@@ -8821,7 +8821,7 @@
         </p:nvSpPr>
         <p:spPr>
           <a:xfrm>
-            <a:off x="149225" y="1377950"/>
+            <a:off x="132715" y="1377950"/>
             <a:ext cx="5761990" cy="337185"/>
           </a:xfrm>
           <a:prstGeom prst="rect">
@@ -8951,6 +8951,128 @@
           <a:xfrm>
             <a:off x="1945005" y="3777615"/>
             <a:ext cx="1556385" cy="861060"/>
+          </a:xfrm>
+          <a:prstGeom prst="straightConnector1">
+            <a:avLst/>
+          </a:prstGeom>
+          <a:gradFill rotWithShape="0">
+            <a:gsLst>
+              <a:gs pos="0">
+                <a:schemeClr val="accent1"/>
+              </a:gs>
+              <a:gs pos="100000">
+                <a:schemeClr val="accent2"/>
+              </a:gs>
+            </a:gsLst>
+            <a:lin ang="5400000" scaled="1"/>
+          </a:gradFill>
+          <a:ln w="9525" cap="flat" cmpd="sng" algn="ctr">
+            <a:solidFill>
+              <a:schemeClr val="accent1"/>
+            </a:solidFill>
+            <a:prstDash val="solid"/>
+            <a:round/>
+            <a:headEnd type="none" w="med" len="med"/>
+            <a:tailEnd type="arrow" w="med" len="med"/>
+          </a:ln>
+        </p:spPr>
+      </p:cxnSp>
+      <p:sp>
+        <p:nvSpPr>
+          <p:cNvPr id="6" name="Fluxograma: Exibição 5"/>
+          <p:cNvSpPr/>
+          <p:nvPr/>
+        </p:nvSpPr>
+        <p:spPr>
+          <a:xfrm>
+            <a:off x="6506210" y="3278505"/>
+            <a:ext cx="937895" cy="333375"/>
+          </a:xfrm>
+          <a:prstGeom prst="flowChartDisplay">
+            <a:avLst/>
+          </a:prstGeom>
+          <a:gradFill rotWithShape="0">
+            <a:gsLst>
+              <a:gs pos="0">
+                <a:schemeClr val="accent1"/>
+              </a:gs>
+              <a:gs pos="100000">
+                <a:schemeClr val="accent2"/>
+              </a:gs>
+            </a:gsLst>
+            <a:lin ang="5400000" scaled="1"/>
+          </a:gradFill>
+          <a:ln w="9525" cap="flat" cmpd="sng" algn="ctr">
+            <a:solidFill>
+              <a:schemeClr val="accent1"/>
+            </a:solidFill>
+            <a:prstDash val="solid"/>
+            <a:round/>
+            <a:headEnd type="none" w="med" len="med"/>
+            <a:tailEnd type="none" w="med" len="med"/>
+          </a:ln>
+        </p:spPr>
+        <p:txBody>
+          <a:bodyPr vert="horz" wrap="none" lIns="91440" tIns="45720" rIns="91440" bIns="45720" numCol="1" anchor="ctr" anchorCtr="0" compatLnSpc="1"/>
+          <a:p>
+            <a:pPr marL="0" marR="0" indent="0" algn="ctr" defTabSz="914400" rtl="0" eaLnBrk="1" fontAlgn="base" latinLnBrk="0" hangingPunct="1">
+              <a:lnSpc>
+                <a:spcPct val="100000"/>
+              </a:lnSpc>
+              <a:spcBef>
+                <a:spcPct val="0"/>
+              </a:spcBef>
+              <a:spcAft>
+                <a:spcPct val="0"/>
+              </a:spcAft>
+              <a:buClrTx/>
+              <a:buSzTx/>
+              <a:buFontTx/>
+              <a:buNone/>
+            </a:pPr>
+            <a:r>
+              <a:rPr kumimoji="0" lang="pt-BR" altLang="zh-CN" sz="1600" b="0" i="0" u="none" strike="noStrike" cap="none" normalizeH="0" baseline="0" smtClean="0">
+                <a:ln>
+                  <a:noFill/>
+                </a:ln>
+                <a:solidFill>
+                  <a:schemeClr val="tx1"/>
+                </a:solidFill>
+                <a:effectLst/>
+                <a:latin typeface="+mj-lt"/>
+                <a:ea typeface="SimSun" panose="02010600030101010101" pitchFamily="2" charset="-122"/>
+                <a:cs typeface="+mj-lt"/>
+              </a:rPr>
+              <a:t>XML</a:t>
+            </a:r>
+            <a:endParaRPr kumimoji="0" lang="pt-BR" altLang="zh-CN" sz="1600" b="0" i="0" u="none" strike="noStrike" cap="none" normalizeH="0" baseline="0" smtClean="0">
+              <a:ln>
+                <a:noFill/>
+              </a:ln>
+              <a:solidFill>
+                <a:schemeClr val="tx1"/>
+              </a:solidFill>
+              <a:effectLst/>
+              <a:latin typeface="+mj-lt"/>
+              <a:ea typeface="SimSun" panose="02010600030101010101" pitchFamily="2" charset="-122"/>
+              <a:cs typeface="+mj-lt"/>
+            </a:endParaRPr>
+          </a:p>
+        </p:txBody>
+      </p:sp>
+      <p:cxnSp>
+        <p:nvCxnSpPr>
+          <p:cNvPr id="7" name="Conector de Seta Reta 6"/>
+          <p:cNvCxnSpPr>
+            <a:stCxn id="57" idx="4"/>
+            <a:endCxn id="6" idx="0"/>
+          </p:cNvCxnSpPr>
+          <p:nvPr/>
+        </p:nvCxnSpPr>
+        <p:spPr>
+          <a:xfrm>
+            <a:off x="6965950" y="2955925"/>
+            <a:ext cx="9525" cy="322580"/>
           </a:xfrm>
           <a:prstGeom prst="straightConnector1">
             <a:avLst/>

--- a/src/main/resources/static/ArquiteturaProjeto/ArquiteturaModeloProjetoSpringBoot.pptx
+++ b/src/main/resources/static/ArquiteturaProjeto/ArquiteturaModeloProjetoSpringBoot.pptx
@@ -5,27 +5,28 @@
     <p:sldMasterId id="2147483648" r:id="rId1"/>
   </p:sldMasterIdLst>
   <p:notesMasterIdLst>
-    <p:notesMasterId r:id="rId18"/>
+    <p:notesMasterId r:id="rId19"/>
   </p:notesMasterIdLst>
   <p:handoutMasterIdLst>
-    <p:handoutMasterId r:id="rId19"/>
+    <p:handoutMasterId r:id="rId20"/>
   </p:handoutMasterIdLst>
   <p:sldIdLst>
     <p:sldId id="256" r:id="rId3"/>
     <p:sldId id="264" r:id="rId4"/>
     <p:sldId id="272" r:id="rId5"/>
-    <p:sldId id="259" r:id="rId6"/>
-    <p:sldId id="274" r:id="rId7"/>
-    <p:sldId id="275" r:id="rId8"/>
-    <p:sldId id="288" r:id="rId9"/>
-    <p:sldId id="289" r:id="rId10"/>
-    <p:sldId id="279" r:id="rId11"/>
-    <p:sldId id="262" r:id="rId12"/>
-    <p:sldId id="281" r:id="rId13"/>
-    <p:sldId id="284" r:id="rId14"/>
-    <p:sldId id="285" r:id="rId15"/>
-    <p:sldId id="280" r:id="rId16"/>
-    <p:sldId id="263" r:id="rId17"/>
+    <p:sldId id="297" r:id="rId6"/>
+    <p:sldId id="259" r:id="rId7"/>
+    <p:sldId id="274" r:id="rId8"/>
+    <p:sldId id="275" r:id="rId9"/>
+    <p:sldId id="288" r:id="rId10"/>
+    <p:sldId id="289" r:id="rId11"/>
+    <p:sldId id="279" r:id="rId12"/>
+    <p:sldId id="262" r:id="rId13"/>
+    <p:sldId id="281" r:id="rId14"/>
+    <p:sldId id="284" r:id="rId15"/>
+    <p:sldId id="285" r:id="rId16"/>
+    <p:sldId id="280" r:id="rId17"/>
+    <p:sldId id="263" r:id="rId18"/>
   </p:sldIdLst>
   <p:sldSz cx="12192000" cy="6858000"/>
   <p:notesSz cx="7103745" cy="10234295"/>
@@ -4056,6 +4057,1217 @@
           <a:p>
             <a:r>
               <a:rPr lang="pt-BR" altLang="en-US"/>
+              <a:t>Arquitetura:  </a:t>
+            </a:r>
+            <a:r>
+              <a:rPr lang="pt-BR" altLang="zh-CN" smtClean="0">
+                <a:ln>
+                  <a:noFill/>
+                </a:ln>
+                <a:effectLst/>
+                <a:ea typeface="SimSun" panose="02010600030101010101" pitchFamily="2" charset="-122"/>
+                <a:cs typeface="+mj-lt"/>
+                <a:sym typeface="+mn-ea"/>
+              </a:rPr>
+              <a:t>Thymeleaf </a:t>
+            </a:r>
+            <a:endParaRPr lang="pt-BR" altLang="en-US"/>
+          </a:p>
+        </p:txBody>
+      </p:sp>
+      <p:sp>
+        <p:nvSpPr>
+          <p:cNvPr id="6" name="Elipse 5"/>
+          <p:cNvSpPr/>
+          <p:nvPr/>
+        </p:nvSpPr>
+        <p:spPr>
+          <a:xfrm>
+            <a:off x="842010" y="1884680"/>
+            <a:ext cx="3622675" cy="3077210"/>
+          </a:xfrm>
+          <a:prstGeom prst="ellipse">
+            <a:avLst/>
+          </a:prstGeom>
+          <a:noFill/>
+          <a:ln w="28575" cap="flat" cmpd="sng" algn="ctr">
+            <a:solidFill>
+              <a:schemeClr val="accent1">
+                <a:shade val="50000"/>
+              </a:schemeClr>
+            </a:solidFill>
+            <a:prstDash val="solid"/>
+            <a:round/>
+            <a:headEnd type="none" w="med" len="med"/>
+            <a:tailEnd type="none" w="med" len="med"/>
+          </a:ln>
+        </p:spPr>
+        <p:txBody>
+          <a:bodyPr vert="horz" wrap="none" lIns="91440" tIns="45720" rIns="91440" bIns="45720" numCol="1" anchor="ctr" anchorCtr="0" compatLnSpc="1"/>
+          <a:p>
+            <a:pPr marL="0" marR="0" indent="0" algn="l" defTabSz="914400" rtl="0" eaLnBrk="1" fontAlgn="base" latinLnBrk="0" hangingPunct="1">
+              <a:lnSpc>
+                <a:spcPct val="100000"/>
+              </a:lnSpc>
+              <a:spcBef>
+                <a:spcPct val="0"/>
+              </a:spcBef>
+              <a:spcAft>
+                <a:spcPct val="0"/>
+              </a:spcAft>
+              <a:buClrTx/>
+              <a:buSzTx/>
+              <a:buFontTx/>
+              <a:buNone/>
+            </a:pPr>
+            <a:endParaRPr kumimoji="0" lang="zh-CN" altLang="en-US" sz="1800" b="0" i="0" u="none" strike="noStrike" cap="none" normalizeH="0" baseline="0" smtClean="0">
+              <a:ln>
+                <a:noFill/>
+              </a:ln>
+              <a:solidFill>
+                <a:schemeClr val="tx1"/>
+              </a:solidFill>
+              <a:effectLst/>
+              <a:latin typeface="Arial" panose="020B0604020202020204" pitchFamily="34" charset="0"/>
+              <a:ea typeface="SimSun" panose="02010600030101010101" pitchFamily="2" charset="-122"/>
+            </a:endParaRPr>
+          </a:p>
+        </p:txBody>
+      </p:sp>
+      <p:sp>
+        <p:nvSpPr>
+          <p:cNvPr id="7" name="Elipse 6"/>
+          <p:cNvSpPr/>
+          <p:nvPr/>
+        </p:nvSpPr>
+        <p:spPr>
+          <a:xfrm>
+            <a:off x="3286125" y="1884680"/>
+            <a:ext cx="4798695" cy="3077210"/>
+          </a:xfrm>
+          <a:prstGeom prst="ellipse">
+            <a:avLst/>
+          </a:prstGeom>
+          <a:noFill/>
+          <a:ln w="28575" cap="flat" cmpd="sng" algn="ctr">
+            <a:solidFill>
+              <a:schemeClr val="accent1">
+                <a:shade val="50000"/>
+              </a:schemeClr>
+            </a:solidFill>
+            <a:prstDash val="solid"/>
+            <a:round/>
+            <a:headEnd type="none" w="med" len="med"/>
+            <a:tailEnd type="none" w="med" len="med"/>
+          </a:ln>
+        </p:spPr>
+        <p:txBody>
+          <a:bodyPr vert="horz" wrap="none" lIns="91440" tIns="45720" rIns="91440" bIns="45720" numCol="1" anchor="ctr" anchorCtr="0" compatLnSpc="1"/>
+          <a:p>
+            <a:pPr marL="0" marR="0" indent="0" algn="l" defTabSz="914400" rtl="0" eaLnBrk="1" fontAlgn="base" latinLnBrk="0" hangingPunct="1">
+              <a:lnSpc>
+                <a:spcPct val="100000"/>
+              </a:lnSpc>
+              <a:spcBef>
+                <a:spcPct val="0"/>
+              </a:spcBef>
+              <a:spcAft>
+                <a:spcPct val="0"/>
+              </a:spcAft>
+              <a:buClrTx/>
+              <a:buSzTx/>
+              <a:buFontTx/>
+              <a:buNone/>
+            </a:pPr>
+            <a:endParaRPr kumimoji="0" lang="zh-CN" altLang="en-US" sz="1800" b="0" i="0" u="none" strike="noStrike" cap="none" normalizeH="0" baseline="0" smtClean="0">
+              <a:ln>
+                <a:noFill/>
+              </a:ln>
+              <a:solidFill>
+                <a:schemeClr val="tx1"/>
+              </a:solidFill>
+              <a:effectLst/>
+              <a:latin typeface="Arial" panose="020B0604020202020204" pitchFamily="34" charset="0"/>
+              <a:ea typeface="SimSun" panose="02010600030101010101" pitchFamily="2" charset="-122"/>
+            </a:endParaRPr>
+          </a:p>
+        </p:txBody>
+      </p:sp>
+      <p:sp>
+        <p:nvSpPr>
+          <p:cNvPr id="8" name="Elipse 7"/>
+          <p:cNvSpPr/>
+          <p:nvPr/>
+        </p:nvSpPr>
+        <p:spPr>
+          <a:xfrm>
+            <a:off x="6256655" y="1884680"/>
+            <a:ext cx="4929505" cy="3077210"/>
+          </a:xfrm>
+          <a:prstGeom prst="ellipse">
+            <a:avLst/>
+          </a:prstGeom>
+          <a:noFill/>
+          <a:ln w="28575" cap="flat" cmpd="sng" algn="ctr">
+            <a:solidFill>
+              <a:schemeClr val="accent1">
+                <a:shade val="50000"/>
+              </a:schemeClr>
+            </a:solidFill>
+            <a:prstDash val="solid"/>
+            <a:round/>
+            <a:headEnd type="none" w="med" len="med"/>
+            <a:tailEnd type="none" w="med" len="med"/>
+          </a:ln>
+        </p:spPr>
+        <p:txBody>
+          <a:bodyPr vert="horz" wrap="none" lIns="91440" tIns="45720" rIns="91440" bIns="45720" numCol="1" anchor="ctr" anchorCtr="0" compatLnSpc="1"/>
+          <a:p>
+            <a:pPr marL="0" marR="0" indent="0" algn="l" defTabSz="914400" rtl="0" eaLnBrk="1" fontAlgn="base" latinLnBrk="0" hangingPunct="1">
+              <a:lnSpc>
+                <a:spcPct val="100000"/>
+              </a:lnSpc>
+              <a:spcBef>
+                <a:spcPct val="0"/>
+              </a:spcBef>
+              <a:spcAft>
+                <a:spcPct val="0"/>
+              </a:spcAft>
+              <a:buClrTx/>
+              <a:buSzTx/>
+              <a:buFontTx/>
+              <a:buNone/>
+            </a:pPr>
+            <a:endParaRPr kumimoji="0" lang="zh-CN" altLang="en-US" sz="1800" b="0" i="0" u="none" strike="noStrike" cap="none" normalizeH="0" baseline="0" smtClean="0">
+              <a:ln>
+                <a:noFill/>
+              </a:ln>
+              <a:solidFill>
+                <a:schemeClr val="tx1"/>
+              </a:solidFill>
+              <a:effectLst/>
+              <a:latin typeface="Arial" panose="020B0604020202020204" pitchFamily="34" charset="0"/>
+              <a:ea typeface="SimSun" panose="02010600030101010101" pitchFamily="2" charset="-122"/>
+            </a:endParaRPr>
+          </a:p>
+        </p:txBody>
+      </p:sp>
+      <p:sp>
+        <p:nvSpPr>
+          <p:cNvPr id="9" name="Caixa de Texto 8"/>
+          <p:cNvSpPr txBox="1"/>
+          <p:nvPr/>
+        </p:nvSpPr>
+        <p:spPr>
+          <a:xfrm>
+            <a:off x="4746625" y="1104265"/>
+            <a:ext cx="1643380" cy="368300"/>
+          </a:xfrm>
+          <a:prstGeom prst="rect">
+            <a:avLst/>
+          </a:prstGeom>
+          <a:noFill/>
+        </p:spPr>
+        <p:txBody>
+          <a:bodyPr wrap="none" rtlCol="0" anchor="t">
+            <a:spAutoFit/>
+          </a:bodyPr>
+          <a:p>
+            <a:pPr algn="l"/>
+            <a:r>
+              <a:rPr lang="pt-BR" altLang="en-US">
+                <a:sym typeface="+mn-ea"/>
+              </a:rPr>
+              <a:t>Arquiteto </a:t>
+            </a:r>
+            <a:r>
+              <a:rPr lang="pt-BR" altLang="en-US">
+                <a:sym typeface="+mn-ea"/>
+              </a:rPr>
+              <a:t>Java</a:t>
+            </a:r>
+            <a:endParaRPr lang="pt-BR" altLang="en-US"/>
+          </a:p>
+        </p:txBody>
+      </p:sp>
+      <p:sp>
+        <p:nvSpPr>
+          <p:cNvPr id="10" name="Caixa de Texto 9"/>
+          <p:cNvSpPr txBox="1"/>
+          <p:nvPr/>
+        </p:nvSpPr>
+        <p:spPr>
+          <a:xfrm>
+            <a:off x="2418080" y="1373505"/>
+            <a:ext cx="652780" cy="368300"/>
+          </a:xfrm>
+          <a:prstGeom prst="rect">
+            <a:avLst/>
+          </a:prstGeom>
+          <a:noFill/>
+        </p:spPr>
+        <p:txBody>
+          <a:bodyPr wrap="none" rtlCol="0" anchor="t">
+            <a:spAutoFit/>
+          </a:bodyPr>
+          <a:p>
+            <a:r>
+              <a:rPr lang="pt-BR" altLang="en-US">
+                <a:sym typeface="+mn-ea"/>
+              </a:rPr>
+              <a:t>DBA</a:t>
+            </a:r>
+            <a:endParaRPr lang="pt-BR" altLang="en-US"/>
+          </a:p>
+        </p:txBody>
+      </p:sp>
+      <p:sp>
+        <p:nvSpPr>
+          <p:cNvPr id="11" name="Caixa de Texto 10"/>
+          <p:cNvSpPr txBox="1"/>
+          <p:nvPr/>
+        </p:nvSpPr>
+        <p:spPr>
+          <a:xfrm>
+            <a:off x="7917180" y="1373505"/>
+            <a:ext cx="1626235" cy="368300"/>
+          </a:xfrm>
+          <a:prstGeom prst="rect">
+            <a:avLst/>
+          </a:prstGeom>
+          <a:noFill/>
+        </p:spPr>
+        <p:txBody>
+          <a:bodyPr wrap="none" rtlCol="0" anchor="t">
+            <a:spAutoFit/>
+          </a:bodyPr>
+          <a:p>
+            <a:pPr algn="l"/>
+            <a:r>
+              <a:rPr lang="pt-BR" altLang="en-US"/>
+              <a:t>Designer Web</a:t>
+            </a:r>
+            <a:endParaRPr lang="pt-BR" altLang="en-US"/>
+          </a:p>
+        </p:txBody>
+      </p:sp>
+      <p:sp>
+        <p:nvSpPr>
+          <p:cNvPr id="12" name="Caixa de Texto 11"/>
+          <p:cNvSpPr txBox="1"/>
+          <p:nvPr/>
+        </p:nvSpPr>
+        <p:spPr>
+          <a:xfrm>
+            <a:off x="1071880" y="3029585"/>
+            <a:ext cx="1998980" cy="368300"/>
+          </a:xfrm>
+          <a:prstGeom prst="rect">
+            <a:avLst/>
+          </a:prstGeom>
+          <a:noFill/>
+        </p:spPr>
+        <p:txBody>
+          <a:bodyPr wrap="none" rtlCol="0" anchor="t">
+            <a:spAutoFit/>
+          </a:bodyPr>
+          <a:p>
+            <a:pPr algn="l"/>
+            <a:r>
+              <a:rPr lang="pt-BR" altLang="en-US">
+                <a:sym typeface="+mn-ea"/>
+              </a:rPr>
+              <a:t>Oracle, MySQL,...</a:t>
+            </a:r>
+            <a:endParaRPr lang="pt-BR" altLang="en-US"/>
+          </a:p>
+        </p:txBody>
+      </p:sp>
+      <p:sp>
+        <p:nvSpPr>
+          <p:cNvPr id="14" name="Caixa de Texto 13"/>
+          <p:cNvSpPr txBox="1"/>
+          <p:nvPr/>
+        </p:nvSpPr>
+        <p:spPr>
+          <a:xfrm>
+            <a:off x="4683760" y="3050540"/>
+            <a:ext cx="1600200" cy="1938020"/>
+          </a:xfrm>
+          <a:prstGeom prst="rect">
+            <a:avLst/>
+          </a:prstGeom>
+          <a:noFill/>
+        </p:spPr>
+        <p:txBody>
+          <a:bodyPr wrap="square" rtlCol="0" anchor="t">
+            <a:spAutoFit/>
+          </a:bodyPr>
+          <a:p>
+            <a:pPr algn="l"/>
+            <a:r>
+              <a:rPr lang="pt-BR" altLang="en-US" b="1">
+                <a:sym typeface="+mn-ea"/>
+              </a:rPr>
+              <a:t>SpringBoot</a:t>
+            </a:r>
+            <a:endParaRPr lang="pt-BR" altLang="en-US">
+              <a:sym typeface="+mn-ea"/>
+            </a:endParaRPr>
+          </a:p>
+          <a:p>
+            <a:pPr algn="l"/>
+            <a:endParaRPr lang="pt-BR" altLang="en-US"/>
+          </a:p>
+          <a:p>
+            <a:pPr algn="l"/>
+            <a:endParaRPr lang="pt-BR" altLang="en-US"/>
+          </a:p>
+          <a:p>
+            <a:pPr algn="l"/>
+            <a:endParaRPr lang="pt-BR" altLang="en-US"/>
+          </a:p>
+          <a:p>
+            <a:pPr algn="l"/>
+            <a:endParaRPr lang="pt-BR" altLang="en-US"/>
+          </a:p>
+          <a:p>
+            <a:pPr algn="l"/>
+            <a:endParaRPr lang="pt-BR" altLang="en-US"/>
+          </a:p>
+          <a:p>
+            <a:pPr algn="l"/>
+            <a:endParaRPr lang="pt-BR" altLang="en-US" sz="1200"/>
+          </a:p>
+        </p:txBody>
+      </p:sp>
+      <p:sp>
+        <p:nvSpPr>
+          <p:cNvPr id="15" name="Caixa de Texto 14"/>
+          <p:cNvSpPr txBox="1"/>
+          <p:nvPr/>
+        </p:nvSpPr>
+        <p:spPr>
+          <a:xfrm>
+            <a:off x="6390005" y="2905125"/>
+            <a:ext cx="1656080" cy="645160"/>
+          </a:xfrm>
+          <a:prstGeom prst="rect">
+            <a:avLst/>
+          </a:prstGeom>
+          <a:noFill/>
+        </p:spPr>
+        <p:txBody>
+          <a:bodyPr wrap="none" rtlCol="0" anchor="t">
+            <a:spAutoFit/>
+          </a:bodyPr>
+          <a:p>
+            <a:pPr algn="l"/>
+            <a:r>
+              <a:rPr lang="pt-BR" altLang="zh-CN" b="1" smtClean="0">
+                <a:ln>
+                  <a:noFill/>
+                </a:ln>
+                <a:effectLst/>
+                <a:latin typeface="+mj-lt"/>
+                <a:ea typeface="SimSun" panose="02010600030101010101" pitchFamily="2" charset="-122"/>
+                <a:cs typeface="+mj-lt"/>
+                <a:sym typeface="+mn-ea"/>
+              </a:rPr>
+              <a:t>Thymeleaf </a:t>
+            </a:r>
+            <a:endParaRPr lang="pt-BR" altLang="zh-CN" smtClean="0">
+              <a:ln>
+                <a:noFill/>
+              </a:ln>
+              <a:effectLst/>
+              <a:latin typeface="+mj-lt"/>
+              <a:ea typeface="SimSun" panose="02010600030101010101" pitchFamily="2" charset="-122"/>
+              <a:cs typeface="+mj-lt"/>
+              <a:sym typeface="+mn-ea"/>
+            </a:endParaRPr>
+          </a:p>
+          <a:p>
+            <a:pPr algn="l"/>
+            <a:r>
+              <a:rPr lang="pt-BR" altLang="en-US"/>
+              <a:t>(Servlets/html)</a:t>
+            </a:r>
+            <a:endParaRPr lang="pt-BR" altLang="en-US"/>
+          </a:p>
+        </p:txBody>
+      </p:sp>
+      <p:sp>
+        <p:nvSpPr>
+          <p:cNvPr id="16" name="Seta para baixo 15"/>
+          <p:cNvSpPr/>
+          <p:nvPr/>
+        </p:nvSpPr>
+        <p:spPr>
+          <a:xfrm>
+            <a:off x="6811645" y="3669030"/>
+            <a:ext cx="628650" cy="2013585"/>
+          </a:xfrm>
+          <a:prstGeom prst="downArrow">
+            <a:avLst/>
+          </a:prstGeom>
+          <a:gradFill rotWithShape="0">
+            <a:gsLst>
+              <a:gs pos="0">
+                <a:schemeClr val="accent1"/>
+              </a:gs>
+              <a:gs pos="100000">
+                <a:schemeClr val="accent2"/>
+              </a:gs>
+            </a:gsLst>
+            <a:lin ang="5400000" scaled="1"/>
+          </a:gradFill>
+          <a:ln w="9525" cap="flat" cmpd="sng" algn="ctr">
+            <a:solidFill>
+              <a:schemeClr val="accent1"/>
+            </a:solidFill>
+            <a:prstDash val="solid"/>
+            <a:round/>
+            <a:headEnd type="none" w="med" len="med"/>
+            <a:tailEnd type="none" w="med" len="med"/>
+          </a:ln>
+        </p:spPr>
+        <p:txBody>
+          <a:bodyPr vert="horz" wrap="none" lIns="91440" tIns="45720" rIns="91440" bIns="45720" numCol="1" anchor="ctr" anchorCtr="0" compatLnSpc="1"/>
+          <a:p>
+            <a:pPr marL="0" marR="0" indent="0" algn="l" defTabSz="914400" rtl="0" eaLnBrk="1" fontAlgn="base" latinLnBrk="0" hangingPunct="1">
+              <a:lnSpc>
+                <a:spcPct val="100000"/>
+              </a:lnSpc>
+              <a:spcBef>
+                <a:spcPct val="0"/>
+              </a:spcBef>
+              <a:spcAft>
+                <a:spcPct val="0"/>
+              </a:spcAft>
+              <a:buClrTx/>
+              <a:buSzTx/>
+              <a:buFontTx/>
+              <a:buNone/>
+            </a:pPr>
+            <a:endParaRPr kumimoji="0" lang="zh-CN" altLang="en-US" sz="1800" b="0" i="0" u="none" strike="noStrike" cap="none" normalizeH="0" baseline="0" smtClean="0">
+              <a:ln>
+                <a:noFill/>
+              </a:ln>
+              <a:solidFill>
+                <a:schemeClr val="tx1"/>
+              </a:solidFill>
+              <a:effectLst/>
+              <a:latin typeface="Arial" panose="020B0604020202020204" pitchFamily="34" charset="0"/>
+              <a:ea typeface="SimSun" panose="02010600030101010101" pitchFamily="2" charset="-122"/>
+            </a:endParaRPr>
+          </a:p>
+        </p:txBody>
+      </p:sp>
+      <p:sp>
+        <p:nvSpPr>
+          <p:cNvPr id="17" name="Fluxograma: Documento 16"/>
+          <p:cNvSpPr/>
+          <p:nvPr/>
+        </p:nvSpPr>
+        <p:spPr>
+          <a:xfrm>
+            <a:off x="115570" y="5681980"/>
+            <a:ext cx="12077065" cy="1097915"/>
+          </a:xfrm>
+          <a:prstGeom prst="flowChartDocument">
+            <a:avLst/>
+          </a:prstGeom>
+          <a:gradFill rotWithShape="0">
+            <a:gsLst>
+              <a:gs pos="81000">
+                <a:srgbClr val="0070C0"/>
+              </a:gs>
+              <a:gs pos="0">
+                <a:srgbClr val="00B0F0"/>
+              </a:gs>
+              <a:gs pos="100000">
+                <a:srgbClr val="002060"/>
+              </a:gs>
+            </a:gsLst>
+            <a:lin ang="5040000" scaled="1"/>
+          </a:gradFill>
+          <a:ln w="9525" cap="flat" cmpd="sng" algn="ctr">
+            <a:solidFill>
+              <a:schemeClr val="accent1"/>
+            </a:solidFill>
+            <a:prstDash val="solid"/>
+            <a:round/>
+            <a:headEnd type="none" w="med" len="med"/>
+            <a:tailEnd type="none" w="med" len="med"/>
+          </a:ln>
+        </p:spPr>
+        <p:txBody>
+          <a:bodyPr vert="horz" wrap="none" lIns="91440" tIns="45720" rIns="91440" bIns="45720" numCol="1" anchor="ctr" anchorCtr="0" compatLnSpc="1"/>
+          <a:p>
+            <a:pPr marL="0" marR="0" indent="0" algn="l" defTabSz="914400" rtl="0" eaLnBrk="1" fontAlgn="base" latinLnBrk="0" hangingPunct="1">
+              <a:lnSpc>
+                <a:spcPct val="100000"/>
+              </a:lnSpc>
+              <a:spcBef>
+                <a:spcPct val="0"/>
+              </a:spcBef>
+              <a:spcAft>
+                <a:spcPct val="0"/>
+              </a:spcAft>
+              <a:buClrTx/>
+              <a:buSzTx/>
+              <a:buFontTx/>
+              <a:buNone/>
+            </a:pPr>
+            <a:endParaRPr kumimoji="0" lang="zh-CN" altLang="en-US" sz="1800" b="0" i="0" u="none" strike="noStrike" cap="none" normalizeH="0" baseline="0" smtClean="0">
+              <a:ln>
+                <a:noFill/>
+              </a:ln>
+              <a:solidFill>
+                <a:schemeClr val="tx1"/>
+              </a:solidFill>
+              <a:effectLst/>
+              <a:latin typeface="Arial" panose="020B0604020202020204" pitchFamily="34" charset="0"/>
+              <a:ea typeface="SimSun" panose="02010600030101010101" pitchFamily="2" charset="-122"/>
+            </a:endParaRPr>
+          </a:p>
+        </p:txBody>
+      </p:sp>
+      <p:sp>
+        <p:nvSpPr>
+          <p:cNvPr id="18" name="Fluxograma: multidocument 17"/>
+          <p:cNvSpPr/>
+          <p:nvPr/>
+        </p:nvSpPr>
+        <p:spPr>
+          <a:xfrm>
+            <a:off x="205740" y="5875655"/>
+            <a:ext cx="2728595" cy="711200"/>
+          </a:xfrm>
+          <a:prstGeom prst="flowChartMultidocument">
+            <a:avLst/>
+          </a:prstGeom>
+          <a:gradFill rotWithShape="0">
+            <a:gsLst>
+              <a:gs pos="0">
+                <a:schemeClr val="accent1"/>
+              </a:gs>
+              <a:gs pos="100000">
+                <a:schemeClr val="accent2"/>
+              </a:gs>
+            </a:gsLst>
+            <a:lin ang="5400000" scaled="1"/>
+          </a:gradFill>
+          <a:ln w="28575" cap="flat" cmpd="sng" algn="ctr">
+            <a:solidFill>
+              <a:schemeClr val="accent1">
+                <a:shade val="50000"/>
+              </a:schemeClr>
+            </a:solidFill>
+            <a:prstDash val="solid"/>
+            <a:round/>
+            <a:headEnd type="none" w="med" len="med"/>
+            <a:tailEnd type="none" w="med" len="med"/>
+          </a:ln>
+        </p:spPr>
+        <p:txBody>
+          <a:bodyPr vert="horz" wrap="none" lIns="91440" tIns="45720" rIns="91440" bIns="45720" numCol="1" anchor="ctr" anchorCtr="0" compatLnSpc="1"/>
+          <a:p>
+            <a:pPr marL="0" marR="0" indent="0" algn="l" defTabSz="914400" rtl="0" eaLnBrk="1" fontAlgn="base" latinLnBrk="0" hangingPunct="1">
+              <a:lnSpc>
+                <a:spcPct val="100000"/>
+              </a:lnSpc>
+              <a:spcBef>
+                <a:spcPct val="0"/>
+              </a:spcBef>
+              <a:spcAft>
+                <a:spcPct val="0"/>
+              </a:spcAft>
+              <a:buClrTx/>
+              <a:buSzTx/>
+              <a:buFontTx/>
+              <a:buNone/>
+            </a:pPr>
+            <a:r>
+              <a:rPr kumimoji="0" lang="pt-BR" altLang="zh-CN" sz="1800" b="0" i="0" u="none" strike="noStrike" cap="none" normalizeH="0" baseline="0" smtClean="0">
+                <a:ln>
+                  <a:noFill/>
+                </a:ln>
+                <a:solidFill>
+                  <a:schemeClr val="tx1"/>
+                </a:solidFill>
+                <a:effectLst/>
+                <a:latin typeface="Arial" panose="020B0604020202020204" pitchFamily="34" charset="0"/>
+                <a:ea typeface="SimSun" panose="02010600030101010101" pitchFamily="2" charset="-122"/>
+              </a:rPr>
+              <a:t>Fragmentos (html) </a:t>
+            </a:r>
+            <a:endParaRPr kumimoji="0" lang="pt-BR" altLang="zh-CN" sz="1800" b="0" i="0" u="none" strike="noStrike" cap="none" normalizeH="0" baseline="0" smtClean="0">
+              <a:ln>
+                <a:noFill/>
+              </a:ln>
+              <a:solidFill>
+                <a:schemeClr val="tx1"/>
+              </a:solidFill>
+              <a:effectLst/>
+              <a:latin typeface="Arial" panose="020B0604020202020204" pitchFamily="34" charset="0"/>
+              <a:ea typeface="SimSun" panose="02010600030101010101" pitchFamily="2" charset="-122"/>
+            </a:endParaRPr>
+          </a:p>
+        </p:txBody>
+      </p:sp>
+      <p:sp>
+        <p:nvSpPr>
+          <p:cNvPr id="20" name="Fluxograma: Processo Alternativo 19"/>
+          <p:cNvSpPr/>
+          <p:nvPr/>
+        </p:nvSpPr>
+        <p:spPr>
+          <a:xfrm>
+            <a:off x="6810375" y="5800725"/>
+            <a:ext cx="892810" cy="579120"/>
+          </a:xfrm>
+          <a:prstGeom prst="flowChartAlternateProcess">
+            <a:avLst/>
+          </a:prstGeom>
+          <a:gradFill rotWithShape="0">
+            <a:gsLst>
+              <a:gs pos="0">
+                <a:schemeClr val="accent1"/>
+              </a:gs>
+              <a:gs pos="100000">
+                <a:schemeClr val="accent2"/>
+              </a:gs>
+            </a:gsLst>
+            <a:lin ang="5400000" scaled="1"/>
+          </a:gradFill>
+          <a:ln w="28575" cap="flat" cmpd="sng" algn="ctr">
+            <a:solidFill>
+              <a:schemeClr val="accent1">
+                <a:shade val="50000"/>
+              </a:schemeClr>
+            </a:solidFill>
+            <a:prstDash val="solid"/>
+            <a:round/>
+            <a:headEnd type="none" w="med" len="med"/>
+            <a:tailEnd type="none" w="med" len="med"/>
+          </a:ln>
+        </p:spPr>
+        <p:txBody>
+          <a:bodyPr vert="horz" wrap="none" lIns="91440" tIns="45720" rIns="91440" bIns="45720" numCol="1" anchor="ctr" anchorCtr="0" compatLnSpc="1"/>
+          <a:p>
+            <a:pPr marL="0" marR="0" indent="0" algn="l" defTabSz="914400" rtl="0" eaLnBrk="1" fontAlgn="base" latinLnBrk="0" hangingPunct="1">
+              <a:lnSpc>
+                <a:spcPct val="100000"/>
+              </a:lnSpc>
+              <a:spcBef>
+                <a:spcPct val="0"/>
+              </a:spcBef>
+              <a:spcAft>
+                <a:spcPct val="0"/>
+              </a:spcAft>
+              <a:buClrTx/>
+              <a:buSzTx/>
+              <a:buFontTx/>
+              <a:buNone/>
+            </a:pPr>
+            <a:r>
+              <a:rPr kumimoji="0" lang="pt-BR" altLang="zh-CN" sz="1800" b="0" i="0" u="none" strike="noStrike" cap="none" normalizeH="0" baseline="0" smtClean="0">
+                <a:ln>
+                  <a:noFill/>
+                </a:ln>
+                <a:solidFill>
+                  <a:schemeClr val="tx1"/>
+                </a:solidFill>
+                <a:effectLst/>
+                <a:latin typeface="Arial" panose="020B0604020202020204" pitchFamily="34" charset="0"/>
+                <a:ea typeface="SimSun" panose="02010600030101010101" pitchFamily="2" charset="-122"/>
+              </a:rPr>
+              <a:t>CRUD</a:t>
+            </a:r>
+            <a:endParaRPr kumimoji="0" lang="pt-BR" altLang="zh-CN" sz="1800" b="0" i="0" u="none" strike="noStrike" cap="none" normalizeH="0" baseline="0" smtClean="0">
+              <a:ln>
+                <a:noFill/>
+              </a:ln>
+              <a:solidFill>
+                <a:schemeClr val="tx1"/>
+              </a:solidFill>
+              <a:effectLst/>
+              <a:latin typeface="Arial" panose="020B0604020202020204" pitchFamily="34" charset="0"/>
+              <a:ea typeface="SimSun" panose="02010600030101010101" pitchFamily="2" charset="-122"/>
+            </a:endParaRPr>
+          </a:p>
+        </p:txBody>
+      </p:sp>
+      <p:sp>
+        <p:nvSpPr>
+          <p:cNvPr id="21" name="Caixa de Texto 20"/>
+          <p:cNvSpPr txBox="1"/>
+          <p:nvPr/>
+        </p:nvSpPr>
+        <p:spPr>
+          <a:xfrm>
+            <a:off x="8300085" y="2489835"/>
+            <a:ext cx="2646680" cy="1476375"/>
+          </a:xfrm>
+          <a:prstGeom prst="rect">
+            <a:avLst/>
+          </a:prstGeom>
+          <a:noFill/>
+        </p:spPr>
+        <p:txBody>
+          <a:bodyPr wrap="none" rtlCol="0" anchor="t">
+            <a:spAutoFit/>
+          </a:bodyPr>
+          <a:p>
+            <a:pPr algn="l"/>
+            <a:r>
+              <a:rPr lang="pt-BR" altLang="zh-CN" smtClean="0">
+                <a:ln>
+                  <a:noFill/>
+                </a:ln>
+                <a:effectLst/>
+                <a:latin typeface="+mj-lt"/>
+                <a:ea typeface="SimSun" panose="02010600030101010101" pitchFamily="2" charset="-122"/>
+                <a:cs typeface="+mj-lt"/>
+                <a:sym typeface="+mn-ea"/>
+              </a:rPr>
+              <a:t>CSS, JS, ...</a:t>
+            </a:r>
+            <a:endParaRPr lang="pt-BR" altLang="zh-CN" smtClean="0">
+              <a:ln>
+                <a:noFill/>
+              </a:ln>
+              <a:effectLst/>
+              <a:latin typeface="+mj-lt"/>
+              <a:ea typeface="SimSun" panose="02010600030101010101" pitchFamily="2" charset="-122"/>
+              <a:cs typeface="+mj-lt"/>
+              <a:sym typeface="+mn-ea"/>
+            </a:endParaRPr>
+          </a:p>
+          <a:p>
+            <a:pPr algn="l"/>
+            <a:endParaRPr lang="pt-BR" altLang="en-US"/>
+          </a:p>
+          <a:p>
+            <a:pPr algn="l"/>
+            <a:r>
+              <a:rPr lang="pt-BR" altLang="en-US" b="1"/>
+              <a:t>Analisar</a:t>
+            </a:r>
+            <a:r>
+              <a:rPr lang="pt-BR" altLang="en-US"/>
+              <a:t>: React, Vue </a:t>
+            </a:r>
+            <a:endParaRPr lang="pt-BR" altLang="en-US"/>
+          </a:p>
+          <a:p>
+            <a:pPr algn="l"/>
+            <a:r>
+              <a:rPr lang="pt-BR" altLang="en-US"/>
+              <a:t>ou Angular em conjunto </a:t>
+            </a:r>
+            <a:endParaRPr lang="pt-BR" altLang="en-US"/>
+          </a:p>
+          <a:p>
+            <a:pPr algn="l"/>
+            <a:r>
+              <a:rPr lang="pt-BR" altLang="en-US"/>
+              <a:t>com Thymeleaf</a:t>
+            </a:r>
+            <a:endParaRPr lang="pt-BR" altLang="en-US"/>
+          </a:p>
+        </p:txBody>
+      </p:sp>
+      <p:cxnSp>
+        <p:nvCxnSpPr>
+          <p:cNvPr id="22" name="Conector de Seta Reta 21"/>
+          <p:cNvCxnSpPr>
+            <a:stCxn id="20" idx="3"/>
+            <a:endCxn id="23" idx="1"/>
+          </p:cNvCxnSpPr>
+          <p:nvPr/>
+        </p:nvCxnSpPr>
+        <p:spPr>
+          <a:xfrm>
+            <a:off x="7703185" y="6090285"/>
+            <a:ext cx="880110" cy="9525"/>
+          </a:xfrm>
+          <a:prstGeom prst="straightConnector1">
+            <a:avLst/>
+          </a:prstGeom>
+          <a:gradFill rotWithShape="0">
+            <a:gsLst>
+              <a:gs pos="0">
+                <a:schemeClr val="accent1"/>
+              </a:gs>
+              <a:gs pos="100000">
+                <a:schemeClr val="accent2"/>
+              </a:gs>
+            </a:gsLst>
+            <a:lin ang="5400000" scaled="1"/>
+          </a:gradFill>
+          <a:ln w="9525" cap="flat" cmpd="sng" algn="ctr">
+            <a:solidFill>
+              <a:schemeClr val="accent1">
+                <a:lumMod val="50000"/>
+              </a:schemeClr>
+            </a:solidFill>
+            <a:prstDash val="solid"/>
+            <a:round/>
+            <a:headEnd type="none" w="med" len="med"/>
+            <a:tailEnd type="arrow" w="med" len="med"/>
+          </a:ln>
+        </p:spPr>
+      </p:cxnSp>
+      <p:sp>
+        <p:nvSpPr>
+          <p:cNvPr id="23" name="Canto dobrado 22"/>
+          <p:cNvSpPr/>
+          <p:nvPr/>
+        </p:nvSpPr>
+        <p:spPr>
+          <a:xfrm>
+            <a:off x="8583295" y="5784850"/>
+            <a:ext cx="1009015" cy="629920"/>
+          </a:xfrm>
+          <a:prstGeom prst="foldedCorner">
+            <a:avLst/>
+          </a:prstGeom>
+          <a:gradFill rotWithShape="0">
+            <a:gsLst>
+              <a:gs pos="0">
+                <a:schemeClr val="accent1"/>
+              </a:gs>
+              <a:gs pos="100000">
+                <a:schemeClr val="accent2"/>
+              </a:gs>
+            </a:gsLst>
+            <a:lin ang="5400000" scaled="1"/>
+          </a:gradFill>
+          <a:ln w="9525" cap="flat" cmpd="sng" algn="ctr">
+            <a:solidFill>
+              <a:schemeClr val="accent1"/>
+            </a:solidFill>
+            <a:prstDash val="solid"/>
+            <a:round/>
+            <a:headEnd type="none" w="med" len="med"/>
+            <a:tailEnd type="none" w="med" len="med"/>
+          </a:ln>
+        </p:spPr>
+        <p:txBody>
+          <a:bodyPr vert="horz" wrap="none" lIns="91440" tIns="45720" rIns="91440" bIns="45720" numCol="1" anchor="ctr" anchorCtr="0" compatLnSpc="1"/>
+          <a:p>
+            <a:pPr marL="0" marR="0" indent="0" algn="l" defTabSz="914400" rtl="0" eaLnBrk="1" fontAlgn="base" latinLnBrk="0" hangingPunct="1">
+              <a:lnSpc>
+                <a:spcPct val="100000"/>
+              </a:lnSpc>
+              <a:spcBef>
+                <a:spcPct val="0"/>
+              </a:spcBef>
+              <a:spcAft>
+                <a:spcPct val="0"/>
+              </a:spcAft>
+              <a:buClrTx/>
+              <a:buSzTx/>
+              <a:buFontTx/>
+              <a:buNone/>
+            </a:pPr>
+            <a:r>
+              <a:rPr kumimoji="0" lang="pt-BR" altLang="zh-CN" sz="1800" b="0" i="0" u="none" strike="noStrike" cap="none" normalizeH="0" baseline="0" smtClean="0">
+                <a:ln>
+                  <a:noFill/>
+                </a:ln>
+                <a:solidFill>
+                  <a:schemeClr val="tx1"/>
+                </a:solidFill>
+                <a:effectLst/>
+                <a:latin typeface="Arial" panose="020B0604020202020204" pitchFamily="34" charset="0"/>
+                <a:ea typeface="SimSun" panose="02010600030101010101" pitchFamily="2" charset="-122"/>
+              </a:rPr>
+              <a:t>Forms</a:t>
+            </a:r>
+            <a:endParaRPr kumimoji="0" lang="pt-BR" altLang="zh-CN" sz="1800" b="0" i="0" u="none" strike="noStrike" cap="none" normalizeH="0" baseline="0" smtClean="0">
+              <a:ln>
+                <a:noFill/>
+              </a:ln>
+              <a:solidFill>
+                <a:schemeClr val="tx1"/>
+              </a:solidFill>
+              <a:effectLst/>
+              <a:latin typeface="Arial" panose="020B0604020202020204" pitchFamily="34" charset="0"/>
+              <a:ea typeface="SimSun" panose="02010600030101010101" pitchFamily="2" charset="-122"/>
+            </a:endParaRPr>
+          </a:p>
+        </p:txBody>
+      </p:sp>
+      <p:sp>
+        <p:nvSpPr>
+          <p:cNvPr id="3" name="Caixa de Texto 2"/>
+          <p:cNvSpPr txBox="1"/>
+          <p:nvPr/>
+        </p:nvSpPr>
+        <p:spPr>
+          <a:xfrm>
+            <a:off x="4537075" y="3597910"/>
+            <a:ext cx="2037715" cy="1198880"/>
+          </a:xfrm>
+          <a:prstGeom prst="rect">
+            <a:avLst/>
+          </a:prstGeom>
+          <a:noFill/>
+        </p:spPr>
+        <p:txBody>
+          <a:bodyPr wrap="square" rtlCol="0" anchor="t">
+            <a:spAutoFit/>
+          </a:bodyPr>
+          <a:p>
+            <a:pPr algn="l"/>
+            <a:r>
+              <a:rPr lang="pt-BR" altLang="en-US">
+                <a:sym typeface="+mn-ea"/>
+              </a:rPr>
+              <a:t>        </a:t>
+            </a:r>
+            <a:r>
+              <a:rPr lang="pt-BR" altLang="en-US" b="1">
+                <a:sym typeface="+mn-ea"/>
+              </a:rPr>
+              <a:t>TDD </a:t>
+            </a:r>
+            <a:endParaRPr lang="pt-BR" altLang="en-US"/>
+          </a:p>
+          <a:p>
+            <a:pPr algn="l"/>
+            <a:r>
+              <a:rPr lang="pt-BR" altLang="en-US">
+                <a:sym typeface="+mn-ea"/>
+              </a:rPr>
+              <a:t>(Desenvlvimento Orientado a Teste )</a:t>
+            </a:r>
+            <a:endParaRPr lang="pt-BR" altLang="en-US"/>
+          </a:p>
+        </p:txBody>
+      </p:sp>
+      <p:sp>
+        <p:nvSpPr>
+          <p:cNvPr id="4" name="Caixa de Texto 3"/>
+          <p:cNvSpPr txBox="1"/>
+          <p:nvPr/>
+        </p:nvSpPr>
+        <p:spPr>
+          <a:xfrm>
+            <a:off x="4672965" y="1461770"/>
+            <a:ext cx="1884680" cy="368300"/>
+          </a:xfrm>
+          <a:prstGeom prst="rect">
+            <a:avLst/>
+          </a:prstGeom>
+          <a:noFill/>
+        </p:spPr>
+        <p:txBody>
+          <a:bodyPr wrap="none" rtlCol="0" anchor="t">
+            <a:spAutoFit/>
+          </a:bodyPr>
+          <a:p>
+            <a:pPr algn="l"/>
+            <a:r>
+              <a:rPr lang="pt-BR" altLang="en-US">
+                <a:sym typeface="+mn-ea"/>
+              </a:rPr>
+              <a:t>[Programadores]</a:t>
+            </a:r>
+            <a:endParaRPr lang="pt-BR" altLang="en-US"/>
+          </a:p>
+        </p:txBody>
+      </p:sp>
+      <p:sp>
+        <p:nvSpPr>
+          <p:cNvPr id="13" name="Fluxograma: Armazenamento interno 12"/>
+          <p:cNvSpPr/>
+          <p:nvPr/>
+        </p:nvSpPr>
+        <p:spPr>
+          <a:xfrm>
+            <a:off x="4387850" y="5797550"/>
+            <a:ext cx="1951990" cy="618490"/>
+          </a:xfrm>
+          <a:prstGeom prst="flowChartInternalStorage">
+            <a:avLst/>
+          </a:prstGeom>
+          <a:gradFill rotWithShape="0">
+            <a:gsLst>
+              <a:gs pos="0">
+                <a:schemeClr val="accent1"/>
+              </a:gs>
+              <a:gs pos="100000">
+                <a:schemeClr val="accent2"/>
+              </a:gs>
+            </a:gsLst>
+            <a:lin ang="5400000" scaled="1"/>
+          </a:gradFill>
+          <a:ln w="28575" cap="flat" cmpd="sng" algn="ctr">
+            <a:solidFill>
+              <a:schemeClr val="accent1">
+                <a:shade val="50000"/>
+              </a:schemeClr>
+            </a:solidFill>
+            <a:prstDash val="solid"/>
+            <a:round/>
+            <a:headEnd type="none" w="med" len="med"/>
+            <a:tailEnd type="none" w="med" len="med"/>
+          </a:ln>
+        </p:spPr>
+        <p:txBody>
+          <a:bodyPr vert="horz" wrap="none" lIns="91440" tIns="45720" rIns="91440" bIns="45720" numCol="1" anchor="ctr" anchorCtr="0" compatLnSpc="1"/>
+          <a:p>
+            <a:pPr marL="0" marR="0" indent="0" algn="l" defTabSz="914400" rtl="0" eaLnBrk="1" fontAlgn="base" latinLnBrk="0" hangingPunct="1">
+              <a:lnSpc>
+                <a:spcPct val="100000"/>
+              </a:lnSpc>
+              <a:spcBef>
+                <a:spcPct val="0"/>
+              </a:spcBef>
+              <a:spcAft>
+                <a:spcPct val="0"/>
+              </a:spcAft>
+              <a:buClrTx/>
+              <a:buSzTx/>
+              <a:buFontTx/>
+              <a:buNone/>
+            </a:pPr>
+            <a:r>
+              <a:rPr kumimoji="0" lang="pt-BR" altLang="zh-CN" sz="1800" b="0" i="0" u="none" strike="noStrike" cap="none" normalizeH="0" baseline="0" smtClean="0">
+                <a:ln>
+                  <a:noFill/>
+                </a:ln>
+                <a:solidFill>
+                  <a:schemeClr val="tx1"/>
+                </a:solidFill>
+                <a:effectLst/>
+                <a:latin typeface="Arial" panose="020B0604020202020204" pitchFamily="34" charset="0"/>
+                <a:ea typeface="SimSun" panose="02010600030101010101" pitchFamily="2" charset="-122"/>
+              </a:rPr>
+              <a:t>Pagina.html</a:t>
+            </a:r>
+            <a:endParaRPr kumimoji="0" lang="pt-BR" altLang="zh-CN" sz="1800" b="0" i="0" u="none" strike="noStrike" cap="none" normalizeH="0" baseline="0" smtClean="0">
+              <a:ln>
+                <a:noFill/>
+              </a:ln>
+              <a:solidFill>
+                <a:schemeClr val="tx1"/>
+              </a:solidFill>
+              <a:effectLst/>
+              <a:latin typeface="Arial" panose="020B0604020202020204" pitchFamily="34" charset="0"/>
+              <a:ea typeface="SimSun" panose="02010600030101010101" pitchFamily="2" charset="-122"/>
+            </a:endParaRPr>
+          </a:p>
+        </p:txBody>
+      </p:sp>
+      <p:sp>
+        <p:nvSpPr>
+          <p:cNvPr id="19" name="Esquerda-Direita Seta 18"/>
+          <p:cNvSpPr/>
+          <p:nvPr/>
+        </p:nvSpPr>
+        <p:spPr>
+          <a:xfrm>
+            <a:off x="2934335" y="5953125"/>
+            <a:ext cx="1453515" cy="429895"/>
+          </a:xfrm>
+          <a:prstGeom prst="leftRightArrow">
+            <a:avLst/>
+          </a:prstGeom>
+          <a:gradFill rotWithShape="0">
+            <a:gsLst>
+              <a:gs pos="0">
+                <a:schemeClr val="accent1"/>
+              </a:gs>
+              <a:gs pos="100000">
+                <a:schemeClr val="accent2"/>
+              </a:gs>
+            </a:gsLst>
+            <a:lin ang="5400000" scaled="1"/>
+          </a:gradFill>
+          <a:ln w="28575" cap="flat" cmpd="sng" algn="ctr">
+            <a:solidFill>
+              <a:schemeClr val="accent1">
+                <a:shade val="50000"/>
+              </a:schemeClr>
+            </a:solidFill>
+            <a:prstDash val="solid"/>
+            <a:round/>
+            <a:headEnd type="none" w="med" len="med"/>
+            <a:tailEnd type="none" w="med" len="med"/>
+          </a:ln>
+        </p:spPr>
+        <p:txBody>
+          <a:bodyPr vert="horz" wrap="none" lIns="91440" tIns="45720" rIns="91440" bIns="45720" numCol="1" anchor="ctr" anchorCtr="0" compatLnSpc="1"/>
+          <a:p>
+            <a:pPr marL="0" marR="0" indent="0" algn="l" defTabSz="914400" rtl="0" eaLnBrk="1" fontAlgn="base" latinLnBrk="0" hangingPunct="1">
+              <a:lnSpc>
+                <a:spcPct val="100000"/>
+              </a:lnSpc>
+              <a:spcBef>
+                <a:spcPct val="0"/>
+              </a:spcBef>
+              <a:spcAft>
+                <a:spcPct val="0"/>
+              </a:spcAft>
+              <a:buClrTx/>
+              <a:buSzTx/>
+              <a:buFontTx/>
+              <a:buNone/>
+            </a:pPr>
+            <a:endParaRPr kumimoji="0" lang="zh-CN" altLang="en-US" sz="1800" b="0" i="0" u="none" strike="noStrike" cap="none" normalizeH="0" baseline="0" smtClean="0">
+              <a:ln>
+                <a:noFill/>
+              </a:ln>
+              <a:solidFill>
+                <a:schemeClr val="tx1"/>
+              </a:solidFill>
+              <a:effectLst/>
+              <a:latin typeface="Arial" panose="020B0604020202020204" pitchFamily="34" charset="0"/>
+              <a:ea typeface="SimSun" panose="02010600030101010101" pitchFamily="2" charset="-122"/>
+            </a:endParaRPr>
+          </a:p>
+        </p:txBody>
+      </p:sp>
+    </p:spTree>
+  </p:cSld>
+  <p:clrMapOvr>
+    <a:masterClrMapping/>
+  </p:clrMapOvr>
+</p:sld>
+</file>
+
+<file path=ppt/slides/slide11.xml><?xml version="1.0" encoding="utf-8"?>
+<p:sld xmlns:a="http://schemas.openxmlformats.org/drawingml/2006/main" xmlns:r="http://schemas.openxmlformats.org/officeDocument/2006/relationships" xmlns:p="http://schemas.openxmlformats.org/presentationml/2006/main">
+  <p:cSld>
+    <p:spTree>
+      <p:nvGrpSpPr>
+        <p:cNvPr id="1" name=""/>
+        <p:cNvGrpSpPr/>
+        <p:nvPr/>
+      </p:nvGrpSpPr>
+      <p:grpSpPr/>
+      <p:sp>
+        <p:nvSpPr>
+          <p:cNvPr id="2" name="Título 1"/>
+          <p:cNvSpPr>
+            <a:spLocks noGrp="1"/>
+          </p:cNvSpPr>
+          <p:nvPr>
+            <p:ph type="title"/>
+          </p:nvPr>
+        </p:nvSpPr>
+        <p:spPr/>
+        <p:txBody>
+          <a:bodyPr/>
+          <a:p>
+            <a:r>
+              <a:rPr lang="pt-BR" altLang="en-US"/>
               <a:t>WEB - Modelo Exemplo</a:t>
             </a:r>
             <a:endParaRPr lang="pt-BR" altLang="en-US"/>
@@ -4150,7 +5362,7 @@
 </p:sld>
 </file>
 
-<file path=ppt/slides/slide11.xml><?xml version="1.0" encoding="utf-8"?>
+<file path=ppt/slides/slide12.xml><?xml version="1.0" encoding="utf-8"?>
 <p:sld xmlns:a="http://schemas.openxmlformats.org/drawingml/2006/main" xmlns:r="http://schemas.openxmlformats.org/officeDocument/2006/relationships" xmlns:p="http://schemas.openxmlformats.org/presentationml/2006/main">
   <p:cSld>
     <p:spTree>
@@ -4272,7 +5484,7 @@
 </p:sld>
 </file>
 
-<file path=ppt/slides/slide12.xml><?xml version="1.0" encoding="utf-8"?>
+<file path=ppt/slides/slide13.xml><?xml version="1.0" encoding="utf-8"?>
 <p:sld xmlns:a="http://schemas.openxmlformats.org/drawingml/2006/main" xmlns:r="http://schemas.openxmlformats.org/officeDocument/2006/relationships" xmlns:p="http://schemas.openxmlformats.org/presentationml/2006/main">
   <p:cSld>
     <p:spTree>
@@ -4368,7 +5580,7 @@
         <p:spPr>
           <a:xfrm>
             <a:off x="810260" y="1198880"/>
-            <a:ext cx="5542280" cy="645160"/>
+            <a:ext cx="7061835" cy="645160"/>
           </a:xfrm>
           <a:prstGeom prst="rect">
             <a:avLst/>
@@ -4390,7 +5602,7 @@
             </a:br>
             <a:r>
               <a:rPr lang="pt-BR" altLang="en-US"/>
-              <a:t>resource/static/</a:t>
+              <a:t>resource/static/BaseJsonTesteRest/</a:t>
             </a:r>
             <a:r>
               <a:rPr lang="pt-BR" altLang="en-US" b="1"/>
@@ -4408,7 +5620,7 @@
 </p:sld>
 </file>
 
-<file path=ppt/slides/slide13.xml><?xml version="1.0" encoding="utf-8"?>
+<file path=ppt/slides/slide14.xml><?xml version="1.0" encoding="utf-8"?>
 <p:sld xmlns:a="http://schemas.openxmlformats.org/drawingml/2006/main" xmlns:r="http://schemas.openxmlformats.org/officeDocument/2006/relationships" xmlns:p="http://schemas.openxmlformats.org/presentationml/2006/main">
   <p:cSld>
     <p:spTree>
@@ -4501,100 +5713,6 @@
 </p:sld>
 </file>
 
-<file path=ppt/slides/slide14.xml><?xml version="1.0" encoding="utf-8"?>
-<p:sld xmlns:a="http://schemas.openxmlformats.org/drawingml/2006/main" xmlns:r="http://schemas.openxmlformats.org/officeDocument/2006/relationships" xmlns:p="http://schemas.openxmlformats.org/presentationml/2006/main">
-  <p:cSld>
-    <p:spTree>
-      <p:nvGrpSpPr>
-        <p:cNvPr id="1" name=""/>
-        <p:cNvGrpSpPr/>
-        <p:nvPr/>
-      </p:nvGrpSpPr>
-      <p:grpSpPr/>
-      <p:sp>
-        <p:nvSpPr>
-          <p:cNvPr id="2" name="Título 1"/>
-          <p:cNvSpPr>
-            <a:spLocks noGrp="1"/>
-          </p:cNvSpPr>
-          <p:nvPr>
-            <p:ph type="title"/>
-          </p:nvPr>
-        </p:nvSpPr>
-        <p:spPr/>
-        <p:txBody>
-          <a:bodyPr/>
-          <a:p>
-            <a:r>
-              <a:rPr lang="pt-BR" altLang="en-US"/>
-              <a:t>Explicação - Resumida</a:t>
-            </a:r>
-            <a:endParaRPr lang="pt-BR" altLang="en-US"/>
-          </a:p>
-        </p:txBody>
-      </p:sp>
-      <p:sp>
-        <p:nvSpPr>
-          <p:cNvPr id="3" name="Espaço Reservado para Conteúdo 2"/>
-          <p:cNvSpPr>
-            <a:spLocks noGrp="1"/>
-          </p:cNvSpPr>
-          <p:nvPr>
-            <p:ph idx="1"/>
-          </p:nvPr>
-        </p:nvSpPr>
-        <p:spPr>
-          <a:xfrm>
-            <a:off x="387350" y="984250"/>
-            <a:ext cx="10972800" cy="4953000"/>
-          </a:xfrm>
-        </p:spPr>
-        <p:txBody>
-          <a:bodyPr/>
-          <a:p>
-            <a:pPr marL="0" lvl="0" indent="0">
-              <a:buNone/>
-            </a:pPr>
-            <a:r>
-              <a:rPr lang="pt-BR" altLang="en-US"/>
-              <a:t>Nesta configuração executamos um </a:t>
-            </a:r>
-            <a:r>
-              <a:rPr lang="pt-BR" altLang="en-US" b="1"/>
-              <a:t>JAR </a:t>
-            </a:r>
-            <a:r>
-              <a:rPr lang="pt-BR" altLang="en-US"/>
-              <a:t>porque o Container (Tomcat) já é iniciado por dentro da aplicação via o metod Main com a chamada do Spring.</a:t>
-            </a:r>
-            <a:endParaRPr lang="pt-BR" altLang="en-US"/>
-          </a:p>
-          <a:p>
-            <a:pPr marL="0" lvl="0" indent="0">
-              <a:buNone/>
-            </a:pPr>
-            <a:endParaRPr lang="pt-BR" altLang="en-US"/>
-          </a:p>
-          <a:p>
-            <a:pPr marL="0" lvl="0" indent="0">
-              <a:buNone/>
-            </a:pPr>
-            <a:r>
-              <a:rPr lang="pt-BR" altLang="en-US"/>
-              <a:t>Padrão War joga a aplicação em um container pra carregar, com SpringBoot fazemos o inverso, o Container já esta dentro do projeto, logo o bom e velho “Run Java App” vai ser usado.</a:t>
-            </a:r>
-            <a:endParaRPr lang="pt-BR" altLang="en-US"/>
-          </a:p>
-        </p:txBody>
-      </p:sp>
-    </p:spTree>
-  </p:cSld>
-  <p:clrMapOvr>
-    <a:masterClrMapping/>
-  </p:clrMapOvr>
-</p:sld>
-</file>
-
 <file path=ppt/slides/slide15.xml><?xml version="1.0" encoding="utf-8"?>
 <p:sld xmlns:a="http://schemas.openxmlformats.org/drawingml/2006/main" xmlns:r="http://schemas.openxmlformats.org/officeDocument/2006/relationships" xmlns:p="http://schemas.openxmlformats.org/presentationml/2006/main">
   <p:cSld>
@@ -4619,6 +5737,10 @@
         <p:txBody>
           <a:bodyPr/>
           <a:p>
+            <a:r>
+              <a:rPr lang="pt-BR" altLang="en-US"/>
+              <a:t>Explicação - Resumida</a:t>
+            </a:r>
             <a:endParaRPr lang="pt-BR" altLang="en-US"/>
           </a:p>
         </p:txBody>
@@ -4633,6 +5755,96 @@
             <p:ph idx="1"/>
           </p:nvPr>
         </p:nvSpPr>
+        <p:spPr>
+          <a:xfrm>
+            <a:off x="387350" y="984250"/>
+            <a:ext cx="10972800" cy="4953000"/>
+          </a:xfrm>
+        </p:spPr>
+        <p:txBody>
+          <a:bodyPr/>
+          <a:p>
+            <a:pPr marL="0" lvl="0" indent="0">
+              <a:buNone/>
+            </a:pPr>
+            <a:r>
+              <a:rPr lang="pt-BR" altLang="en-US"/>
+              <a:t>Nesta configuração executamos um </a:t>
+            </a:r>
+            <a:r>
+              <a:rPr lang="pt-BR" altLang="en-US" b="1"/>
+              <a:t>JAR </a:t>
+            </a:r>
+            <a:r>
+              <a:rPr lang="pt-BR" altLang="en-US"/>
+              <a:t>porque o Container (Tomcat) já é iniciado por dentro da aplicação via o metod Main com a chamada do Spring.</a:t>
+            </a:r>
+            <a:endParaRPr lang="pt-BR" altLang="en-US"/>
+          </a:p>
+          <a:p>
+            <a:pPr marL="0" lvl="0" indent="0">
+              <a:buNone/>
+            </a:pPr>
+            <a:endParaRPr lang="pt-BR" altLang="en-US"/>
+          </a:p>
+          <a:p>
+            <a:pPr marL="0" lvl="0" indent="0">
+              <a:buNone/>
+            </a:pPr>
+            <a:r>
+              <a:rPr lang="pt-BR" altLang="en-US"/>
+              <a:t>Padrão War joga a aplicação em um container pra carregar, com SpringBoot fazemos o inverso, o Container já esta dentro do projeto, logo o bom e velho “Run Java App” vai ser usado.</a:t>
+            </a:r>
+            <a:endParaRPr lang="pt-BR" altLang="en-US"/>
+          </a:p>
+        </p:txBody>
+      </p:sp>
+    </p:spTree>
+  </p:cSld>
+  <p:clrMapOvr>
+    <a:masterClrMapping/>
+  </p:clrMapOvr>
+</p:sld>
+</file>
+
+<file path=ppt/slides/slide16.xml><?xml version="1.0" encoding="utf-8"?>
+<p:sld xmlns:a="http://schemas.openxmlformats.org/drawingml/2006/main" xmlns:r="http://schemas.openxmlformats.org/officeDocument/2006/relationships" xmlns:p="http://schemas.openxmlformats.org/presentationml/2006/main">
+  <p:cSld>
+    <p:spTree>
+      <p:nvGrpSpPr>
+        <p:cNvPr id="1" name=""/>
+        <p:cNvGrpSpPr/>
+        <p:nvPr/>
+      </p:nvGrpSpPr>
+      <p:grpSpPr/>
+      <p:sp>
+        <p:nvSpPr>
+          <p:cNvPr id="2" name="Título 1"/>
+          <p:cNvSpPr>
+            <a:spLocks noGrp="1"/>
+          </p:cNvSpPr>
+          <p:nvPr>
+            <p:ph type="title"/>
+          </p:nvPr>
+        </p:nvSpPr>
+        <p:spPr/>
+        <p:txBody>
+          <a:bodyPr/>
+          <a:p>
+            <a:endParaRPr lang="pt-BR" altLang="en-US"/>
+          </a:p>
+        </p:txBody>
+      </p:sp>
+      <p:sp>
+        <p:nvSpPr>
+          <p:cNvPr id="3" name="Espaço Reservado para Conteúdo 2"/>
+          <p:cNvSpPr>
+            <a:spLocks noGrp="1"/>
+          </p:cNvSpPr>
+          <p:nvPr>
+            <p:ph idx="1"/>
+          </p:nvPr>
+        </p:nvSpPr>
         <p:spPr/>
         <p:txBody>
           <a:bodyPr/>
@@ -4653,13 +5865,6 @@
             <a:r>
               <a:rPr lang="pt-BR" altLang="en-US"/>
               <a:t>meu teams:</a:t>
-            </a:r>
-            <a:endParaRPr lang="pt-BR" altLang="en-US"/>
-          </a:p>
-          <a:p>
-            <a:r>
-              <a:rPr lang="pt-BR" altLang="en-US"/>
-              <a:t>michel.montenegro@qintess.com</a:t>
             </a:r>
             <a:endParaRPr lang="pt-BR" altLang="en-US"/>
           </a:p>
@@ -6267,30 +7472,72 @@
             <p:ph type="title"/>
           </p:nvPr>
         </p:nvSpPr>
-        <p:spPr/>
+        <p:spPr>
+          <a:xfrm>
+            <a:off x="332740" y="184785"/>
+            <a:ext cx="10972800" cy="582613"/>
+          </a:xfrm>
+        </p:spPr>
         <p:txBody>
           <a:bodyPr/>
           <a:p>
             <a:r>
-              <a:rPr lang="pt-BR" altLang="en-US"/>
-              <a:t>Informações:</a:t>
-            </a:r>
-            <a:endParaRPr lang="pt-BR" altLang="en-US"/>
-          </a:p>
-        </p:txBody>
-      </p:sp>
-      <p:sp>
-        <p:nvSpPr>
-          <p:cNvPr id="43" name="Fluxograma: Processo 42"/>
+              <a:rPr lang="pt-BR" altLang="en-US" sz="3200"/>
+              <a:t>SpringBoot: Configuração Inicial - Dependencias</a:t>
+            </a:r>
+            <a:endParaRPr lang="pt-BR" altLang="en-US" sz="3200"/>
+          </a:p>
+        </p:txBody>
+      </p:sp>
+      <p:sp>
+        <p:nvSpPr>
+          <p:cNvPr id="29" name="Caixa de Texto 28"/>
+          <p:cNvSpPr txBox="1"/>
+          <p:nvPr/>
+        </p:nvSpPr>
+        <p:spPr>
+          <a:xfrm>
+            <a:off x="332740" y="1070610"/>
+            <a:ext cx="9139555" cy="460375"/>
+          </a:xfrm>
+          <a:prstGeom prst="rect">
+            <a:avLst/>
+          </a:prstGeom>
+          <a:noFill/>
+        </p:spPr>
+        <p:txBody>
+          <a:bodyPr wrap="square" rtlCol="0" anchor="t">
+            <a:spAutoFit/>
+          </a:bodyPr>
+          <a:p>
+            <a:r>
+              <a:rPr lang="pt-BR" altLang="en-US" sz="2400" b="1">
+                <a:solidFill>
+                  <a:schemeClr val="tx1"/>
+                </a:solidFill>
+              </a:rPr>
+              <a:t>Via o site https://start.spring.io/</a:t>
+            </a:r>
+            <a:endParaRPr lang="pt-BR" altLang="en-US" sz="2400" b="1">
+              <a:solidFill>
+                <a:schemeClr val="tx1"/>
+              </a:solidFill>
+            </a:endParaRPr>
+          </a:p>
+        </p:txBody>
+      </p:sp>
+      <p:sp>
+        <p:nvSpPr>
+          <p:cNvPr id="33" name="Fluxograma: multidocument 32"/>
           <p:cNvSpPr/>
           <p:nvPr/>
         </p:nvSpPr>
         <p:spPr>
           <a:xfrm>
-            <a:off x="2070100" y="1257300"/>
-            <a:ext cx="8134985" cy="476885"/>
-          </a:xfrm>
-          <a:prstGeom prst="flowChartProcess">
+            <a:off x="543560" y="3262630"/>
+            <a:ext cx="1988185" cy="476885"/>
+          </a:xfrm>
+          <a:prstGeom prst="flowChartMultidocument">
             <a:avLst/>
           </a:prstGeom>
           <a:gradFill rotWithShape="0">
@@ -6333,7 +7580,7 @@
               <a:buNone/>
             </a:pPr>
             <a:r>
-              <a:rPr kumimoji="0" lang="pt-BR" altLang="zh-CN" sz="2400" b="0" i="0" u="none" strike="noStrike" cap="none" normalizeH="0" baseline="0" smtClean="0">
+              <a:rPr kumimoji="0" lang="pt-BR" altLang="zh-CN" sz="1600" b="0" i="0" u="none" strike="noStrike" cap="none" normalizeH="0" baseline="0" smtClean="0">
                 <a:ln>
                   <a:noFill/>
                 </a:ln>
@@ -6341,19 +7588,13 @@
                   <a:schemeClr val="tx1"/>
                 </a:solidFill>
                 <a:effectLst/>
-                <a:latin typeface="Arial" panose="020B0604020202020204" pitchFamily="34" charset="0"/>
+                <a:latin typeface="+mj-lt"/>
                 <a:ea typeface="SimSun" panose="02010600030101010101" pitchFamily="2" charset="-122"/>
-                <a:cs typeface="Arial" panose="020B0604020202020204" pitchFamily="34" charset="0"/>
+                <a:cs typeface="+mj-lt"/>
               </a:rPr>
-              <a:t>Java 17 ( </a:t>
-            </a:r>
-            <a:r>
-              <a:rPr lang="pt-BR" altLang="en-US" sz="2400">
-                <a:sym typeface="+mn-ea"/>
-              </a:rPr>
-              <a:t>VersãoLong-term support - LTS)</a:t>
-            </a:r>
-            <a:endParaRPr kumimoji="0" lang="pt-BR" altLang="zh-CN" sz="2400" b="0" i="0" u="none" strike="noStrike" cap="none" normalizeH="0" baseline="0" smtClean="0">
+              <a:t>jakarta</a:t>
+            </a:r>
+            <a:endParaRPr kumimoji="0" lang="pt-BR" altLang="zh-CN" sz="1600" b="0" i="0" u="none" strike="noStrike" cap="none" normalizeH="0" baseline="0" smtClean="0">
               <a:ln>
                 <a:noFill/>
               </a:ln>
@@ -6361,25 +7602,25 @@
                 <a:schemeClr val="tx1"/>
               </a:solidFill>
               <a:effectLst/>
-              <a:latin typeface="Arial" panose="020B0604020202020204" pitchFamily="34" charset="0"/>
+              <a:latin typeface="+mj-lt"/>
               <a:ea typeface="SimSun" panose="02010600030101010101" pitchFamily="2" charset="-122"/>
-              <a:cs typeface="Arial" panose="020B0604020202020204" pitchFamily="34" charset="0"/>
+              <a:cs typeface="+mj-lt"/>
             </a:endParaRPr>
           </a:p>
         </p:txBody>
       </p:sp>
       <p:sp>
         <p:nvSpPr>
-          <p:cNvPr id="3" name="Fluxograma: Processo 2"/>
+          <p:cNvPr id="36" name="Fluxograma: multidocument 35"/>
           <p:cNvSpPr/>
           <p:nvPr/>
         </p:nvSpPr>
         <p:spPr>
           <a:xfrm>
-            <a:off x="2070100" y="1909445"/>
-            <a:ext cx="8134985" cy="476885"/>
-          </a:xfrm>
-          <a:prstGeom prst="flowChartProcess">
+            <a:off x="486410" y="4503420"/>
+            <a:ext cx="2038350" cy="476885"/>
+          </a:xfrm>
+          <a:prstGeom prst="flowChartMultidocument">
             <a:avLst/>
           </a:prstGeom>
           <a:gradFill rotWithShape="0">
@@ -6422,58 +7663,21 @@
               <a:buNone/>
             </a:pPr>
             <a:r>
-              <a:rPr lang="pt-BR" altLang="zh-CN" sz="2400" b="1" u="sng" smtClean="0">
+              <a:rPr kumimoji="0" lang="pt-BR" altLang="zh-CN" sz="1600" b="0" i="0" u="none" strike="noStrike" cap="none" normalizeH="0" baseline="0" smtClean="0">
                 <a:ln>
                   <a:noFill/>
                 </a:ln>
+                <a:solidFill>
+                  <a:schemeClr val="tx1"/>
+                </a:solidFill>
                 <a:effectLst/>
-                <a:latin typeface="Arial" panose="020B0604020202020204" pitchFamily="34" charset="0"/>
+                <a:latin typeface="+mj-lt"/>
                 <a:ea typeface="SimSun" panose="02010600030101010101" pitchFamily="2" charset="-122"/>
-                <a:cs typeface="Arial" panose="020B0604020202020204" pitchFamily="34" charset="0"/>
-                <a:sym typeface="+mn-ea"/>
+                <a:cs typeface="+mj-lt"/>
               </a:rPr>
-              <a:t>InteliJ</a:t>
-            </a:r>
-            <a:r>
-              <a:rPr lang="pt-BR" altLang="zh-CN" sz="2400" b="1" smtClean="0">
-                <a:ln>
-                  <a:noFill/>
-                </a:ln>
-                <a:effectLst/>
-                <a:latin typeface="Arial" panose="020B0604020202020204" pitchFamily="34" charset="0"/>
-                <a:ea typeface="SimSun" panose="02010600030101010101" pitchFamily="2" charset="-122"/>
-                <a:cs typeface="Arial" panose="020B0604020202020204" pitchFamily="34" charset="0"/>
-                <a:sym typeface="+mn-ea"/>
-              </a:rPr>
-              <a:t> </a:t>
-            </a:r>
-            <a:r>
-              <a:rPr lang="pt-BR" altLang="zh-CN" sz="2400" smtClean="0">
-                <a:ln>
-                  <a:noFill/>
-                </a:ln>
-                <a:effectLst/>
-                <a:latin typeface="Arial" panose="020B0604020202020204" pitchFamily="34" charset="0"/>
-                <a:ea typeface="SimSun" panose="02010600030101010101" pitchFamily="2" charset="-122"/>
-                <a:cs typeface="Arial" panose="020B0604020202020204" pitchFamily="34" charset="0"/>
-                <a:sym typeface="+mn-ea"/>
-              </a:rPr>
-              <a:t>/ </a:t>
-            </a:r>
-            <a:r>
-              <a:rPr lang="pt-BR" altLang="zh-CN" sz="2400" smtClean="0">
-                <a:ln>
-                  <a:noFill/>
-                </a:ln>
-                <a:effectLst/>
-                <a:latin typeface="Arial" panose="020B0604020202020204" pitchFamily="34" charset="0"/>
-                <a:ea typeface="SimSun" panose="02010600030101010101" pitchFamily="2" charset="-122"/>
-                <a:cs typeface="Arial" panose="020B0604020202020204" pitchFamily="34" charset="0"/>
-                <a:sym typeface="+mn-ea"/>
-              </a:rPr>
-              <a:t>Eclipse / NetBeans / VSCode</a:t>
-            </a:r>
-            <a:endParaRPr kumimoji="0" lang="pt-BR" altLang="zh-CN" sz="2400" b="0" i="0" u="none" strike="noStrike" cap="none" normalizeH="0" baseline="0" smtClean="0">
+              <a:t>fasterxml.jackson</a:t>
+            </a:r>
+            <a:endParaRPr kumimoji="0" lang="pt-BR" altLang="zh-CN" sz="1600" b="0" i="0" u="none" strike="noStrike" cap="none" normalizeH="0" baseline="0" smtClean="0">
               <a:ln>
                 <a:noFill/>
               </a:ln>
@@ -6481,25 +7685,25 @@
                 <a:schemeClr val="tx1"/>
               </a:solidFill>
               <a:effectLst/>
-              <a:latin typeface="Arial" panose="020B0604020202020204" pitchFamily="34" charset="0"/>
+              <a:latin typeface="+mj-lt"/>
               <a:ea typeface="SimSun" panose="02010600030101010101" pitchFamily="2" charset="-122"/>
-              <a:cs typeface="Arial" panose="020B0604020202020204" pitchFamily="34" charset="0"/>
+              <a:cs typeface="+mj-lt"/>
             </a:endParaRPr>
           </a:p>
         </p:txBody>
       </p:sp>
       <p:sp>
         <p:nvSpPr>
-          <p:cNvPr id="11" name="Fluxograma: Processo 10"/>
+          <p:cNvPr id="37" name="Fluxograma: multidocument 36"/>
           <p:cNvSpPr/>
           <p:nvPr/>
         </p:nvSpPr>
         <p:spPr>
           <a:xfrm>
-            <a:off x="2065020" y="2515235"/>
-            <a:ext cx="8134985" cy="476885"/>
-          </a:xfrm>
-          <a:prstGeom prst="flowChartProcess">
+            <a:off x="476885" y="5909310"/>
+            <a:ext cx="2038350" cy="476885"/>
+          </a:xfrm>
+          <a:prstGeom prst="flowChartMultidocument">
             <a:avLst/>
           </a:prstGeom>
           <a:gradFill rotWithShape="0">
@@ -6542,45 +7746,21 @@
               <a:buNone/>
             </a:pPr>
             <a:r>
-              <a:rPr lang="pt-BR" altLang="zh-CN" sz="2400" smtClean="0">
+              <a:rPr kumimoji="0" lang="pt-BR" altLang="zh-CN" sz="1600" b="0" i="0" u="none" strike="noStrike" cap="none" normalizeH="0" baseline="0" smtClean="0">
                 <a:ln>
                   <a:noFill/>
                 </a:ln>
+                <a:solidFill>
+                  <a:schemeClr val="tx1"/>
+                </a:solidFill>
                 <a:effectLst/>
-                <a:latin typeface="Arial" panose="020B0604020202020204" pitchFamily="34" charset="0"/>
+                <a:latin typeface="+mj-lt"/>
                 <a:ea typeface="SimSun" panose="02010600030101010101" pitchFamily="2" charset="-122"/>
-                <a:cs typeface="Arial" panose="020B0604020202020204" pitchFamily="34" charset="0"/>
-                <a:sym typeface="+mn-ea"/>
+                <a:cs typeface="+mj-lt"/>
               </a:rPr>
-              <a:t>SoapUi / </a:t>
-            </a:r>
-            <a:r>
-              <a:rPr lang="pt-BR" altLang="zh-CN" sz="2400" smtClean="0">
-                <a:ln>
-                  <a:noFill/>
-                </a:ln>
-                <a:effectLst/>
-                <a:latin typeface="Arial" panose="020B0604020202020204" pitchFamily="34" charset="0"/>
-                <a:ea typeface="SimSun" panose="02010600030101010101" pitchFamily="2" charset="-122"/>
-                <a:cs typeface="Arial" panose="020B0604020202020204" pitchFamily="34" charset="0"/>
-                <a:sym typeface="+mn-ea"/>
-              </a:rPr>
-              <a:t>PostMan / </a:t>
-            </a:r>
-            <a:r>
-              <a:rPr lang="pt-BR" altLang="zh-CN" sz="2400" smtClean="0">
-                <a:ln>
-                  <a:noFill/>
-                </a:ln>
-                <a:effectLst/>
-                <a:latin typeface="Arial" panose="020B0604020202020204" pitchFamily="34" charset="0"/>
-                <a:ea typeface="SimSun" panose="02010600030101010101" pitchFamily="2" charset="-122"/>
-                <a:cs typeface="Arial" panose="020B0604020202020204" pitchFamily="34" charset="0"/>
-                <a:sym typeface="+mn-ea"/>
-              </a:rPr>
-              <a:t>Insomnia / </a:t>
-            </a:r>
-            <a:endParaRPr kumimoji="0" lang="pt-BR" altLang="zh-CN" sz="2400" b="0" i="0" u="none" strike="noStrike" cap="none" normalizeH="0" baseline="0" smtClean="0">
+              <a:t>wsdl4j</a:t>
+            </a:r>
+            <a:endParaRPr kumimoji="0" lang="pt-BR" altLang="zh-CN" sz="1600" b="0" i="0" u="none" strike="noStrike" cap="none" normalizeH="0" baseline="0" smtClean="0">
               <a:ln>
                 <a:noFill/>
               </a:ln>
@@ -6588,25 +7768,238 @@
                 <a:schemeClr val="tx1"/>
               </a:solidFill>
               <a:effectLst/>
+              <a:latin typeface="+mj-lt"/>
+              <a:ea typeface="SimSun" panose="02010600030101010101" pitchFamily="2" charset="-122"/>
+              <a:cs typeface="+mj-lt"/>
+            </a:endParaRPr>
+          </a:p>
+        </p:txBody>
+      </p:sp>
+      <p:sp>
+        <p:nvSpPr>
+          <p:cNvPr id="25" name="Seta para a esquerda 24"/>
+          <p:cNvSpPr/>
+          <p:nvPr/>
+        </p:nvSpPr>
+        <p:spPr>
+          <a:xfrm>
+            <a:off x="2786380" y="3100705"/>
+            <a:ext cx="8997950" cy="523240"/>
+          </a:xfrm>
+          <a:prstGeom prst="leftArrow">
+            <a:avLst/>
+          </a:prstGeom>
+          <a:solidFill>
+            <a:schemeClr val="accent3">
+              <a:lumMod val="85000"/>
+            </a:schemeClr>
+          </a:solidFill>
+          <a:ln w="28575" cap="flat" cmpd="sng" algn="ctr">
+            <a:solidFill>
+              <a:schemeClr val="accent1">
+                <a:shade val="50000"/>
+              </a:schemeClr>
+            </a:solidFill>
+            <a:prstDash val="solid"/>
+            <a:round/>
+            <a:headEnd type="none" w="med" len="med"/>
+            <a:tailEnd type="none" w="med" len="med"/>
+          </a:ln>
+        </p:spPr>
+        <p:txBody>
+          <a:bodyPr vert="horz" wrap="none" lIns="91440" tIns="45720" rIns="91440" bIns="45720" numCol="1" anchor="ctr" anchorCtr="0" compatLnSpc="1"/>
+          <a:p>
+            <a:pPr marL="0" marR="0" indent="0" algn="l" defTabSz="914400" rtl="0" eaLnBrk="1" fontAlgn="base" latinLnBrk="0" hangingPunct="1">
+              <a:lnSpc>
+                <a:spcPct val="100000"/>
+              </a:lnSpc>
+              <a:spcBef>
+                <a:spcPct val="0"/>
+              </a:spcBef>
+              <a:spcAft>
+                <a:spcPct val="0"/>
+              </a:spcAft>
+              <a:buClrTx/>
+              <a:buSzTx/>
+              <a:buFontTx/>
+              <a:buNone/>
+            </a:pPr>
+            <a:r>
+              <a:rPr kumimoji="0" lang="pt-BR" sz="1600" b="0" i="0" u="none" strike="noStrike" cap="none" normalizeH="0" baseline="0" smtClean="0">
+                <a:ln>
+                  <a:noFill/>
+                </a:ln>
+                <a:effectLst/>
+                <a:latin typeface="Arial" panose="020B0604020202020204" pitchFamily="34" charset="0"/>
+                <a:ea typeface="SimSun" panose="02010600030101010101" pitchFamily="2" charset="-122"/>
+              </a:rPr>
+              <a:t>Automatiza o mapeamento entre documentos XML e objetos Java</a:t>
+            </a:r>
+            <a:endParaRPr kumimoji="0" lang="pt-BR" sz="1600" b="0" i="0" u="none" strike="noStrike" cap="none" normalizeH="0" baseline="0" smtClean="0">
+              <a:ln>
+                <a:noFill/>
+              </a:ln>
+              <a:effectLst/>
               <a:latin typeface="Arial" panose="020B0604020202020204" pitchFamily="34" charset="0"/>
               <a:ea typeface="SimSun" panose="02010600030101010101" pitchFamily="2" charset="-122"/>
-              <a:cs typeface="Arial" panose="020B0604020202020204" pitchFamily="34" charset="0"/>
             </a:endParaRPr>
           </a:p>
         </p:txBody>
       </p:sp>
       <p:sp>
         <p:nvSpPr>
-          <p:cNvPr id="22" name="Fluxograma: Processo 21"/>
+          <p:cNvPr id="31" name="Seta para a esquerda 30"/>
           <p:cNvSpPr/>
           <p:nvPr/>
         </p:nvSpPr>
         <p:spPr>
           <a:xfrm>
-            <a:off x="2070100" y="3664585"/>
-            <a:ext cx="8134985" cy="476885"/>
-          </a:xfrm>
-          <a:prstGeom prst="flowChartProcess">
+            <a:off x="2786380" y="4344035"/>
+            <a:ext cx="8997950" cy="523240"/>
+          </a:xfrm>
+          <a:prstGeom prst="leftArrow">
+            <a:avLst/>
+          </a:prstGeom>
+          <a:solidFill>
+            <a:schemeClr val="accent3">
+              <a:lumMod val="85000"/>
+            </a:schemeClr>
+          </a:solidFill>
+          <a:ln w="28575" cap="flat" cmpd="sng" algn="ctr">
+            <a:solidFill>
+              <a:schemeClr val="accent1">
+                <a:shade val="50000"/>
+              </a:schemeClr>
+            </a:solidFill>
+            <a:prstDash val="solid"/>
+            <a:round/>
+            <a:headEnd type="none" w="med" len="med"/>
+            <a:tailEnd type="none" w="med" len="med"/>
+          </a:ln>
+        </p:spPr>
+        <p:txBody>
+          <a:bodyPr vert="horz" wrap="none" lIns="91440" tIns="45720" rIns="91440" bIns="45720" numCol="1" anchor="ctr" anchorCtr="0" compatLnSpc="1"/>
+          <a:p>
+            <a:pPr marL="0" marR="0" indent="0" algn="l" defTabSz="914400" rtl="0" eaLnBrk="1" fontAlgn="base" latinLnBrk="0" hangingPunct="1">
+              <a:lnSpc>
+                <a:spcPct val="100000"/>
+              </a:lnSpc>
+              <a:spcBef>
+                <a:spcPct val="0"/>
+              </a:spcBef>
+              <a:spcAft>
+                <a:spcPct val="0"/>
+              </a:spcAft>
+              <a:buClrTx/>
+              <a:buSzTx/>
+              <a:buFontTx/>
+              <a:buNone/>
+            </a:pPr>
+            <a:r>
+              <a:rPr kumimoji="0" lang="pt-BR" sz="1600" b="0" i="0" u="none" strike="noStrike" cap="none" normalizeH="0" baseline="0" smtClean="0">
+                <a:ln>
+                  <a:noFill/>
+                </a:ln>
+                <a:effectLst/>
+                <a:latin typeface="Arial" panose="020B0604020202020204" pitchFamily="34" charset="0"/>
+                <a:ea typeface="SimSun" panose="02010600030101010101" pitchFamily="2" charset="-122"/>
+              </a:rPr>
+              <a:t>Transformar POJO (Plain Old Java Objects) em JSON (JavaScript Object Notation) e vice-versa</a:t>
+            </a:r>
+            <a:endParaRPr kumimoji="0" lang="pt-BR" sz="1600" b="0" i="0" u="none" strike="noStrike" cap="none" normalizeH="0" baseline="0" smtClean="0">
+              <a:ln>
+                <a:noFill/>
+              </a:ln>
+              <a:effectLst/>
+              <a:latin typeface="Arial" panose="020B0604020202020204" pitchFamily="34" charset="0"/>
+              <a:ea typeface="SimSun" panose="02010600030101010101" pitchFamily="2" charset="-122"/>
+            </a:endParaRPr>
+          </a:p>
+        </p:txBody>
+      </p:sp>
+      <p:sp>
+        <p:nvSpPr>
+          <p:cNvPr id="34" name="Seta para a esquerda 33"/>
+          <p:cNvSpPr/>
+          <p:nvPr/>
+        </p:nvSpPr>
+        <p:spPr>
+          <a:xfrm>
+            <a:off x="2786380" y="5801995"/>
+            <a:ext cx="8997950" cy="523240"/>
+          </a:xfrm>
+          <a:prstGeom prst="leftArrow">
+            <a:avLst/>
+          </a:prstGeom>
+          <a:solidFill>
+            <a:schemeClr val="accent3">
+              <a:lumMod val="85000"/>
+            </a:schemeClr>
+          </a:solidFill>
+          <a:ln w="28575" cap="flat" cmpd="sng" algn="ctr">
+            <a:solidFill>
+              <a:schemeClr val="accent1">
+                <a:shade val="50000"/>
+              </a:schemeClr>
+            </a:solidFill>
+            <a:prstDash val="solid"/>
+            <a:round/>
+            <a:headEnd type="none" w="med" len="med"/>
+            <a:tailEnd type="none" w="med" len="med"/>
+          </a:ln>
+        </p:spPr>
+        <p:txBody>
+          <a:bodyPr vert="horz" wrap="none" lIns="91440" tIns="45720" rIns="91440" bIns="45720" numCol="1" anchor="ctr" anchorCtr="0" compatLnSpc="1"/>
+          <a:p>
+            <a:pPr marL="0" marR="0" indent="0" algn="l" defTabSz="914400" rtl="0" eaLnBrk="1" fontAlgn="base" latinLnBrk="0" hangingPunct="1">
+              <a:lnSpc>
+                <a:spcPct val="100000"/>
+              </a:lnSpc>
+              <a:spcBef>
+                <a:spcPct val="0"/>
+              </a:spcBef>
+              <a:spcAft>
+                <a:spcPct val="0"/>
+              </a:spcAft>
+              <a:buClrTx/>
+              <a:buSzTx/>
+              <a:buFontTx/>
+              <a:buNone/>
+            </a:pPr>
+            <a:r>
+              <a:rPr kumimoji="0" lang="pt-BR" sz="1600" b="0" i="0" u="none" strike="noStrike" cap="none" normalizeH="0" baseline="0" smtClean="0">
+                <a:ln>
+                  <a:noFill/>
+                </a:ln>
+                <a:effectLst/>
+                <a:latin typeface="Arial" panose="020B0604020202020204" pitchFamily="34" charset="0"/>
+                <a:ea typeface="SimSun" panose="02010600030101010101" pitchFamily="2" charset="-122"/>
+              </a:rPr>
+              <a:t>Web Services Description Language for Java Toolkit. Permite a manipulação de WSDL</a:t>
+            </a:r>
+            <a:endParaRPr kumimoji="0" lang="pt-BR" sz="1600" b="0" i="0" u="none" strike="noStrike" cap="none" normalizeH="0" baseline="0" smtClean="0">
+              <a:ln>
+                <a:noFill/>
+              </a:ln>
+              <a:effectLst/>
+              <a:latin typeface="Arial" panose="020B0604020202020204" pitchFamily="34" charset="0"/>
+              <a:ea typeface="SimSun" panose="02010600030101010101" pitchFamily="2" charset="-122"/>
+            </a:endParaRPr>
+          </a:p>
+        </p:txBody>
+      </p:sp>
+      <p:sp>
+        <p:nvSpPr>
+          <p:cNvPr id="4" name="Fluxograma: multidocument 3"/>
+          <p:cNvSpPr/>
+          <p:nvPr/>
+        </p:nvSpPr>
+        <p:spPr>
+          <a:xfrm>
+            <a:off x="543560" y="2019300"/>
+            <a:ext cx="1988185" cy="476885"/>
+          </a:xfrm>
+          <a:prstGeom prst="flowChartMultidocument">
             <a:avLst/>
           </a:prstGeom>
           <a:gradFill rotWithShape="0">
@@ -6649,71 +8042,21 @@
               <a:buNone/>
             </a:pPr>
             <a:r>
-              <a:rPr lang="pt-BR" altLang="zh-CN" sz="2400" smtClean="0">
+              <a:rPr kumimoji="0" lang="pt-BR" altLang="zh-CN" sz="1600" b="0" i="0" u="none" strike="noStrike" cap="none" normalizeH="0" baseline="0" smtClean="0">
                 <a:ln>
                   <a:noFill/>
                 </a:ln>
+                <a:solidFill>
+                  <a:schemeClr val="tx1"/>
+                </a:solidFill>
                 <a:effectLst/>
-                <a:latin typeface="Arial" panose="020B0604020202020204" pitchFamily="34" charset="0"/>
+                <a:latin typeface="+mj-lt"/>
                 <a:ea typeface="SimSun" panose="02010600030101010101" pitchFamily="2" charset="-122"/>
-                <a:cs typeface="Arial" panose="020B0604020202020204" pitchFamily="34" charset="0"/>
-                <a:sym typeface="+mn-ea"/>
+                <a:cs typeface="+mj-lt"/>
               </a:rPr>
-              <a:t>Usaro </a:t>
-            </a:r>
-            <a:r>
-              <a:rPr lang="pt-BR" altLang="zh-CN" sz="2400" b="1" smtClean="0">
-                <a:ln>
-                  <a:noFill/>
-                </a:ln>
-                <a:effectLst/>
-                <a:latin typeface="Arial" panose="020B0604020202020204" pitchFamily="34" charset="0"/>
-                <a:ea typeface="SimSun" panose="02010600030101010101" pitchFamily="2" charset="-122"/>
-                <a:cs typeface="Arial" panose="020B0604020202020204" pitchFamily="34" charset="0"/>
-                <a:sym typeface="+mn-ea"/>
-              </a:rPr>
-              <a:t>Repository</a:t>
-            </a:r>
-            <a:r>
-              <a:rPr lang="pt-BR" altLang="zh-CN" sz="2400" smtClean="0">
-                <a:ln>
-                  <a:noFill/>
-                </a:ln>
-                <a:effectLst/>
-                <a:latin typeface="Arial" panose="020B0604020202020204" pitchFamily="34" charset="0"/>
-                <a:ea typeface="SimSun" panose="02010600030101010101" pitchFamily="2" charset="-122"/>
-                <a:cs typeface="Arial" panose="020B0604020202020204" pitchFamily="34" charset="0"/>
-                <a:sym typeface="+mn-ea"/>
-              </a:rPr>
-              <a:t> (Spring) no lugar do </a:t>
-            </a:r>
-            <a:r>
-              <a:rPr lang="pt-BR" altLang="zh-CN" sz="2400" b="1" smtClean="0">
-                <a:ln>
-                  <a:noFill/>
-                </a:ln>
-                <a:effectLst/>
-                <a:latin typeface="Arial" panose="020B0604020202020204" pitchFamily="34" charset="0"/>
-                <a:ea typeface="SimSun" panose="02010600030101010101" pitchFamily="2" charset="-122"/>
-                <a:cs typeface="Arial" panose="020B0604020202020204" pitchFamily="34" charset="0"/>
-                <a:sym typeface="+mn-ea"/>
-              </a:rPr>
-              <a:t>DAO</a:t>
-            </a:r>
-            <a:r>
-              <a:rPr lang="pt-BR" altLang="zh-CN" sz="2400" smtClean="0">
-                <a:ln>
-                  <a:noFill/>
-                </a:ln>
-                <a:effectLst/>
-                <a:latin typeface="Arial" panose="020B0604020202020204" pitchFamily="34" charset="0"/>
-                <a:ea typeface="SimSun" panose="02010600030101010101" pitchFamily="2" charset="-122"/>
-                <a:cs typeface="Arial" panose="020B0604020202020204" pitchFamily="34" charset="0"/>
-                <a:sym typeface="+mn-ea"/>
-              </a:rPr>
-              <a:t> convencional</a:t>
-            </a:r>
-            <a:endParaRPr kumimoji="0" lang="pt-BR" altLang="zh-CN" sz="2400" b="0" i="0" u="none" strike="noStrike" cap="none" normalizeH="0" baseline="0" smtClean="0">
+              <a:t>jaxb2</a:t>
+            </a:r>
+            <a:endParaRPr kumimoji="0" lang="pt-BR" altLang="zh-CN" sz="1600" b="0" i="0" u="none" strike="noStrike" cap="none" normalizeH="0" baseline="0" smtClean="0">
               <a:ln>
                 <a:noFill/>
               </a:ln>
@@ -6721,41 +8064,37 @@
                 <a:schemeClr val="tx1"/>
               </a:solidFill>
               <a:effectLst/>
-              <a:latin typeface="Arial" panose="020B0604020202020204" pitchFamily="34" charset="0"/>
+              <a:latin typeface="+mj-lt"/>
               <a:ea typeface="SimSun" panose="02010600030101010101" pitchFamily="2" charset="-122"/>
-              <a:cs typeface="Arial" panose="020B0604020202020204" pitchFamily="34" charset="0"/>
+              <a:cs typeface="+mj-lt"/>
             </a:endParaRPr>
           </a:p>
         </p:txBody>
       </p:sp>
       <p:sp>
         <p:nvSpPr>
-          <p:cNvPr id="23" name="Fluxograma: Processo 22"/>
+          <p:cNvPr id="5" name="Seta para a esquerda 4"/>
           <p:cNvSpPr/>
           <p:nvPr/>
         </p:nvSpPr>
         <p:spPr>
           <a:xfrm>
-            <a:off x="2065020" y="4922520"/>
-            <a:ext cx="8134985" cy="476885"/>
-          </a:xfrm>
-          <a:prstGeom prst="flowChartProcess">
+            <a:off x="2786380" y="1857375"/>
+            <a:ext cx="8997950" cy="523240"/>
+          </a:xfrm>
+          <a:prstGeom prst="leftArrow">
             <a:avLst/>
           </a:prstGeom>
-          <a:gradFill rotWithShape="0">
-            <a:gsLst>
-              <a:gs pos="0">
-                <a:schemeClr val="accent1"/>
-              </a:gs>
-              <a:gs pos="100000">
-                <a:schemeClr val="accent2"/>
-              </a:gs>
-            </a:gsLst>
-            <a:lin ang="5400000" scaled="1"/>
-          </a:gradFill>
-          <a:ln w="9525" cap="flat" cmpd="sng" algn="ctr">
+          <a:solidFill>
+            <a:schemeClr val="accent3">
+              <a:lumMod val="85000"/>
+            </a:schemeClr>
+          </a:solidFill>
+          <a:ln w="28575" cap="flat" cmpd="sng" algn="ctr">
             <a:solidFill>
-              <a:schemeClr val="accent1"/>
+              <a:schemeClr val="accent1">
+                <a:shade val="50000"/>
+              </a:schemeClr>
             </a:solidFill>
             <a:prstDash val="solid"/>
             <a:round/>
@@ -6766,7 +8105,7 @@
         <p:txBody>
           <a:bodyPr vert="horz" wrap="none" lIns="91440" tIns="45720" rIns="91440" bIns="45720" numCol="1" anchor="ctr" anchorCtr="0" compatLnSpc="1"/>
           <a:p>
-            <a:pPr marL="0" marR="0" indent="0" algn="ctr" defTabSz="914400" rtl="0" eaLnBrk="1" fontAlgn="base" latinLnBrk="0" hangingPunct="1">
+            <a:pPr marL="0" marR="0" indent="0" algn="l" defTabSz="914400" rtl="0" eaLnBrk="1" fontAlgn="base" latinLnBrk="0" hangingPunct="1">
               <a:lnSpc>
                 <a:spcPct val="100000"/>
               </a:lnSpc>
@@ -6782,311 +8121,23 @@
               <a:buNone/>
             </a:pPr>
             <a:r>
-              <a:rPr lang="pt-BR" altLang="zh-CN" sz="2400" smtClean="0">
+              <a:rPr kumimoji="0" lang="pt-BR" sz="1600" b="0" i="0" u="none" strike="noStrike" cap="none" normalizeH="0" baseline="0" smtClean="0">
                 <a:ln>
                   <a:noFill/>
                 </a:ln>
                 <a:effectLst/>
                 <a:latin typeface="Arial" panose="020B0604020202020204" pitchFamily="34" charset="0"/>
                 <a:ea typeface="SimSun" panose="02010600030101010101" pitchFamily="2" charset="-122"/>
-                <a:cs typeface="Arial" panose="020B0604020202020204" pitchFamily="34" charset="0"/>
-                <a:sym typeface="+mn-ea"/>
               </a:rPr>
-              <a:t>Manter MVC, via patterns do Spring</a:t>
-            </a:r>
-            <a:endParaRPr kumimoji="0" lang="pt-BR" altLang="zh-CN" sz="2400" b="0" i="0" u="none" strike="noStrike" cap="none" normalizeH="0" baseline="0" smtClean="0">
+              <a:t>Criar *.Java a partir de arquivos de esquema XML (.xsd)</a:t>
+            </a:r>
+            <a:endParaRPr kumimoji="0" lang="pt-BR" sz="1600" b="0" i="0" u="none" strike="noStrike" cap="none" normalizeH="0" baseline="0" smtClean="0">
               <a:ln>
                 <a:noFill/>
               </a:ln>
-              <a:solidFill>
-                <a:schemeClr val="tx1"/>
-              </a:solidFill>
               <a:effectLst/>
               <a:latin typeface="Arial" panose="020B0604020202020204" pitchFamily="34" charset="0"/>
               <a:ea typeface="SimSun" panose="02010600030101010101" pitchFamily="2" charset="-122"/>
-              <a:cs typeface="Arial" panose="020B0604020202020204" pitchFamily="34" charset="0"/>
-            </a:endParaRPr>
-          </a:p>
-        </p:txBody>
-      </p:sp>
-      <p:sp>
-        <p:nvSpPr>
-          <p:cNvPr id="25" name="Fluxograma: Processo 24"/>
-          <p:cNvSpPr/>
-          <p:nvPr/>
-        </p:nvSpPr>
-        <p:spPr>
-          <a:xfrm>
-            <a:off x="2070100" y="4293235"/>
-            <a:ext cx="8134985" cy="476885"/>
-          </a:xfrm>
-          <a:prstGeom prst="flowChartProcess">
-            <a:avLst/>
-          </a:prstGeom>
-          <a:gradFill rotWithShape="0">
-            <a:gsLst>
-              <a:gs pos="0">
-                <a:schemeClr val="accent1"/>
-              </a:gs>
-              <a:gs pos="100000">
-                <a:schemeClr val="accent2"/>
-              </a:gs>
-            </a:gsLst>
-            <a:lin ang="5400000" scaled="1"/>
-          </a:gradFill>
-          <a:ln w="9525" cap="flat" cmpd="sng" algn="ctr">
-            <a:solidFill>
-              <a:schemeClr val="accent1"/>
-            </a:solidFill>
-            <a:prstDash val="solid"/>
-            <a:round/>
-            <a:headEnd type="none" w="med" len="med"/>
-            <a:tailEnd type="none" w="med" len="med"/>
-          </a:ln>
-        </p:spPr>
-        <p:txBody>
-          <a:bodyPr vert="horz" wrap="none" lIns="91440" tIns="45720" rIns="91440" bIns="45720" numCol="1" anchor="ctr" anchorCtr="0" compatLnSpc="1"/>
-          <a:p>
-            <a:pPr marL="0" marR="0" indent="0" algn="ctr" defTabSz="914400" rtl="0" eaLnBrk="1" fontAlgn="base" latinLnBrk="0" hangingPunct="1">
-              <a:lnSpc>
-                <a:spcPct val="100000"/>
-              </a:lnSpc>
-              <a:spcBef>
-                <a:spcPct val="0"/>
-              </a:spcBef>
-              <a:spcAft>
-                <a:spcPct val="0"/>
-              </a:spcAft>
-              <a:buClrTx/>
-              <a:buSzTx/>
-              <a:buFontTx/>
-              <a:buNone/>
-            </a:pPr>
-            <a:r>
-              <a:rPr lang="pt-BR" altLang="zh-CN" sz="2400" smtClean="0">
-                <a:ln>
-                  <a:noFill/>
-                </a:ln>
-                <a:effectLst/>
-                <a:latin typeface="Arial" panose="020B0604020202020204" pitchFamily="34" charset="0"/>
-                <a:ea typeface="SimSun" panose="02010600030101010101" pitchFamily="2" charset="-122"/>
-                <a:cs typeface="Arial" panose="020B0604020202020204" pitchFamily="34" charset="0"/>
-                <a:sym typeface="+mn-ea"/>
-              </a:rPr>
-              <a:t>Usar </a:t>
-            </a:r>
-            <a:r>
-              <a:rPr lang="pt-BR" altLang="zh-CN" sz="2400" b="1" smtClean="0">
-                <a:ln>
-                  <a:noFill/>
-                </a:ln>
-                <a:effectLst/>
-                <a:latin typeface="Arial" panose="020B0604020202020204" pitchFamily="34" charset="0"/>
-                <a:ea typeface="SimSun" panose="02010600030101010101" pitchFamily="2" charset="-122"/>
-                <a:cs typeface="Arial" panose="020B0604020202020204" pitchFamily="34" charset="0"/>
-                <a:sym typeface="+mn-ea"/>
-              </a:rPr>
-              <a:t>DTO</a:t>
-            </a:r>
-            <a:r>
-              <a:rPr lang="pt-BR" altLang="zh-CN" sz="2400" smtClean="0">
-                <a:ln>
-                  <a:noFill/>
-                </a:ln>
-                <a:effectLst/>
-                <a:latin typeface="Arial" panose="020B0604020202020204" pitchFamily="34" charset="0"/>
-                <a:ea typeface="SimSun" panose="02010600030101010101" pitchFamily="2" charset="-122"/>
-                <a:cs typeface="Arial" panose="020B0604020202020204" pitchFamily="34" charset="0"/>
-                <a:sym typeface="+mn-ea"/>
-              </a:rPr>
-              <a:t> convencional</a:t>
-            </a:r>
-            <a:endParaRPr kumimoji="0" lang="pt-BR" altLang="zh-CN" sz="2400" b="0" i="0" u="none" strike="noStrike" cap="none" normalizeH="0" baseline="0" smtClean="0">
-              <a:ln>
-                <a:noFill/>
-              </a:ln>
-              <a:solidFill>
-                <a:schemeClr val="tx1"/>
-              </a:solidFill>
-              <a:effectLst/>
-              <a:latin typeface="Arial" panose="020B0604020202020204" pitchFamily="34" charset="0"/>
-              <a:ea typeface="SimSun" panose="02010600030101010101" pitchFamily="2" charset="-122"/>
-              <a:cs typeface="Arial" panose="020B0604020202020204" pitchFamily="34" charset="0"/>
-            </a:endParaRPr>
-          </a:p>
-        </p:txBody>
-      </p:sp>
-      <p:sp>
-        <p:nvSpPr>
-          <p:cNvPr id="35" name="Fluxograma: Processo 34"/>
-          <p:cNvSpPr/>
-          <p:nvPr/>
-        </p:nvSpPr>
-        <p:spPr>
-          <a:xfrm>
-            <a:off x="2070100" y="5551805"/>
-            <a:ext cx="8134985" cy="476885"/>
-          </a:xfrm>
-          <a:prstGeom prst="flowChartProcess">
-            <a:avLst/>
-          </a:prstGeom>
-          <a:gradFill rotWithShape="0">
-            <a:gsLst>
-              <a:gs pos="0">
-                <a:schemeClr val="accent1"/>
-              </a:gs>
-              <a:gs pos="100000">
-                <a:schemeClr val="accent2"/>
-              </a:gs>
-            </a:gsLst>
-            <a:lin ang="5400000" scaled="1"/>
-          </a:gradFill>
-          <a:ln w="9525" cap="flat" cmpd="sng" algn="ctr">
-            <a:solidFill>
-              <a:schemeClr val="accent1"/>
-            </a:solidFill>
-            <a:prstDash val="solid"/>
-            <a:round/>
-            <a:headEnd type="none" w="med" len="med"/>
-            <a:tailEnd type="none" w="med" len="med"/>
-          </a:ln>
-        </p:spPr>
-        <p:txBody>
-          <a:bodyPr vert="horz" wrap="none" lIns="91440" tIns="45720" rIns="91440" bIns="45720" numCol="1" anchor="ctr" anchorCtr="0" compatLnSpc="1"/>
-          <a:p>
-            <a:pPr marL="0" marR="0" indent="0" algn="ctr" defTabSz="914400" rtl="0" eaLnBrk="1" fontAlgn="base" latinLnBrk="0" hangingPunct="1">
-              <a:lnSpc>
-                <a:spcPct val="100000"/>
-              </a:lnSpc>
-              <a:spcBef>
-                <a:spcPct val="0"/>
-              </a:spcBef>
-              <a:spcAft>
-                <a:spcPct val="0"/>
-              </a:spcAft>
-              <a:buClrTx/>
-              <a:buSzTx/>
-              <a:buFontTx/>
-              <a:buNone/>
-            </a:pPr>
-            <a:r>
-              <a:rPr lang="pt-BR" altLang="zh-CN" sz="2400" b="1" smtClean="0">
-                <a:ln>
-                  <a:noFill/>
-                </a:ln>
-                <a:effectLst/>
-                <a:latin typeface="Arial" panose="020B0604020202020204" pitchFamily="34" charset="0"/>
-                <a:ea typeface="SimSun" panose="02010600030101010101" pitchFamily="2" charset="-122"/>
-                <a:cs typeface="Arial" panose="020B0604020202020204" pitchFamily="34" charset="0"/>
-                <a:sym typeface="+mn-ea"/>
-              </a:rPr>
-              <a:t>JavaDoc </a:t>
-            </a:r>
-            <a:r>
-              <a:rPr lang="pt-BR" altLang="zh-CN" sz="2400" smtClean="0">
-                <a:ln>
-                  <a:noFill/>
-                </a:ln>
-                <a:effectLst/>
-                <a:latin typeface="Arial" panose="020B0604020202020204" pitchFamily="34" charset="0"/>
-                <a:ea typeface="SimSun" panose="02010600030101010101" pitchFamily="2" charset="-122"/>
-                <a:cs typeface="Arial" panose="020B0604020202020204" pitchFamily="34" charset="0"/>
-                <a:sym typeface="+mn-ea"/>
-              </a:rPr>
-              <a:t>para a documentação Internar</a:t>
-            </a:r>
-            <a:endParaRPr kumimoji="0" lang="pt-BR" altLang="zh-CN" sz="2400" b="0" i="0" u="none" strike="noStrike" cap="none" normalizeH="0" baseline="0" smtClean="0">
-              <a:ln>
-                <a:noFill/>
-              </a:ln>
-              <a:solidFill>
-                <a:schemeClr val="tx1"/>
-              </a:solidFill>
-              <a:effectLst/>
-              <a:latin typeface="Arial" panose="020B0604020202020204" pitchFamily="34" charset="0"/>
-              <a:ea typeface="SimSun" panose="02010600030101010101" pitchFamily="2" charset="-122"/>
-              <a:cs typeface="Arial" panose="020B0604020202020204" pitchFamily="34" charset="0"/>
-            </a:endParaRPr>
-          </a:p>
-        </p:txBody>
-      </p:sp>
-      <p:sp>
-        <p:nvSpPr>
-          <p:cNvPr id="4" name="Fluxograma: Processo 3"/>
-          <p:cNvSpPr/>
-          <p:nvPr/>
-        </p:nvSpPr>
-        <p:spPr>
-          <a:xfrm>
-            <a:off x="2076450" y="3104515"/>
-            <a:ext cx="8134985" cy="476885"/>
-          </a:xfrm>
-          <a:prstGeom prst="flowChartProcess">
-            <a:avLst/>
-          </a:prstGeom>
-          <a:gradFill rotWithShape="0">
-            <a:gsLst>
-              <a:gs pos="0">
-                <a:schemeClr val="accent1"/>
-              </a:gs>
-              <a:gs pos="100000">
-                <a:schemeClr val="accent2"/>
-              </a:gs>
-            </a:gsLst>
-            <a:lin ang="5400000" scaled="1"/>
-          </a:gradFill>
-          <a:ln w="9525" cap="flat" cmpd="sng" algn="ctr">
-            <a:solidFill>
-              <a:schemeClr val="accent1"/>
-            </a:solidFill>
-            <a:prstDash val="solid"/>
-            <a:round/>
-            <a:headEnd type="none" w="med" len="med"/>
-            <a:tailEnd type="none" w="med" len="med"/>
-          </a:ln>
-        </p:spPr>
-        <p:txBody>
-          <a:bodyPr vert="horz" wrap="none" lIns="91440" tIns="45720" rIns="91440" bIns="45720" numCol="1" anchor="ctr" anchorCtr="0" compatLnSpc="1"/>
-          <a:p>
-            <a:pPr marL="0" marR="0" indent="0" algn="ctr" defTabSz="914400" rtl="0" eaLnBrk="1" fontAlgn="base" latinLnBrk="0" hangingPunct="1">
-              <a:lnSpc>
-                <a:spcPct val="100000"/>
-              </a:lnSpc>
-              <a:spcBef>
-                <a:spcPct val="0"/>
-              </a:spcBef>
-              <a:spcAft>
-                <a:spcPct val="0"/>
-              </a:spcAft>
-              <a:buClrTx/>
-              <a:buSzTx/>
-              <a:buFontTx/>
-              <a:buNone/>
-            </a:pPr>
-            <a:r>
-              <a:rPr lang="pt-BR" altLang="zh-CN" sz="2400" smtClean="0">
-                <a:ln>
-                  <a:noFill/>
-                </a:ln>
-                <a:effectLst/>
-                <a:latin typeface="Arial" panose="020B0604020202020204" pitchFamily="34" charset="0"/>
-                <a:ea typeface="SimSun" panose="02010600030101010101" pitchFamily="2" charset="-122"/>
-                <a:cs typeface="Arial" panose="020B0604020202020204" pitchFamily="34" charset="0"/>
-                <a:sym typeface="+mn-ea"/>
-              </a:rPr>
-              <a:t>Maven</a:t>
-            </a:r>
-            <a:endParaRPr kumimoji="0" lang="pt-BR" altLang="zh-CN" sz="2400" b="0" i="0" u="none" strike="noStrike" cap="none" normalizeH="0" baseline="0" smtClean="0">
-              <a:ln>
-                <a:noFill/>
-              </a:ln>
-              <a:solidFill>
-                <a:schemeClr val="tx1"/>
-              </a:solidFill>
-              <a:effectLst/>
-              <a:latin typeface="Arial" panose="020B0604020202020204" pitchFamily="34" charset="0"/>
-              <a:ea typeface="SimSun" panose="02010600030101010101" pitchFamily="2" charset="-122"/>
-              <a:cs typeface="Arial" panose="020B0604020202020204" pitchFamily="34" charset="0"/>
             </a:endParaRPr>
           </a:p>
         </p:txBody>
@@ -7125,7 +8176,7 @@
           <a:p>
             <a:r>
               <a:rPr lang="pt-BR" altLang="en-US"/>
-              <a:t>Arquitetura: Pacotes das classes Java</a:t>
+              <a:t>Informações:</a:t>
             </a:r>
             <a:endParaRPr lang="pt-BR" altLang="en-US"/>
           </a:p>
@@ -7133,16 +8184,16 @@
       </p:sp>
       <p:sp>
         <p:nvSpPr>
-          <p:cNvPr id="4" name="Elipse 3"/>
+          <p:cNvPr id="43" name="Fluxograma: Processo 42"/>
           <p:cNvSpPr/>
           <p:nvPr/>
         </p:nvSpPr>
         <p:spPr>
           <a:xfrm>
-            <a:off x="148590" y="3503295"/>
-            <a:ext cx="1796415" cy="548640"/>
-          </a:xfrm>
-          <a:prstGeom prst="ellipse">
+            <a:off x="2070100" y="1257300"/>
+            <a:ext cx="8134985" cy="476885"/>
+          </a:xfrm>
+          <a:prstGeom prst="flowChartProcess">
             <a:avLst/>
           </a:prstGeom>
           <a:gradFill rotWithShape="0">
@@ -7185,7 +8236,7 @@
               <a:buNone/>
             </a:pPr>
             <a:r>
-              <a:rPr kumimoji="0" lang="pt-BR" altLang="zh-CN" sz="1600" b="0" i="0" u="none" strike="noStrike" cap="none" normalizeH="0" baseline="0" smtClean="0">
+              <a:rPr kumimoji="0" lang="pt-BR" altLang="zh-CN" sz="2400" b="0" i="0" u="none" strike="noStrike" cap="none" normalizeH="0" baseline="0" smtClean="0">
                 <a:ln>
                   <a:noFill/>
                 </a:ln>
@@ -7193,13 +8244,19 @@
                   <a:schemeClr val="tx1"/>
                 </a:solidFill>
                 <a:effectLst/>
-                <a:latin typeface="+mj-lt"/>
+                <a:latin typeface="Arial" panose="020B0604020202020204" pitchFamily="34" charset="0"/>
                 <a:ea typeface="SimSun" panose="02010600030101010101" pitchFamily="2" charset="-122"/>
-                <a:cs typeface="+mj-lt"/>
+                <a:cs typeface="Arial" panose="020B0604020202020204" pitchFamily="34" charset="0"/>
               </a:rPr>
-              <a:t>br.com.projeto</a:t>
-            </a:r>
-            <a:endParaRPr kumimoji="0" lang="pt-BR" altLang="zh-CN" sz="1600" b="0" i="0" u="none" strike="noStrike" cap="none" normalizeH="0" baseline="0" smtClean="0">
+              <a:t>Java 17 ( </a:t>
+            </a:r>
+            <a:r>
+              <a:rPr lang="pt-BR" altLang="en-US" sz="2400">
+                <a:sym typeface="+mn-ea"/>
+              </a:rPr>
+              <a:t>VersãoLong-term support - LTS)</a:t>
+            </a:r>
+            <a:endParaRPr kumimoji="0" lang="pt-BR" altLang="zh-CN" sz="2400" b="0" i="0" u="none" strike="noStrike" cap="none" normalizeH="0" baseline="0" smtClean="0">
               <a:ln>
                 <a:noFill/>
               </a:ln>
@@ -7207,121 +8264,25 @@
                 <a:schemeClr val="tx1"/>
               </a:solidFill>
               <a:effectLst/>
-              <a:latin typeface="+mj-lt"/>
+              <a:latin typeface="Arial" panose="020B0604020202020204" pitchFamily="34" charset="0"/>
               <a:ea typeface="SimSun" panose="02010600030101010101" pitchFamily="2" charset="-122"/>
-              <a:cs typeface="+mj-lt"/>
+              <a:cs typeface="Arial" panose="020B0604020202020204" pitchFamily="34" charset="0"/>
             </a:endParaRPr>
           </a:p>
         </p:txBody>
       </p:sp>
-      <p:cxnSp>
-        <p:nvCxnSpPr>
-          <p:cNvPr id="13" name="Conector de Seta Reta 12"/>
-          <p:cNvCxnSpPr>
-            <a:stCxn id="4" idx="6"/>
-            <a:endCxn id="40" idx="2"/>
-          </p:cNvCxnSpPr>
-          <p:nvPr/>
-        </p:nvCxnSpPr>
-        <p:spPr>
-          <a:xfrm flipV="1">
-            <a:off x="1945005" y="2268855"/>
-            <a:ext cx="1656080" cy="1508760"/>
-          </a:xfrm>
-          <a:prstGeom prst="straightConnector1">
-            <a:avLst/>
-          </a:prstGeom>
-          <a:gradFill rotWithShape="0">
-            <a:gsLst>
-              <a:gs pos="0">
-                <a:schemeClr val="accent1"/>
-              </a:gs>
-              <a:gs pos="100000">
-                <a:schemeClr val="accent2"/>
-              </a:gs>
-            </a:gsLst>
-            <a:lin ang="5400000" scaled="1"/>
-          </a:gradFill>
-          <a:ln w="9525" cap="flat" cmpd="sng" algn="ctr">
-            <a:solidFill>
-              <a:schemeClr val="accent1"/>
-            </a:solidFill>
-            <a:prstDash val="solid"/>
-            <a:round/>
-            <a:headEnd type="none" w="med" len="med"/>
-            <a:tailEnd type="arrow" w="med" len="med"/>
-          </a:ln>
-        </p:spPr>
-      </p:cxnSp>
-      <p:sp>
-        <p:nvSpPr>
-          <p:cNvPr id="31" name="Caixa de Texto 30"/>
-          <p:cNvSpPr txBox="1"/>
-          <p:nvPr/>
-        </p:nvSpPr>
-        <p:spPr>
-          <a:xfrm>
-            <a:off x="148590" y="1041400"/>
-            <a:ext cx="10095230" cy="337185"/>
-          </a:xfrm>
-          <a:prstGeom prst="rect">
-            <a:avLst/>
-          </a:prstGeom>
-          <a:noFill/>
-        </p:spPr>
-        <p:txBody>
-          <a:bodyPr wrap="square" rtlCol="0" anchor="t">
-            <a:spAutoFit/>
-          </a:bodyPr>
-          <a:p>
-            <a:r>
-              <a:rPr lang="pt-BR" altLang="en-US" sz="1600" b="1">
-                <a:latin typeface="+mj-lt"/>
-                <a:cs typeface="+mj-lt"/>
-              </a:rPr>
-              <a:t>Rest </a:t>
-            </a:r>
-            <a:r>
-              <a:rPr lang="pt-BR" altLang="en-US" sz="1600">
-                <a:latin typeface="+mj-lt"/>
-                <a:cs typeface="+mj-lt"/>
-              </a:rPr>
-              <a:t>-&gt; </a:t>
-            </a:r>
-            <a:r>
-              <a:rPr lang="pt-BR" altLang="en-US" sz="1600">
-                <a:latin typeface="+mj-lt"/>
-                <a:cs typeface="+mj-lt"/>
-                <a:sym typeface="+mn-ea"/>
-              </a:rPr>
-              <a:t>Requisições / Respostas como </a:t>
-            </a:r>
-            <a:r>
-              <a:rPr lang="pt-BR" altLang="en-US" sz="1600">
-                <a:latin typeface="+mj-lt"/>
-                <a:cs typeface="+mj-lt"/>
-              </a:rPr>
-              <a:t>dados (JSON [Padrão] ou XML [Web Services - WSDL] )</a:t>
-            </a:r>
-            <a:endParaRPr lang="pt-BR" altLang="en-US" sz="1600">
-              <a:latin typeface="+mj-lt"/>
-              <a:cs typeface="+mj-lt"/>
-            </a:endParaRPr>
-          </a:p>
-        </p:txBody>
-      </p:sp>
-      <p:sp>
-        <p:nvSpPr>
-          <p:cNvPr id="40" name="Elipse 39"/>
+      <p:sp>
+        <p:nvSpPr>
+          <p:cNvPr id="3" name="Fluxograma: Processo 2"/>
           <p:cNvSpPr/>
           <p:nvPr/>
         </p:nvSpPr>
         <p:spPr>
           <a:xfrm>
-            <a:off x="3601085" y="1994535"/>
-            <a:ext cx="1334135" cy="548640"/>
-          </a:xfrm>
-          <a:prstGeom prst="ellipse">
+            <a:off x="2070100" y="1909445"/>
+            <a:ext cx="8134985" cy="476885"/>
+          </a:xfrm>
+          <a:prstGeom prst="flowChartProcess">
             <a:avLst/>
           </a:prstGeom>
           <a:gradFill rotWithShape="0">
@@ -7364,21 +8325,58 @@
               <a:buNone/>
             </a:pPr>
             <a:r>
-              <a:rPr kumimoji="0" lang="pt-BR" altLang="zh-CN" sz="1600" b="0" i="0" u="none" strike="noStrike" cap="none" normalizeH="0" baseline="0" smtClean="0">
+              <a:rPr lang="pt-BR" altLang="zh-CN" sz="2400" b="1" u="sng" smtClean="0">
                 <a:ln>
                   <a:noFill/>
                 </a:ln>
-                <a:solidFill>
-                  <a:schemeClr val="tx1"/>
-                </a:solidFill>
                 <a:effectLst/>
-                <a:latin typeface="+mj-lt"/>
+                <a:latin typeface="Arial" panose="020B0604020202020204" pitchFamily="34" charset="0"/>
                 <a:ea typeface="SimSun" panose="02010600030101010101" pitchFamily="2" charset="-122"/>
-                <a:cs typeface="+mj-lt"/>
+                <a:cs typeface="Arial" panose="020B0604020202020204" pitchFamily="34" charset="0"/>
+                <a:sym typeface="+mn-ea"/>
               </a:rPr>
-              <a:t>controller</a:t>
-            </a:r>
-            <a:endParaRPr kumimoji="0" lang="pt-BR" altLang="zh-CN" sz="1600" b="0" i="0" u="none" strike="noStrike" cap="none" normalizeH="0" baseline="0" smtClean="0">
+              <a:t>InteliJ</a:t>
+            </a:r>
+            <a:r>
+              <a:rPr lang="pt-BR" altLang="zh-CN" sz="2400" b="1" smtClean="0">
+                <a:ln>
+                  <a:noFill/>
+                </a:ln>
+                <a:effectLst/>
+                <a:latin typeface="Arial" panose="020B0604020202020204" pitchFamily="34" charset="0"/>
+                <a:ea typeface="SimSun" panose="02010600030101010101" pitchFamily="2" charset="-122"/>
+                <a:cs typeface="Arial" panose="020B0604020202020204" pitchFamily="34" charset="0"/>
+                <a:sym typeface="+mn-ea"/>
+              </a:rPr>
+              <a:t> </a:t>
+            </a:r>
+            <a:r>
+              <a:rPr lang="pt-BR" altLang="zh-CN" sz="2400" smtClean="0">
+                <a:ln>
+                  <a:noFill/>
+                </a:ln>
+                <a:effectLst/>
+                <a:latin typeface="Arial" panose="020B0604020202020204" pitchFamily="34" charset="0"/>
+                <a:ea typeface="SimSun" panose="02010600030101010101" pitchFamily="2" charset="-122"/>
+                <a:cs typeface="Arial" panose="020B0604020202020204" pitchFamily="34" charset="0"/>
+                <a:sym typeface="+mn-ea"/>
+              </a:rPr>
+              <a:t>/ </a:t>
+            </a:r>
+            <a:r>
+              <a:rPr lang="pt-BR" altLang="zh-CN" sz="2400" smtClean="0">
+                <a:ln>
+                  <a:noFill/>
+                </a:ln>
+                <a:effectLst/>
+                <a:latin typeface="Arial" panose="020B0604020202020204" pitchFamily="34" charset="0"/>
+                <a:ea typeface="SimSun" panose="02010600030101010101" pitchFamily="2" charset="-122"/>
+                <a:cs typeface="Arial" panose="020B0604020202020204" pitchFamily="34" charset="0"/>
+                <a:sym typeface="+mn-ea"/>
+              </a:rPr>
+              <a:t>Eclipse / NetBeans / VSCode</a:t>
+            </a:r>
+            <a:endParaRPr kumimoji="0" lang="pt-BR" altLang="zh-CN" sz="2400" b="0" i="0" u="none" strike="noStrike" cap="none" normalizeH="0" baseline="0" smtClean="0">
               <a:ln>
                 <a:noFill/>
               </a:ln>
@@ -7386,25 +8384,25 @@
                 <a:schemeClr val="tx1"/>
               </a:solidFill>
               <a:effectLst/>
-              <a:latin typeface="+mj-lt"/>
+              <a:latin typeface="Arial" panose="020B0604020202020204" pitchFamily="34" charset="0"/>
               <a:ea typeface="SimSun" panose="02010600030101010101" pitchFamily="2" charset="-122"/>
-              <a:cs typeface="+mj-lt"/>
+              <a:cs typeface="Arial" panose="020B0604020202020204" pitchFamily="34" charset="0"/>
             </a:endParaRPr>
           </a:p>
         </p:txBody>
       </p:sp>
       <p:sp>
         <p:nvSpPr>
-          <p:cNvPr id="42" name="Elipse 41"/>
+          <p:cNvPr id="11" name="Fluxograma: Processo 10"/>
           <p:cNvSpPr/>
           <p:nvPr/>
         </p:nvSpPr>
         <p:spPr>
           <a:xfrm>
-            <a:off x="6390640" y="3864610"/>
-            <a:ext cx="1332865" cy="548640"/>
-          </a:xfrm>
-          <a:prstGeom prst="ellipse">
+            <a:off x="2065020" y="2515235"/>
+            <a:ext cx="8134985" cy="476885"/>
+          </a:xfrm>
+          <a:prstGeom prst="flowChartProcess">
             <a:avLst/>
           </a:prstGeom>
           <a:gradFill rotWithShape="0">
@@ -7447,21 +8445,45 @@
               <a:buNone/>
             </a:pPr>
             <a:r>
-              <a:rPr kumimoji="0" lang="pt-BR" altLang="zh-CN" sz="1600" b="0" i="0" u="none" strike="noStrike" cap="none" normalizeH="0" baseline="0" smtClean="0">
+              <a:rPr lang="pt-BR" altLang="zh-CN" sz="2400" smtClean="0">
                 <a:ln>
                   <a:noFill/>
                 </a:ln>
-                <a:solidFill>
-                  <a:schemeClr val="tx1"/>
-                </a:solidFill>
                 <a:effectLst/>
-                <a:latin typeface="+mj-lt"/>
+                <a:latin typeface="Arial" panose="020B0604020202020204" pitchFamily="34" charset="0"/>
                 <a:ea typeface="SimSun" panose="02010600030101010101" pitchFamily="2" charset="-122"/>
-                <a:cs typeface="+mj-lt"/>
+                <a:cs typeface="Arial" panose="020B0604020202020204" pitchFamily="34" charset="0"/>
+                <a:sym typeface="+mn-ea"/>
               </a:rPr>
-              <a:t>dto</a:t>
-            </a:r>
-            <a:endParaRPr kumimoji="0" lang="pt-BR" altLang="zh-CN" sz="1600" b="0" i="0" u="none" strike="noStrike" cap="none" normalizeH="0" baseline="0" smtClean="0">
+              <a:t>SoapUi / </a:t>
+            </a:r>
+            <a:r>
+              <a:rPr lang="pt-BR" altLang="zh-CN" sz="2400" smtClean="0">
+                <a:ln>
+                  <a:noFill/>
+                </a:ln>
+                <a:effectLst/>
+                <a:latin typeface="Arial" panose="020B0604020202020204" pitchFamily="34" charset="0"/>
+                <a:ea typeface="SimSun" panose="02010600030101010101" pitchFamily="2" charset="-122"/>
+                <a:cs typeface="Arial" panose="020B0604020202020204" pitchFamily="34" charset="0"/>
+                <a:sym typeface="+mn-ea"/>
+              </a:rPr>
+              <a:t>PostMan / </a:t>
+            </a:r>
+            <a:r>
+              <a:rPr lang="pt-BR" altLang="zh-CN" sz="2400" smtClean="0">
+                <a:ln>
+                  <a:noFill/>
+                </a:ln>
+                <a:effectLst/>
+                <a:latin typeface="Arial" panose="020B0604020202020204" pitchFamily="34" charset="0"/>
+                <a:ea typeface="SimSun" panose="02010600030101010101" pitchFamily="2" charset="-122"/>
+                <a:cs typeface="Arial" panose="020B0604020202020204" pitchFamily="34" charset="0"/>
+                <a:sym typeface="+mn-ea"/>
+              </a:rPr>
+              <a:t>Insomnia / </a:t>
+            </a:r>
+            <a:endParaRPr kumimoji="0" lang="pt-BR" altLang="zh-CN" sz="2400" b="0" i="0" u="none" strike="noStrike" cap="none" normalizeH="0" baseline="0" smtClean="0">
               <a:ln>
                 <a:noFill/>
               </a:ln>
@@ -7469,25 +8491,25 @@
                 <a:schemeClr val="tx1"/>
               </a:solidFill>
               <a:effectLst/>
-              <a:latin typeface="+mj-lt"/>
+              <a:latin typeface="Arial" panose="020B0604020202020204" pitchFamily="34" charset="0"/>
               <a:ea typeface="SimSun" panose="02010600030101010101" pitchFamily="2" charset="-122"/>
-              <a:cs typeface="+mj-lt"/>
+              <a:cs typeface="Arial" panose="020B0604020202020204" pitchFamily="34" charset="0"/>
             </a:endParaRPr>
           </a:p>
         </p:txBody>
       </p:sp>
       <p:sp>
         <p:nvSpPr>
-          <p:cNvPr id="51" name="Elipse 50"/>
+          <p:cNvPr id="22" name="Fluxograma: Processo 21"/>
           <p:cNvSpPr/>
           <p:nvPr/>
         </p:nvSpPr>
         <p:spPr>
           <a:xfrm>
-            <a:off x="6391275" y="4951095"/>
-            <a:ext cx="1299845" cy="548640"/>
-          </a:xfrm>
-          <a:prstGeom prst="ellipse">
+            <a:off x="2070100" y="3664585"/>
+            <a:ext cx="8134985" cy="476885"/>
+          </a:xfrm>
+          <a:prstGeom prst="flowChartProcess">
             <a:avLst/>
           </a:prstGeom>
           <a:gradFill rotWithShape="0">
@@ -7530,21 +8552,71 @@
               <a:buNone/>
             </a:pPr>
             <a:r>
-              <a:rPr kumimoji="0" lang="pt-BR" altLang="zh-CN" sz="1600" b="0" i="0" u="none" strike="noStrike" cap="none" normalizeH="0" baseline="0" smtClean="0">
+              <a:rPr lang="pt-BR" altLang="zh-CN" sz="2400" smtClean="0">
                 <a:ln>
                   <a:noFill/>
                 </a:ln>
-                <a:solidFill>
-                  <a:schemeClr val="tx1"/>
-                </a:solidFill>
                 <a:effectLst/>
-                <a:latin typeface="+mj-lt"/>
+                <a:latin typeface="Arial" panose="020B0604020202020204" pitchFamily="34" charset="0"/>
                 <a:ea typeface="SimSun" panose="02010600030101010101" pitchFamily="2" charset="-122"/>
-                <a:cs typeface="+mj-lt"/>
+                <a:cs typeface="Arial" panose="020B0604020202020204" pitchFamily="34" charset="0"/>
+                <a:sym typeface="+mn-ea"/>
               </a:rPr>
-              <a:t>entity</a:t>
-            </a:r>
-            <a:endParaRPr kumimoji="0" lang="pt-BR" altLang="zh-CN" sz="1600" b="0" i="0" u="none" strike="noStrike" cap="none" normalizeH="0" baseline="0" smtClean="0">
+              <a:t>Usaro </a:t>
+            </a:r>
+            <a:r>
+              <a:rPr lang="pt-BR" altLang="zh-CN" sz="2400" b="1" smtClean="0">
+                <a:ln>
+                  <a:noFill/>
+                </a:ln>
+                <a:effectLst/>
+                <a:latin typeface="Arial" panose="020B0604020202020204" pitchFamily="34" charset="0"/>
+                <a:ea typeface="SimSun" panose="02010600030101010101" pitchFamily="2" charset="-122"/>
+                <a:cs typeface="Arial" panose="020B0604020202020204" pitchFamily="34" charset="0"/>
+                <a:sym typeface="+mn-ea"/>
+              </a:rPr>
+              <a:t>Repository</a:t>
+            </a:r>
+            <a:r>
+              <a:rPr lang="pt-BR" altLang="zh-CN" sz="2400" smtClean="0">
+                <a:ln>
+                  <a:noFill/>
+                </a:ln>
+                <a:effectLst/>
+                <a:latin typeface="Arial" panose="020B0604020202020204" pitchFamily="34" charset="0"/>
+                <a:ea typeface="SimSun" panose="02010600030101010101" pitchFamily="2" charset="-122"/>
+                <a:cs typeface="Arial" panose="020B0604020202020204" pitchFamily="34" charset="0"/>
+                <a:sym typeface="+mn-ea"/>
+              </a:rPr>
+              <a:t> (Spring) no lugar do </a:t>
+            </a:r>
+            <a:r>
+              <a:rPr lang="pt-BR" altLang="zh-CN" sz="2400" b="1" smtClean="0">
+                <a:ln>
+                  <a:noFill/>
+                </a:ln>
+                <a:effectLst/>
+                <a:latin typeface="Arial" panose="020B0604020202020204" pitchFamily="34" charset="0"/>
+                <a:ea typeface="SimSun" panose="02010600030101010101" pitchFamily="2" charset="-122"/>
+                <a:cs typeface="Arial" panose="020B0604020202020204" pitchFamily="34" charset="0"/>
+                <a:sym typeface="+mn-ea"/>
+              </a:rPr>
+              <a:t>DAO</a:t>
+            </a:r>
+            <a:r>
+              <a:rPr lang="pt-BR" altLang="zh-CN" sz="2400" smtClean="0">
+                <a:ln>
+                  <a:noFill/>
+                </a:ln>
+                <a:effectLst/>
+                <a:latin typeface="Arial" panose="020B0604020202020204" pitchFamily="34" charset="0"/>
+                <a:ea typeface="SimSun" panose="02010600030101010101" pitchFamily="2" charset="-122"/>
+                <a:cs typeface="Arial" panose="020B0604020202020204" pitchFamily="34" charset="0"/>
+                <a:sym typeface="+mn-ea"/>
+              </a:rPr>
+              <a:t> convencional</a:t>
+            </a:r>
+            <a:endParaRPr kumimoji="0" lang="pt-BR" altLang="zh-CN" sz="2400" b="0" i="0" u="none" strike="noStrike" cap="none" normalizeH="0" baseline="0" smtClean="0">
               <a:ln>
                 <a:noFill/>
               </a:ln>
@@ -7552,25 +8624,25 @@
                 <a:schemeClr val="tx1"/>
               </a:solidFill>
               <a:effectLst/>
-              <a:latin typeface="+mj-lt"/>
+              <a:latin typeface="Arial" panose="020B0604020202020204" pitchFamily="34" charset="0"/>
               <a:ea typeface="SimSun" panose="02010600030101010101" pitchFamily="2" charset="-122"/>
-              <a:cs typeface="+mj-lt"/>
+              <a:cs typeface="Arial" panose="020B0604020202020204" pitchFamily="34" charset="0"/>
             </a:endParaRPr>
           </a:p>
         </p:txBody>
       </p:sp>
       <p:sp>
         <p:nvSpPr>
-          <p:cNvPr id="52" name="Elipse 51"/>
+          <p:cNvPr id="23" name="Fluxograma: Processo 22"/>
           <p:cNvSpPr/>
           <p:nvPr/>
         </p:nvSpPr>
         <p:spPr>
           <a:xfrm>
-            <a:off x="3501390" y="5905500"/>
-            <a:ext cx="1300480" cy="548640"/>
-          </a:xfrm>
-          <a:prstGeom prst="ellipse">
+            <a:off x="2065020" y="4922520"/>
+            <a:ext cx="8134985" cy="476885"/>
+          </a:xfrm>
+          <a:prstGeom prst="flowChartProcess">
             <a:avLst/>
           </a:prstGeom>
           <a:gradFill rotWithShape="0">
@@ -7613,21 +8685,19 @@
               <a:buNone/>
             </a:pPr>
             <a:r>
-              <a:rPr kumimoji="0" lang="pt-BR" altLang="zh-CN" sz="1600" b="0" i="0" u="none" strike="noStrike" cap="none" normalizeH="0" baseline="0" smtClean="0">
+              <a:rPr lang="pt-BR" altLang="zh-CN" sz="2400" smtClean="0">
                 <a:ln>
                   <a:noFill/>
                 </a:ln>
-                <a:solidFill>
-                  <a:schemeClr val="tx1"/>
-                </a:solidFill>
                 <a:effectLst/>
-                <a:latin typeface="+mj-lt"/>
+                <a:latin typeface="Arial" panose="020B0604020202020204" pitchFamily="34" charset="0"/>
                 <a:ea typeface="SimSun" panose="02010600030101010101" pitchFamily="2" charset="-122"/>
-                <a:cs typeface="+mj-lt"/>
+                <a:cs typeface="Arial" panose="020B0604020202020204" pitchFamily="34" charset="0"/>
+                <a:sym typeface="+mn-ea"/>
               </a:rPr>
-              <a:t>repository</a:t>
-            </a:r>
-            <a:endParaRPr kumimoji="0" lang="pt-BR" altLang="zh-CN" sz="1600" b="0" i="0" u="none" strike="noStrike" cap="none" normalizeH="0" baseline="0" smtClean="0">
+              <a:t>Manter MVC, via patterns do Spring</a:t>
+            </a:r>
+            <a:endParaRPr kumimoji="0" lang="pt-BR" altLang="zh-CN" sz="2400" b="0" i="0" u="none" strike="noStrike" cap="none" normalizeH="0" baseline="0" smtClean="0">
               <a:ln>
                 <a:noFill/>
               </a:ln>
@@ -7635,142 +8705,25 @@
                 <a:schemeClr val="tx1"/>
               </a:solidFill>
               <a:effectLst/>
-              <a:latin typeface="+mj-lt"/>
+              <a:latin typeface="Arial" panose="020B0604020202020204" pitchFamily="34" charset="0"/>
               <a:ea typeface="SimSun" panose="02010600030101010101" pitchFamily="2" charset="-122"/>
-              <a:cs typeface="+mj-lt"/>
+              <a:cs typeface="Arial" panose="020B0604020202020204" pitchFamily="34" charset="0"/>
             </a:endParaRPr>
           </a:p>
         </p:txBody>
       </p:sp>
-      <p:cxnSp>
-        <p:nvCxnSpPr>
-          <p:cNvPr id="53" name="Conector de Seta Reta 52"/>
-          <p:cNvCxnSpPr>
-            <a:stCxn id="3" idx="6"/>
-            <a:endCxn id="42" idx="2"/>
-          </p:cNvCxnSpPr>
-          <p:nvPr/>
-        </p:nvCxnSpPr>
-        <p:spPr>
-          <a:xfrm flipV="1">
-            <a:off x="4835525" y="4138930"/>
-            <a:ext cx="1555115" cy="499745"/>
-          </a:xfrm>
-          <a:prstGeom prst="straightConnector1">
-            <a:avLst/>
-          </a:prstGeom>
-          <a:gradFill rotWithShape="0">
-            <a:gsLst>
-              <a:gs pos="0">
-                <a:schemeClr val="accent1"/>
-              </a:gs>
-              <a:gs pos="100000">
-                <a:schemeClr val="accent2"/>
-              </a:gs>
-            </a:gsLst>
-            <a:lin ang="5400000" scaled="1"/>
-          </a:gradFill>
-          <a:ln w="9525" cap="flat" cmpd="sng" algn="ctr">
-            <a:solidFill>
-              <a:schemeClr val="accent1"/>
-            </a:solidFill>
-            <a:prstDash val="solid"/>
-            <a:round/>
-            <a:headEnd type="none" w="med" len="med"/>
-            <a:tailEnd type="arrow" w="med" len="med"/>
-          </a:ln>
-        </p:spPr>
-      </p:cxnSp>
-      <p:cxnSp>
-        <p:nvCxnSpPr>
-          <p:cNvPr id="54" name="Conector de Seta Reta 53"/>
-          <p:cNvCxnSpPr>
-            <a:stCxn id="3" idx="6"/>
-            <a:endCxn id="51" idx="2"/>
-          </p:cNvCxnSpPr>
-          <p:nvPr/>
-        </p:nvCxnSpPr>
-        <p:spPr>
-          <a:xfrm>
-            <a:off x="4835525" y="4638675"/>
-            <a:ext cx="1555750" cy="586740"/>
-          </a:xfrm>
-          <a:prstGeom prst="straightConnector1">
-            <a:avLst/>
-          </a:prstGeom>
-          <a:gradFill rotWithShape="0">
-            <a:gsLst>
-              <a:gs pos="0">
-                <a:schemeClr val="accent1"/>
-              </a:gs>
-              <a:gs pos="100000">
-                <a:schemeClr val="accent2"/>
-              </a:gs>
-            </a:gsLst>
-            <a:lin ang="5400000" scaled="1"/>
-          </a:gradFill>
-          <a:ln w="9525" cap="flat" cmpd="sng" algn="ctr">
-            <a:solidFill>
-              <a:schemeClr val="accent1"/>
-            </a:solidFill>
-            <a:prstDash val="solid"/>
-            <a:round/>
-            <a:headEnd type="none" w="med" len="med"/>
-            <a:tailEnd type="arrow" w="med" len="med"/>
-          </a:ln>
-        </p:spPr>
-      </p:cxnSp>
-      <p:cxnSp>
-        <p:nvCxnSpPr>
-          <p:cNvPr id="55" name="Conector de Seta Reta 54"/>
-          <p:cNvCxnSpPr>
-            <a:stCxn id="4" idx="6"/>
-            <a:endCxn id="52" idx="2"/>
-          </p:cNvCxnSpPr>
-          <p:nvPr/>
-        </p:nvCxnSpPr>
-        <p:spPr>
-          <a:xfrm>
-            <a:off x="1945005" y="3777615"/>
-            <a:ext cx="1556385" cy="2402205"/>
-          </a:xfrm>
-          <a:prstGeom prst="straightConnector1">
-            <a:avLst/>
-          </a:prstGeom>
-          <a:gradFill rotWithShape="0">
-            <a:gsLst>
-              <a:gs pos="0">
-                <a:schemeClr val="accent1"/>
-              </a:gs>
-              <a:gs pos="100000">
-                <a:schemeClr val="accent2"/>
-              </a:gs>
-            </a:gsLst>
-            <a:lin ang="5400000" scaled="1"/>
-          </a:gradFill>
-          <a:ln w="9525" cap="flat" cmpd="sng" algn="ctr">
-            <a:solidFill>
-              <a:schemeClr val="accent1"/>
-            </a:solidFill>
-            <a:prstDash val="solid"/>
-            <a:round/>
-            <a:headEnd type="none" w="med" len="med"/>
-            <a:tailEnd type="arrow" w="med" len="med"/>
-          </a:ln>
-        </p:spPr>
-      </p:cxnSp>
-      <p:sp>
-        <p:nvSpPr>
-          <p:cNvPr id="56" name="Elipse 55"/>
+      <p:sp>
+        <p:nvSpPr>
+          <p:cNvPr id="25" name="Fluxograma: Processo 24"/>
           <p:cNvSpPr/>
           <p:nvPr/>
         </p:nvSpPr>
         <p:spPr>
           <a:xfrm>
-            <a:off x="6373495" y="1551940"/>
-            <a:ext cx="1201420" cy="548640"/>
-          </a:xfrm>
-          <a:prstGeom prst="ellipse">
+            <a:off x="2070100" y="4293235"/>
+            <a:ext cx="8134985" cy="476885"/>
+          </a:xfrm>
+          <a:prstGeom prst="flowChartProcess">
             <a:avLst/>
           </a:prstGeom>
           <a:gradFill rotWithShape="0">
@@ -7813,21 +8766,45 @@
               <a:buNone/>
             </a:pPr>
             <a:r>
-              <a:rPr kumimoji="0" lang="pt-BR" altLang="zh-CN" sz="1600" b="0" i="0" u="none" strike="noStrike" cap="none" normalizeH="0" baseline="0" smtClean="0">
+              <a:rPr lang="pt-BR" altLang="zh-CN" sz="2400" smtClean="0">
                 <a:ln>
                   <a:noFill/>
                 </a:ln>
-                <a:solidFill>
-                  <a:schemeClr val="tx1"/>
-                </a:solidFill>
                 <a:effectLst/>
-                <a:latin typeface="+mj-lt"/>
+                <a:latin typeface="Arial" panose="020B0604020202020204" pitchFamily="34" charset="0"/>
                 <a:ea typeface="SimSun" panose="02010600030101010101" pitchFamily="2" charset="-122"/>
-                <a:cs typeface="+mj-lt"/>
+                <a:cs typeface="Arial" panose="020B0604020202020204" pitchFamily="34" charset="0"/>
+                <a:sym typeface="+mn-ea"/>
               </a:rPr>
-              <a:t>web</a:t>
-            </a:r>
-            <a:endParaRPr kumimoji="0" lang="pt-BR" altLang="zh-CN" sz="1600" b="0" i="0" u="none" strike="noStrike" cap="none" normalizeH="0" baseline="0" smtClean="0">
+              <a:t>Usar </a:t>
+            </a:r>
+            <a:r>
+              <a:rPr lang="pt-BR" altLang="zh-CN" sz="2400" b="1" smtClean="0">
+                <a:ln>
+                  <a:noFill/>
+                </a:ln>
+                <a:effectLst/>
+                <a:latin typeface="Arial" panose="020B0604020202020204" pitchFamily="34" charset="0"/>
+                <a:ea typeface="SimSun" panose="02010600030101010101" pitchFamily="2" charset="-122"/>
+                <a:cs typeface="Arial" panose="020B0604020202020204" pitchFamily="34" charset="0"/>
+                <a:sym typeface="+mn-ea"/>
+              </a:rPr>
+              <a:t>DTO</a:t>
+            </a:r>
+            <a:r>
+              <a:rPr lang="pt-BR" altLang="zh-CN" sz="2400" smtClean="0">
+                <a:ln>
+                  <a:noFill/>
+                </a:ln>
+                <a:effectLst/>
+                <a:latin typeface="Arial" panose="020B0604020202020204" pitchFamily="34" charset="0"/>
+                <a:ea typeface="SimSun" panose="02010600030101010101" pitchFamily="2" charset="-122"/>
+                <a:cs typeface="Arial" panose="020B0604020202020204" pitchFamily="34" charset="0"/>
+                <a:sym typeface="+mn-ea"/>
+              </a:rPr>
+              <a:t> convencional</a:t>
+            </a:r>
+            <a:endParaRPr kumimoji="0" lang="pt-BR" altLang="zh-CN" sz="2400" b="0" i="0" u="none" strike="noStrike" cap="none" normalizeH="0" baseline="0" smtClean="0">
               <a:ln>
                 <a:noFill/>
               </a:ln>
@@ -7835,25 +8812,25 @@
                 <a:schemeClr val="tx1"/>
               </a:solidFill>
               <a:effectLst/>
-              <a:latin typeface="+mj-lt"/>
+              <a:latin typeface="Arial" panose="020B0604020202020204" pitchFamily="34" charset="0"/>
               <a:ea typeface="SimSun" panose="02010600030101010101" pitchFamily="2" charset="-122"/>
-              <a:cs typeface="+mj-lt"/>
+              <a:cs typeface="Arial" panose="020B0604020202020204" pitchFamily="34" charset="0"/>
             </a:endParaRPr>
           </a:p>
         </p:txBody>
       </p:sp>
       <p:sp>
         <p:nvSpPr>
-          <p:cNvPr id="57" name="Elipse 56"/>
+          <p:cNvPr id="35" name="Fluxograma: Processo 34"/>
           <p:cNvSpPr/>
           <p:nvPr/>
         </p:nvSpPr>
         <p:spPr>
           <a:xfrm>
-            <a:off x="6356985" y="2423795"/>
-            <a:ext cx="1217930" cy="532130"/>
-          </a:xfrm>
-          <a:prstGeom prst="ellipse">
+            <a:off x="2070100" y="5551805"/>
+            <a:ext cx="8134985" cy="476885"/>
+          </a:xfrm>
+          <a:prstGeom prst="flowChartProcess">
             <a:avLst/>
           </a:prstGeom>
           <a:gradFill rotWithShape="0">
@@ -7896,21 +8873,32 @@
               <a:buNone/>
             </a:pPr>
             <a:r>
-              <a:rPr kumimoji="0" lang="pt-BR" altLang="zh-CN" sz="1600" b="0" i="0" u="none" strike="noStrike" cap="none" normalizeH="0" baseline="0" smtClean="0">
+              <a:rPr lang="pt-BR" altLang="zh-CN" sz="2400" b="1" smtClean="0">
                 <a:ln>
                   <a:noFill/>
                 </a:ln>
-                <a:solidFill>
-                  <a:schemeClr val="tx1"/>
-                </a:solidFill>
                 <a:effectLst/>
-                <a:latin typeface="+mj-lt"/>
+                <a:latin typeface="Arial" panose="020B0604020202020204" pitchFamily="34" charset="0"/>
                 <a:ea typeface="SimSun" panose="02010600030101010101" pitchFamily="2" charset="-122"/>
-                <a:cs typeface="+mj-lt"/>
+                <a:cs typeface="Arial" panose="020B0604020202020204" pitchFamily="34" charset="0"/>
+                <a:sym typeface="+mn-ea"/>
               </a:rPr>
-              <a:t>rest</a:t>
-            </a:r>
-            <a:endParaRPr kumimoji="0" lang="pt-BR" altLang="zh-CN" sz="1600" b="0" i="0" u="none" strike="noStrike" cap="none" normalizeH="0" baseline="0" smtClean="0">
+              <a:t>JavaDoc </a:t>
+            </a:r>
+            <a:r>
+              <a:rPr lang="pt-BR" altLang="zh-CN" sz="2400" smtClean="0">
+                <a:ln>
+                  <a:noFill/>
+                </a:ln>
+                <a:effectLst/>
+                <a:latin typeface="Arial" panose="020B0604020202020204" pitchFamily="34" charset="0"/>
+                <a:ea typeface="SimSun" panose="02010600030101010101" pitchFamily="2" charset="-122"/>
+                <a:cs typeface="Arial" panose="020B0604020202020204" pitchFamily="34" charset="0"/>
+                <a:sym typeface="+mn-ea"/>
+              </a:rPr>
+              <a:t>para a documentação Internar</a:t>
+            </a:r>
+            <a:endParaRPr kumimoji="0" lang="pt-BR" altLang="zh-CN" sz="2400" b="0" i="0" u="none" strike="noStrike" cap="none" normalizeH="0" baseline="0" smtClean="0">
               <a:ln>
                 <a:noFill/>
               </a:ln>
@@ -7918,103 +8906,25 @@
                 <a:schemeClr val="tx1"/>
               </a:solidFill>
               <a:effectLst/>
-              <a:latin typeface="+mj-lt"/>
+              <a:latin typeface="Arial" panose="020B0604020202020204" pitchFamily="34" charset="0"/>
               <a:ea typeface="SimSun" panose="02010600030101010101" pitchFamily="2" charset="-122"/>
-              <a:cs typeface="+mj-lt"/>
+              <a:cs typeface="Arial" panose="020B0604020202020204" pitchFamily="34" charset="0"/>
             </a:endParaRPr>
           </a:p>
         </p:txBody>
       </p:sp>
-      <p:cxnSp>
-        <p:nvCxnSpPr>
-          <p:cNvPr id="58" name="Conector de Seta Reta 57"/>
-          <p:cNvCxnSpPr>
-            <a:stCxn id="40" idx="6"/>
-            <a:endCxn id="56" idx="2"/>
-          </p:cNvCxnSpPr>
-          <p:nvPr/>
-        </p:nvCxnSpPr>
-        <p:spPr>
-          <a:xfrm flipV="1">
-            <a:off x="4935220" y="1826260"/>
-            <a:ext cx="1438275" cy="442595"/>
-          </a:xfrm>
-          <a:prstGeom prst="straightConnector1">
-            <a:avLst/>
-          </a:prstGeom>
-          <a:gradFill rotWithShape="0">
-            <a:gsLst>
-              <a:gs pos="0">
-                <a:schemeClr val="accent1"/>
-              </a:gs>
-              <a:gs pos="100000">
-                <a:schemeClr val="accent2"/>
-              </a:gs>
-            </a:gsLst>
-            <a:lin ang="5400000" scaled="1"/>
-          </a:gradFill>
-          <a:ln w="9525" cap="flat" cmpd="sng" algn="ctr">
-            <a:solidFill>
-              <a:schemeClr val="accent1"/>
-            </a:solidFill>
-            <a:prstDash val="solid"/>
-            <a:round/>
-            <a:headEnd type="none" w="med" len="med"/>
-            <a:tailEnd type="arrow" w="med" len="med"/>
-          </a:ln>
-        </p:spPr>
-      </p:cxnSp>
-      <p:cxnSp>
-        <p:nvCxnSpPr>
-          <p:cNvPr id="59" name="Conector de Seta Reta 58"/>
-          <p:cNvCxnSpPr>
-            <a:stCxn id="40" idx="6"/>
-            <a:endCxn id="57" idx="2"/>
-          </p:cNvCxnSpPr>
-          <p:nvPr/>
-        </p:nvCxnSpPr>
-        <p:spPr>
-          <a:xfrm>
-            <a:off x="4935220" y="2268855"/>
-            <a:ext cx="1421765" cy="421005"/>
-          </a:xfrm>
-          <a:prstGeom prst="straightConnector1">
-            <a:avLst/>
-          </a:prstGeom>
-          <a:gradFill rotWithShape="0">
-            <a:gsLst>
-              <a:gs pos="0">
-                <a:schemeClr val="accent1"/>
-              </a:gs>
-              <a:gs pos="100000">
-                <a:schemeClr val="accent2"/>
-              </a:gs>
-            </a:gsLst>
-            <a:lin ang="5400000" scaled="1"/>
-          </a:gradFill>
-          <a:ln w="9525" cap="flat" cmpd="sng" algn="ctr">
-            <a:solidFill>
-              <a:schemeClr val="accent1"/>
-            </a:solidFill>
-            <a:prstDash val="solid"/>
-            <a:round/>
-            <a:headEnd type="none" w="med" len="med"/>
-            <a:tailEnd type="arrow" w="med" len="med"/>
-          </a:ln>
-        </p:spPr>
-      </p:cxnSp>
-      <p:sp>
-        <p:nvSpPr>
-          <p:cNvPr id="60" name="Fluxograma: multidocument 59"/>
+      <p:sp>
+        <p:nvSpPr>
+          <p:cNvPr id="4" name="Fluxograma: Processo 3"/>
           <p:cNvSpPr/>
           <p:nvPr/>
         </p:nvSpPr>
         <p:spPr>
           <a:xfrm>
-            <a:off x="8800465" y="3784600"/>
-            <a:ext cx="2298065" cy="694690"/>
-          </a:xfrm>
-          <a:prstGeom prst="flowChartMultidocument">
+            <a:off x="2076450" y="3104515"/>
+            <a:ext cx="8134985" cy="476885"/>
+          </a:xfrm>
+          <a:prstGeom prst="flowChartProcess">
             <a:avLst/>
           </a:prstGeom>
           <a:gradFill rotWithShape="0">
@@ -8041,7 +8951,7 @@
         <p:txBody>
           <a:bodyPr vert="horz" wrap="none" lIns="91440" tIns="45720" rIns="91440" bIns="45720" numCol="1" anchor="ctr" anchorCtr="0" compatLnSpc="1"/>
           <a:p>
-            <a:pPr marL="0" marR="0" indent="0" algn="l" defTabSz="914400" rtl="0" eaLnBrk="1" fontAlgn="base" latinLnBrk="0" hangingPunct="1">
+            <a:pPr marL="0" marR="0" indent="0" algn="ctr" defTabSz="914400" rtl="0" eaLnBrk="1" fontAlgn="base" latinLnBrk="0" hangingPunct="1">
               <a:lnSpc>
                 <a:spcPct val="100000"/>
               </a:lnSpc>
@@ -8057,20 +8967,19 @@
               <a:buNone/>
             </a:pPr>
             <a:r>
-              <a:rPr kumimoji="0" lang="pt-BR" altLang="zh-CN" sz="1800" b="0" i="0" u="none" strike="noStrike" cap="none" normalizeH="0" baseline="0" smtClean="0">
+              <a:rPr lang="pt-BR" altLang="zh-CN" sz="2400" smtClean="0">
                 <a:ln>
                   <a:noFill/>
                 </a:ln>
-                <a:solidFill>
-                  <a:schemeClr val="tx1"/>
-                </a:solidFill>
                 <a:effectLst/>
                 <a:latin typeface="Arial" panose="020B0604020202020204" pitchFamily="34" charset="0"/>
                 <a:ea typeface="SimSun" panose="02010600030101010101" pitchFamily="2" charset="-122"/>
+                <a:cs typeface="Arial" panose="020B0604020202020204" pitchFamily="34" charset="0"/>
+                <a:sym typeface="+mn-ea"/>
               </a:rPr>
-              <a:t>usuarioDTO</a:t>
-            </a:r>
-            <a:endParaRPr kumimoji="0" lang="pt-BR" altLang="zh-CN" sz="1800" b="0" i="0" u="none" strike="noStrike" cap="none" normalizeH="0" baseline="0" smtClean="0">
+              <a:t>Maven</a:t>
+            </a:r>
+            <a:endParaRPr kumimoji="0" lang="pt-BR" altLang="zh-CN" sz="2400" b="0" i="0" u="none" strike="noStrike" cap="none" normalizeH="0" baseline="0" smtClean="0">
               <a:ln>
                 <a:noFill/>
               </a:ln>
@@ -8080,1025 +8989,11 @@
               <a:effectLst/>
               <a:latin typeface="Arial" panose="020B0604020202020204" pitchFamily="34" charset="0"/>
               <a:ea typeface="SimSun" panose="02010600030101010101" pitchFamily="2" charset="-122"/>
+              <a:cs typeface="Arial" panose="020B0604020202020204" pitchFamily="34" charset="0"/>
             </a:endParaRPr>
           </a:p>
-          <a:p>
-            <a:pPr marL="0" marR="0" indent="0" algn="l" defTabSz="914400" rtl="0" eaLnBrk="1" fontAlgn="base" latinLnBrk="0" hangingPunct="1">
-              <a:lnSpc>
-                <a:spcPct val="100000"/>
-              </a:lnSpc>
-              <a:spcBef>
-                <a:spcPct val="0"/>
-              </a:spcBef>
-              <a:spcAft>
-                <a:spcPct val="0"/>
-              </a:spcAft>
-              <a:buClrTx/>
-              <a:buSzTx/>
-              <a:buFontTx/>
-              <a:buNone/>
-            </a:pPr>
-            <a:r>
-              <a:rPr kumimoji="0" lang="pt-BR" altLang="zh-CN" sz="1800" b="0" i="0" u="none" strike="noStrike" cap="none" normalizeH="0" baseline="0" smtClean="0">
-                <a:ln>
-                  <a:noFill/>
-                </a:ln>
-                <a:solidFill>
-                  <a:schemeClr val="tx1"/>
-                </a:solidFill>
-                <a:effectLst/>
-                <a:latin typeface="Arial" panose="020B0604020202020204" pitchFamily="34" charset="0"/>
-                <a:ea typeface="SimSun" panose="02010600030101010101" pitchFamily="2" charset="-122"/>
-              </a:rPr>
-              <a:t>etc.</a:t>
-            </a:r>
-            <a:endParaRPr kumimoji="0" lang="pt-BR" altLang="zh-CN" sz="1800" b="0" i="0" u="none" strike="noStrike" cap="none" normalizeH="0" baseline="0" smtClean="0">
-              <a:ln>
-                <a:noFill/>
-              </a:ln>
-              <a:solidFill>
-                <a:schemeClr val="tx1"/>
-              </a:solidFill>
-              <a:effectLst/>
-              <a:latin typeface="Arial" panose="020B0604020202020204" pitchFamily="34" charset="0"/>
-              <a:ea typeface="SimSun" panose="02010600030101010101" pitchFamily="2" charset="-122"/>
-            </a:endParaRPr>
-          </a:p>
-        </p:txBody>
-      </p:sp>
-      <p:cxnSp>
-        <p:nvCxnSpPr>
-          <p:cNvPr id="61" name="Conector de Seta Reta 60"/>
-          <p:cNvCxnSpPr>
-            <a:stCxn id="42" idx="6"/>
-            <a:endCxn id="60" idx="1"/>
-          </p:cNvCxnSpPr>
-          <p:nvPr/>
-        </p:nvCxnSpPr>
-        <p:spPr>
-          <a:xfrm flipV="1">
-            <a:off x="7723505" y="4131945"/>
-            <a:ext cx="1076960" cy="6985"/>
-          </a:xfrm>
-          <a:prstGeom prst="straightConnector1">
-            <a:avLst/>
-          </a:prstGeom>
-          <a:gradFill rotWithShape="0">
-            <a:gsLst>
-              <a:gs pos="0">
-                <a:schemeClr val="accent1"/>
-              </a:gs>
-              <a:gs pos="100000">
-                <a:schemeClr val="accent2"/>
-              </a:gs>
-            </a:gsLst>
-            <a:lin ang="5400000" scaled="1"/>
-          </a:gradFill>
-          <a:ln w="9525" cap="flat" cmpd="sng" algn="ctr">
-            <a:solidFill>
-              <a:schemeClr val="accent1"/>
-            </a:solidFill>
-            <a:prstDash val="solid"/>
-            <a:round/>
-            <a:headEnd type="none" w="med" len="med"/>
-            <a:tailEnd type="arrow" w="med" len="med"/>
-          </a:ln>
-        </p:spPr>
-      </p:cxnSp>
-      <p:sp>
-        <p:nvSpPr>
-          <p:cNvPr id="62" name="Fluxograma: multidocument 61"/>
-          <p:cNvSpPr/>
-          <p:nvPr/>
-        </p:nvSpPr>
-        <p:spPr>
-          <a:xfrm>
-            <a:off x="8800465" y="4943475"/>
-            <a:ext cx="2303780" cy="694690"/>
-          </a:xfrm>
-          <a:prstGeom prst="flowChartMultidocument">
-            <a:avLst/>
-          </a:prstGeom>
-          <a:gradFill rotWithShape="0">
-            <a:gsLst>
-              <a:gs pos="0">
-                <a:schemeClr val="accent1"/>
-              </a:gs>
-              <a:gs pos="100000">
-                <a:schemeClr val="accent2"/>
-              </a:gs>
-            </a:gsLst>
-            <a:lin ang="5400000" scaled="1"/>
-          </a:gradFill>
-          <a:ln w="9525" cap="flat" cmpd="sng" algn="ctr">
-            <a:solidFill>
-              <a:schemeClr val="accent1"/>
-            </a:solidFill>
-            <a:prstDash val="solid"/>
-            <a:round/>
-            <a:headEnd type="none" w="med" len="med"/>
-            <a:tailEnd type="none" w="med" len="med"/>
-          </a:ln>
-        </p:spPr>
-        <p:txBody>
-          <a:bodyPr vert="horz" wrap="none" lIns="91440" tIns="45720" rIns="91440" bIns="45720" numCol="1" anchor="ctr" anchorCtr="0" compatLnSpc="1"/>
-          <a:p>
-            <a:pPr marL="0" marR="0" indent="0" algn="l" defTabSz="914400" rtl="0" eaLnBrk="1" fontAlgn="base" latinLnBrk="0" hangingPunct="1">
-              <a:lnSpc>
-                <a:spcPct val="100000"/>
-              </a:lnSpc>
-              <a:spcBef>
-                <a:spcPct val="0"/>
-              </a:spcBef>
-              <a:spcAft>
-                <a:spcPct val="0"/>
-              </a:spcAft>
-              <a:buClrTx/>
-              <a:buSzTx/>
-              <a:buFontTx/>
-              <a:buNone/>
-            </a:pPr>
-            <a:r>
-              <a:rPr kumimoji="0" lang="pt-BR" altLang="zh-CN" sz="1800" b="0" i="0" u="none" strike="noStrike" cap="none" normalizeH="0" baseline="0" smtClean="0">
-                <a:ln>
-                  <a:noFill/>
-                </a:ln>
-                <a:solidFill>
-                  <a:schemeClr val="tx1"/>
-                </a:solidFill>
-                <a:effectLst/>
-                <a:latin typeface="Arial" panose="020B0604020202020204" pitchFamily="34" charset="0"/>
-                <a:ea typeface="SimSun" panose="02010600030101010101" pitchFamily="2" charset="-122"/>
-              </a:rPr>
-              <a:t>usuarioEntity</a:t>
-            </a:r>
-            <a:endParaRPr kumimoji="0" lang="pt-BR" altLang="zh-CN" sz="1800" b="0" i="0" u="none" strike="noStrike" cap="none" normalizeH="0" baseline="0" smtClean="0">
-              <a:ln>
-                <a:noFill/>
-              </a:ln>
-              <a:solidFill>
-                <a:schemeClr val="tx1"/>
-              </a:solidFill>
-              <a:effectLst/>
-              <a:latin typeface="Arial" panose="020B0604020202020204" pitchFamily="34" charset="0"/>
-              <a:ea typeface="SimSun" panose="02010600030101010101" pitchFamily="2" charset="-122"/>
-            </a:endParaRPr>
-          </a:p>
-          <a:p>
-            <a:pPr marL="0" marR="0" indent="0" algn="l" defTabSz="914400" rtl="0" eaLnBrk="1" fontAlgn="base" latinLnBrk="0" hangingPunct="1">
-              <a:lnSpc>
-                <a:spcPct val="100000"/>
-              </a:lnSpc>
-              <a:spcBef>
-                <a:spcPct val="0"/>
-              </a:spcBef>
-              <a:spcAft>
-                <a:spcPct val="0"/>
-              </a:spcAft>
-              <a:buClrTx/>
-              <a:buSzTx/>
-              <a:buFontTx/>
-              <a:buNone/>
-            </a:pPr>
-            <a:r>
-              <a:rPr kumimoji="0" lang="pt-BR" altLang="zh-CN" sz="1800" b="0" i="0" u="none" strike="noStrike" cap="none" normalizeH="0" baseline="0" smtClean="0">
-                <a:ln>
-                  <a:noFill/>
-                </a:ln>
-                <a:solidFill>
-                  <a:schemeClr val="tx1"/>
-                </a:solidFill>
-                <a:effectLst/>
-                <a:latin typeface="Arial" panose="020B0604020202020204" pitchFamily="34" charset="0"/>
-                <a:ea typeface="SimSun" panose="02010600030101010101" pitchFamily="2" charset="-122"/>
-              </a:rPr>
-              <a:t>etc.</a:t>
-            </a:r>
-            <a:endParaRPr kumimoji="0" lang="pt-BR" altLang="zh-CN" sz="1800" b="0" i="0" u="none" strike="noStrike" cap="none" normalizeH="0" baseline="0" smtClean="0">
-              <a:ln>
-                <a:noFill/>
-              </a:ln>
-              <a:solidFill>
-                <a:schemeClr val="tx1"/>
-              </a:solidFill>
-              <a:effectLst/>
-              <a:latin typeface="Arial" panose="020B0604020202020204" pitchFamily="34" charset="0"/>
-              <a:ea typeface="SimSun" panose="02010600030101010101" pitchFamily="2" charset="-122"/>
-            </a:endParaRPr>
-          </a:p>
-        </p:txBody>
-      </p:sp>
-      <p:sp>
-        <p:nvSpPr>
-          <p:cNvPr id="63" name="Fluxograma: multidocument 62"/>
-          <p:cNvSpPr/>
-          <p:nvPr/>
-        </p:nvSpPr>
-        <p:spPr>
-          <a:xfrm>
-            <a:off x="8833485" y="5905500"/>
-            <a:ext cx="2414270" cy="694690"/>
-          </a:xfrm>
-          <a:prstGeom prst="flowChartMultidocument">
-            <a:avLst/>
-          </a:prstGeom>
-          <a:gradFill rotWithShape="0">
-            <a:gsLst>
-              <a:gs pos="0">
-                <a:schemeClr val="accent1"/>
-              </a:gs>
-              <a:gs pos="100000">
-                <a:schemeClr val="accent2"/>
-              </a:gs>
-            </a:gsLst>
-            <a:lin ang="5400000" scaled="1"/>
-          </a:gradFill>
-          <a:ln w="9525" cap="flat" cmpd="sng" algn="ctr">
-            <a:solidFill>
-              <a:schemeClr val="accent1"/>
-            </a:solidFill>
-            <a:prstDash val="solid"/>
-            <a:round/>
-            <a:headEnd type="none" w="med" len="med"/>
-            <a:tailEnd type="none" w="med" len="med"/>
-          </a:ln>
-        </p:spPr>
-        <p:txBody>
-          <a:bodyPr vert="horz" wrap="none" lIns="91440" tIns="45720" rIns="91440" bIns="45720" numCol="1" anchor="ctr" anchorCtr="0" compatLnSpc="1"/>
-          <a:p>
-            <a:pPr marL="0" marR="0" indent="0" algn="l" defTabSz="914400" rtl="0" eaLnBrk="1" fontAlgn="base" latinLnBrk="0" hangingPunct="1">
-              <a:lnSpc>
-                <a:spcPct val="100000"/>
-              </a:lnSpc>
-              <a:spcBef>
-                <a:spcPct val="0"/>
-              </a:spcBef>
-              <a:spcAft>
-                <a:spcPct val="0"/>
-              </a:spcAft>
-              <a:buClrTx/>
-              <a:buSzTx/>
-              <a:buFontTx/>
-              <a:buNone/>
-            </a:pPr>
-            <a:r>
-              <a:rPr kumimoji="0" lang="pt-BR" altLang="zh-CN" sz="1800" b="0" i="0" u="none" strike="noStrike" cap="none" normalizeH="0" baseline="0" smtClean="0">
-                <a:ln>
-                  <a:noFill/>
-                </a:ln>
-                <a:solidFill>
-                  <a:schemeClr val="tx1"/>
-                </a:solidFill>
-                <a:effectLst/>
-                <a:latin typeface="Arial" panose="020B0604020202020204" pitchFamily="34" charset="0"/>
-                <a:ea typeface="SimSun" panose="02010600030101010101" pitchFamily="2" charset="-122"/>
-              </a:rPr>
-              <a:t>usuarioRepository</a:t>
-            </a:r>
-            <a:endParaRPr kumimoji="0" lang="pt-BR" altLang="zh-CN" sz="1800" b="0" i="0" u="none" strike="noStrike" cap="none" normalizeH="0" baseline="0" smtClean="0">
-              <a:ln>
-                <a:noFill/>
-              </a:ln>
-              <a:solidFill>
-                <a:schemeClr val="tx1"/>
-              </a:solidFill>
-              <a:effectLst/>
-              <a:latin typeface="Arial" panose="020B0604020202020204" pitchFamily="34" charset="0"/>
-              <a:ea typeface="SimSun" panose="02010600030101010101" pitchFamily="2" charset="-122"/>
-            </a:endParaRPr>
-          </a:p>
-          <a:p>
-            <a:pPr marL="0" marR="0" indent="0" algn="l" defTabSz="914400" rtl="0" eaLnBrk="1" fontAlgn="base" latinLnBrk="0" hangingPunct="1">
-              <a:lnSpc>
-                <a:spcPct val="100000"/>
-              </a:lnSpc>
-              <a:spcBef>
-                <a:spcPct val="0"/>
-              </a:spcBef>
-              <a:spcAft>
-                <a:spcPct val="0"/>
-              </a:spcAft>
-              <a:buClrTx/>
-              <a:buSzTx/>
-              <a:buFontTx/>
-              <a:buNone/>
-            </a:pPr>
-            <a:r>
-              <a:rPr kumimoji="0" lang="pt-BR" altLang="zh-CN" sz="1800" b="0" i="0" u="none" strike="noStrike" cap="none" normalizeH="0" baseline="0" smtClean="0">
-                <a:ln>
-                  <a:noFill/>
-                </a:ln>
-                <a:solidFill>
-                  <a:schemeClr val="tx1"/>
-                </a:solidFill>
-                <a:effectLst/>
-                <a:latin typeface="Arial" panose="020B0604020202020204" pitchFamily="34" charset="0"/>
-                <a:ea typeface="SimSun" panose="02010600030101010101" pitchFamily="2" charset="-122"/>
-              </a:rPr>
-              <a:t>etc.</a:t>
-            </a:r>
-            <a:endParaRPr kumimoji="0" lang="pt-BR" altLang="zh-CN" sz="1800" b="0" i="0" u="none" strike="noStrike" cap="none" normalizeH="0" baseline="0" smtClean="0">
-              <a:ln>
-                <a:noFill/>
-              </a:ln>
-              <a:solidFill>
-                <a:schemeClr val="tx1"/>
-              </a:solidFill>
-              <a:effectLst/>
-              <a:latin typeface="Arial" panose="020B0604020202020204" pitchFamily="34" charset="0"/>
-              <a:ea typeface="SimSun" panose="02010600030101010101" pitchFamily="2" charset="-122"/>
-            </a:endParaRPr>
-          </a:p>
-        </p:txBody>
-      </p:sp>
-      <p:cxnSp>
-        <p:nvCxnSpPr>
-          <p:cNvPr id="64" name="Conector de Seta Reta 63"/>
-          <p:cNvCxnSpPr>
-            <a:stCxn id="51" idx="6"/>
-            <a:endCxn id="62" idx="1"/>
-          </p:cNvCxnSpPr>
-          <p:nvPr/>
-        </p:nvCxnSpPr>
-        <p:spPr>
-          <a:xfrm>
-            <a:off x="7691120" y="5225415"/>
-            <a:ext cx="1109345" cy="65405"/>
-          </a:xfrm>
-          <a:prstGeom prst="straightConnector1">
-            <a:avLst/>
-          </a:prstGeom>
-          <a:gradFill rotWithShape="0">
-            <a:gsLst>
-              <a:gs pos="0">
-                <a:schemeClr val="accent1"/>
-              </a:gs>
-              <a:gs pos="100000">
-                <a:schemeClr val="accent2"/>
-              </a:gs>
-            </a:gsLst>
-            <a:lin ang="5400000" scaled="1"/>
-          </a:gradFill>
-          <a:ln w="9525" cap="flat" cmpd="sng" algn="ctr">
-            <a:solidFill>
-              <a:schemeClr val="accent1"/>
-            </a:solidFill>
-            <a:prstDash val="solid"/>
-            <a:round/>
-            <a:headEnd type="none" w="med" len="med"/>
-            <a:tailEnd type="arrow" w="med" len="med"/>
-          </a:ln>
-        </p:spPr>
-      </p:cxnSp>
-      <p:cxnSp>
-        <p:nvCxnSpPr>
-          <p:cNvPr id="65" name="Conector de Seta Reta 64"/>
-          <p:cNvCxnSpPr>
-            <a:stCxn id="52" idx="6"/>
-            <a:endCxn id="63" idx="1"/>
-          </p:cNvCxnSpPr>
-          <p:nvPr/>
-        </p:nvCxnSpPr>
-        <p:spPr>
-          <a:xfrm>
-            <a:off x="4801870" y="6179820"/>
-            <a:ext cx="4031615" cy="73025"/>
-          </a:xfrm>
-          <a:prstGeom prst="straightConnector1">
-            <a:avLst/>
-          </a:prstGeom>
-          <a:gradFill rotWithShape="0">
-            <a:gsLst>
-              <a:gs pos="0">
-                <a:schemeClr val="accent1"/>
-              </a:gs>
-              <a:gs pos="100000">
-                <a:schemeClr val="accent2"/>
-              </a:gs>
-            </a:gsLst>
-            <a:lin ang="5400000" scaled="1"/>
-          </a:gradFill>
-          <a:ln w="9525" cap="flat" cmpd="sng" algn="ctr">
-            <a:solidFill>
-              <a:schemeClr val="accent1"/>
-            </a:solidFill>
-            <a:prstDash val="solid"/>
-            <a:round/>
-            <a:headEnd type="none" w="med" len="med"/>
-            <a:tailEnd type="arrow" w="med" len="med"/>
-          </a:ln>
-        </p:spPr>
-      </p:cxnSp>
-      <p:sp>
-        <p:nvSpPr>
-          <p:cNvPr id="66" name="Fluxograma: multidocument 65"/>
-          <p:cNvSpPr/>
-          <p:nvPr/>
-        </p:nvSpPr>
-        <p:spPr>
-          <a:xfrm>
-            <a:off x="8833485" y="2335530"/>
-            <a:ext cx="2859405" cy="694690"/>
-          </a:xfrm>
-          <a:prstGeom prst="flowChartMultidocument">
-            <a:avLst/>
-          </a:prstGeom>
-          <a:gradFill rotWithShape="0">
-            <a:gsLst>
-              <a:gs pos="0">
-                <a:schemeClr val="accent1"/>
-              </a:gs>
-              <a:gs pos="100000">
-                <a:schemeClr val="accent2"/>
-              </a:gs>
-            </a:gsLst>
-            <a:lin ang="5400000" scaled="1"/>
-          </a:gradFill>
-          <a:ln w="9525" cap="flat" cmpd="sng" algn="ctr">
-            <a:solidFill>
-              <a:schemeClr val="accent1"/>
-            </a:solidFill>
-            <a:prstDash val="solid"/>
-            <a:round/>
-            <a:headEnd type="none" w="med" len="med"/>
-            <a:tailEnd type="none" w="med" len="med"/>
-          </a:ln>
-        </p:spPr>
-        <p:txBody>
-          <a:bodyPr vert="horz" wrap="none" lIns="91440" tIns="45720" rIns="91440" bIns="45720" numCol="1" anchor="ctr" anchorCtr="0" compatLnSpc="1"/>
-          <a:p>
-            <a:pPr marL="0" marR="0" indent="0" algn="l" defTabSz="914400" rtl="0" eaLnBrk="1" fontAlgn="base" latinLnBrk="0" hangingPunct="1">
-              <a:lnSpc>
-                <a:spcPct val="100000"/>
-              </a:lnSpc>
-              <a:spcBef>
-                <a:spcPct val="0"/>
-              </a:spcBef>
-              <a:spcAft>
-                <a:spcPct val="0"/>
-              </a:spcAft>
-              <a:buClrTx/>
-              <a:buSzTx/>
-              <a:buFontTx/>
-              <a:buNone/>
-            </a:pPr>
-            <a:r>
-              <a:rPr kumimoji="0" lang="pt-BR" altLang="zh-CN" sz="1800" b="0" i="0" u="none" strike="noStrike" cap="none" normalizeH="0" baseline="0" smtClean="0">
-                <a:ln>
-                  <a:noFill/>
-                </a:ln>
-                <a:solidFill>
-                  <a:schemeClr val="tx1"/>
-                </a:solidFill>
-                <a:effectLst/>
-                <a:latin typeface="Arial" panose="020B0604020202020204" pitchFamily="34" charset="0"/>
-                <a:ea typeface="SimSun" panose="02010600030101010101" pitchFamily="2" charset="-122"/>
-              </a:rPr>
-              <a:t>usuarioRestController</a:t>
-            </a:r>
-            <a:endParaRPr kumimoji="0" lang="pt-BR" altLang="zh-CN" sz="1800" b="0" i="0" u="none" strike="noStrike" cap="none" normalizeH="0" baseline="0" smtClean="0">
-              <a:ln>
-                <a:noFill/>
-              </a:ln>
-              <a:solidFill>
-                <a:schemeClr val="tx1"/>
-              </a:solidFill>
-              <a:effectLst/>
-              <a:latin typeface="Arial" panose="020B0604020202020204" pitchFamily="34" charset="0"/>
-              <a:ea typeface="SimSun" panose="02010600030101010101" pitchFamily="2" charset="-122"/>
-            </a:endParaRPr>
-          </a:p>
-          <a:p>
-            <a:pPr marL="0" marR="0" indent="0" algn="l" defTabSz="914400" rtl="0" eaLnBrk="1" fontAlgn="base" latinLnBrk="0" hangingPunct="1">
-              <a:lnSpc>
-                <a:spcPct val="100000"/>
-              </a:lnSpc>
-              <a:spcBef>
-                <a:spcPct val="0"/>
-              </a:spcBef>
-              <a:spcAft>
-                <a:spcPct val="0"/>
-              </a:spcAft>
-              <a:buClrTx/>
-              <a:buSzTx/>
-              <a:buFontTx/>
-              <a:buNone/>
-            </a:pPr>
-            <a:r>
-              <a:rPr kumimoji="0" lang="pt-BR" altLang="zh-CN" sz="1800" b="0" i="0" u="none" strike="noStrike" cap="none" normalizeH="0" baseline="0" smtClean="0">
-                <a:ln>
-                  <a:noFill/>
-                </a:ln>
-                <a:solidFill>
-                  <a:schemeClr val="tx1"/>
-                </a:solidFill>
-                <a:effectLst/>
-                <a:latin typeface="Arial" panose="020B0604020202020204" pitchFamily="34" charset="0"/>
-                <a:ea typeface="SimSun" panose="02010600030101010101" pitchFamily="2" charset="-122"/>
-              </a:rPr>
-              <a:t>etc.</a:t>
-            </a:r>
-            <a:endParaRPr kumimoji="0" lang="pt-BR" altLang="zh-CN" sz="1800" b="0" i="0" u="none" strike="noStrike" cap="none" normalizeH="0" baseline="0" smtClean="0">
-              <a:ln>
-                <a:noFill/>
-              </a:ln>
-              <a:solidFill>
-                <a:schemeClr val="tx1"/>
-              </a:solidFill>
-              <a:effectLst/>
-              <a:latin typeface="Arial" panose="020B0604020202020204" pitchFamily="34" charset="0"/>
-              <a:ea typeface="SimSun" panose="02010600030101010101" pitchFamily="2" charset="-122"/>
-            </a:endParaRPr>
-          </a:p>
-        </p:txBody>
-      </p:sp>
-      <p:cxnSp>
-        <p:nvCxnSpPr>
-          <p:cNvPr id="67" name="Conector de Seta Reta 66"/>
-          <p:cNvCxnSpPr>
-            <a:stCxn id="57" idx="6"/>
-            <a:endCxn id="66" idx="1"/>
-          </p:cNvCxnSpPr>
-          <p:nvPr/>
-        </p:nvCxnSpPr>
-        <p:spPr>
-          <a:xfrm flipV="1">
-            <a:off x="7574915" y="2682875"/>
-            <a:ext cx="1258570" cy="6985"/>
-          </a:xfrm>
-          <a:prstGeom prst="straightConnector1">
-            <a:avLst/>
-          </a:prstGeom>
-          <a:gradFill rotWithShape="0">
-            <a:gsLst>
-              <a:gs pos="0">
-                <a:schemeClr val="accent1"/>
-              </a:gs>
-              <a:gs pos="100000">
-                <a:schemeClr val="accent2"/>
-              </a:gs>
-            </a:gsLst>
-            <a:lin ang="5400000" scaled="1"/>
-          </a:gradFill>
-          <a:ln w="9525" cap="flat" cmpd="sng" algn="ctr">
-            <a:solidFill>
-              <a:schemeClr val="accent1"/>
-            </a:solidFill>
-            <a:prstDash val="solid"/>
-            <a:round/>
-            <a:headEnd type="none" w="med" len="med"/>
-            <a:tailEnd type="arrow" w="med" len="med"/>
-          </a:ln>
-        </p:spPr>
-      </p:cxnSp>
-      <p:sp>
-        <p:nvSpPr>
-          <p:cNvPr id="68" name="Fluxograma: multidocument 67"/>
-          <p:cNvSpPr/>
-          <p:nvPr/>
-        </p:nvSpPr>
-        <p:spPr>
-          <a:xfrm>
-            <a:off x="8833485" y="1478915"/>
-            <a:ext cx="2827655" cy="694690"/>
-          </a:xfrm>
-          <a:prstGeom prst="flowChartMultidocument">
-            <a:avLst/>
-          </a:prstGeom>
-          <a:gradFill rotWithShape="0">
-            <a:gsLst>
-              <a:gs pos="0">
-                <a:schemeClr val="accent1"/>
-              </a:gs>
-              <a:gs pos="100000">
-                <a:schemeClr val="accent2"/>
-              </a:gs>
-            </a:gsLst>
-            <a:lin ang="5400000" scaled="1"/>
-          </a:gradFill>
-          <a:ln w="9525" cap="flat" cmpd="sng" algn="ctr">
-            <a:solidFill>
-              <a:schemeClr val="accent1"/>
-            </a:solidFill>
-            <a:prstDash val="solid"/>
-            <a:round/>
-            <a:headEnd type="none" w="med" len="med"/>
-            <a:tailEnd type="none" w="med" len="med"/>
-          </a:ln>
-        </p:spPr>
-        <p:txBody>
-          <a:bodyPr vert="horz" wrap="none" lIns="91440" tIns="45720" rIns="91440" bIns="45720" numCol="1" anchor="ctr" anchorCtr="0" compatLnSpc="1"/>
-          <a:p>
-            <a:pPr marL="0" marR="0" indent="0" algn="l" defTabSz="914400" rtl="0" eaLnBrk="1" fontAlgn="base" latinLnBrk="0" hangingPunct="1">
-              <a:lnSpc>
-                <a:spcPct val="100000"/>
-              </a:lnSpc>
-              <a:spcBef>
-                <a:spcPct val="0"/>
-              </a:spcBef>
-              <a:spcAft>
-                <a:spcPct val="0"/>
-              </a:spcAft>
-              <a:buClrTx/>
-              <a:buSzTx/>
-              <a:buFontTx/>
-              <a:buNone/>
-            </a:pPr>
-            <a:r>
-              <a:rPr kumimoji="0" lang="pt-BR" altLang="zh-CN" sz="1800" b="0" i="0" u="none" strike="noStrike" cap="none" normalizeH="0" baseline="0" smtClean="0">
-                <a:ln>
-                  <a:noFill/>
-                </a:ln>
-                <a:solidFill>
-                  <a:schemeClr val="tx1"/>
-                </a:solidFill>
-                <a:effectLst/>
-                <a:latin typeface="Arial" panose="020B0604020202020204" pitchFamily="34" charset="0"/>
-                <a:ea typeface="SimSun" panose="02010600030101010101" pitchFamily="2" charset="-122"/>
-              </a:rPr>
-              <a:t>usuarioWebController</a:t>
-            </a:r>
-            <a:endParaRPr kumimoji="0" lang="pt-BR" altLang="zh-CN" sz="1800" b="0" i="0" u="none" strike="noStrike" cap="none" normalizeH="0" baseline="0" smtClean="0">
-              <a:ln>
-                <a:noFill/>
-              </a:ln>
-              <a:solidFill>
-                <a:schemeClr val="tx1"/>
-              </a:solidFill>
-              <a:effectLst/>
-              <a:latin typeface="Arial" panose="020B0604020202020204" pitchFamily="34" charset="0"/>
-              <a:ea typeface="SimSun" panose="02010600030101010101" pitchFamily="2" charset="-122"/>
-            </a:endParaRPr>
-          </a:p>
-          <a:p>
-            <a:pPr marL="0" marR="0" indent="0" algn="l" defTabSz="914400" rtl="0" eaLnBrk="1" fontAlgn="base" latinLnBrk="0" hangingPunct="1">
-              <a:lnSpc>
-                <a:spcPct val="100000"/>
-              </a:lnSpc>
-              <a:spcBef>
-                <a:spcPct val="0"/>
-              </a:spcBef>
-              <a:spcAft>
-                <a:spcPct val="0"/>
-              </a:spcAft>
-              <a:buClrTx/>
-              <a:buSzTx/>
-              <a:buFontTx/>
-              <a:buNone/>
-            </a:pPr>
-            <a:r>
-              <a:rPr kumimoji="0" lang="pt-BR" altLang="zh-CN" sz="1800" b="0" i="0" u="none" strike="noStrike" cap="none" normalizeH="0" baseline="0" smtClean="0">
-                <a:ln>
-                  <a:noFill/>
-                </a:ln>
-                <a:solidFill>
-                  <a:schemeClr val="tx1"/>
-                </a:solidFill>
-                <a:effectLst/>
-                <a:latin typeface="Arial" panose="020B0604020202020204" pitchFamily="34" charset="0"/>
-                <a:ea typeface="SimSun" panose="02010600030101010101" pitchFamily="2" charset="-122"/>
-              </a:rPr>
-              <a:t>etc.</a:t>
-            </a:r>
-            <a:endParaRPr kumimoji="0" lang="pt-BR" altLang="zh-CN" sz="1800" b="0" i="0" u="none" strike="noStrike" cap="none" normalizeH="0" baseline="0" smtClean="0">
-              <a:ln>
-                <a:noFill/>
-              </a:ln>
-              <a:solidFill>
-                <a:schemeClr val="tx1"/>
-              </a:solidFill>
-              <a:effectLst/>
-              <a:latin typeface="Arial" panose="020B0604020202020204" pitchFamily="34" charset="0"/>
-              <a:ea typeface="SimSun" panose="02010600030101010101" pitchFamily="2" charset="-122"/>
-            </a:endParaRPr>
-          </a:p>
-        </p:txBody>
-      </p:sp>
-      <p:cxnSp>
-        <p:nvCxnSpPr>
-          <p:cNvPr id="69" name="Conector de Seta Reta 68"/>
-          <p:cNvCxnSpPr>
-            <a:stCxn id="56" idx="6"/>
-            <a:endCxn id="68" idx="1"/>
-          </p:cNvCxnSpPr>
-          <p:nvPr/>
-        </p:nvCxnSpPr>
-        <p:spPr>
-          <a:xfrm>
-            <a:off x="7574915" y="1826260"/>
-            <a:ext cx="1258570" cy="0"/>
-          </a:xfrm>
-          <a:prstGeom prst="straightConnector1">
-            <a:avLst/>
-          </a:prstGeom>
-          <a:gradFill rotWithShape="0">
-            <a:gsLst>
-              <a:gs pos="0">
-                <a:schemeClr val="accent1"/>
-              </a:gs>
-              <a:gs pos="100000">
-                <a:schemeClr val="accent2"/>
-              </a:gs>
-            </a:gsLst>
-            <a:lin ang="5400000" scaled="1"/>
-          </a:gradFill>
-          <a:ln w="9525" cap="flat" cmpd="sng" algn="ctr">
-            <a:solidFill>
-              <a:schemeClr val="accent1"/>
-            </a:solidFill>
-            <a:prstDash val="solid"/>
-            <a:round/>
-            <a:headEnd type="none" w="med" len="med"/>
-            <a:tailEnd type="arrow" w="med" len="med"/>
-          </a:ln>
-        </p:spPr>
-      </p:cxnSp>
-      <p:sp>
-        <p:nvSpPr>
-          <p:cNvPr id="70" name="Caixa de Texto 69"/>
-          <p:cNvSpPr txBox="1"/>
-          <p:nvPr/>
-        </p:nvSpPr>
-        <p:spPr>
-          <a:xfrm>
-            <a:off x="132715" y="1377950"/>
-            <a:ext cx="5761990" cy="337185"/>
-          </a:xfrm>
-          <a:prstGeom prst="rect">
-            <a:avLst/>
-          </a:prstGeom>
-          <a:noFill/>
-        </p:spPr>
-        <p:txBody>
-          <a:bodyPr wrap="square" rtlCol="0" anchor="t">
-            <a:spAutoFit/>
-          </a:bodyPr>
-          <a:p>
-            <a:r>
-              <a:rPr lang="pt-BR" altLang="en-US" sz="1600" b="1">
-                <a:latin typeface="+mj-lt"/>
-                <a:cs typeface="+mj-lt"/>
-              </a:rPr>
-              <a:t>Web </a:t>
-            </a:r>
-            <a:r>
-              <a:rPr lang="pt-BR" altLang="en-US" sz="1600">
-                <a:latin typeface="+mj-lt"/>
-                <a:cs typeface="+mj-lt"/>
-              </a:rPr>
-              <a:t>-&gt; Requisições / Respostas como Templates (HTML)</a:t>
-            </a:r>
-            <a:endParaRPr lang="pt-BR" altLang="en-US" sz="1600">
-              <a:latin typeface="+mj-lt"/>
-              <a:cs typeface="+mj-lt"/>
-            </a:endParaRPr>
-          </a:p>
-        </p:txBody>
-      </p:sp>
-      <p:sp>
-        <p:nvSpPr>
-          <p:cNvPr id="3" name="Elipse 2"/>
-          <p:cNvSpPr/>
-          <p:nvPr/>
-        </p:nvSpPr>
-        <p:spPr>
-          <a:xfrm>
-            <a:off x="3501390" y="4364355"/>
-            <a:ext cx="1334135" cy="548640"/>
-          </a:xfrm>
-          <a:prstGeom prst="ellipse">
-            <a:avLst/>
-          </a:prstGeom>
-          <a:gradFill rotWithShape="0">
-            <a:gsLst>
-              <a:gs pos="0">
-                <a:schemeClr val="accent1"/>
-              </a:gs>
-              <a:gs pos="100000">
-                <a:schemeClr val="accent2"/>
-              </a:gs>
-            </a:gsLst>
-            <a:lin ang="5400000" scaled="1"/>
-          </a:gradFill>
-          <a:ln w="9525" cap="flat" cmpd="sng" algn="ctr">
-            <a:solidFill>
-              <a:schemeClr val="accent1"/>
-            </a:solidFill>
-            <a:prstDash val="solid"/>
-            <a:round/>
-            <a:headEnd type="none" w="med" len="med"/>
-            <a:tailEnd type="none" w="med" len="med"/>
-          </a:ln>
-        </p:spPr>
-        <p:txBody>
-          <a:bodyPr vert="horz" wrap="none" lIns="91440" tIns="45720" rIns="91440" bIns="45720" numCol="1" anchor="ctr" anchorCtr="0" compatLnSpc="1"/>
-          <a:p>
-            <a:pPr marL="0" marR="0" indent="0" algn="ctr" defTabSz="914400" rtl="0" eaLnBrk="1" fontAlgn="base" latinLnBrk="0" hangingPunct="1">
-              <a:lnSpc>
-                <a:spcPct val="100000"/>
-              </a:lnSpc>
-              <a:spcBef>
-                <a:spcPct val="0"/>
-              </a:spcBef>
-              <a:spcAft>
-                <a:spcPct val="0"/>
-              </a:spcAft>
-              <a:buClrTx/>
-              <a:buSzTx/>
-              <a:buFontTx/>
-              <a:buNone/>
-            </a:pPr>
-            <a:r>
-              <a:rPr kumimoji="0" lang="pt-BR" altLang="zh-CN" sz="1600" b="0" i="0" u="none" strike="noStrike" cap="none" normalizeH="0" baseline="0" smtClean="0">
-                <a:ln>
-                  <a:noFill/>
-                </a:ln>
-                <a:solidFill>
-                  <a:schemeClr val="tx1"/>
-                </a:solidFill>
-                <a:effectLst/>
-                <a:latin typeface="+mj-lt"/>
-                <a:ea typeface="SimSun" panose="02010600030101010101" pitchFamily="2" charset="-122"/>
-                <a:cs typeface="+mj-lt"/>
-              </a:rPr>
-              <a:t>model</a:t>
-            </a:r>
-            <a:endParaRPr kumimoji="0" lang="pt-BR" altLang="zh-CN" sz="1600" b="0" i="0" u="none" strike="noStrike" cap="none" normalizeH="0" baseline="0" smtClean="0">
-              <a:ln>
-                <a:noFill/>
-              </a:ln>
-              <a:solidFill>
-                <a:schemeClr val="tx1"/>
-              </a:solidFill>
-              <a:effectLst/>
-              <a:latin typeface="+mj-lt"/>
-              <a:ea typeface="SimSun" panose="02010600030101010101" pitchFamily="2" charset="-122"/>
-              <a:cs typeface="+mj-lt"/>
-            </a:endParaRPr>
-          </a:p>
-        </p:txBody>
-      </p:sp>
-      <p:cxnSp>
-        <p:nvCxnSpPr>
-          <p:cNvPr id="5" name="Conector de Seta Reta 4"/>
-          <p:cNvCxnSpPr>
-            <a:stCxn id="4" idx="6"/>
-            <a:endCxn id="3" idx="2"/>
-          </p:cNvCxnSpPr>
-          <p:nvPr/>
-        </p:nvCxnSpPr>
-        <p:spPr>
-          <a:xfrm>
-            <a:off x="1945005" y="3777615"/>
-            <a:ext cx="1556385" cy="861060"/>
-          </a:xfrm>
-          <a:prstGeom prst="straightConnector1">
-            <a:avLst/>
-          </a:prstGeom>
-          <a:gradFill rotWithShape="0">
-            <a:gsLst>
-              <a:gs pos="0">
-                <a:schemeClr val="accent1"/>
-              </a:gs>
-              <a:gs pos="100000">
-                <a:schemeClr val="accent2"/>
-              </a:gs>
-            </a:gsLst>
-            <a:lin ang="5400000" scaled="1"/>
-          </a:gradFill>
-          <a:ln w="9525" cap="flat" cmpd="sng" algn="ctr">
-            <a:solidFill>
-              <a:schemeClr val="accent1"/>
-            </a:solidFill>
-            <a:prstDash val="solid"/>
-            <a:round/>
-            <a:headEnd type="none" w="med" len="med"/>
-            <a:tailEnd type="arrow" w="med" len="med"/>
-          </a:ln>
-        </p:spPr>
-      </p:cxnSp>
-      <p:sp>
-        <p:nvSpPr>
-          <p:cNvPr id="6" name="Fluxograma: Exibição 5"/>
-          <p:cNvSpPr/>
-          <p:nvPr/>
-        </p:nvSpPr>
-        <p:spPr>
-          <a:xfrm>
-            <a:off x="6506210" y="3278505"/>
-            <a:ext cx="937895" cy="333375"/>
-          </a:xfrm>
-          <a:prstGeom prst="flowChartDisplay">
-            <a:avLst/>
-          </a:prstGeom>
-          <a:gradFill rotWithShape="0">
-            <a:gsLst>
-              <a:gs pos="0">
-                <a:schemeClr val="accent1"/>
-              </a:gs>
-              <a:gs pos="100000">
-                <a:schemeClr val="accent2"/>
-              </a:gs>
-            </a:gsLst>
-            <a:lin ang="5400000" scaled="1"/>
-          </a:gradFill>
-          <a:ln w="9525" cap="flat" cmpd="sng" algn="ctr">
-            <a:solidFill>
-              <a:schemeClr val="accent1"/>
-            </a:solidFill>
-            <a:prstDash val="solid"/>
-            <a:round/>
-            <a:headEnd type="none" w="med" len="med"/>
-            <a:tailEnd type="none" w="med" len="med"/>
-          </a:ln>
-        </p:spPr>
-        <p:txBody>
-          <a:bodyPr vert="horz" wrap="none" lIns="91440" tIns="45720" rIns="91440" bIns="45720" numCol="1" anchor="ctr" anchorCtr="0" compatLnSpc="1"/>
-          <a:p>
-            <a:pPr marL="0" marR="0" indent="0" algn="ctr" defTabSz="914400" rtl="0" eaLnBrk="1" fontAlgn="base" latinLnBrk="0" hangingPunct="1">
-              <a:lnSpc>
-                <a:spcPct val="100000"/>
-              </a:lnSpc>
-              <a:spcBef>
-                <a:spcPct val="0"/>
-              </a:spcBef>
-              <a:spcAft>
-                <a:spcPct val="0"/>
-              </a:spcAft>
-              <a:buClrTx/>
-              <a:buSzTx/>
-              <a:buFontTx/>
-              <a:buNone/>
-            </a:pPr>
-            <a:r>
-              <a:rPr kumimoji="0" lang="pt-BR" altLang="zh-CN" sz="1600" b="0" i="0" u="none" strike="noStrike" cap="none" normalizeH="0" baseline="0" smtClean="0">
-                <a:ln>
-                  <a:noFill/>
-                </a:ln>
-                <a:solidFill>
-                  <a:schemeClr val="tx1"/>
-                </a:solidFill>
-                <a:effectLst/>
-                <a:latin typeface="+mj-lt"/>
-                <a:ea typeface="SimSun" panose="02010600030101010101" pitchFamily="2" charset="-122"/>
-                <a:cs typeface="+mj-lt"/>
-              </a:rPr>
-              <a:t>XML</a:t>
-            </a:r>
-            <a:endParaRPr kumimoji="0" lang="pt-BR" altLang="zh-CN" sz="1600" b="0" i="0" u="none" strike="noStrike" cap="none" normalizeH="0" baseline="0" smtClean="0">
-              <a:ln>
-                <a:noFill/>
-              </a:ln>
-              <a:solidFill>
-                <a:schemeClr val="tx1"/>
-              </a:solidFill>
-              <a:effectLst/>
-              <a:latin typeface="+mj-lt"/>
-              <a:ea typeface="SimSun" panose="02010600030101010101" pitchFamily="2" charset="-122"/>
-              <a:cs typeface="+mj-lt"/>
-            </a:endParaRPr>
-          </a:p>
-        </p:txBody>
-      </p:sp>
-      <p:cxnSp>
-        <p:nvCxnSpPr>
-          <p:cNvPr id="7" name="Conector de Seta Reta 6"/>
-          <p:cNvCxnSpPr>
-            <a:stCxn id="57" idx="4"/>
-            <a:endCxn id="6" idx="0"/>
-          </p:cNvCxnSpPr>
-          <p:nvPr/>
-        </p:nvCxnSpPr>
-        <p:spPr>
-          <a:xfrm>
-            <a:off x="6965950" y="2955925"/>
-            <a:ext cx="9525" cy="322580"/>
-          </a:xfrm>
-          <a:prstGeom prst="straightConnector1">
-            <a:avLst/>
-          </a:prstGeom>
-          <a:gradFill rotWithShape="0">
-            <a:gsLst>
-              <a:gs pos="0">
-                <a:schemeClr val="accent1"/>
-              </a:gs>
-              <a:gs pos="100000">
-                <a:schemeClr val="accent2"/>
-              </a:gs>
-            </a:gsLst>
-            <a:lin ang="5400000" scaled="1"/>
-          </a:gradFill>
-          <a:ln w="9525" cap="flat" cmpd="sng" algn="ctr">
-            <a:solidFill>
-              <a:schemeClr val="accent1"/>
-            </a:solidFill>
-            <a:prstDash val="solid"/>
-            <a:round/>
-            <a:headEnd type="none" w="med" len="med"/>
-            <a:tailEnd type="arrow" w="med" len="med"/>
-          </a:ln>
-        </p:spPr>
-      </p:cxnSp>
+        </p:txBody>
+      </p:sp>
     </p:spTree>
   </p:cSld>
   <p:clrMapOvr>
@@ -9133,7 +9028,7 @@
           <a:p>
             <a:r>
               <a:rPr lang="pt-BR" altLang="en-US"/>
-              <a:t>Arquitetura:  Resources (Paginas, Imagens...)</a:t>
+              <a:t>Arquitetura: Pacotes das classes Java</a:t>
             </a:r>
             <a:endParaRPr lang="pt-BR" altLang="en-US"/>
           </a:p>
@@ -9147,7 +9042,7 @@
         </p:nvSpPr>
         <p:spPr>
           <a:xfrm>
-            <a:off x="148590" y="3503295"/>
+            <a:off x="148590" y="2842895"/>
             <a:ext cx="1796415" cy="548640"/>
           </a:xfrm>
           <a:prstGeom prst="ellipse">
@@ -9193,7 +9088,7 @@
               <a:buNone/>
             </a:pPr>
             <a:r>
-              <a:rPr kumimoji="0" lang="pt-BR" altLang="zh-CN" sz="1600" b="0" i="0" u="none" strike="noStrike" cap="none" normalizeH="0" baseline="0" smtClean="0">
+              <a:rPr kumimoji="0" lang="pt-BR" altLang="zh-CN" sz="1200" b="0" i="0" u="none" strike="noStrike" cap="none" normalizeH="0" baseline="0" smtClean="0">
                 <a:ln>
                   <a:noFill/>
                 </a:ln>
@@ -9201,13 +9096,13 @@
                   <a:schemeClr val="tx1"/>
                 </a:solidFill>
                 <a:effectLst/>
-                <a:latin typeface="+mj-lt"/>
+                <a:latin typeface="Arial" panose="020B0604020202020204" pitchFamily="34" charset="0"/>
                 <a:ea typeface="SimSun" panose="02010600030101010101" pitchFamily="2" charset="-122"/>
-                <a:cs typeface="+mj-lt"/>
+                <a:cs typeface="Arial" panose="020B0604020202020204" pitchFamily="34" charset="0"/>
               </a:rPr>
-              <a:t>resources</a:t>
-            </a:r>
-            <a:endParaRPr kumimoji="0" lang="pt-BR" altLang="zh-CN" sz="1600" b="0" i="0" u="none" strike="noStrike" cap="none" normalizeH="0" baseline="0" smtClean="0">
+              <a:t>br.com.projeto</a:t>
+            </a:r>
+            <a:endParaRPr kumimoji="0" lang="pt-BR" altLang="zh-CN" sz="1200" b="0" i="0" u="none" strike="noStrike" cap="none" normalizeH="0" baseline="0" smtClean="0">
               <a:ln>
                 <a:noFill/>
               </a:ln>
@@ -9215,9 +9110,9 @@
                 <a:schemeClr val="tx1"/>
               </a:solidFill>
               <a:effectLst/>
-              <a:latin typeface="+mj-lt"/>
+              <a:latin typeface="Arial" panose="020B0604020202020204" pitchFamily="34" charset="0"/>
               <a:ea typeface="SimSun" panose="02010600030101010101" pitchFamily="2" charset="-122"/>
-              <a:cs typeface="+mj-lt"/>
+              <a:cs typeface="Arial" panose="020B0604020202020204" pitchFamily="34" charset="0"/>
             </a:endParaRPr>
           </a:p>
         </p:txBody>
@@ -9233,8 +9128,8 @@
         </p:nvCxnSpPr>
         <p:spPr>
           <a:xfrm flipV="1">
-            <a:off x="1945005" y="2407920"/>
-            <a:ext cx="561340" cy="1369695"/>
+            <a:off x="1945005" y="2040890"/>
+            <a:ext cx="702310" cy="1076325"/>
           </a:xfrm>
           <a:prstGeom prst="straightConnector1">
             <a:avLst/>
@@ -9263,14 +9158,71 @@
       </p:cxnSp>
       <p:sp>
         <p:nvSpPr>
+          <p:cNvPr id="31" name="Caixa de Texto 30"/>
+          <p:cNvSpPr txBox="1"/>
+          <p:nvPr/>
+        </p:nvSpPr>
+        <p:spPr>
+          <a:xfrm>
+            <a:off x="148590" y="1041400"/>
+            <a:ext cx="10095230" cy="337185"/>
+          </a:xfrm>
+          <a:prstGeom prst="rect">
+            <a:avLst/>
+          </a:prstGeom>
+          <a:noFill/>
+        </p:spPr>
+        <p:txBody>
+          <a:bodyPr wrap="square" rtlCol="0" anchor="t">
+            <a:spAutoFit/>
+          </a:bodyPr>
+          <a:p>
+            <a:r>
+              <a:rPr lang="pt-BR" altLang="en-US" sz="1600" b="1">
+                <a:latin typeface="+mj-lt"/>
+                <a:cs typeface="+mj-lt"/>
+              </a:rPr>
+              <a:t>Rest </a:t>
+            </a:r>
+            <a:r>
+              <a:rPr lang="pt-BR" altLang="en-US" sz="1600">
+                <a:latin typeface="+mj-lt"/>
+                <a:cs typeface="+mj-lt"/>
+              </a:rPr>
+              <a:t>-&gt; </a:t>
+            </a:r>
+            <a:r>
+              <a:rPr lang="pt-BR" altLang="en-US" sz="1600">
+                <a:latin typeface="+mj-lt"/>
+                <a:cs typeface="+mj-lt"/>
+                <a:sym typeface="+mn-ea"/>
+              </a:rPr>
+              <a:t>Requisições / Respostas como </a:t>
+            </a:r>
+            <a:r>
+              <a:rPr lang="pt-BR" altLang="en-US" sz="1600">
+                <a:latin typeface="+mj-lt"/>
+                <a:cs typeface="+mj-lt"/>
+              </a:rPr>
+              <a:t>dados (JSON [Padrão] ou XML [Web Services - WSDL] )</a:t>
+            </a:r>
+            <a:endParaRPr lang="pt-BR" altLang="en-US" sz="1600">
+              <a:latin typeface="+mj-lt"/>
+              <a:cs typeface="+mj-lt"/>
+            </a:endParaRPr>
+          </a:p>
+        </p:txBody>
+      </p:sp>
+      <p:sp>
+        <p:nvSpPr>
           <p:cNvPr id="40" name="Elipse 39"/>
           <p:cNvSpPr/>
           <p:nvPr/>
         </p:nvSpPr>
         <p:spPr>
           <a:xfrm>
-            <a:off x="2506345" y="2133600"/>
-            <a:ext cx="1334135" cy="548640"/>
+            <a:off x="2647315" y="1826260"/>
+            <a:ext cx="953770" cy="429260"/>
           </a:xfrm>
           <a:prstGeom prst="ellipse">
             <a:avLst/>
@@ -9315,7 +9267,7 @@
               <a:buNone/>
             </a:pPr>
             <a:r>
-              <a:rPr kumimoji="0" lang="pt-BR" altLang="zh-CN" sz="1600" b="0" i="0" u="none" strike="noStrike" cap="none" normalizeH="0" baseline="0" smtClean="0">
+              <a:rPr kumimoji="0" lang="pt-BR" altLang="zh-CN" sz="1200" b="0" i="0" u="none" strike="noStrike" cap="none" normalizeH="0" baseline="0" smtClean="0">
                 <a:ln>
                   <a:noFill/>
                 </a:ln>
@@ -9323,13 +9275,13 @@
                   <a:schemeClr val="tx1"/>
                 </a:solidFill>
                 <a:effectLst/>
-                <a:latin typeface="+mj-lt"/>
+                <a:latin typeface="Arial" panose="020B0604020202020204" pitchFamily="34" charset="0"/>
                 <a:ea typeface="SimSun" panose="02010600030101010101" pitchFamily="2" charset="-122"/>
-                <a:cs typeface="+mj-lt"/>
+                <a:cs typeface="Arial" panose="020B0604020202020204" pitchFamily="34" charset="0"/>
               </a:rPr>
-              <a:t>templates</a:t>
-            </a:r>
-            <a:endParaRPr kumimoji="0" lang="pt-BR" altLang="zh-CN" sz="1600" b="0" i="0" u="none" strike="noStrike" cap="none" normalizeH="0" baseline="0" smtClean="0">
+              <a:t>controller</a:t>
+            </a:r>
+            <a:endParaRPr kumimoji="0" lang="pt-BR" altLang="zh-CN" sz="1200" b="0" i="0" u="none" strike="noStrike" cap="none" normalizeH="0" baseline="0" smtClean="0">
               <a:ln>
                 <a:noFill/>
               </a:ln>
@@ -9337,9 +9289,9 @@
                 <a:schemeClr val="tx1"/>
               </a:solidFill>
               <a:effectLst/>
-              <a:latin typeface="+mj-lt"/>
+              <a:latin typeface="Arial" panose="020B0604020202020204" pitchFamily="34" charset="0"/>
               <a:ea typeface="SimSun" panose="02010600030101010101" pitchFamily="2" charset="-122"/>
-              <a:cs typeface="+mj-lt"/>
+              <a:cs typeface="Arial" panose="020B0604020202020204" pitchFamily="34" charset="0"/>
             </a:endParaRPr>
           </a:p>
         </p:txBody>
@@ -9352,8 +9304,8 @@
         </p:nvSpPr>
         <p:spPr>
           <a:xfrm>
-            <a:off x="2506345" y="3559175"/>
-            <a:ext cx="1332865" cy="548640"/>
+            <a:off x="5575300" y="3578225"/>
+            <a:ext cx="770890" cy="515620"/>
           </a:xfrm>
           <a:prstGeom prst="ellipse">
             <a:avLst/>
@@ -9398,7 +9350,7 @@
               <a:buNone/>
             </a:pPr>
             <a:r>
-              <a:rPr kumimoji="0" lang="pt-BR" altLang="zh-CN" sz="1600" b="0" i="0" u="none" strike="noStrike" cap="none" normalizeH="0" baseline="0" smtClean="0">
+              <a:rPr kumimoji="0" lang="pt-BR" altLang="zh-CN" sz="1200" b="0" i="0" u="none" strike="noStrike" cap="none" normalizeH="0" baseline="0" smtClean="0">
                 <a:ln>
                   <a:noFill/>
                 </a:ln>
@@ -9406,13 +9358,13 @@
                   <a:schemeClr val="tx1"/>
                 </a:solidFill>
                 <a:effectLst/>
-                <a:latin typeface="+mj-lt"/>
+                <a:latin typeface="Arial" panose="020B0604020202020204" pitchFamily="34" charset="0"/>
                 <a:ea typeface="SimSun" panose="02010600030101010101" pitchFamily="2" charset="-122"/>
-                <a:cs typeface="+mj-lt"/>
+                <a:cs typeface="Arial" panose="020B0604020202020204" pitchFamily="34" charset="0"/>
               </a:rPr>
-              <a:t>static</a:t>
-            </a:r>
-            <a:endParaRPr kumimoji="0" lang="pt-BR" altLang="zh-CN" sz="1600" b="0" i="0" u="none" strike="noStrike" cap="none" normalizeH="0" baseline="0" smtClean="0">
+              <a:t>dto</a:t>
+            </a:r>
+            <a:endParaRPr kumimoji="0" lang="pt-BR" altLang="zh-CN" sz="1200" b="0" i="0" u="none" strike="noStrike" cap="none" normalizeH="0" baseline="0" smtClean="0">
               <a:ln>
                 <a:noFill/>
               </a:ln>
@@ -9420,9 +9372,9 @@
                 <a:schemeClr val="tx1"/>
               </a:solidFill>
               <a:effectLst/>
-              <a:latin typeface="+mj-lt"/>
+              <a:latin typeface="Arial" panose="020B0604020202020204" pitchFamily="34" charset="0"/>
               <a:ea typeface="SimSun" panose="02010600030101010101" pitchFamily="2" charset="-122"/>
-              <a:cs typeface="+mj-lt"/>
+              <a:cs typeface="Arial" panose="020B0604020202020204" pitchFamily="34" charset="0"/>
             </a:endParaRPr>
           </a:p>
         </p:txBody>
@@ -9435,17 +9387,23 @@
         </p:nvSpPr>
         <p:spPr>
           <a:xfrm>
-            <a:off x="2500630" y="4956175"/>
-            <a:ext cx="1299845" cy="548640"/>
+            <a:off x="5517515" y="4279265"/>
+            <a:ext cx="886460" cy="532130"/>
           </a:xfrm>
           <a:prstGeom prst="ellipse">
             <a:avLst/>
           </a:prstGeom>
-          <a:solidFill>
-            <a:schemeClr val="accent3">
-              <a:lumMod val="85000"/>
-            </a:schemeClr>
-          </a:solidFill>
+          <a:gradFill rotWithShape="0">
+            <a:gsLst>
+              <a:gs pos="0">
+                <a:schemeClr val="accent1"/>
+              </a:gs>
+              <a:gs pos="100000">
+                <a:schemeClr val="accent2"/>
+              </a:gs>
+            </a:gsLst>
+            <a:lin ang="5400000" scaled="1"/>
+          </a:gradFill>
           <a:ln w="9525" cap="flat" cmpd="sng" algn="ctr">
             <a:solidFill>
               <a:schemeClr val="accent1"/>
@@ -9475,7 +9433,7 @@
               <a:buNone/>
             </a:pPr>
             <a:r>
-              <a:rPr kumimoji="0" lang="pt-BR" altLang="zh-CN" sz="1600" b="0" i="0" u="none" strike="noStrike" cap="none" normalizeH="0" baseline="0" smtClean="0">
+              <a:rPr kumimoji="0" lang="pt-BR" altLang="zh-CN" sz="1200" b="0" i="0" u="none" strike="noStrike" cap="none" normalizeH="0" baseline="0" smtClean="0">
                 <a:ln>
                   <a:noFill/>
                 </a:ln>
@@ -9483,13 +9441,13 @@
                   <a:schemeClr val="tx1"/>
                 </a:solidFill>
                 <a:effectLst/>
-                <a:latin typeface="+mj-lt"/>
+                <a:latin typeface="Arial" panose="020B0604020202020204" pitchFamily="34" charset="0"/>
                 <a:ea typeface="SimSun" panose="02010600030101010101" pitchFamily="2" charset="-122"/>
-                <a:cs typeface="+mj-lt"/>
+                <a:cs typeface="Arial" panose="020B0604020202020204" pitchFamily="34" charset="0"/>
               </a:rPr>
-              <a:t>db</a:t>
-            </a:r>
-            <a:endParaRPr kumimoji="0" lang="pt-BR" altLang="zh-CN" sz="1600" b="0" i="0" u="none" strike="noStrike" cap="none" normalizeH="0" baseline="0" smtClean="0">
+              <a:t>entity</a:t>
+            </a:r>
+            <a:endParaRPr kumimoji="0" lang="pt-BR" altLang="zh-CN" sz="1200" b="0" i="0" u="none" strike="noStrike" cap="none" normalizeH="0" baseline="0" smtClean="0">
               <a:ln>
                 <a:noFill/>
               </a:ln>
@@ -9497,9 +9455,92 @@
                 <a:schemeClr val="tx1"/>
               </a:solidFill>
               <a:effectLst/>
-              <a:latin typeface="+mj-lt"/>
+              <a:latin typeface="Arial" panose="020B0604020202020204" pitchFamily="34" charset="0"/>
               <a:ea typeface="SimSun" panose="02010600030101010101" pitchFamily="2" charset="-122"/>
-              <a:cs typeface="+mj-lt"/>
+              <a:cs typeface="Arial" panose="020B0604020202020204" pitchFamily="34" charset="0"/>
+            </a:endParaRPr>
+          </a:p>
+        </p:txBody>
+      </p:sp>
+      <p:sp>
+        <p:nvSpPr>
+          <p:cNvPr id="52" name="Elipse 51"/>
+          <p:cNvSpPr/>
+          <p:nvPr/>
+        </p:nvSpPr>
+        <p:spPr>
+          <a:xfrm>
+            <a:off x="2614295" y="4773295"/>
+            <a:ext cx="1002665" cy="523875"/>
+          </a:xfrm>
+          <a:prstGeom prst="ellipse">
+            <a:avLst/>
+          </a:prstGeom>
+          <a:gradFill rotWithShape="0">
+            <a:gsLst>
+              <a:gs pos="0">
+                <a:schemeClr val="accent1"/>
+              </a:gs>
+              <a:gs pos="100000">
+                <a:schemeClr val="accent2"/>
+              </a:gs>
+            </a:gsLst>
+            <a:lin ang="5400000" scaled="1"/>
+          </a:gradFill>
+          <a:ln w="9525" cap="flat" cmpd="sng" algn="ctr">
+            <a:solidFill>
+              <a:schemeClr val="accent1"/>
+            </a:solidFill>
+            <a:prstDash val="solid"/>
+            <a:round/>
+            <a:headEnd type="none" w="med" len="med"/>
+            <a:tailEnd type="none" w="med" len="med"/>
+          </a:ln>
+        </p:spPr>
+        <p:txBody>
+          <a:bodyPr vert="horz" wrap="none" lIns="91440" tIns="45720" rIns="91440" bIns="45720" numCol="1" anchor="ctr" anchorCtr="0" compatLnSpc="1"/>
+          <a:p>
+            <a:pPr marL="0" marR="0" indent="0" algn="ctr" defTabSz="914400" rtl="0" eaLnBrk="1" fontAlgn="base" latinLnBrk="0" hangingPunct="1">
+              <a:lnSpc>
+                <a:spcPct val="100000"/>
+              </a:lnSpc>
+              <a:spcBef>
+                <a:spcPct val="0"/>
+              </a:spcBef>
+              <a:spcAft>
+                <a:spcPct val="0"/>
+              </a:spcAft>
+              <a:buClrTx/>
+              <a:buSzTx/>
+              <a:buFontTx/>
+              <a:buNone/>
+            </a:pPr>
+            <a:r>
+              <a:rPr kumimoji="0" lang="pt-BR" altLang="zh-CN" sz="1200" b="0" i="0" u="none" strike="noStrike" cap="none" normalizeH="0" baseline="0" smtClean="0">
+                <a:ln>
+                  <a:noFill/>
+                </a:ln>
+                <a:solidFill>
+                  <a:schemeClr val="tx1"/>
+                </a:solidFill>
+                <a:effectLst/>
+                <a:latin typeface="Arial" panose="020B0604020202020204" pitchFamily="34" charset="0"/>
+                <a:ea typeface="SimSun" panose="02010600030101010101" pitchFamily="2" charset="-122"/>
+                <a:cs typeface="Arial" panose="020B0604020202020204" pitchFamily="34" charset="0"/>
+              </a:rPr>
+              <a:t>repository</a:t>
+            </a:r>
+            <a:endParaRPr kumimoji="0" lang="pt-BR" altLang="zh-CN" sz="1200" b="0" i="0" u="none" strike="noStrike" cap="none" normalizeH="0" baseline="0" smtClean="0">
+              <a:ln>
+                <a:noFill/>
+              </a:ln>
+              <a:solidFill>
+                <a:schemeClr val="tx1"/>
+              </a:solidFill>
+              <a:effectLst/>
+              <a:latin typeface="Arial" panose="020B0604020202020204" pitchFamily="34" charset="0"/>
+              <a:ea typeface="SimSun" panose="02010600030101010101" pitchFamily="2" charset="-122"/>
+              <a:cs typeface="Arial" panose="020B0604020202020204" pitchFamily="34" charset="0"/>
             </a:endParaRPr>
           </a:p>
         </p:txBody>
@@ -9508,15 +9549,15 @@
         <p:nvCxnSpPr>
           <p:cNvPr id="53" name="Conector de Seta Reta 52"/>
           <p:cNvCxnSpPr>
-            <a:stCxn id="4" idx="6"/>
+            <a:stCxn id="3" idx="6"/>
             <a:endCxn id="42" idx="2"/>
           </p:cNvCxnSpPr>
           <p:nvPr/>
         </p:nvCxnSpPr>
         <p:spPr>
           <a:xfrm>
-            <a:off x="1945005" y="3777615"/>
-            <a:ext cx="561340" cy="55880"/>
+            <a:off x="3601085" y="3655060"/>
+            <a:ext cx="1974215" cy="180975"/>
           </a:xfrm>
           <a:prstGeom prst="straightConnector1">
             <a:avLst/>
@@ -9547,15 +9588,15 @@
         <p:nvCxnSpPr>
           <p:cNvPr id="54" name="Conector de Seta Reta 53"/>
           <p:cNvCxnSpPr>
-            <a:stCxn id="4" idx="6"/>
+            <a:stCxn id="3" idx="6"/>
             <a:endCxn id="51" idx="2"/>
           </p:cNvCxnSpPr>
           <p:nvPr/>
         </p:nvCxnSpPr>
         <p:spPr>
           <a:xfrm>
-            <a:off x="1945005" y="3777615"/>
-            <a:ext cx="555625" cy="1452880"/>
+            <a:off x="3601085" y="3655060"/>
+            <a:ext cx="1916430" cy="890270"/>
           </a:xfrm>
           <a:prstGeom prst="straightConnector1">
             <a:avLst/>
@@ -9582,96 +9623,19 @@
           </a:ln>
         </p:spPr>
       </p:cxnSp>
-      <p:sp>
-        <p:nvSpPr>
-          <p:cNvPr id="57" name="Elipse 56"/>
-          <p:cNvSpPr/>
-          <p:nvPr/>
-        </p:nvSpPr>
-        <p:spPr>
-          <a:xfrm>
-            <a:off x="4389755" y="4956810"/>
-            <a:ext cx="1217930" cy="532130"/>
-          </a:xfrm>
-          <a:prstGeom prst="ellipse">
-            <a:avLst/>
-          </a:prstGeom>
-          <a:solidFill>
-            <a:schemeClr val="accent3">
-              <a:lumMod val="85000"/>
-            </a:schemeClr>
-          </a:solidFill>
-          <a:ln w="9525" cap="flat" cmpd="sng" algn="ctr">
-            <a:solidFill>
-              <a:schemeClr val="accent1"/>
-            </a:solidFill>
-            <a:prstDash val="solid"/>
-            <a:round/>
-            <a:headEnd type="none" w="med" len="med"/>
-            <a:tailEnd type="none" w="med" len="med"/>
-          </a:ln>
-        </p:spPr>
-        <p:txBody>
-          <a:bodyPr vert="horz" wrap="none" lIns="91440" tIns="45720" rIns="91440" bIns="45720" numCol="1" anchor="ctr" anchorCtr="0" compatLnSpc="1"/>
-          <a:p>
-            <a:pPr marL="0" marR="0" indent="0" algn="ctr" defTabSz="914400" rtl="0" eaLnBrk="1" fontAlgn="base" latinLnBrk="0" hangingPunct="1">
-              <a:lnSpc>
-                <a:spcPct val="100000"/>
-              </a:lnSpc>
-              <a:spcBef>
-                <a:spcPct val="0"/>
-              </a:spcBef>
-              <a:spcAft>
-                <a:spcPct val="0"/>
-              </a:spcAft>
-              <a:buClrTx/>
-              <a:buSzTx/>
-              <a:buFontTx/>
-              <a:buNone/>
-            </a:pPr>
-            <a:r>
-              <a:rPr kumimoji="0" lang="pt-BR" altLang="zh-CN" sz="1600" b="0" i="0" u="none" strike="noStrike" cap="none" normalizeH="0" baseline="0" smtClean="0">
-                <a:ln>
-                  <a:noFill/>
-                </a:ln>
-                <a:solidFill>
-                  <a:schemeClr val="tx1"/>
-                </a:solidFill>
-                <a:effectLst/>
-                <a:latin typeface="+mj-lt"/>
-                <a:ea typeface="SimSun" panose="02010600030101010101" pitchFamily="2" charset="-122"/>
-                <a:cs typeface="+mj-lt"/>
-              </a:rPr>
-              <a:t>migration</a:t>
-            </a:r>
-            <a:endParaRPr kumimoji="0" lang="pt-BR" altLang="zh-CN" sz="1600" b="0" i="0" u="none" strike="noStrike" cap="none" normalizeH="0" baseline="0" smtClean="0">
-              <a:ln>
-                <a:noFill/>
-              </a:ln>
-              <a:solidFill>
-                <a:schemeClr val="tx1"/>
-              </a:solidFill>
-              <a:effectLst/>
-              <a:latin typeface="+mj-lt"/>
-              <a:ea typeface="SimSun" panose="02010600030101010101" pitchFamily="2" charset="-122"/>
-              <a:cs typeface="+mj-lt"/>
-            </a:endParaRPr>
-          </a:p>
-        </p:txBody>
-      </p:sp>
       <p:cxnSp>
         <p:nvCxnSpPr>
-          <p:cNvPr id="59" name="Conector de Seta Reta 58"/>
+          <p:cNvPr id="55" name="Conector de Seta Reta 54"/>
           <p:cNvCxnSpPr>
-            <a:stCxn id="51" idx="6"/>
-            <a:endCxn id="57" idx="2"/>
+            <a:stCxn id="4" idx="6"/>
+            <a:endCxn id="52" idx="2"/>
           </p:cNvCxnSpPr>
           <p:nvPr/>
         </p:nvCxnSpPr>
         <p:spPr>
-          <a:xfrm flipV="1">
-            <a:off x="3800475" y="5222875"/>
-            <a:ext cx="589280" cy="7620"/>
+          <a:xfrm>
+            <a:off x="1945005" y="3117215"/>
+            <a:ext cx="669290" cy="1918335"/>
           </a:xfrm>
           <a:prstGeom prst="straightConnector1">
             <a:avLst/>
@@ -9700,23 +9664,29 @@
       </p:cxnSp>
       <p:sp>
         <p:nvSpPr>
-          <p:cNvPr id="66" name="Fluxograma: multidocument 65"/>
+          <p:cNvPr id="56" name="Elipse 55"/>
           <p:cNvSpPr/>
           <p:nvPr/>
         </p:nvSpPr>
         <p:spPr>
           <a:xfrm>
-            <a:off x="6373495" y="4804410"/>
-            <a:ext cx="3372485" cy="818515"/>
-          </a:xfrm>
-          <a:prstGeom prst="flowChartMultidocument">
+            <a:off x="5650865" y="1717675"/>
+            <a:ext cx="706120" cy="450215"/>
+          </a:xfrm>
+          <a:prstGeom prst="ellipse">
             <a:avLst/>
           </a:prstGeom>
-          <a:solidFill>
-            <a:schemeClr val="accent3">
-              <a:lumMod val="85000"/>
-            </a:schemeClr>
-          </a:solidFill>
+          <a:gradFill rotWithShape="0">
+            <a:gsLst>
+              <a:gs pos="0">
+                <a:schemeClr val="accent1"/>
+              </a:gs>
+              <a:gs pos="100000">
+                <a:schemeClr val="accent2"/>
+              </a:gs>
+            </a:gsLst>
+            <a:lin ang="5400000" scaled="1"/>
+          </a:gradFill>
           <a:ln w="9525" cap="flat" cmpd="sng" algn="ctr">
             <a:solidFill>
               <a:schemeClr val="accent1"/>
@@ -9730,7 +9700,7 @@
         <p:txBody>
           <a:bodyPr vert="horz" wrap="none" lIns="91440" tIns="45720" rIns="91440" bIns="45720" numCol="1" anchor="ctr" anchorCtr="0" compatLnSpc="1"/>
           <a:p>
-            <a:pPr marL="0" marR="0" indent="0" algn="l" defTabSz="914400" rtl="0" eaLnBrk="1" fontAlgn="base" latinLnBrk="0" hangingPunct="1">
+            <a:pPr marL="0" marR="0" indent="0" algn="ctr" defTabSz="914400" rtl="0" eaLnBrk="1" fontAlgn="base" latinLnBrk="0" hangingPunct="1">
               <a:lnSpc>
                 <a:spcPct val="100000"/>
               </a:lnSpc>
@@ -9746,7 +9716,7 @@
               <a:buNone/>
             </a:pPr>
             <a:r>
-              <a:rPr kumimoji="0" lang="pt-BR" altLang="zh-CN" sz="1800" b="0" i="0" u="none" strike="noStrike" cap="none" normalizeH="0" baseline="0" smtClean="0">
+              <a:rPr kumimoji="0" lang="pt-BR" altLang="zh-CN" sz="1200" b="0" i="0" u="none" strike="noStrike" cap="none" normalizeH="0" baseline="0" smtClean="0">
                 <a:ln>
                   <a:noFill/>
                 </a:ln>
@@ -9756,10 +9726,11 @@
                 <a:effectLst/>
                 <a:latin typeface="Arial" panose="020B0604020202020204" pitchFamily="34" charset="0"/>
                 <a:ea typeface="SimSun" panose="02010600030101010101" pitchFamily="2" charset="-122"/>
+                <a:cs typeface="Arial" panose="020B0604020202020204" pitchFamily="34" charset="0"/>
               </a:rPr>
-              <a:t>V1__nome.sql (V = Versão)</a:t>
-            </a:r>
-            <a:endParaRPr kumimoji="0" lang="pt-BR" altLang="zh-CN" sz="1800" b="0" i="0" u="none" strike="noStrike" cap="none" normalizeH="0" baseline="0" smtClean="0">
+              <a:t>web</a:t>
+            </a:r>
+            <a:endParaRPr kumimoji="0" lang="pt-BR" altLang="zh-CN" sz="1200" b="0" i="0" u="none" strike="noStrike" cap="none" normalizeH="0" baseline="0" smtClean="0">
               <a:ln>
                 <a:noFill/>
               </a:ln>
@@ -9769,10 +9740,50 @@
               <a:effectLst/>
               <a:latin typeface="Arial" panose="020B0604020202020204" pitchFamily="34" charset="0"/>
               <a:ea typeface="SimSun" panose="02010600030101010101" pitchFamily="2" charset="-122"/>
+              <a:cs typeface="Arial" panose="020B0604020202020204" pitchFamily="34" charset="0"/>
             </a:endParaRPr>
           </a:p>
-          <a:p>
-            <a:pPr marL="0" marR="0" indent="0" algn="l" defTabSz="914400" rtl="0" eaLnBrk="1" fontAlgn="base" latinLnBrk="0" hangingPunct="1">
+        </p:txBody>
+      </p:sp>
+      <p:sp>
+        <p:nvSpPr>
+          <p:cNvPr id="57" name="Elipse 56"/>
+          <p:cNvSpPr/>
+          <p:nvPr/>
+        </p:nvSpPr>
+        <p:spPr>
+          <a:xfrm>
+            <a:off x="5633720" y="2319655"/>
+            <a:ext cx="820420" cy="433070"/>
+          </a:xfrm>
+          <a:prstGeom prst="ellipse">
+            <a:avLst/>
+          </a:prstGeom>
+          <a:gradFill rotWithShape="0">
+            <a:gsLst>
+              <a:gs pos="0">
+                <a:schemeClr val="accent1"/>
+              </a:gs>
+              <a:gs pos="100000">
+                <a:schemeClr val="accent2"/>
+              </a:gs>
+            </a:gsLst>
+            <a:lin ang="5400000" scaled="1"/>
+          </a:gradFill>
+          <a:ln w="9525" cap="flat" cmpd="sng" algn="ctr">
+            <a:solidFill>
+              <a:schemeClr val="accent1"/>
+            </a:solidFill>
+            <a:prstDash val="solid"/>
+            <a:round/>
+            <a:headEnd type="none" w="med" len="med"/>
+            <a:tailEnd type="none" w="med" len="med"/>
+          </a:ln>
+        </p:spPr>
+        <p:txBody>
+          <a:bodyPr vert="horz" wrap="none" lIns="91440" tIns="45720" rIns="91440" bIns="45720" numCol="1" anchor="ctr" anchorCtr="0" compatLnSpc="1"/>
+          <a:p>
+            <a:pPr marL="0" marR="0" indent="0" algn="ctr" defTabSz="914400" rtl="0" eaLnBrk="1" fontAlgn="base" latinLnBrk="0" hangingPunct="1">
               <a:lnSpc>
                 <a:spcPct val="100000"/>
               </a:lnSpc>
@@ -9788,7 +9799,7 @@
               <a:buNone/>
             </a:pPr>
             <a:r>
-              <a:rPr kumimoji="0" lang="pt-BR" altLang="zh-CN" sz="1800" b="0" i="0" u="none" strike="noStrike" cap="none" normalizeH="0" baseline="0" smtClean="0">
+              <a:rPr kumimoji="0" lang="pt-BR" altLang="zh-CN" sz="1200" b="0" i="0" u="none" strike="noStrike" cap="none" normalizeH="0" baseline="0" smtClean="0">
                 <a:ln>
                   <a:noFill/>
                 </a:ln>
@@ -9798,10 +9809,11 @@
                 <a:effectLst/>
                 <a:latin typeface="Arial" panose="020B0604020202020204" pitchFamily="34" charset="0"/>
                 <a:ea typeface="SimSun" panose="02010600030101010101" pitchFamily="2" charset="-122"/>
+                <a:cs typeface="Arial" panose="020B0604020202020204" pitchFamily="34" charset="0"/>
               </a:rPr>
-              <a:t>...</a:t>
-            </a:r>
-            <a:endParaRPr kumimoji="0" lang="pt-BR" altLang="zh-CN" sz="1800" b="0" i="0" u="none" strike="noStrike" cap="none" normalizeH="0" baseline="0" smtClean="0">
+              <a:t>rest</a:t>
+            </a:r>
+            <a:endParaRPr kumimoji="0" lang="pt-BR" altLang="zh-CN" sz="1200" b="0" i="0" u="none" strike="noStrike" cap="none" normalizeH="0" baseline="0" smtClean="0">
               <a:ln>
                 <a:noFill/>
               </a:ln>
@@ -9811,23 +9823,24 @@
               <a:effectLst/>
               <a:latin typeface="Arial" panose="020B0604020202020204" pitchFamily="34" charset="0"/>
               <a:ea typeface="SimSun" panose="02010600030101010101" pitchFamily="2" charset="-122"/>
+              <a:cs typeface="Arial" panose="020B0604020202020204" pitchFamily="34" charset="0"/>
             </a:endParaRPr>
           </a:p>
         </p:txBody>
       </p:sp>
       <p:cxnSp>
         <p:nvCxnSpPr>
-          <p:cNvPr id="67" name="Conector de Seta Reta 66"/>
+          <p:cNvPr id="58" name="Conector de Seta Reta 57"/>
           <p:cNvCxnSpPr>
-            <a:stCxn id="57" idx="6"/>
-            <a:endCxn id="66" idx="1"/>
+            <a:stCxn id="40" idx="6"/>
+            <a:endCxn id="56" idx="2"/>
           </p:cNvCxnSpPr>
           <p:nvPr/>
         </p:nvCxnSpPr>
         <p:spPr>
           <a:xfrm flipV="1">
-            <a:off x="5607685" y="5213985"/>
-            <a:ext cx="765810" cy="8890"/>
+            <a:off x="3601085" y="1943100"/>
+            <a:ext cx="2049780" cy="97790"/>
           </a:xfrm>
           <a:prstGeom prst="straightConnector1">
             <a:avLst/>
@@ -9854,16 +9867,55 @@
           </a:ln>
         </p:spPr>
       </p:cxnSp>
-      <p:sp>
-        <p:nvSpPr>
-          <p:cNvPr id="68" name="Fluxograma: multidocument 67"/>
+      <p:cxnSp>
+        <p:nvCxnSpPr>
+          <p:cNvPr id="59" name="Conector de Seta Reta 58"/>
+          <p:cNvCxnSpPr>
+            <a:stCxn id="40" idx="6"/>
+            <a:endCxn id="57" idx="2"/>
+          </p:cNvCxnSpPr>
+          <p:nvPr/>
+        </p:nvCxnSpPr>
+        <p:spPr>
+          <a:xfrm>
+            <a:off x="3601085" y="2040890"/>
+            <a:ext cx="2032635" cy="495300"/>
+          </a:xfrm>
+          <a:prstGeom prst="straightConnector1">
+            <a:avLst/>
+          </a:prstGeom>
+          <a:gradFill rotWithShape="0">
+            <a:gsLst>
+              <a:gs pos="0">
+                <a:schemeClr val="accent1"/>
+              </a:gs>
+              <a:gs pos="100000">
+                <a:schemeClr val="accent2"/>
+              </a:gs>
+            </a:gsLst>
+            <a:lin ang="5400000" scaled="1"/>
+          </a:gradFill>
+          <a:ln w="9525" cap="flat" cmpd="sng" algn="ctr">
+            <a:solidFill>
+              <a:schemeClr val="accent1"/>
+            </a:solidFill>
+            <a:prstDash val="solid"/>
+            <a:round/>
+            <a:headEnd type="none" w="med" len="med"/>
+            <a:tailEnd type="arrow" w="med" len="med"/>
+          </a:ln>
+        </p:spPr>
+      </p:cxnSp>
+      <p:sp>
+        <p:nvSpPr>
+          <p:cNvPr id="60" name="Fluxograma: multidocument 59"/>
           <p:cNvSpPr/>
           <p:nvPr/>
         </p:nvSpPr>
         <p:spPr>
           <a:xfrm>
-            <a:off x="6360160" y="2047240"/>
-            <a:ext cx="2827655" cy="694690"/>
+            <a:off x="9893935" y="3230880"/>
+            <a:ext cx="2298065" cy="694690"/>
           </a:xfrm>
           <a:prstGeom prst="flowChartMultidocument">
             <a:avLst/>
@@ -9908,7 +9960,7 @@
               <a:buNone/>
             </a:pPr>
             <a:r>
-              <a:rPr kumimoji="0" lang="pt-BR" altLang="zh-CN" sz="1800" b="0" i="0" u="none" strike="noStrike" cap="none" normalizeH="0" baseline="0" smtClean="0">
+              <a:rPr kumimoji="0" lang="pt-BR" altLang="zh-CN" sz="1200" b="0" i="0" u="none" strike="noStrike" cap="none" normalizeH="0" baseline="0" smtClean="0">
                 <a:ln>
                   <a:noFill/>
                 </a:ln>
@@ -9918,10 +9970,11 @@
                 <a:effectLst/>
                 <a:latin typeface="Arial" panose="020B0604020202020204" pitchFamily="34" charset="0"/>
                 <a:ea typeface="SimSun" panose="02010600030101010101" pitchFamily="2" charset="-122"/>
+                <a:cs typeface="Arial" panose="020B0604020202020204" pitchFamily="34" charset="0"/>
               </a:rPr>
-              <a:t>Paginas HTMLs</a:t>
-            </a:r>
-            <a:endParaRPr kumimoji="0" lang="pt-BR" altLang="zh-CN" sz="1800" b="0" i="0" u="none" strike="noStrike" cap="none" normalizeH="0" baseline="0" smtClean="0">
+              <a:t>usuarioDTO</a:t>
+            </a:r>
+            <a:endParaRPr kumimoji="0" lang="pt-BR" altLang="zh-CN" sz="1200" b="0" i="0" u="none" strike="noStrike" cap="none" normalizeH="0" baseline="0" smtClean="0">
               <a:ln>
                 <a:noFill/>
               </a:ln>
@@ -9931,6 +9984,7 @@
               <a:effectLst/>
               <a:latin typeface="Arial" panose="020B0604020202020204" pitchFamily="34" charset="0"/>
               <a:ea typeface="SimSun" panose="02010600030101010101" pitchFamily="2" charset="-122"/>
+              <a:cs typeface="Arial" panose="020B0604020202020204" pitchFamily="34" charset="0"/>
             </a:endParaRPr>
           </a:p>
           <a:p>
@@ -9950,7 +10004,7 @@
               <a:buNone/>
             </a:pPr>
             <a:r>
-              <a:rPr kumimoji="0" lang="pt-BR" altLang="zh-CN" sz="1800" b="0" i="0" u="none" strike="noStrike" cap="none" normalizeH="0" baseline="0" smtClean="0">
+              <a:rPr kumimoji="0" lang="pt-BR" altLang="zh-CN" sz="1200" b="0" i="0" u="none" strike="noStrike" cap="none" normalizeH="0" baseline="0" smtClean="0">
                 <a:ln>
                   <a:noFill/>
                 </a:ln>
@@ -9960,10 +10014,11 @@
                 <a:effectLst/>
                 <a:latin typeface="Arial" panose="020B0604020202020204" pitchFamily="34" charset="0"/>
                 <a:ea typeface="SimSun" panose="02010600030101010101" pitchFamily="2" charset="-122"/>
+                <a:cs typeface="Arial" panose="020B0604020202020204" pitchFamily="34" charset="0"/>
               </a:rPr>
-              <a:t>...</a:t>
-            </a:r>
-            <a:endParaRPr kumimoji="0" lang="pt-BR" altLang="zh-CN" sz="1800" b="0" i="0" u="none" strike="noStrike" cap="none" normalizeH="0" baseline="0" smtClean="0">
+              <a:t>etc.</a:t>
+            </a:r>
+            <a:endParaRPr kumimoji="0" lang="pt-BR" altLang="zh-CN" sz="1200" b="0" i="0" u="none" strike="noStrike" cap="none" normalizeH="0" baseline="0" smtClean="0">
               <a:ln>
                 <a:noFill/>
               </a:ln>
@@ -9973,23 +10028,24 @@
               <a:effectLst/>
               <a:latin typeface="Arial" panose="020B0604020202020204" pitchFamily="34" charset="0"/>
               <a:ea typeface="SimSun" panose="02010600030101010101" pitchFamily="2" charset="-122"/>
+              <a:cs typeface="Arial" panose="020B0604020202020204" pitchFamily="34" charset="0"/>
             </a:endParaRPr>
           </a:p>
         </p:txBody>
       </p:sp>
       <p:cxnSp>
         <p:nvCxnSpPr>
-          <p:cNvPr id="69" name="Conector de Seta Reta 68"/>
+          <p:cNvPr id="61" name="Conector de Seta Reta 60"/>
           <p:cNvCxnSpPr>
-            <a:stCxn id="40" idx="6"/>
-            <a:endCxn id="68" idx="1"/>
+            <a:stCxn id="42" idx="6"/>
+            <a:endCxn id="60" idx="1"/>
           </p:cNvCxnSpPr>
           <p:nvPr/>
         </p:nvCxnSpPr>
         <p:spPr>
           <a:xfrm flipV="1">
-            <a:off x="3840480" y="2394585"/>
-            <a:ext cx="2519680" cy="13335"/>
+            <a:off x="6346190" y="3578225"/>
+            <a:ext cx="3547745" cy="257810"/>
           </a:xfrm>
           <a:prstGeom prst="straightConnector1">
             <a:avLst/>
@@ -10018,14 +10074,14 @@
       </p:cxnSp>
       <p:sp>
         <p:nvSpPr>
-          <p:cNvPr id="3" name="Fluxograma: multidocument 2"/>
+          <p:cNvPr id="62" name="Fluxograma: multidocument 61"/>
           <p:cNvSpPr/>
           <p:nvPr/>
         </p:nvSpPr>
         <p:spPr>
           <a:xfrm>
-            <a:off x="6373495" y="3458210"/>
-            <a:ext cx="2827655" cy="694690"/>
+            <a:off x="9888220" y="3963670"/>
+            <a:ext cx="2303780" cy="694690"/>
           </a:xfrm>
           <a:prstGeom prst="flowChartMultidocument">
             <a:avLst/>
@@ -10070,7 +10126,7 @@
               <a:buNone/>
             </a:pPr>
             <a:r>
-              <a:rPr kumimoji="0" lang="pt-BR" altLang="zh-CN" sz="1800" b="0" i="0" u="none" strike="noStrike" cap="none" normalizeH="0" baseline="0" smtClean="0">
+              <a:rPr kumimoji="0" lang="pt-BR" altLang="zh-CN" sz="1200" b="0" i="0" u="none" strike="noStrike" cap="none" normalizeH="0" baseline="0" smtClean="0">
                 <a:ln>
                   <a:noFill/>
                 </a:ln>
@@ -10080,10 +10136,11 @@
                 <a:effectLst/>
                 <a:latin typeface="Arial" panose="020B0604020202020204" pitchFamily="34" charset="0"/>
                 <a:ea typeface="SimSun" panose="02010600030101010101" pitchFamily="2" charset="-122"/>
+                <a:cs typeface="Arial" panose="020B0604020202020204" pitchFamily="34" charset="0"/>
               </a:rPr>
-              <a:t>Imagens, CSS</a:t>
-            </a:r>
-            <a:endParaRPr kumimoji="0" lang="pt-BR" altLang="zh-CN" sz="1800" b="0" i="0" u="none" strike="noStrike" cap="none" normalizeH="0" baseline="0" smtClean="0">
+              <a:t>usuarioEntity</a:t>
+            </a:r>
+            <a:endParaRPr kumimoji="0" lang="pt-BR" altLang="zh-CN" sz="1200" b="0" i="0" u="none" strike="noStrike" cap="none" normalizeH="0" baseline="0" smtClean="0">
               <a:ln>
                 <a:noFill/>
               </a:ln>
@@ -10093,6 +10150,7 @@
               <a:effectLst/>
               <a:latin typeface="Arial" panose="020B0604020202020204" pitchFamily="34" charset="0"/>
               <a:ea typeface="SimSun" panose="02010600030101010101" pitchFamily="2" charset="-122"/>
+              <a:cs typeface="Arial" panose="020B0604020202020204" pitchFamily="34" charset="0"/>
             </a:endParaRPr>
           </a:p>
           <a:p>
@@ -10112,7 +10170,7 @@
               <a:buNone/>
             </a:pPr>
             <a:r>
-              <a:rPr kumimoji="0" lang="pt-BR" altLang="zh-CN" sz="1800" b="0" i="0" u="none" strike="noStrike" cap="none" normalizeH="0" baseline="0" smtClean="0">
+              <a:rPr kumimoji="0" lang="pt-BR" altLang="zh-CN" sz="1200" b="0" i="0" u="none" strike="noStrike" cap="none" normalizeH="0" baseline="0" smtClean="0">
                 <a:ln>
                   <a:noFill/>
                 </a:ln>
@@ -10122,10 +10180,11 @@
                 <a:effectLst/>
                 <a:latin typeface="Arial" panose="020B0604020202020204" pitchFamily="34" charset="0"/>
                 <a:ea typeface="SimSun" panose="02010600030101010101" pitchFamily="2" charset="-122"/>
+                <a:cs typeface="Arial" panose="020B0604020202020204" pitchFamily="34" charset="0"/>
               </a:rPr>
               <a:t>etc.</a:t>
             </a:r>
-            <a:endParaRPr kumimoji="0" lang="pt-BR" altLang="zh-CN" sz="1800" b="0" i="0" u="none" strike="noStrike" cap="none" normalizeH="0" baseline="0" smtClean="0">
+            <a:endParaRPr kumimoji="0" lang="pt-BR" altLang="zh-CN" sz="1200" b="0" i="0" u="none" strike="noStrike" cap="none" normalizeH="0" baseline="0" smtClean="0">
               <a:ln>
                 <a:noFill/>
               </a:ln>
@@ -10135,6 +10194,669 @@
               <a:effectLst/>
               <a:latin typeface="Arial" panose="020B0604020202020204" pitchFamily="34" charset="0"/>
               <a:ea typeface="SimSun" panose="02010600030101010101" pitchFamily="2" charset="-122"/>
+              <a:cs typeface="Arial" panose="020B0604020202020204" pitchFamily="34" charset="0"/>
+            </a:endParaRPr>
+          </a:p>
+        </p:txBody>
+      </p:sp>
+      <p:sp>
+        <p:nvSpPr>
+          <p:cNvPr id="63" name="Fluxograma: multidocument 62"/>
+          <p:cNvSpPr/>
+          <p:nvPr/>
+        </p:nvSpPr>
+        <p:spPr>
+          <a:xfrm>
+            <a:off x="9776460" y="4881880"/>
+            <a:ext cx="2414270" cy="694690"/>
+          </a:xfrm>
+          <a:prstGeom prst="flowChartMultidocument">
+            <a:avLst/>
+          </a:prstGeom>
+          <a:gradFill rotWithShape="0">
+            <a:gsLst>
+              <a:gs pos="0">
+                <a:schemeClr val="accent1"/>
+              </a:gs>
+              <a:gs pos="100000">
+                <a:schemeClr val="accent2"/>
+              </a:gs>
+            </a:gsLst>
+            <a:lin ang="5400000" scaled="1"/>
+          </a:gradFill>
+          <a:ln w="9525" cap="flat" cmpd="sng" algn="ctr">
+            <a:solidFill>
+              <a:schemeClr val="accent1"/>
+            </a:solidFill>
+            <a:prstDash val="solid"/>
+            <a:round/>
+            <a:headEnd type="none" w="med" len="med"/>
+            <a:tailEnd type="none" w="med" len="med"/>
+          </a:ln>
+        </p:spPr>
+        <p:txBody>
+          <a:bodyPr vert="horz" wrap="none" lIns="91440" tIns="45720" rIns="91440" bIns="45720" numCol="1" anchor="ctr" anchorCtr="0" compatLnSpc="1"/>
+          <a:p>
+            <a:pPr marL="0" marR="0" indent="0" algn="l" defTabSz="914400" rtl="0" eaLnBrk="1" fontAlgn="base" latinLnBrk="0" hangingPunct="1">
+              <a:lnSpc>
+                <a:spcPct val="100000"/>
+              </a:lnSpc>
+              <a:spcBef>
+                <a:spcPct val="0"/>
+              </a:spcBef>
+              <a:spcAft>
+                <a:spcPct val="0"/>
+              </a:spcAft>
+              <a:buClrTx/>
+              <a:buSzTx/>
+              <a:buFontTx/>
+              <a:buNone/>
+            </a:pPr>
+            <a:r>
+              <a:rPr kumimoji="0" lang="pt-BR" altLang="zh-CN" sz="1200" b="0" i="0" u="none" strike="noStrike" cap="none" normalizeH="0" baseline="0" smtClean="0">
+                <a:ln>
+                  <a:noFill/>
+                </a:ln>
+                <a:solidFill>
+                  <a:schemeClr val="tx1"/>
+                </a:solidFill>
+                <a:effectLst/>
+                <a:latin typeface="Arial" panose="020B0604020202020204" pitchFamily="34" charset="0"/>
+                <a:ea typeface="SimSun" panose="02010600030101010101" pitchFamily="2" charset="-122"/>
+                <a:cs typeface="Arial" panose="020B0604020202020204" pitchFamily="34" charset="0"/>
+              </a:rPr>
+              <a:t>usuarioRepository</a:t>
+            </a:r>
+            <a:endParaRPr kumimoji="0" lang="pt-BR" altLang="zh-CN" sz="1200" b="0" i="0" u="none" strike="noStrike" cap="none" normalizeH="0" baseline="0" smtClean="0">
+              <a:ln>
+                <a:noFill/>
+              </a:ln>
+              <a:solidFill>
+                <a:schemeClr val="tx1"/>
+              </a:solidFill>
+              <a:effectLst/>
+              <a:latin typeface="Arial" panose="020B0604020202020204" pitchFamily="34" charset="0"/>
+              <a:ea typeface="SimSun" panose="02010600030101010101" pitchFamily="2" charset="-122"/>
+              <a:cs typeface="Arial" panose="020B0604020202020204" pitchFamily="34" charset="0"/>
+            </a:endParaRPr>
+          </a:p>
+          <a:p>
+            <a:pPr marL="0" marR="0" indent="0" algn="l" defTabSz="914400" rtl="0" eaLnBrk="1" fontAlgn="base" latinLnBrk="0" hangingPunct="1">
+              <a:lnSpc>
+                <a:spcPct val="100000"/>
+              </a:lnSpc>
+              <a:spcBef>
+                <a:spcPct val="0"/>
+              </a:spcBef>
+              <a:spcAft>
+                <a:spcPct val="0"/>
+              </a:spcAft>
+              <a:buClrTx/>
+              <a:buSzTx/>
+              <a:buFontTx/>
+              <a:buNone/>
+            </a:pPr>
+            <a:r>
+              <a:rPr kumimoji="0" lang="pt-BR" altLang="zh-CN" sz="1200" b="0" i="0" u="none" strike="noStrike" cap="none" normalizeH="0" baseline="0" smtClean="0">
+                <a:ln>
+                  <a:noFill/>
+                </a:ln>
+                <a:solidFill>
+                  <a:schemeClr val="tx1"/>
+                </a:solidFill>
+                <a:effectLst/>
+                <a:latin typeface="Arial" panose="020B0604020202020204" pitchFamily="34" charset="0"/>
+                <a:ea typeface="SimSun" panose="02010600030101010101" pitchFamily="2" charset="-122"/>
+                <a:cs typeface="Arial" panose="020B0604020202020204" pitchFamily="34" charset="0"/>
+              </a:rPr>
+              <a:t>etc.</a:t>
+            </a:r>
+            <a:endParaRPr kumimoji="0" lang="pt-BR" altLang="zh-CN" sz="1200" b="0" i="0" u="none" strike="noStrike" cap="none" normalizeH="0" baseline="0" smtClean="0">
+              <a:ln>
+                <a:noFill/>
+              </a:ln>
+              <a:solidFill>
+                <a:schemeClr val="tx1"/>
+              </a:solidFill>
+              <a:effectLst/>
+              <a:latin typeface="Arial" panose="020B0604020202020204" pitchFamily="34" charset="0"/>
+              <a:ea typeface="SimSun" panose="02010600030101010101" pitchFamily="2" charset="-122"/>
+              <a:cs typeface="Arial" panose="020B0604020202020204" pitchFamily="34" charset="0"/>
+            </a:endParaRPr>
+          </a:p>
+        </p:txBody>
+      </p:sp>
+      <p:cxnSp>
+        <p:nvCxnSpPr>
+          <p:cNvPr id="64" name="Conector de Seta Reta 63"/>
+          <p:cNvCxnSpPr>
+            <a:stCxn id="51" idx="6"/>
+            <a:endCxn id="62" idx="1"/>
+          </p:cNvCxnSpPr>
+          <p:nvPr/>
+        </p:nvCxnSpPr>
+        <p:spPr>
+          <a:xfrm flipV="1">
+            <a:off x="6403975" y="4311015"/>
+            <a:ext cx="3484245" cy="234315"/>
+          </a:xfrm>
+          <a:prstGeom prst="straightConnector1">
+            <a:avLst/>
+          </a:prstGeom>
+          <a:gradFill rotWithShape="0">
+            <a:gsLst>
+              <a:gs pos="0">
+                <a:schemeClr val="accent1"/>
+              </a:gs>
+              <a:gs pos="100000">
+                <a:schemeClr val="accent2"/>
+              </a:gs>
+            </a:gsLst>
+            <a:lin ang="5400000" scaled="1"/>
+          </a:gradFill>
+          <a:ln w="9525" cap="flat" cmpd="sng" algn="ctr">
+            <a:solidFill>
+              <a:schemeClr val="accent1"/>
+            </a:solidFill>
+            <a:prstDash val="solid"/>
+            <a:round/>
+            <a:headEnd type="none" w="med" len="med"/>
+            <a:tailEnd type="arrow" w="med" len="med"/>
+          </a:ln>
+        </p:spPr>
+      </p:cxnSp>
+      <p:cxnSp>
+        <p:nvCxnSpPr>
+          <p:cNvPr id="65" name="Conector de Seta Reta 64"/>
+          <p:cNvCxnSpPr>
+            <a:stCxn id="52" idx="6"/>
+            <a:endCxn id="63" idx="1"/>
+          </p:cNvCxnSpPr>
+          <p:nvPr/>
+        </p:nvCxnSpPr>
+        <p:spPr>
+          <a:xfrm>
+            <a:off x="3616960" y="5035550"/>
+            <a:ext cx="6159500" cy="193675"/>
+          </a:xfrm>
+          <a:prstGeom prst="straightConnector1">
+            <a:avLst/>
+          </a:prstGeom>
+          <a:gradFill rotWithShape="0">
+            <a:gsLst>
+              <a:gs pos="0">
+                <a:schemeClr val="accent1"/>
+              </a:gs>
+              <a:gs pos="100000">
+                <a:schemeClr val="accent2"/>
+              </a:gs>
+            </a:gsLst>
+            <a:lin ang="5400000" scaled="1"/>
+          </a:gradFill>
+          <a:ln w="9525" cap="flat" cmpd="sng" algn="ctr">
+            <a:solidFill>
+              <a:schemeClr val="accent1"/>
+            </a:solidFill>
+            <a:prstDash val="solid"/>
+            <a:round/>
+            <a:headEnd type="none" w="med" len="med"/>
+            <a:tailEnd type="arrow" w="med" len="med"/>
+          </a:ln>
+        </p:spPr>
+      </p:cxnSp>
+      <p:sp>
+        <p:nvSpPr>
+          <p:cNvPr id="66" name="Fluxograma: multidocument 65"/>
+          <p:cNvSpPr/>
+          <p:nvPr/>
+        </p:nvSpPr>
+        <p:spPr>
+          <a:xfrm>
+            <a:off x="9939020" y="2319020"/>
+            <a:ext cx="2252980" cy="704215"/>
+          </a:xfrm>
+          <a:prstGeom prst="flowChartMultidocument">
+            <a:avLst/>
+          </a:prstGeom>
+          <a:gradFill rotWithShape="0">
+            <a:gsLst>
+              <a:gs pos="0">
+                <a:schemeClr val="accent1"/>
+              </a:gs>
+              <a:gs pos="100000">
+                <a:schemeClr val="accent2"/>
+              </a:gs>
+            </a:gsLst>
+            <a:lin ang="5400000" scaled="1"/>
+          </a:gradFill>
+          <a:ln w="9525" cap="flat" cmpd="sng" algn="ctr">
+            <a:solidFill>
+              <a:schemeClr val="accent1"/>
+            </a:solidFill>
+            <a:prstDash val="solid"/>
+            <a:round/>
+            <a:headEnd type="none" w="med" len="med"/>
+            <a:tailEnd type="none" w="med" len="med"/>
+          </a:ln>
+        </p:spPr>
+        <p:txBody>
+          <a:bodyPr vert="horz" wrap="none" lIns="91440" tIns="45720" rIns="91440" bIns="45720" numCol="1" anchor="ctr" anchorCtr="0" compatLnSpc="1"/>
+          <a:p>
+            <a:pPr marL="0" marR="0" indent="0" algn="l" defTabSz="914400" rtl="0" eaLnBrk="1" fontAlgn="base" latinLnBrk="0" hangingPunct="1">
+              <a:lnSpc>
+                <a:spcPct val="100000"/>
+              </a:lnSpc>
+              <a:spcBef>
+                <a:spcPct val="0"/>
+              </a:spcBef>
+              <a:spcAft>
+                <a:spcPct val="0"/>
+              </a:spcAft>
+              <a:buClrTx/>
+              <a:buSzTx/>
+              <a:buFontTx/>
+              <a:buNone/>
+            </a:pPr>
+            <a:r>
+              <a:rPr kumimoji="0" lang="pt-BR" altLang="zh-CN" sz="1200" b="0" i="0" u="none" strike="noStrike" cap="none" normalizeH="0" baseline="0" smtClean="0">
+                <a:ln>
+                  <a:noFill/>
+                </a:ln>
+                <a:solidFill>
+                  <a:schemeClr val="tx1"/>
+                </a:solidFill>
+                <a:effectLst/>
+                <a:latin typeface="Arial" panose="020B0604020202020204" pitchFamily="34" charset="0"/>
+                <a:ea typeface="SimSun" panose="02010600030101010101" pitchFamily="2" charset="-122"/>
+                <a:cs typeface="Arial" panose="020B0604020202020204" pitchFamily="34" charset="0"/>
+              </a:rPr>
+              <a:t>usuarioRestController</a:t>
+            </a:r>
+            <a:endParaRPr kumimoji="0" lang="pt-BR" altLang="zh-CN" sz="1200" b="0" i="0" u="none" strike="noStrike" cap="none" normalizeH="0" baseline="0" smtClean="0">
+              <a:ln>
+                <a:noFill/>
+              </a:ln>
+              <a:solidFill>
+                <a:schemeClr val="tx1"/>
+              </a:solidFill>
+              <a:effectLst/>
+              <a:latin typeface="Arial" panose="020B0604020202020204" pitchFamily="34" charset="0"/>
+              <a:ea typeface="SimSun" panose="02010600030101010101" pitchFamily="2" charset="-122"/>
+              <a:cs typeface="Arial" panose="020B0604020202020204" pitchFamily="34" charset="0"/>
+            </a:endParaRPr>
+          </a:p>
+          <a:p>
+            <a:pPr marL="0" marR="0" indent="0" algn="l" defTabSz="914400" rtl="0" eaLnBrk="1" fontAlgn="base" latinLnBrk="0" hangingPunct="1">
+              <a:lnSpc>
+                <a:spcPct val="100000"/>
+              </a:lnSpc>
+              <a:spcBef>
+                <a:spcPct val="0"/>
+              </a:spcBef>
+              <a:spcAft>
+                <a:spcPct val="0"/>
+              </a:spcAft>
+              <a:buClrTx/>
+              <a:buSzTx/>
+              <a:buFontTx/>
+              <a:buNone/>
+            </a:pPr>
+            <a:r>
+              <a:rPr kumimoji="0" lang="pt-BR" altLang="zh-CN" sz="1200" b="0" i="0" u="none" strike="noStrike" cap="none" normalizeH="0" baseline="0" smtClean="0">
+                <a:ln>
+                  <a:noFill/>
+                </a:ln>
+                <a:solidFill>
+                  <a:schemeClr val="tx1"/>
+                </a:solidFill>
+                <a:effectLst/>
+                <a:latin typeface="Arial" panose="020B0604020202020204" pitchFamily="34" charset="0"/>
+                <a:ea typeface="SimSun" panose="02010600030101010101" pitchFamily="2" charset="-122"/>
+                <a:cs typeface="Arial" panose="020B0604020202020204" pitchFamily="34" charset="0"/>
+              </a:rPr>
+              <a:t>etc.</a:t>
+            </a:r>
+            <a:endParaRPr kumimoji="0" lang="pt-BR" altLang="zh-CN" sz="1200" b="0" i="0" u="none" strike="noStrike" cap="none" normalizeH="0" baseline="0" smtClean="0">
+              <a:ln>
+                <a:noFill/>
+              </a:ln>
+              <a:solidFill>
+                <a:schemeClr val="tx1"/>
+              </a:solidFill>
+              <a:effectLst/>
+              <a:latin typeface="Arial" panose="020B0604020202020204" pitchFamily="34" charset="0"/>
+              <a:ea typeface="SimSun" panose="02010600030101010101" pitchFamily="2" charset="-122"/>
+              <a:cs typeface="Arial" panose="020B0604020202020204" pitchFamily="34" charset="0"/>
+            </a:endParaRPr>
+          </a:p>
+        </p:txBody>
+      </p:sp>
+      <p:cxnSp>
+        <p:nvCxnSpPr>
+          <p:cNvPr id="67" name="Conector de Seta Reta 66"/>
+          <p:cNvCxnSpPr>
+            <a:stCxn id="57" idx="6"/>
+            <a:endCxn id="66" idx="1"/>
+          </p:cNvCxnSpPr>
+          <p:nvPr/>
+        </p:nvCxnSpPr>
+        <p:spPr>
+          <a:xfrm>
+            <a:off x="6454140" y="2536190"/>
+            <a:ext cx="3484880" cy="135255"/>
+          </a:xfrm>
+          <a:prstGeom prst="straightConnector1">
+            <a:avLst/>
+          </a:prstGeom>
+          <a:gradFill rotWithShape="0">
+            <a:gsLst>
+              <a:gs pos="0">
+                <a:schemeClr val="accent1"/>
+              </a:gs>
+              <a:gs pos="100000">
+                <a:schemeClr val="accent2"/>
+              </a:gs>
+            </a:gsLst>
+            <a:lin ang="5400000" scaled="1"/>
+          </a:gradFill>
+          <a:ln w="9525" cap="flat" cmpd="sng" algn="ctr">
+            <a:solidFill>
+              <a:schemeClr val="accent1"/>
+            </a:solidFill>
+            <a:prstDash val="solid"/>
+            <a:round/>
+            <a:headEnd type="none" w="med" len="med"/>
+            <a:tailEnd type="arrow" w="med" len="med"/>
+          </a:ln>
+        </p:spPr>
+      </p:cxnSp>
+      <p:sp>
+        <p:nvSpPr>
+          <p:cNvPr id="68" name="Fluxograma: multidocument 67"/>
+          <p:cNvSpPr/>
+          <p:nvPr/>
+        </p:nvSpPr>
+        <p:spPr>
+          <a:xfrm>
+            <a:off x="9810115" y="1518285"/>
+            <a:ext cx="2381885" cy="612140"/>
+          </a:xfrm>
+          <a:prstGeom prst="flowChartMultidocument">
+            <a:avLst/>
+          </a:prstGeom>
+          <a:gradFill rotWithShape="0">
+            <a:gsLst>
+              <a:gs pos="0">
+                <a:schemeClr val="accent1"/>
+              </a:gs>
+              <a:gs pos="100000">
+                <a:schemeClr val="accent2"/>
+              </a:gs>
+            </a:gsLst>
+            <a:lin ang="5400000" scaled="1"/>
+          </a:gradFill>
+          <a:ln w="9525" cap="flat" cmpd="sng" algn="ctr">
+            <a:solidFill>
+              <a:schemeClr val="accent1"/>
+            </a:solidFill>
+            <a:prstDash val="solid"/>
+            <a:round/>
+            <a:headEnd type="none" w="med" len="med"/>
+            <a:tailEnd type="none" w="med" len="med"/>
+          </a:ln>
+        </p:spPr>
+        <p:txBody>
+          <a:bodyPr vert="horz" wrap="none" lIns="91440" tIns="45720" rIns="91440" bIns="45720" numCol="1" anchor="ctr" anchorCtr="0" compatLnSpc="1"/>
+          <a:p>
+            <a:pPr marL="0" marR="0" indent="0" algn="l" defTabSz="914400" rtl="0" eaLnBrk="1" fontAlgn="base" latinLnBrk="0" hangingPunct="1">
+              <a:lnSpc>
+                <a:spcPct val="100000"/>
+              </a:lnSpc>
+              <a:spcBef>
+                <a:spcPct val="0"/>
+              </a:spcBef>
+              <a:spcAft>
+                <a:spcPct val="0"/>
+              </a:spcAft>
+              <a:buClrTx/>
+              <a:buSzTx/>
+              <a:buFontTx/>
+              <a:buNone/>
+            </a:pPr>
+            <a:r>
+              <a:rPr kumimoji="0" lang="pt-BR" altLang="zh-CN" sz="1200" b="0" i="0" u="none" strike="noStrike" cap="none" normalizeH="0" baseline="0" smtClean="0">
+                <a:ln>
+                  <a:noFill/>
+                </a:ln>
+                <a:solidFill>
+                  <a:schemeClr val="tx1"/>
+                </a:solidFill>
+                <a:effectLst/>
+                <a:latin typeface="Arial" panose="020B0604020202020204" pitchFamily="34" charset="0"/>
+                <a:ea typeface="SimSun" panose="02010600030101010101" pitchFamily="2" charset="-122"/>
+                <a:cs typeface="Arial" panose="020B0604020202020204" pitchFamily="34" charset="0"/>
+              </a:rPr>
+              <a:t>usuarioWebController</a:t>
+            </a:r>
+            <a:endParaRPr kumimoji="0" lang="pt-BR" altLang="zh-CN" sz="1200" b="0" i="0" u="none" strike="noStrike" cap="none" normalizeH="0" baseline="0" smtClean="0">
+              <a:ln>
+                <a:noFill/>
+              </a:ln>
+              <a:solidFill>
+                <a:schemeClr val="tx1"/>
+              </a:solidFill>
+              <a:effectLst/>
+              <a:latin typeface="Arial" panose="020B0604020202020204" pitchFamily="34" charset="0"/>
+              <a:ea typeface="SimSun" panose="02010600030101010101" pitchFamily="2" charset="-122"/>
+              <a:cs typeface="Arial" panose="020B0604020202020204" pitchFamily="34" charset="0"/>
+            </a:endParaRPr>
+          </a:p>
+          <a:p>
+            <a:pPr marL="0" marR="0" indent="0" algn="l" defTabSz="914400" rtl="0" eaLnBrk="1" fontAlgn="base" latinLnBrk="0" hangingPunct="1">
+              <a:lnSpc>
+                <a:spcPct val="100000"/>
+              </a:lnSpc>
+              <a:spcBef>
+                <a:spcPct val="0"/>
+              </a:spcBef>
+              <a:spcAft>
+                <a:spcPct val="0"/>
+              </a:spcAft>
+              <a:buClrTx/>
+              <a:buSzTx/>
+              <a:buFontTx/>
+              <a:buNone/>
+            </a:pPr>
+            <a:r>
+              <a:rPr kumimoji="0" lang="pt-BR" altLang="zh-CN" sz="1200" b="0" i="0" u="none" strike="noStrike" cap="none" normalizeH="0" baseline="0" smtClean="0">
+                <a:ln>
+                  <a:noFill/>
+                </a:ln>
+                <a:solidFill>
+                  <a:schemeClr val="tx1"/>
+                </a:solidFill>
+                <a:effectLst/>
+                <a:latin typeface="Arial" panose="020B0604020202020204" pitchFamily="34" charset="0"/>
+                <a:ea typeface="SimSun" panose="02010600030101010101" pitchFamily="2" charset="-122"/>
+                <a:cs typeface="Arial" panose="020B0604020202020204" pitchFamily="34" charset="0"/>
+              </a:rPr>
+              <a:t>etc.</a:t>
+            </a:r>
+            <a:endParaRPr kumimoji="0" lang="pt-BR" altLang="zh-CN" sz="1200" b="0" i="0" u="none" strike="noStrike" cap="none" normalizeH="0" baseline="0" smtClean="0">
+              <a:ln>
+                <a:noFill/>
+              </a:ln>
+              <a:solidFill>
+                <a:schemeClr val="tx1"/>
+              </a:solidFill>
+              <a:effectLst/>
+              <a:latin typeface="Arial" panose="020B0604020202020204" pitchFamily="34" charset="0"/>
+              <a:ea typeface="SimSun" panose="02010600030101010101" pitchFamily="2" charset="-122"/>
+              <a:cs typeface="Arial" panose="020B0604020202020204" pitchFamily="34" charset="0"/>
+            </a:endParaRPr>
+          </a:p>
+        </p:txBody>
+      </p:sp>
+      <p:cxnSp>
+        <p:nvCxnSpPr>
+          <p:cNvPr id="69" name="Conector de Seta Reta 68"/>
+          <p:cNvCxnSpPr>
+            <a:stCxn id="56" idx="6"/>
+            <a:endCxn id="68" idx="1"/>
+          </p:cNvCxnSpPr>
+          <p:nvPr/>
+        </p:nvCxnSpPr>
+        <p:spPr>
+          <a:xfrm flipV="1">
+            <a:off x="6356985" y="1824355"/>
+            <a:ext cx="3453130" cy="118745"/>
+          </a:xfrm>
+          <a:prstGeom prst="straightConnector1">
+            <a:avLst/>
+          </a:prstGeom>
+          <a:gradFill rotWithShape="0">
+            <a:gsLst>
+              <a:gs pos="0">
+                <a:schemeClr val="accent1"/>
+              </a:gs>
+              <a:gs pos="100000">
+                <a:schemeClr val="accent2"/>
+              </a:gs>
+            </a:gsLst>
+            <a:lin ang="5400000" scaled="1"/>
+          </a:gradFill>
+          <a:ln w="9525" cap="flat" cmpd="sng" algn="ctr">
+            <a:solidFill>
+              <a:schemeClr val="accent1"/>
+            </a:solidFill>
+            <a:prstDash val="solid"/>
+            <a:round/>
+            <a:headEnd type="none" w="med" len="med"/>
+            <a:tailEnd type="arrow" w="med" len="med"/>
+          </a:ln>
+        </p:spPr>
+      </p:cxnSp>
+      <p:sp>
+        <p:nvSpPr>
+          <p:cNvPr id="70" name="Caixa de Texto 69"/>
+          <p:cNvSpPr txBox="1"/>
+          <p:nvPr/>
+        </p:nvSpPr>
+        <p:spPr>
+          <a:xfrm>
+            <a:off x="132715" y="1377950"/>
+            <a:ext cx="5761990" cy="337185"/>
+          </a:xfrm>
+          <a:prstGeom prst="rect">
+            <a:avLst/>
+          </a:prstGeom>
+          <a:noFill/>
+        </p:spPr>
+        <p:txBody>
+          <a:bodyPr wrap="square" rtlCol="0" anchor="t">
+            <a:spAutoFit/>
+          </a:bodyPr>
+          <a:p>
+            <a:r>
+              <a:rPr lang="pt-BR" altLang="en-US" sz="1600" b="1">
+                <a:latin typeface="+mj-lt"/>
+                <a:cs typeface="+mj-lt"/>
+              </a:rPr>
+              <a:t>Web </a:t>
+            </a:r>
+            <a:r>
+              <a:rPr lang="pt-BR" altLang="en-US" sz="1600">
+                <a:latin typeface="+mj-lt"/>
+                <a:cs typeface="+mj-lt"/>
+              </a:rPr>
+              <a:t>-&gt; Requisições / Respostas como Templates (HTML)</a:t>
+            </a:r>
+            <a:endParaRPr lang="pt-BR" altLang="en-US" sz="1600">
+              <a:latin typeface="+mj-lt"/>
+              <a:cs typeface="+mj-lt"/>
+            </a:endParaRPr>
+          </a:p>
+        </p:txBody>
+      </p:sp>
+      <p:sp>
+        <p:nvSpPr>
+          <p:cNvPr id="3" name="Elipse 2"/>
+          <p:cNvSpPr/>
+          <p:nvPr/>
+        </p:nvSpPr>
+        <p:spPr>
+          <a:xfrm>
+            <a:off x="2647315" y="3392805"/>
+            <a:ext cx="953770" cy="523875"/>
+          </a:xfrm>
+          <a:prstGeom prst="ellipse">
+            <a:avLst/>
+          </a:prstGeom>
+          <a:gradFill rotWithShape="0">
+            <a:gsLst>
+              <a:gs pos="0">
+                <a:schemeClr val="accent1"/>
+              </a:gs>
+              <a:gs pos="100000">
+                <a:schemeClr val="accent2"/>
+              </a:gs>
+            </a:gsLst>
+            <a:lin ang="5400000" scaled="1"/>
+          </a:gradFill>
+          <a:ln w="9525" cap="flat" cmpd="sng" algn="ctr">
+            <a:solidFill>
+              <a:schemeClr val="accent1"/>
+            </a:solidFill>
+            <a:prstDash val="solid"/>
+            <a:round/>
+            <a:headEnd type="none" w="med" len="med"/>
+            <a:tailEnd type="none" w="med" len="med"/>
+          </a:ln>
+        </p:spPr>
+        <p:txBody>
+          <a:bodyPr vert="horz" wrap="none" lIns="91440" tIns="45720" rIns="91440" bIns="45720" numCol="1" anchor="ctr" anchorCtr="0" compatLnSpc="1"/>
+          <a:p>
+            <a:pPr marL="0" marR="0" indent="0" algn="ctr" defTabSz="914400" rtl="0" eaLnBrk="1" fontAlgn="base" latinLnBrk="0" hangingPunct="1">
+              <a:lnSpc>
+                <a:spcPct val="100000"/>
+              </a:lnSpc>
+              <a:spcBef>
+                <a:spcPct val="0"/>
+              </a:spcBef>
+              <a:spcAft>
+                <a:spcPct val="0"/>
+              </a:spcAft>
+              <a:buClrTx/>
+              <a:buSzTx/>
+              <a:buFontTx/>
+              <a:buNone/>
+            </a:pPr>
+            <a:r>
+              <a:rPr kumimoji="0" lang="pt-BR" altLang="zh-CN" sz="1200" b="0" i="0" u="none" strike="noStrike" cap="none" normalizeH="0" baseline="0" smtClean="0">
+                <a:ln>
+                  <a:noFill/>
+                </a:ln>
+                <a:solidFill>
+                  <a:schemeClr val="tx1"/>
+                </a:solidFill>
+                <a:effectLst/>
+                <a:latin typeface="Arial" panose="020B0604020202020204" pitchFamily="34" charset="0"/>
+                <a:ea typeface="SimSun" panose="02010600030101010101" pitchFamily="2" charset="-122"/>
+                <a:cs typeface="Arial" panose="020B0604020202020204" pitchFamily="34" charset="0"/>
+              </a:rPr>
+              <a:t>model</a:t>
+            </a:r>
+            <a:endParaRPr kumimoji="0" lang="pt-BR" altLang="zh-CN" sz="1200" b="0" i="0" u="none" strike="noStrike" cap="none" normalizeH="0" baseline="0" smtClean="0">
+              <a:ln>
+                <a:noFill/>
+              </a:ln>
+              <a:solidFill>
+                <a:schemeClr val="tx1"/>
+              </a:solidFill>
+              <a:effectLst/>
+              <a:latin typeface="Arial" panose="020B0604020202020204" pitchFamily="34" charset="0"/>
+              <a:ea typeface="SimSun" panose="02010600030101010101" pitchFamily="2" charset="-122"/>
+              <a:cs typeface="Arial" panose="020B0604020202020204" pitchFamily="34" charset="0"/>
             </a:endParaRPr>
           </a:p>
         </p:txBody>
@@ -10143,15 +10865,424 @@
         <p:nvCxnSpPr>
           <p:cNvPr id="5" name="Conector de Seta Reta 4"/>
           <p:cNvCxnSpPr>
-            <a:stCxn id="42" idx="6"/>
-            <a:endCxn id="3" idx="1"/>
+            <a:stCxn id="4" idx="6"/>
+            <a:endCxn id="3" idx="2"/>
           </p:cNvCxnSpPr>
           <p:nvPr/>
         </p:nvCxnSpPr>
         <p:spPr>
-          <a:xfrm flipV="1">
-            <a:off x="3839210" y="3805555"/>
-            <a:ext cx="2534285" cy="27940"/>
+          <a:xfrm>
+            <a:off x="1945005" y="3117215"/>
+            <a:ext cx="702310" cy="537845"/>
+          </a:xfrm>
+          <a:prstGeom prst="straightConnector1">
+            <a:avLst/>
+          </a:prstGeom>
+          <a:gradFill rotWithShape="0">
+            <a:gsLst>
+              <a:gs pos="0">
+                <a:schemeClr val="accent1"/>
+              </a:gs>
+              <a:gs pos="100000">
+                <a:schemeClr val="accent2"/>
+              </a:gs>
+            </a:gsLst>
+            <a:lin ang="5400000" scaled="1"/>
+          </a:gradFill>
+          <a:ln w="9525" cap="flat" cmpd="sng" algn="ctr">
+            <a:solidFill>
+              <a:schemeClr val="accent1"/>
+            </a:solidFill>
+            <a:prstDash val="solid"/>
+            <a:round/>
+            <a:headEnd type="none" w="med" len="med"/>
+            <a:tailEnd type="arrow" w="med" len="med"/>
+          </a:ln>
+        </p:spPr>
+      </p:cxnSp>
+      <p:sp>
+        <p:nvSpPr>
+          <p:cNvPr id="6" name="Fluxograma: Exibição 5"/>
+          <p:cNvSpPr/>
+          <p:nvPr/>
+        </p:nvSpPr>
+        <p:spPr>
+          <a:xfrm>
+            <a:off x="5575300" y="2993390"/>
+            <a:ext cx="937895" cy="333375"/>
+          </a:xfrm>
+          <a:prstGeom prst="flowChartDisplay">
+            <a:avLst/>
+          </a:prstGeom>
+          <a:gradFill rotWithShape="0">
+            <a:gsLst>
+              <a:gs pos="0">
+                <a:schemeClr val="accent1"/>
+              </a:gs>
+              <a:gs pos="100000">
+                <a:schemeClr val="accent2"/>
+              </a:gs>
+            </a:gsLst>
+            <a:lin ang="5400000" scaled="1"/>
+          </a:gradFill>
+          <a:ln w="9525" cap="flat" cmpd="sng" algn="ctr">
+            <a:solidFill>
+              <a:schemeClr val="accent1"/>
+            </a:solidFill>
+            <a:prstDash val="solid"/>
+            <a:round/>
+            <a:headEnd type="none" w="med" len="med"/>
+            <a:tailEnd type="none" w="med" len="med"/>
+          </a:ln>
+        </p:spPr>
+        <p:txBody>
+          <a:bodyPr vert="horz" wrap="none" lIns="91440" tIns="45720" rIns="91440" bIns="45720" numCol="1" anchor="ctr" anchorCtr="0" compatLnSpc="1"/>
+          <a:p>
+            <a:pPr marL="0" marR="0" indent="0" algn="ctr" defTabSz="914400" rtl="0" eaLnBrk="1" fontAlgn="base" latinLnBrk="0" hangingPunct="1">
+              <a:lnSpc>
+                <a:spcPct val="100000"/>
+              </a:lnSpc>
+              <a:spcBef>
+                <a:spcPct val="0"/>
+              </a:spcBef>
+              <a:spcAft>
+                <a:spcPct val="0"/>
+              </a:spcAft>
+              <a:buClrTx/>
+              <a:buSzTx/>
+              <a:buFontTx/>
+              <a:buNone/>
+            </a:pPr>
+            <a:r>
+              <a:rPr kumimoji="0" lang="pt-BR" altLang="zh-CN" sz="1200" b="0" i="0" u="none" strike="noStrike" cap="none" normalizeH="0" baseline="0" smtClean="0">
+                <a:ln>
+                  <a:noFill/>
+                </a:ln>
+                <a:solidFill>
+                  <a:schemeClr val="tx1"/>
+                </a:solidFill>
+                <a:effectLst/>
+                <a:latin typeface="Arial" panose="020B0604020202020204" pitchFamily="34" charset="0"/>
+                <a:ea typeface="SimSun" panose="02010600030101010101" pitchFamily="2" charset="-122"/>
+                <a:cs typeface="Arial" panose="020B0604020202020204" pitchFamily="34" charset="0"/>
+              </a:rPr>
+              <a:t>XML</a:t>
+            </a:r>
+            <a:endParaRPr kumimoji="0" lang="pt-BR" altLang="zh-CN" sz="1200" b="0" i="0" u="none" strike="noStrike" cap="none" normalizeH="0" baseline="0" smtClean="0">
+              <a:ln>
+                <a:noFill/>
+              </a:ln>
+              <a:solidFill>
+                <a:schemeClr val="tx1"/>
+              </a:solidFill>
+              <a:effectLst/>
+              <a:latin typeface="Arial" panose="020B0604020202020204" pitchFamily="34" charset="0"/>
+              <a:ea typeface="SimSun" panose="02010600030101010101" pitchFamily="2" charset="-122"/>
+              <a:cs typeface="Arial" panose="020B0604020202020204" pitchFamily="34" charset="0"/>
+            </a:endParaRPr>
+          </a:p>
+        </p:txBody>
+      </p:sp>
+      <p:cxnSp>
+        <p:nvCxnSpPr>
+          <p:cNvPr id="7" name="Conector de Seta Reta 6"/>
+          <p:cNvCxnSpPr>
+            <a:stCxn id="57" idx="4"/>
+            <a:endCxn id="6" idx="0"/>
+          </p:cNvCxnSpPr>
+          <p:nvPr/>
+        </p:nvCxnSpPr>
+        <p:spPr>
+          <a:xfrm>
+            <a:off x="6043930" y="2752725"/>
+            <a:ext cx="635" cy="240665"/>
+          </a:xfrm>
+          <a:prstGeom prst="straightConnector1">
+            <a:avLst/>
+          </a:prstGeom>
+          <a:gradFill rotWithShape="0">
+            <a:gsLst>
+              <a:gs pos="0">
+                <a:schemeClr val="accent1"/>
+              </a:gs>
+              <a:gs pos="100000">
+                <a:schemeClr val="accent2"/>
+              </a:gs>
+            </a:gsLst>
+            <a:lin ang="5400000" scaled="1"/>
+          </a:gradFill>
+          <a:ln w="9525" cap="flat" cmpd="sng" algn="ctr">
+            <a:solidFill>
+              <a:schemeClr val="accent1"/>
+            </a:solidFill>
+            <a:prstDash val="solid"/>
+            <a:round/>
+            <a:headEnd type="none" w="med" len="med"/>
+            <a:tailEnd type="arrow" w="med" len="med"/>
+          </a:ln>
+        </p:spPr>
+      </p:cxnSp>
+      <p:sp>
+        <p:nvSpPr>
+          <p:cNvPr id="8" name="Elipse 7"/>
+          <p:cNvSpPr/>
+          <p:nvPr/>
+        </p:nvSpPr>
+        <p:spPr>
+          <a:xfrm>
+            <a:off x="2604135" y="5643245"/>
+            <a:ext cx="1002665" cy="523875"/>
+          </a:xfrm>
+          <a:prstGeom prst="ellipse">
+            <a:avLst/>
+          </a:prstGeom>
+          <a:gradFill rotWithShape="0">
+            <a:gsLst>
+              <a:gs pos="0">
+                <a:schemeClr val="accent1"/>
+              </a:gs>
+              <a:gs pos="100000">
+                <a:schemeClr val="accent2"/>
+              </a:gs>
+            </a:gsLst>
+            <a:lin ang="5400000" scaled="1"/>
+          </a:gradFill>
+          <a:ln w="9525" cap="flat" cmpd="sng" algn="ctr">
+            <a:solidFill>
+              <a:schemeClr val="accent1"/>
+            </a:solidFill>
+            <a:prstDash val="solid"/>
+            <a:round/>
+            <a:headEnd type="none" w="med" len="med"/>
+            <a:tailEnd type="none" w="med" len="med"/>
+          </a:ln>
+        </p:spPr>
+        <p:txBody>
+          <a:bodyPr vert="horz" wrap="none" lIns="91440" tIns="45720" rIns="91440" bIns="45720" numCol="1" anchor="ctr" anchorCtr="0" compatLnSpc="1"/>
+          <a:p>
+            <a:pPr marL="0" marR="0" indent="0" algn="ctr" defTabSz="914400" rtl="0" eaLnBrk="1" fontAlgn="base" latinLnBrk="0" hangingPunct="1">
+              <a:lnSpc>
+                <a:spcPct val="100000"/>
+              </a:lnSpc>
+              <a:spcBef>
+                <a:spcPct val="0"/>
+              </a:spcBef>
+              <a:spcAft>
+                <a:spcPct val="0"/>
+              </a:spcAft>
+              <a:buClrTx/>
+              <a:buSzTx/>
+              <a:buFontTx/>
+              <a:buNone/>
+            </a:pPr>
+            <a:r>
+              <a:rPr kumimoji="0" lang="pt-BR" altLang="zh-CN" sz="1200" b="0" i="0" u="none" strike="noStrike" cap="none" normalizeH="0" baseline="0" smtClean="0">
+                <a:ln>
+                  <a:noFill/>
+                </a:ln>
+                <a:solidFill>
+                  <a:schemeClr val="tx1"/>
+                </a:solidFill>
+                <a:effectLst/>
+                <a:latin typeface="Arial" panose="020B0604020202020204" pitchFamily="34" charset="0"/>
+                <a:ea typeface="SimSun" panose="02010600030101010101" pitchFamily="2" charset="-122"/>
+                <a:cs typeface="Arial" panose="020B0604020202020204" pitchFamily="34" charset="0"/>
+              </a:rPr>
+              <a:t>SOAP</a:t>
+            </a:r>
+            <a:endParaRPr kumimoji="0" lang="pt-BR" altLang="zh-CN" sz="1200" b="0" i="0" u="none" strike="noStrike" cap="none" normalizeH="0" baseline="0" smtClean="0">
+              <a:ln>
+                <a:noFill/>
+              </a:ln>
+              <a:solidFill>
+                <a:schemeClr val="tx1"/>
+              </a:solidFill>
+              <a:effectLst/>
+              <a:latin typeface="Arial" panose="020B0604020202020204" pitchFamily="34" charset="0"/>
+              <a:ea typeface="SimSun" panose="02010600030101010101" pitchFamily="2" charset="-122"/>
+              <a:cs typeface="Arial" panose="020B0604020202020204" pitchFamily="34" charset="0"/>
+            </a:endParaRPr>
+          </a:p>
+        </p:txBody>
+      </p:sp>
+      <p:cxnSp>
+        <p:nvCxnSpPr>
+          <p:cNvPr id="9" name="Conector de Seta Reta 8"/>
+          <p:cNvCxnSpPr>
+            <a:endCxn id="8" idx="2"/>
+          </p:cNvCxnSpPr>
+          <p:nvPr/>
+        </p:nvCxnSpPr>
+        <p:spPr>
+          <a:xfrm>
+            <a:off x="1923415" y="3074670"/>
+            <a:ext cx="680720" cy="2830830"/>
+          </a:xfrm>
+          <a:prstGeom prst="straightConnector1">
+            <a:avLst/>
+          </a:prstGeom>
+          <a:gradFill rotWithShape="0">
+            <a:gsLst>
+              <a:gs pos="0">
+                <a:schemeClr val="accent1"/>
+              </a:gs>
+              <a:gs pos="100000">
+                <a:schemeClr val="accent2"/>
+              </a:gs>
+            </a:gsLst>
+            <a:lin ang="5400000" scaled="1"/>
+          </a:gradFill>
+          <a:ln w="9525" cap="flat" cmpd="sng" algn="ctr">
+            <a:solidFill>
+              <a:schemeClr val="accent1"/>
+            </a:solidFill>
+            <a:prstDash val="solid"/>
+            <a:round/>
+            <a:headEnd type="none" w="med" len="med"/>
+            <a:tailEnd type="arrow" w="med" len="med"/>
+          </a:ln>
+        </p:spPr>
+      </p:cxnSp>
+      <p:sp>
+        <p:nvSpPr>
+          <p:cNvPr id="10" name="Fluxograma: multidocument 9"/>
+          <p:cNvSpPr/>
+          <p:nvPr/>
+        </p:nvSpPr>
+        <p:spPr>
+          <a:xfrm>
+            <a:off x="9766300" y="5751830"/>
+            <a:ext cx="2414270" cy="694690"/>
+          </a:xfrm>
+          <a:prstGeom prst="flowChartMultidocument">
+            <a:avLst/>
+          </a:prstGeom>
+          <a:gradFill rotWithShape="0">
+            <a:gsLst>
+              <a:gs pos="0">
+                <a:schemeClr val="accent1"/>
+              </a:gs>
+              <a:gs pos="100000">
+                <a:schemeClr val="accent2"/>
+              </a:gs>
+            </a:gsLst>
+            <a:lin ang="5400000" scaled="1"/>
+          </a:gradFill>
+          <a:ln w="9525" cap="flat" cmpd="sng" algn="ctr">
+            <a:solidFill>
+              <a:schemeClr val="accent1"/>
+            </a:solidFill>
+            <a:prstDash val="solid"/>
+            <a:round/>
+            <a:headEnd type="none" w="med" len="med"/>
+            <a:tailEnd type="none" w="med" len="med"/>
+          </a:ln>
+        </p:spPr>
+        <p:txBody>
+          <a:bodyPr vert="horz" wrap="none" lIns="91440" tIns="45720" rIns="91440" bIns="45720" numCol="1" anchor="ctr" anchorCtr="0" compatLnSpc="1"/>
+          <a:p>
+            <a:pPr marL="0" marR="0" indent="0" algn="l" defTabSz="914400" rtl="0" eaLnBrk="1" fontAlgn="base" latinLnBrk="0" hangingPunct="1">
+              <a:lnSpc>
+                <a:spcPct val="100000"/>
+              </a:lnSpc>
+              <a:spcBef>
+                <a:spcPct val="0"/>
+              </a:spcBef>
+              <a:spcAft>
+                <a:spcPct val="0"/>
+              </a:spcAft>
+              <a:buClrTx/>
+              <a:buSzTx/>
+              <a:buFontTx/>
+              <a:buNone/>
+            </a:pPr>
+            <a:r>
+              <a:rPr kumimoji="0" lang="pt-BR" altLang="zh-CN" sz="1200" b="0" i="0" u="none" strike="noStrike" cap="none" normalizeH="0" baseline="0" smtClean="0">
+                <a:ln>
+                  <a:noFill/>
+                </a:ln>
+                <a:solidFill>
+                  <a:schemeClr val="tx1"/>
+                </a:solidFill>
+                <a:effectLst/>
+                <a:latin typeface="Arial" panose="020B0604020202020204" pitchFamily="34" charset="0"/>
+                <a:ea typeface="SimSun" panose="02010600030101010101" pitchFamily="2" charset="-122"/>
+                <a:cs typeface="Arial" panose="020B0604020202020204" pitchFamily="34" charset="0"/>
+              </a:rPr>
+              <a:t>API e Resources</a:t>
+            </a:r>
+            <a:endParaRPr kumimoji="0" lang="pt-BR" altLang="zh-CN" sz="1200" b="0" i="0" u="none" strike="noStrike" cap="none" normalizeH="0" baseline="0" smtClean="0">
+              <a:ln>
+                <a:noFill/>
+              </a:ln>
+              <a:solidFill>
+                <a:schemeClr val="tx1"/>
+              </a:solidFill>
+              <a:effectLst/>
+              <a:latin typeface="Arial" panose="020B0604020202020204" pitchFamily="34" charset="0"/>
+              <a:ea typeface="SimSun" panose="02010600030101010101" pitchFamily="2" charset="-122"/>
+              <a:cs typeface="Arial" panose="020B0604020202020204" pitchFamily="34" charset="0"/>
+            </a:endParaRPr>
+          </a:p>
+          <a:p>
+            <a:pPr marL="0" marR="0" indent="0" algn="l" defTabSz="914400" rtl="0" eaLnBrk="1" fontAlgn="base" latinLnBrk="0" hangingPunct="1">
+              <a:lnSpc>
+                <a:spcPct val="100000"/>
+              </a:lnSpc>
+              <a:spcBef>
+                <a:spcPct val="0"/>
+              </a:spcBef>
+              <a:spcAft>
+                <a:spcPct val="0"/>
+              </a:spcAft>
+              <a:buClrTx/>
+              <a:buSzTx/>
+              <a:buFontTx/>
+              <a:buNone/>
+            </a:pPr>
+            <a:r>
+              <a:rPr kumimoji="0" lang="pt-BR" altLang="zh-CN" sz="1200" b="0" i="0" u="none" strike="noStrike" cap="none" normalizeH="0" baseline="0" smtClean="0">
+                <a:ln>
+                  <a:noFill/>
+                </a:ln>
+                <a:solidFill>
+                  <a:schemeClr val="tx1"/>
+                </a:solidFill>
+                <a:effectLst/>
+                <a:latin typeface="Arial" panose="020B0604020202020204" pitchFamily="34" charset="0"/>
+                <a:ea typeface="SimSun" panose="02010600030101010101" pitchFamily="2" charset="-122"/>
+                <a:cs typeface="Arial" panose="020B0604020202020204" pitchFamily="34" charset="0"/>
+              </a:rPr>
+              <a:t>etc.</a:t>
+            </a:r>
+            <a:endParaRPr kumimoji="0" lang="pt-BR" altLang="zh-CN" sz="1200" b="0" i="0" u="none" strike="noStrike" cap="none" normalizeH="0" baseline="0" smtClean="0">
+              <a:ln>
+                <a:noFill/>
+              </a:ln>
+              <a:solidFill>
+                <a:schemeClr val="tx1"/>
+              </a:solidFill>
+              <a:effectLst/>
+              <a:latin typeface="Arial" panose="020B0604020202020204" pitchFamily="34" charset="0"/>
+              <a:ea typeface="SimSun" panose="02010600030101010101" pitchFamily="2" charset="-122"/>
+              <a:cs typeface="Arial" panose="020B0604020202020204" pitchFamily="34" charset="0"/>
+            </a:endParaRPr>
+          </a:p>
+        </p:txBody>
+      </p:sp>
+      <p:cxnSp>
+        <p:nvCxnSpPr>
+          <p:cNvPr id="11" name="Conector de Seta Reta 10"/>
+          <p:cNvCxnSpPr>
+            <a:stCxn id="8" idx="6"/>
+            <a:endCxn id="10" idx="1"/>
+          </p:cNvCxnSpPr>
+          <p:nvPr/>
+        </p:nvCxnSpPr>
+        <p:spPr>
+          <a:xfrm>
+            <a:off x="3606800" y="5905500"/>
+            <a:ext cx="6159500" cy="193675"/>
           </a:xfrm>
           <a:prstGeom prst="straightConnector1">
             <a:avLst/>
@@ -10212,7 +11343,7 @@
           <a:p>
             <a:r>
               <a:rPr lang="pt-BR" altLang="en-US"/>
-              <a:t>Arquitetura:  Testes Unitários</a:t>
+              <a:t>Arquitetura:  Resources (Paginas, Imagens...)</a:t>
             </a:r>
             <a:endParaRPr lang="pt-BR" altLang="en-US"/>
           </a:p>
@@ -10227,7 +11358,7 @@
         <p:spPr>
           <a:xfrm>
             <a:off x="148590" y="3503295"/>
-            <a:ext cx="2342515" cy="548640"/>
+            <a:ext cx="1796415" cy="548640"/>
           </a:xfrm>
           <a:prstGeom prst="ellipse">
             <a:avLst/>
@@ -10284,7 +11415,7 @@
                 <a:ea typeface="SimSun" panose="02010600030101010101" pitchFamily="2" charset="-122"/>
                 <a:cs typeface="+mj-lt"/>
               </a:rPr>
-              <a:t>test.java.br.com.projeto</a:t>
+              <a:t>resources</a:t>
             </a:r>
             <a:endParaRPr kumimoji="0" lang="pt-BR" altLang="zh-CN" sz="1600" b="0" i="0" u="none" strike="noStrike" cap="none" normalizeH="0" baseline="0" smtClean="0">
               <a:ln>
@@ -10301,6 +11432,211 @@
           </a:p>
         </p:txBody>
       </p:sp>
+      <p:cxnSp>
+        <p:nvCxnSpPr>
+          <p:cNvPr id="13" name="Conector de Seta Reta 12"/>
+          <p:cNvCxnSpPr>
+            <a:stCxn id="4" idx="6"/>
+            <a:endCxn id="40" idx="2"/>
+          </p:cNvCxnSpPr>
+          <p:nvPr/>
+        </p:nvCxnSpPr>
+        <p:spPr>
+          <a:xfrm flipV="1">
+            <a:off x="1945005" y="2407920"/>
+            <a:ext cx="561340" cy="1369695"/>
+          </a:xfrm>
+          <a:prstGeom prst="straightConnector1">
+            <a:avLst/>
+          </a:prstGeom>
+          <a:gradFill rotWithShape="0">
+            <a:gsLst>
+              <a:gs pos="0">
+                <a:schemeClr val="accent1"/>
+              </a:gs>
+              <a:gs pos="100000">
+                <a:schemeClr val="accent2"/>
+              </a:gs>
+            </a:gsLst>
+            <a:lin ang="5400000" scaled="1"/>
+          </a:gradFill>
+          <a:ln w="9525" cap="flat" cmpd="sng" algn="ctr">
+            <a:solidFill>
+              <a:schemeClr val="accent1"/>
+            </a:solidFill>
+            <a:prstDash val="solid"/>
+            <a:round/>
+            <a:headEnd type="none" w="med" len="med"/>
+            <a:tailEnd type="arrow" w="med" len="med"/>
+          </a:ln>
+        </p:spPr>
+      </p:cxnSp>
+      <p:sp>
+        <p:nvSpPr>
+          <p:cNvPr id="40" name="Elipse 39"/>
+          <p:cNvSpPr/>
+          <p:nvPr/>
+        </p:nvSpPr>
+        <p:spPr>
+          <a:xfrm>
+            <a:off x="2506345" y="2133600"/>
+            <a:ext cx="1334135" cy="548640"/>
+          </a:xfrm>
+          <a:prstGeom prst="ellipse">
+            <a:avLst/>
+          </a:prstGeom>
+          <a:gradFill rotWithShape="0">
+            <a:gsLst>
+              <a:gs pos="0">
+                <a:schemeClr val="accent1"/>
+              </a:gs>
+              <a:gs pos="100000">
+                <a:schemeClr val="accent2"/>
+              </a:gs>
+            </a:gsLst>
+            <a:lin ang="5400000" scaled="1"/>
+          </a:gradFill>
+          <a:ln w="9525" cap="flat" cmpd="sng" algn="ctr">
+            <a:solidFill>
+              <a:schemeClr val="accent1"/>
+            </a:solidFill>
+            <a:prstDash val="solid"/>
+            <a:round/>
+            <a:headEnd type="none" w="med" len="med"/>
+            <a:tailEnd type="none" w="med" len="med"/>
+          </a:ln>
+        </p:spPr>
+        <p:txBody>
+          <a:bodyPr vert="horz" wrap="none" lIns="91440" tIns="45720" rIns="91440" bIns="45720" numCol="1" anchor="ctr" anchorCtr="0" compatLnSpc="1"/>
+          <a:p>
+            <a:pPr marL="0" marR="0" indent="0" algn="ctr" defTabSz="914400" rtl="0" eaLnBrk="1" fontAlgn="base" latinLnBrk="0" hangingPunct="1">
+              <a:lnSpc>
+                <a:spcPct val="100000"/>
+              </a:lnSpc>
+              <a:spcBef>
+                <a:spcPct val="0"/>
+              </a:spcBef>
+              <a:spcAft>
+                <a:spcPct val="0"/>
+              </a:spcAft>
+              <a:buClrTx/>
+              <a:buSzTx/>
+              <a:buFontTx/>
+              <a:buNone/>
+            </a:pPr>
+            <a:r>
+              <a:rPr kumimoji="0" lang="pt-BR" altLang="zh-CN" sz="1600" b="0" i="0" u="none" strike="noStrike" cap="none" normalizeH="0" baseline="0" smtClean="0">
+                <a:ln>
+                  <a:noFill/>
+                </a:ln>
+                <a:solidFill>
+                  <a:schemeClr val="tx1"/>
+                </a:solidFill>
+                <a:effectLst/>
+                <a:latin typeface="+mj-lt"/>
+                <a:ea typeface="SimSun" panose="02010600030101010101" pitchFamily="2" charset="-122"/>
+                <a:cs typeface="+mj-lt"/>
+              </a:rPr>
+              <a:t>templates</a:t>
+            </a:r>
+            <a:endParaRPr kumimoji="0" lang="pt-BR" altLang="zh-CN" sz="1600" b="0" i="0" u="none" strike="noStrike" cap="none" normalizeH="0" baseline="0" smtClean="0">
+              <a:ln>
+                <a:noFill/>
+              </a:ln>
+              <a:solidFill>
+                <a:schemeClr val="tx1"/>
+              </a:solidFill>
+              <a:effectLst/>
+              <a:latin typeface="+mj-lt"/>
+              <a:ea typeface="SimSun" panose="02010600030101010101" pitchFamily="2" charset="-122"/>
+              <a:cs typeface="+mj-lt"/>
+            </a:endParaRPr>
+          </a:p>
+        </p:txBody>
+      </p:sp>
+      <p:sp>
+        <p:nvSpPr>
+          <p:cNvPr id="42" name="Elipse 41"/>
+          <p:cNvSpPr/>
+          <p:nvPr/>
+        </p:nvSpPr>
+        <p:spPr>
+          <a:xfrm>
+            <a:off x="2506345" y="3559175"/>
+            <a:ext cx="1332865" cy="548640"/>
+          </a:xfrm>
+          <a:prstGeom prst="ellipse">
+            <a:avLst/>
+          </a:prstGeom>
+          <a:gradFill rotWithShape="0">
+            <a:gsLst>
+              <a:gs pos="0">
+                <a:schemeClr val="accent1"/>
+              </a:gs>
+              <a:gs pos="100000">
+                <a:schemeClr val="accent2"/>
+              </a:gs>
+            </a:gsLst>
+            <a:lin ang="5400000" scaled="1"/>
+          </a:gradFill>
+          <a:ln w="9525" cap="flat" cmpd="sng" algn="ctr">
+            <a:solidFill>
+              <a:schemeClr val="accent1"/>
+            </a:solidFill>
+            <a:prstDash val="solid"/>
+            <a:round/>
+            <a:headEnd type="none" w="med" len="med"/>
+            <a:tailEnd type="none" w="med" len="med"/>
+          </a:ln>
+        </p:spPr>
+        <p:txBody>
+          <a:bodyPr vert="horz" wrap="none" lIns="91440" tIns="45720" rIns="91440" bIns="45720" numCol="1" anchor="ctr" anchorCtr="0" compatLnSpc="1"/>
+          <a:p>
+            <a:pPr marL="0" marR="0" indent="0" algn="ctr" defTabSz="914400" rtl="0" eaLnBrk="1" fontAlgn="base" latinLnBrk="0" hangingPunct="1">
+              <a:lnSpc>
+                <a:spcPct val="100000"/>
+              </a:lnSpc>
+              <a:spcBef>
+                <a:spcPct val="0"/>
+              </a:spcBef>
+              <a:spcAft>
+                <a:spcPct val="0"/>
+              </a:spcAft>
+              <a:buClrTx/>
+              <a:buSzTx/>
+              <a:buFontTx/>
+              <a:buNone/>
+            </a:pPr>
+            <a:r>
+              <a:rPr kumimoji="0" lang="pt-BR" altLang="zh-CN" sz="1600" b="0" i="0" u="none" strike="noStrike" cap="none" normalizeH="0" baseline="0" smtClean="0">
+                <a:ln>
+                  <a:noFill/>
+                </a:ln>
+                <a:solidFill>
+                  <a:schemeClr val="tx1"/>
+                </a:solidFill>
+                <a:effectLst/>
+                <a:latin typeface="+mj-lt"/>
+                <a:ea typeface="SimSun" panose="02010600030101010101" pitchFamily="2" charset="-122"/>
+                <a:cs typeface="+mj-lt"/>
+              </a:rPr>
+              <a:t>static</a:t>
+            </a:r>
+            <a:endParaRPr kumimoji="0" lang="pt-BR" altLang="zh-CN" sz="1600" b="0" i="0" u="none" strike="noStrike" cap="none" normalizeH="0" baseline="0" smtClean="0">
+              <a:ln>
+                <a:noFill/>
+              </a:ln>
+              <a:solidFill>
+                <a:schemeClr val="tx1"/>
+              </a:solidFill>
+              <a:effectLst/>
+              <a:latin typeface="+mj-lt"/>
+              <a:ea typeface="SimSun" panose="02010600030101010101" pitchFamily="2" charset="-122"/>
+              <a:cs typeface="+mj-lt"/>
+            </a:endParaRPr>
+          </a:p>
+        </p:txBody>
+      </p:sp>
       <p:sp>
         <p:nvSpPr>
           <p:cNvPr id="51" name="Elipse 50"/>
@@ -10309,7 +11645,7 @@
         </p:nvSpPr>
         <p:spPr>
           <a:xfrm>
-            <a:off x="3939540" y="4989830"/>
+            <a:off x="2500630" y="4956175"/>
             <a:ext cx="1299845" cy="548640"/>
           </a:xfrm>
           <a:prstGeom prst="ellipse">
@@ -10361,7 +11697,7 @@
                 <a:ea typeface="SimSun" panose="02010600030101010101" pitchFamily="2" charset="-122"/>
                 <a:cs typeface="+mj-lt"/>
               </a:rPr>
-              <a:t>Controller</a:t>
+              <a:t>db</a:t>
             </a:r>
             <a:endParaRPr kumimoji="0" lang="pt-BR" altLang="zh-CN" sz="1600" b="0" i="0" u="none" strike="noStrike" cap="none" normalizeH="0" baseline="0" smtClean="0">
               <a:ln>
@@ -10380,17 +11716,17 @@
       </p:sp>
       <p:cxnSp>
         <p:nvCxnSpPr>
-          <p:cNvPr id="54" name="Conector de Seta Reta 53"/>
+          <p:cNvPr id="53" name="Conector de Seta Reta 52"/>
           <p:cNvCxnSpPr>
             <a:stCxn id="4" idx="6"/>
-            <a:endCxn id="51" idx="2"/>
+            <a:endCxn id="42" idx="2"/>
           </p:cNvCxnSpPr>
           <p:nvPr/>
         </p:nvCxnSpPr>
         <p:spPr>
           <a:xfrm>
-            <a:off x="2491105" y="3777615"/>
-            <a:ext cx="1448435" cy="1486535"/>
+            <a:off x="1945005" y="3777615"/>
+            <a:ext cx="561340" cy="55880"/>
           </a:xfrm>
           <a:prstGeom prst="straightConnector1">
             <a:avLst/>
@@ -10417,6 +11753,45 @@
           </a:ln>
         </p:spPr>
       </p:cxnSp>
+      <p:cxnSp>
+        <p:nvCxnSpPr>
+          <p:cNvPr id="54" name="Conector de Seta Reta 53"/>
+          <p:cNvCxnSpPr>
+            <a:stCxn id="4" idx="6"/>
+            <a:endCxn id="51" idx="2"/>
+          </p:cNvCxnSpPr>
+          <p:nvPr/>
+        </p:nvCxnSpPr>
+        <p:spPr>
+          <a:xfrm>
+            <a:off x="1945005" y="3777615"/>
+            <a:ext cx="555625" cy="1452880"/>
+          </a:xfrm>
+          <a:prstGeom prst="straightConnector1">
+            <a:avLst/>
+          </a:prstGeom>
+          <a:gradFill rotWithShape="0">
+            <a:gsLst>
+              <a:gs pos="0">
+                <a:schemeClr val="accent1"/>
+              </a:gs>
+              <a:gs pos="100000">
+                <a:schemeClr val="accent2"/>
+              </a:gs>
+            </a:gsLst>
+            <a:lin ang="5400000" scaled="1"/>
+          </a:gradFill>
+          <a:ln w="9525" cap="flat" cmpd="sng" algn="ctr">
+            <a:solidFill>
+              <a:schemeClr val="accent1"/>
+            </a:solidFill>
+            <a:prstDash val="solid"/>
+            <a:round/>
+            <a:headEnd type="none" w="med" len="med"/>
+            <a:tailEnd type="arrow" w="med" len="med"/>
+          </a:ln>
+        </p:spPr>
+      </p:cxnSp>
       <p:sp>
         <p:nvSpPr>
           <p:cNvPr id="57" name="Elipse 56"/>
@@ -10425,7 +11800,7 @@
         </p:nvSpPr>
         <p:spPr>
           <a:xfrm>
-            <a:off x="5680075" y="4305935"/>
+            <a:off x="4389755" y="4956810"/>
             <a:ext cx="1217930" cy="532130"/>
           </a:xfrm>
           <a:prstGeom prst="ellipse">
@@ -10477,7 +11852,7 @@
                 <a:ea typeface="SimSun" panose="02010600030101010101" pitchFamily="2" charset="-122"/>
                 <a:cs typeface="+mj-lt"/>
               </a:rPr>
-              <a:t>Rest</a:t>
+              <a:t>migration</a:t>
             </a:r>
             <a:endParaRPr kumimoji="0" lang="pt-BR" altLang="zh-CN" sz="1600" b="0" i="0" u="none" strike="noStrike" cap="none" normalizeH="0" baseline="0" smtClean="0">
               <a:ln>
@@ -10505,8 +11880,8 @@
         </p:nvCxnSpPr>
         <p:spPr>
           <a:xfrm flipV="1">
-            <a:off x="5239385" y="4572000"/>
-            <a:ext cx="440690" cy="692150"/>
+            <a:off x="3800475" y="5222875"/>
+            <a:ext cx="589280" cy="7620"/>
           </a:xfrm>
           <a:prstGeom prst="straightConnector1">
             <a:avLst/>
@@ -10541,7 +11916,7 @@
         </p:nvSpPr>
         <p:spPr>
           <a:xfrm>
-            <a:off x="7812405" y="4019550"/>
+            <a:off x="6373495" y="4804410"/>
             <a:ext cx="3372485" cy="818515"/>
           </a:xfrm>
           <a:prstGeom prst="flowChartMultidocument">
@@ -10592,7 +11967,7 @@
                 <a:latin typeface="Arial" panose="020B0604020202020204" pitchFamily="34" charset="0"/>
                 <a:ea typeface="SimSun" panose="02010600030101010101" pitchFamily="2" charset="-122"/>
               </a:rPr>
-              <a:t>nomeRestTest.java</a:t>
+              <a:t>V1__nome.sql (V = Versão)</a:t>
             </a:r>
             <a:endParaRPr kumimoji="0" lang="pt-BR" altLang="zh-CN" sz="1800" b="0" i="0" u="none" strike="noStrike" cap="none" normalizeH="0" baseline="0" smtClean="0">
               <a:ln>
@@ -10661,8 +12036,8 @@
         </p:nvCxnSpPr>
         <p:spPr>
           <a:xfrm flipV="1">
-            <a:off x="6898005" y="4429125"/>
-            <a:ext cx="914400" cy="142875"/>
+            <a:off x="5607685" y="5213985"/>
+            <a:ext cx="765810" cy="8890"/>
           </a:xfrm>
           <a:prstGeom prst="straightConnector1">
             <a:avLst/>
@@ -10691,13 +12066,460 @@
       </p:cxnSp>
       <p:sp>
         <p:nvSpPr>
-          <p:cNvPr id="6" name="Elipse 5"/>
+          <p:cNvPr id="68" name="Fluxograma: multidocument 67"/>
           <p:cNvSpPr/>
           <p:nvPr/>
         </p:nvSpPr>
         <p:spPr>
           <a:xfrm>
-            <a:off x="4164330" y="2954655"/>
+            <a:off x="6360160" y="2047240"/>
+            <a:ext cx="2827655" cy="694690"/>
+          </a:xfrm>
+          <a:prstGeom prst="flowChartMultidocument">
+            <a:avLst/>
+          </a:prstGeom>
+          <a:gradFill rotWithShape="0">
+            <a:gsLst>
+              <a:gs pos="0">
+                <a:schemeClr val="accent1"/>
+              </a:gs>
+              <a:gs pos="100000">
+                <a:schemeClr val="accent2"/>
+              </a:gs>
+            </a:gsLst>
+            <a:lin ang="5400000" scaled="1"/>
+          </a:gradFill>
+          <a:ln w="9525" cap="flat" cmpd="sng" algn="ctr">
+            <a:solidFill>
+              <a:schemeClr val="accent1"/>
+            </a:solidFill>
+            <a:prstDash val="solid"/>
+            <a:round/>
+            <a:headEnd type="none" w="med" len="med"/>
+            <a:tailEnd type="none" w="med" len="med"/>
+          </a:ln>
+        </p:spPr>
+        <p:txBody>
+          <a:bodyPr vert="horz" wrap="none" lIns="91440" tIns="45720" rIns="91440" bIns="45720" numCol="1" anchor="ctr" anchorCtr="0" compatLnSpc="1"/>
+          <a:p>
+            <a:pPr marL="0" marR="0" indent="0" algn="l" defTabSz="914400" rtl="0" eaLnBrk="1" fontAlgn="base" latinLnBrk="0" hangingPunct="1">
+              <a:lnSpc>
+                <a:spcPct val="100000"/>
+              </a:lnSpc>
+              <a:spcBef>
+                <a:spcPct val="0"/>
+              </a:spcBef>
+              <a:spcAft>
+                <a:spcPct val="0"/>
+              </a:spcAft>
+              <a:buClrTx/>
+              <a:buSzTx/>
+              <a:buFontTx/>
+              <a:buNone/>
+            </a:pPr>
+            <a:r>
+              <a:rPr kumimoji="0" lang="pt-BR" altLang="zh-CN" sz="1800" b="0" i="0" u="none" strike="noStrike" cap="none" normalizeH="0" baseline="0" smtClean="0">
+                <a:ln>
+                  <a:noFill/>
+                </a:ln>
+                <a:solidFill>
+                  <a:schemeClr val="tx1"/>
+                </a:solidFill>
+                <a:effectLst/>
+                <a:latin typeface="Arial" panose="020B0604020202020204" pitchFamily="34" charset="0"/>
+                <a:ea typeface="SimSun" panose="02010600030101010101" pitchFamily="2" charset="-122"/>
+              </a:rPr>
+              <a:t>Paginas HTMLs</a:t>
+            </a:r>
+            <a:endParaRPr kumimoji="0" lang="pt-BR" altLang="zh-CN" sz="1800" b="0" i="0" u="none" strike="noStrike" cap="none" normalizeH="0" baseline="0" smtClean="0">
+              <a:ln>
+                <a:noFill/>
+              </a:ln>
+              <a:solidFill>
+                <a:schemeClr val="tx1"/>
+              </a:solidFill>
+              <a:effectLst/>
+              <a:latin typeface="Arial" panose="020B0604020202020204" pitchFamily="34" charset="0"/>
+              <a:ea typeface="SimSun" panose="02010600030101010101" pitchFamily="2" charset="-122"/>
+            </a:endParaRPr>
+          </a:p>
+          <a:p>
+            <a:pPr marL="0" marR="0" indent="0" algn="l" defTabSz="914400" rtl="0" eaLnBrk="1" fontAlgn="base" latinLnBrk="0" hangingPunct="1">
+              <a:lnSpc>
+                <a:spcPct val="100000"/>
+              </a:lnSpc>
+              <a:spcBef>
+                <a:spcPct val="0"/>
+              </a:spcBef>
+              <a:spcAft>
+                <a:spcPct val="0"/>
+              </a:spcAft>
+              <a:buClrTx/>
+              <a:buSzTx/>
+              <a:buFontTx/>
+              <a:buNone/>
+            </a:pPr>
+            <a:r>
+              <a:rPr kumimoji="0" lang="pt-BR" altLang="zh-CN" sz="1800" b="0" i="0" u="none" strike="noStrike" cap="none" normalizeH="0" baseline="0" smtClean="0">
+                <a:ln>
+                  <a:noFill/>
+                </a:ln>
+                <a:solidFill>
+                  <a:schemeClr val="tx1"/>
+                </a:solidFill>
+                <a:effectLst/>
+                <a:latin typeface="Arial" panose="020B0604020202020204" pitchFamily="34" charset="0"/>
+                <a:ea typeface="SimSun" panose="02010600030101010101" pitchFamily="2" charset="-122"/>
+              </a:rPr>
+              <a:t>...</a:t>
+            </a:r>
+            <a:endParaRPr kumimoji="0" lang="pt-BR" altLang="zh-CN" sz="1800" b="0" i="0" u="none" strike="noStrike" cap="none" normalizeH="0" baseline="0" smtClean="0">
+              <a:ln>
+                <a:noFill/>
+              </a:ln>
+              <a:solidFill>
+                <a:schemeClr val="tx1"/>
+              </a:solidFill>
+              <a:effectLst/>
+              <a:latin typeface="Arial" panose="020B0604020202020204" pitchFamily="34" charset="0"/>
+              <a:ea typeface="SimSun" panose="02010600030101010101" pitchFamily="2" charset="-122"/>
+            </a:endParaRPr>
+          </a:p>
+        </p:txBody>
+      </p:sp>
+      <p:cxnSp>
+        <p:nvCxnSpPr>
+          <p:cNvPr id="69" name="Conector de Seta Reta 68"/>
+          <p:cNvCxnSpPr>
+            <a:stCxn id="40" idx="6"/>
+            <a:endCxn id="68" idx="1"/>
+          </p:cNvCxnSpPr>
+          <p:nvPr/>
+        </p:nvCxnSpPr>
+        <p:spPr>
+          <a:xfrm flipV="1">
+            <a:off x="3840480" y="2394585"/>
+            <a:ext cx="2519680" cy="13335"/>
+          </a:xfrm>
+          <a:prstGeom prst="straightConnector1">
+            <a:avLst/>
+          </a:prstGeom>
+          <a:gradFill rotWithShape="0">
+            <a:gsLst>
+              <a:gs pos="0">
+                <a:schemeClr val="accent1"/>
+              </a:gs>
+              <a:gs pos="100000">
+                <a:schemeClr val="accent2"/>
+              </a:gs>
+            </a:gsLst>
+            <a:lin ang="5400000" scaled="1"/>
+          </a:gradFill>
+          <a:ln w="9525" cap="flat" cmpd="sng" algn="ctr">
+            <a:solidFill>
+              <a:schemeClr val="accent1"/>
+            </a:solidFill>
+            <a:prstDash val="solid"/>
+            <a:round/>
+            <a:headEnd type="none" w="med" len="med"/>
+            <a:tailEnd type="arrow" w="med" len="med"/>
+          </a:ln>
+        </p:spPr>
+      </p:cxnSp>
+      <p:sp>
+        <p:nvSpPr>
+          <p:cNvPr id="3" name="Fluxograma: multidocument 2"/>
+          <p:cNvSpPr/>
+          <p:nvPr/>
+        </p:nvSpPr>
+        <p:spPr>
+          <a:xfrm>
+            <a:off x="6373495" y="3458210"/>
+            <a:ext cx="2827655" cy="694690"/>
+          </a:xfrm>
+          <a:prstGeom prst="flowChartMultidocument">
+            <a:avLst/>
+          </a:prstGeom>
+          <a:gradFill rotWithShape="0">
+            <a:gsLst>
+              <a:gs pos="0">
+                <a:schemeClr val="accent1"/>
+              </a:gs>
+              <a:gs pos="100000">
+                <a:schemeClr val="accent2"/>
+              </a:gs>
+            </a:gsLst>
+            <a:lin ang="5400000" scaled="1"/>
+          </a:gradFill>
+          <a:ln w="9525" cap="flat" cmpd="sng" algn="ctr">
+            <a:solidFill>
+              <a:schemeClr val="accent1"/>
+            </a:solidFill>
+            <a:prstDash val="solid"/>
+            <a:round/>
+            <a:headEnd type="none" w="med" len="med"/>
+            <a:tailEnd type="none" w="med" len="med"/>
+          </a:ln>
+        </p:spPr>
+        <p:txBody>
+          <a:bodyPr vert="horz" wrap="none" lIns="91440" tIns="45720" rIns="91440" bIns="45720" numCol="1" anchor="ctr" anchorCtr="0" compatLnSpc="1"/>
+          <a:p>
+            <a:pPr marL="0" marR="0" indent="0" algn="l" defTabSz="914400" rtl="0" eaLnBrk="1" fontAlgn="base" latinLnBrk="0" hangingPunct="1">
+              <a:lnSpc>
+                <a:spcPct val="100000"/>
+              </a:lnSpc>
+              <a:spcBef>
+                <a:spcPct val="0"/>
+              </a:spcBef>
+              <a:spcAft>
+                <a:spcPct val="0"/>
+              </a:spcAft>
+              <a:buClrTx/>
+              <a:buSzTx/>
+              <a:buFontTx/>
+              <a:buNone/>
+            </a:pPr>
+            <a:r>
+              <a:rPr kumimoji="0" lang="pt-BR" altLang="zh-CN" sz="1800" b="0" i="0" u="none" strike="noStrike" cap="none" normalizeH="0" baseline="0" smtClean="0">
+                <a:ln>
+                  <a:noFill/>
+                </a:ln>
+                <a:solidFill>
+                  <a:schemeClr val="tx1"/>
+                </a:solidFill>
+                <a:effectLst/>
+                <a:latin typeface="Arial" panose="020B0604020202020204" pitchFamily="34" charset="0"/>
+                <a:ea typeface="SimSun" panose="02010600030101010101" pitchFamily="2" charset="-122"/>
+              </a:rPr>
+              <a:t>Imagens, CSS</a:t>
+            </a:r>
+            <a:endParaRPr kumimoji="0" lang="pt-BR" altLang="zh-CN" sz="1800" b="0" i="0" u="none" strike="noStrike" cap="none" normalizeH="0" baseline="0" smtClean="0">
+              <a:ln>
+                <a:noFill/>
+              </a:ln>
+              <a:solidFill>
+                <a:schemeClr val="tx1"/>
+              </a:solidFill>
+              <a:effectLst/>
+              <a:latin typeface="Arial" panose="020B0604020202020204" pitchFamily="34" charset="0"/>
+              <a:ea typeface="SimSun" panose="02010600030101010101" pitchFamily="2" charset="-122"/>
+            </a:endParaRPr>
+          </a:p>
+          <a:p>
+            <a:pPr marL="0" marR="0" indent="0" algn="l" defTabSz="914400" rtl="0" eaLnBrk="1" fontAlgn="base" latinLnBrk="0" hangingPunct="1">
+              <a:lnSpc>
+                <a:spcPct val="100000"/>
+              </a:lnSpc>
+              <a:spcBef>
+                <a:spcPct val="0"/>
+              </a:spcBef>
+              <a:spcAft>
+                <a:spcPct val="0"/>
+              </a:spcAft>
+              <a:buClrTx/>
+              <a:buSzTx/>
+              <a:buFontTx/>
+              <a:buNone/>
+            </a:pPr>
+            <a:r>
+              <a:rPr kumimoji="0" lang="pt-BR" altLang="zh-CN" sz="1800" b="0" i="0" u="none" strike="noStrike" cap="none" normalizeH="0" baseline="0" smtClean="0">
+                <a:ln>
+                  <a:noFill/>
+                </a:ln>
+                <a:solidFill>
+                  <a:schemeClr val="tx1"/>
+                </a:solidFill>
+                <a:effectLst/>
+                <a:latin typeface="Arial" panose="020B0604020202020204" pitchFamily="34" charset="0"/>
+                <a:ea typeface="SimSun" panose="02010600030101010101" pitchFamily="2" charset="-122"/>
+              </a:rPr>
+              <a:t>etc.</a:t>
+            </a:r>
+            <a:endParaRPr kumimoji="0" lang="pt-BR" altLang="zh-CN" sz="1800" b="0" i="0" u="none" strike="noStrike" cap="none" normalizeH="0" baseline="0" smtClean="0">
+              <a:ln>
+                <a:noFill/>
+              </a:ln>
+              <a:solidFill>
+                <a:schemeClr val="tx1"/>
+              </a:solidFill>
+              <a:effectLst/>
+              <a:latin typeface="Arial" panose="020B0604020202020204" pitchFamily="34" charset="0"/>
+              <a:ea typeface="SimSun" panose="02010600030101010101" pitchFamily="2" charset="-122"/>
+            </a:endParaRPr>
+          </a:p>
+        </p:txBody>
+      </p:sp>
+      <p:cxnSp>
+        <p:nvCxnSpPr>
+          <p:cNvPr id="5" name="Conector de Seta Reta 4"/>
+          <p:cNvCxnSpPr>
+            <a:stCxn id="42" idx="6"/>
+            <a:endCxn id="3" idx="1"/>
+          </p:cNvCxnSpPr>
+          <p:nvPr/>
+        </p:nvCxnSpPr>
+        <p:spPr>
+          <a:xfrm flipV="1">
+            <a:off x="3839210" y="3805555"/>
+            <a:ext cx="2534285" cy="27940"/>
+          </a:xfrm>
+          <a:prstGeom prst="straightConnector1">
+            <a:avLst/>
+          </a:prstGeom>
+          <a:gradFill rotWithShape="0">
+            <a:gsLst>
+              <a:gs pos="0">
+                <a:schemeClr val="accent1"/>
+              </a:gs>
+              <a:gs pos="100000">
+                <a:schemeClr val="accent2"/>
+              </a:gs>
+            </a:gsLst>
+            <a:lin ang="5400000" scaled="1"/>
+          </a:gradFill>
+          <a:ln w="9525" cap="flat" cmpd="sng" algn="ctr">
+            <a:solidFill>
+              <a:schemeClr val="accent1"/>
+            </a:solidFill>
+            <a:prstDash val="solid"/>
+            <a:round/>
+            <a:headEnd type="none" w="med" len="med"/>
+            <a:tailEnd type="arrow" w="med" len="med"/>
+          </a:ln>
+        </p:spPr>
+      </p:cxnSp>
+    </p:spTree>
+  </p:cSld>
+  <p:clrMapOvr>
+    <a:masterClrMapping/>
+  </p:clrMapOvr>
+</p:sld>
+</file>
+
+<file path=ppt/slides/slide8.xml><?xml version="1.0" encoding="utf-8"?>
+<p:sld xmlns:a="http://schemas.openxmlformats.org/drawingml/2006/main" xmlns:r="http://schemas.openxmlformats.org/officeDocument/2006/relationships" xmlns:p="http://schemas.openxmlformats.org/presentationml/2006/main">
+  <p:cSld>
+    <p:spTree>
+      <p:nvGrpSpPr>
+        <p:cNvPr id="1" name=""/>
+        <p:cNvGrpSpPr/>
+        <p:nvPr/>
+      </p:nvGrpSpPr>
+      <p:grpSpPr/>
+      <p:sp>
+        <p:nvSpPr>
+          <p:cNvPr id="2" name="Título 1"/>
+          <p:cNvSpPr>
+            <a:spLocks noGrp="1"/>
+          </p:cNvSpPr>
+          <p:nvPr>
+            <p:ph type="title"/>
+          </p:nvPr>
+        </p:nvSpPr>
+        <p:spPr/>
+        <p:txBody>
+          <a:bodyPr/>
+          <a:p>
+            <a:r>
+              <a:rPr lang="pt-BR" altLang="en-US"/>
+              <a:t>Arquitetura:  Testes Unitários</a:t>
+            </a:r>
+            <a:endParaRPr lang="pt-BR" altLang="en-US"/>
+          </a:p>
+        </p:txBody>
+      </p:sp>
+      <p:sp>
+        <p:nvSpPr>
+          <p:cNvPr id="4" name="Elipse 3"/>
+          <p:cNvSpPr/>
+          <p:nvPr/>
+        </p:nvSpPr>
+        <p:spPr>
+          <a:xfrm>
+            <a:off x="148590" y="3503295"/>
+            <a:ext cx="2342515" cy="548640"/>
+          </a:xfrm>
+          <a:prstGeom prst="ellipse">
+            <a:avLst/>
+          </a:prstGeom>
+          <a:gradFill rotWithShape="0">
+            <a:gsLst>
+              <a:gs pos="0">
+                <a:schemeClr val="accent1"/>
+              </a:gs>
+              <a:gs pos="100000">
+                <a:schemeClr val="accent2"/>
+              </a:gs>
+            </a:gsLst>
+            <a:lin ang="5400000" scaled="1"/>
+          </a:gradFill>
+          <a:ln w="9525" cap="flat" cmpd="sng" algn="ctr">
+            <a:solidFill>
+              <a:schemeClr val="accent1"/>
+            </a:solidFill>
+            <a:prstDash val="solid"/>
+            <a:round/>
+            <a:headEnd type="none" w="med" len="med"/>
+            <a:tailEnd type="none" w="med" len="med"/>
+          </a:ln>
+        </p:spPr>
+        <p:txBody>
+          <a:bodyPr vert="horz" wrap="none" lIns="91440" tIns="45720" rIns="91440" bIns="45720" numCol="1" anchor="ctr" anchorCtr="0" compatLnSpc="1"/>
+          <a:p>
+            <a:pPr marL="0" marR="0" indent="0" algn="ctr" defTabSz="914400" rtl="0" eaLnBrk="1" fontAlgn="base" latinLnBrk="0" hangingPunct="1">
+              <a:lnSpc>
+                <a:spcPct val="100000"/>
+              </a:lnSpc>
+              <a:spcBef>
+                <a:spcPct val="0"/>
+              </a:spcBef>
+              <a:spcAft>
+                <a:spcPct val="0"/>
+              </a:spcAft>
+              <a:buClrTx/>
+              <a:buSzTx/>
+              <a:buFontTx/>
+              <a:buNone/>
+            </a:pPr>
+            <a:r>
+              <a:rPr kumimoji="0" lang="pt-BR" altLang="zh-CN" sz="1600" b="0" i="0" u="none" strike="noStrike" cap="none" normalizeH="0" baseline="0" smtClean="0">
+                <a:ln>
+                  <a:noFill/>
+                </a:ln>
+                <a:solidFill>
+                  <a:schemeClr val="tx1"/>
+                </a:solidFill>
+                <a:effectLst/>
+                <a:latin typeface="+mj-lt"/>
+                <a:ea typeface="SimSun" panose="02010600030101010101" pitchFamily="2" charset="-122"/>
+                <a:cs typeface="+mj-lt"/>
+              </a:rPr>
+              <a:t>test.java.br.com.projeto</a:t>
+            </a:r>
+            <a:endParaRPr kumimoji="0" lang="pt-BR" altLang="zh-CN" sz="1600" b="0" i="0" u="none" strike="noStrike" cap="none" normalizeH="0" baseline="0" smtClean="0">
+              <a:ln>
+                <a:noFill/>
+              </a:ln>
+              <a:solidFill>
+                <a:schemeClr val="tx1"/>
+              </a:solidFill>
+              <a:effectLst/>
+              <a:latin typeface="+mj-lt"/>
+              <a:ea typeface="SimSun" panose="02010600030101010101" pitchFamily="2" charset="-122"/>
+              <a:cs typeface="+mj-lt"/>
+            </a:endParaRPr>
+          </a:p>
+        </p:txBody>
+      </p:sp>
+      <p:sp>
+        <p:nvSpPr>
+          <p:cNvPr id="51" name="Elipse 50"/>
+          <p:cNvSpPr/>
+          <p:nvPr/>
+        </p:nvSpPr>
+        <p:spPr>
+          <a:xfrm>
+            <a:off x="3939540" y="4989830"/>
             <a:ext cx="1299845" cy="548640"/>
           </a:xfrm>
           <a:prstGeom prst="ellipse">
@@ -10749,7 +12571,7 @@
                 <a:ea typeface="SimSun" panose="02010600030101010101" pitchFamily="2" charset="-122"/>
                 <a:cs typeface="+mj-lt"/>
               </a:rPr>
-              <a:t>....</a:t>
+              <a:t>Controller</a:t>
             </a:r>
             <a:endParaRPr kumimoji="0" lang="pt-BR" altLang="zh-CN" sz="1600" b="0" i="0" u="none" strike="noStrike" cap="none" normalizeH="0" baseline="0" smtClean="0">
               <a:ln>
@@ -10768,17 +12590,17 @@
       </p:sp>
       <p:cxnSp>
         <p:nvCxnSpPr>
-          <p:cNvPr id="7" name="Conector de Seta Reta 6"/>
+          <p:cNvPr id="54" name="Conector de Seta Reta 53"/>
           <p:cNvCxnSpPr>
             <a:stCxn id="4" idx="6"/>
-            <a:endCxn id="6" idx="2"/>
+            <a:endCxn id="51" idx="2"/>
           </p:cNvCxnSpPr>
           <p:nvPr/>
         </p:nvCxnSpPr>
         <p:spPr>
-          <a:xfrm flipV="1">
-            <a:off x="2491105" y="3228975"/>
-            <a:ext cx="1673225" cy="548640"/>
+          <a:xfrm>
+            <a:off x="2491105" y="3777615"/>
+            <a:ext cx="1448435" cy="1486535"/>
           </a:xfrm>
           <a:prstGeom prst="straightConnector1">
             <a:avLst/>
@@ -10807,13 +12629,13 @@
       </p:cxnSp>
       <p:sp>
         <p:nvSpPr>
-          <p:cNvPr id="8" name="Elipse 7"/>
+          <p:cNvPr id="57" name="Elipse 56"/>
           <p:cNvSpPr/>
           <p:nvPr/>
         </p:nvSpPr>
         <p:spPr>
           <a:xfrm>
-            <a:off x="5828665" y="5640705"/>
+            <a:off x="5680075" y="4305935"/>
             <a:ext cx="1217930" cy="532130"/>
           </a:xfrm>
           <a:prstGeom prst="ellipse">
@@ -10865,7 +12687,7 @@
                 <a:ea typeface="SimSun" panose="02010600030101010101" pitchFamily="2" charset="-122"/>
                 <a:cs typeface="+mj-lt"/>
               </a:rPr>
-              <a:t>Web</a:t>
+              <a:t>Rest</a:t>
             </a:r>
             <a:endParaRPr kumimoji="0" lang="pt-BR" altLang="zh-CN" sz="1600" b="0" i="0" u="none" strike="noStrike" cap="none" normalizeH="0" baseline="0" smtClean="0">
               <a:ln>
@@ -10884,17 +12706,17 @@
       </p:sp>
       <p:cxnSp>
         <p:nvCxnSpPr>
-          <p:cNvPr id="9" name="Conector de Seta Reta 8"/>
+          <p:cNvPr id="59" name="Conector de Seta Reta 58"/>
           <p:cNvCxnSpPr>
             <a:stCxn id="51" idx="6"/>
-            <a:endCxn id="8" idx="2"/>
+            <a:endCxn id="57" idx="2"/>
           </p:cNvCxnSpPr>
           <p:nvPr/>
         </p:nvCxnSpPr>
         <p:spPr>
-          <a:xfrm>
-            <a:off x="5239385" y="5264150"/>
-            <a:ext cx="589280" cy="642620"/>
+          <a:xfrm flipV="1">
+            <a:off x="5239385" y="4572000"/>
+            <a:ext cx="440690" cy="692150"/>
           </a:xfrm>
           <a:prstGeom prst="straightConnector1">
             <a:avLst/>
@@ -10923,13 +12745,13 @@
       </p:cxnSp>
       <p:sp>
         <p:nvSpPr>
-          <p:cNvPr id="11" name="Fluxograma: multidocument 10"/>
+          <p:cNvPr id="66" name="Fluxograma: multidocument 65"/>
           <p:cNvSpPr/>
           <p:nvPr/>
         </p:nvSpPr>
         <p:spPr>
           <a:xfrm>
-            <a:off x="7812405" y="5518150"/>
+            <a:off x="7812405" y="4019550"/>
             <a:ext cx="3372485" cy="818515"/>
           </a:xfrm>
           <a:prstGeom prst="flowChartMultidocument">
@@ -11040,17 +12862,17 @@
       </p:sp>
       <p:cxnSp>
         <p:nvCxnSpPr>
-          <p:cNvPr id="12" name="Conector de Seta Reta 11"/>
+          <p:cNvPr id="67" name="Conector de Seta Reta 66"/>
           <p:cNvCxnSpPr>
-            <a:stCxn id="8" idx="6"/>
-            <a:endCxn id="11" idx="1"/>
+            <a:stCxn id="57" idx="6"/>
+            <a:endCxn id="66" idx="1"/>
           </p:cNvCxnSpPr>
           <p:nvPr/>
         </p:nvCxnSpPr>
         <p:spPr>
-          <a:xfrm>
-            <a:off x="7046595" y="5906770"/>
-            <a:ext cx="765810" cy="20955"/>
+          <a:xfrm flipV="1">
+            <a:off x="6898005" y="4429125"/>
+            <a:ext cx="914400" cy="142875"/>
           </a:xfrm>
           <a:prstGeom prst="straightConnector1">
             <a:avLst/>
@@ -11079,6 +12901,394 @@
       </p:cxnSp>
       <p:sp>
         <p:nvSpPr>
+          <p:cNvPr id="6" name="Elipse 5"/>
+          <p:cNvSpPr/>
+          <p:nvPr/>
+        </p:nvSpPr>
+        <p:spPr>
+          <a:xfrm>
+            <a:off x="4164330" y="2954655"/>
+            <a:ext cx="1299845" cy="548640"/>
+          </a:xfrm>
+          <a:prstGeom prst="ellipse">
+            <a:avLst/>
+          </a:prstGeom>
+          <a:solidFill>
+            <a:schemeClr val="accent3">
+              <a:lumMod val="85000"/>
+            </a:schemeClr>
+          </a:solidFill>
+          <a:ln w="9525" cap="flat" cmpd="sng" algn="ctr">
+            <a:solidFill>
+              <a:schemeClr val="accent1"/>
+            </a:solidFill>
+            <a:prstDash val="solid"/>
+            <a:round/>
+            <a:headEnd type="none" w="med" len="med"/>
+            <a:tailEnd type="none" w="med" len="med"/>
+          </a:ln>
+        </p:spPr>
+        <p:txBody>
+          <a:bodyPr vert="horz" wrap="none" lIns="91440" tIns="45720" rIns="91440" bIns="45720" numCol="1" anchor="ctr" anchorCtr="0" compatLnSpc="1"/>
+          <a:p>
+            <a:pPr marL="0" marR="0" indent="0" algn="ctr" defTabSz="914400" rtl="0" eaLnBrk="1" fontAlgn="base" latinLnBrk="0" hangingPunct="1">
+              <a:lnSpc>
+                <a:spcPct val="100000"/>
+              </a:lnSpc>
+              <a:spcBef>
+                <a:spcPct val="0"/>
+              </a:spcBef>
+              <a:spcAft>
+                <a:spcPct val="0"/>
+              </a:spcAft>
+              <a:buClrTx/>
+              <a:buSzTx/>
+              <a:buFontTx/>
+              <a:buNone/>
+            </a:pPr>
+            <a:r>
+              <a:rPr kumimoji="0" lang="pt-BR" altLang="zh-CN" sz="1600" b="0" i="0" u="none" strike="noStrike" cap="none" normalizeH="0" baseline="0" smtClean="0">
+                <a:ln>
+                  <a:noFill/>
+                </a:ln>
+                <a:solidFill>
+                  <a:schemeClr val="tx1"/>
+                </a:solidFill>
+                <a:effectLst/>
+                <a:latin typeface="+mj-lt"/>
+                <a:ea typeface="SimSun" panose="02010600030101010101" pitchFamily="2" charset="-122"/>
+                <a:cs typeface="+mj-lt"/>
+              </a:rPr>
+              <a:t>....</a:t>
+            </a:r>
+            <a:endParaRPr kumimoji="0" lang="pt-BR" altLang="zh-CN" sz="1600" b="0" i="0" u="none" strike="noStrike" cap="none" normalizeH="0" baseline="0" smtClean="0">
+              <a:ln>
+                <a:noFill/>
+              </a:ln>
+              <a:solidFill>
+                <a:schemeClr val="tx1"/>
+              </a:solidFill>
+              <a:effectLst/>
+              <a:latin typeface="+mj-lt"/>
+              <a:ea typeface="SimSun" panose="02010600030101010101" pitchFamily="2" charset="-122"/>
+              <a:cs typeface="+mj-lt"/>
+            </a:endParaRPr>
+          </a:p>
+        </p:txBody>
+      </p:sp>
+      <p:cxnSp>
+        <p:nvCxnSpPr>
+          <p:cNvPr id="7" name="Conector de Seta Reta 6"/>
+          <p:cNvCxnSpPr>
+            <a:stCxn id="4" idx="6"/>
+            <a:endCxn id="6" idx="2"/>
+          </p:cNvCxnSpPr>
+          <p:nvPr/>
+        </p:nvCxnSpPr>
+        <p:spPr>
+          <a:xfrm flipV="1">
+            <a:off x="2491105" y="3228975"/>
+            <a:ext cx="1673225" cy="548640"/>
+          </a:xfrm>
+          <a:prstGeom prst="straightConnector1">
+            <a:avLst/>
+          </a:prstGeom>
+          <a:gradFill rotWithShape="0">
+            <a:gsLst>
+              <a:gs pos="0">
+                <a:schemeClr val="accent1"/>
+              </a:gs>
+              <a:gs pos="100000">
+                <a:schemeClr val="accent2"/>
+              </a:gs>
+            </a:gsLst>
+            <a:lin ang="5400000" scaled="1"/>
+          </a:gradFill>
+          <a:ln w="9525" cap="flat" cmpd="sng" algn="ctr">
+            <a:solidFill>
+              <a:schemeClr val="accent1"/>
+            </a:solidFill>
+            <a:prstDash val="solid"/>
+            <a:round/>
+            <a:headEnd type="none" w="med" len="med"/>
+            <a:tailEnd type="arrow" w="med" len="med"/>
+          </a:ln>
+        </p:spPr>
+      </p:cxnSp>
+      <p:sp>
+        <p:nvSpPr>
+          <p:cNvPr id="8" name="Elipse 7"/>
+          <p:cNvSpPr/>
+          <p:nvPr/>
+        </p:nvSpPr>
+        <p:spPr>
+          <a:xfrm>
+            <a:off x="5828665" y="5640705"/>
+            <a:ext cx="1217930" cy="532130"/>
+          </a:xfrm>
+          <a:prstGeom prst="ellipse">
+            <a:avLst/>
+          </a:prstGeom>
+          <a:solidFill>
+            <a:schemeClr val="accent3">
+              <a:lumMod val="85000"/>
+            </a:schemeClr>
+          </a:solidFill>
+          <a:ln w="9525" cap="flat" cmpd="sng" algn="ctr">
+            <a:solidFill>
+              <a:schemeClr val="accent1"/>
+            </a:solidFill>
+            <a:prstDash val="solid"/>
+            <a:round/>
+            <a:headEnd type="none" w="med" len="med"/>
+            <a:tailEnd type="none" w="med" len="med"/>
+          </a:ln>
+        </p:spPr>
+        <p:txBody>
+          <a:bodyPr vert="horz" wrap="none" lIns="91440" tIns="45720" rIns="91440" bIns="45720" numCol="1" anchor="ctr" anchorCtr="0" compatLnSpc="1"/>
+          <a:p>
+            <a:pPr marL="0" marR="0" indent="0" algn="ctr" defTabSz="914400" rtl="0" eaLnBrk="1" fontAlgn="base" latinLnBrk="0" hangingPunct="1">
+              <a:lnSpc>
+                <a:spcPct val="100000"/>
+              </a:lnSpc>
+              <a:spcBef>
+                <a:spcPct val="0"/>
+              </a:spcBef>
+              <a:spcAft>
+                <a:spcPct val="0"/>
+              </a:spcAft>
+              <a:buClrTx/>
+              <a:buSzTx/>
+              <a:buFontTx/>
+              <a:buNone/>
+            </a:pPr>
+            <a:r>
+              <a:rPr kumimoji="0" lang="pt-BR" altLang="zh-CN" sz="1600" b="0" i="0" u="none" strike="noStrike" cap="none" normalizeH="0" baseline="0" smtClean="0">
+                <a:ln>
+                  <a:noFill/>
+                </a:ln>
+                <a:solidFill>
+                  <a:schemeClr val="tx1"/>
+                </a:solidFill>
+                <a:effectLst/>
+                <a:latin typeface="+mj-lt"/>
+                <a:ea typeface="SimSun" panose="02010600030101010101" pitchFamily="2" charset="-122"/>
+                <a:cs typeface="+mj-lt"/>
+              </a:rPr>
+              <a:t>Web</a:t>
+            </a:r>
+            <a:endParaRPr kumimoji="0" lang="pt-BR" altLang="zh-CN" sz="1600" b="0" i="0" u="none" strike="noStrike" cap="none" normalizeH="0" baseline="0" smtClean="0">
+              <a:ln>
+                <a:noFill/>
+              </a:ln>
+              <a:solidFill>
+                <a:schemeClr val="tx1"/>
+              </a:solidFill>
+              <a:effectLst/>
+              <a:latin typeface="+mj-lt"/>
+              <a:ea typeface="SimSun" panose="02010600030101010101" pitchFamily="2" charset="-122"/>
+              <a:cs typeface="+mj-lt"/>
+            </a:endParaRPr>
+          </a:p>
+        </p:txBody>
+      </p:sp>
+      <p:cxnSp>
+        <p:nvCxnSpPr>
+          <p:cNvPr id="9" name="Conector de Seta Reta 8"/>
+          <p:cNvCxnSpPr>
+            <a:stCxn id="51" idx="6"/>
+            <a:endCxn id="8" idx="2"/>
+          </p:cNvCxnSpPr>
+          <p:nvPr/>
+        </p:nvCxnSpPr>
+        <p:spPr>
+          <a:xfrm>
+            <a:off x="5239385" y="5264150"/>
+            <a:ext cx="589280" cy="642620"/>
+          </a:xfrm>
+          <a:prstGeom prst="straightConnector1">
+            <a:avLst/>
+          </a:prstGeom>
+          <a:gradFill rotWithShape="0">
+            <a:gsLst>
+              <a:gs pos="0">
+                <a:schemeClr val="accent1"/>
+              </a:gs>
+              <a:gs pos="100000">
+                <a:schemeClr val="accent2"/>
+              </a:gs>
+            </a:gsLst>
+            <a:lin ang="5400000" scaled="1"/>
+          </a:gradFill>
+          <a:ln w="9525" cap="flat" cmpd="sng" algn="ctr">
+            <a:solidFill>
+              <a:schemeClr val="accent1"/>
+            </a:solidFill>
+            <a:prstDash val="solid"/>
+            <a:round/>
+            <a:headEnd type="none" w="med" len="med"/>
+            <a:tailEnd type="arrow" w="med" len="med"/>
+          </a:ln>
+        </p:spPr>
+      </p:cxnSp>
+      <p:sp>
+        <p:nvSpPr>
+          <p:cNvPr id="11" name="Fluxograma: multidocument 10"/>
+          <p:cNvSpPr/>
+          <p:nvPr/>
+        </p:nvSpPr>
+        <p:spPr>
+          <a:xfrm>
+            <a:off x="7812405" y="5518150"/>
+            <a:ext cx="3372485" cy="818515"/>
+          </a:xfrm>
+          <a:prstGeom prst="flowChartMultidocument">
+            <a:avLst/>
+          </a:prstGeom>
+          <a:solidFill>
+            <a:schemeClr val="accent3">
+              <a:lumMod val="85000"/>
+            </a:schemeClr>
+          </a:solidFill>
+          <a:ln w="9525" cap="flat" cmpd="sng" algn="ctr">
+            <a:solidFill>
+              <a:schemeClr val="accent1"/>
+            </a:solidFill>
+            <a:prstDash val="solid"/>
+            <a:round/>
+            <a:headEnd type="none" w="med" len="med"/>
+            <a:tailEnd type="none" w="med" len="med"/>
+          </a:ln>
+        </p:spPr>
+        <p:txBody>
+          <a:bodyPr vert="horz" wrap="none" lIns="91440" tIns="45720" rIns="91440" bIns="45720" numCol="1" anchor="ctr" anchorCtr="0" compatLnSpc="1"/>
+          <a:p>
+            <a:pPr marL="0" marR="0" indent="0" algn="l" defTabSz="914400" rtl="0" eaLnBrk="1" fontAlgn="base" latinLnBrk="0" hangingPunct="1">
+              <a:lnSpc>
+                <a:spcPct val="100000"/>
+              </a:lnSpc>
+              <a:spcBef>
+                <a:spcPct val="0"/>
+              </a:spcBef>
+              <a:spcAft>
+                <a:spcPct val="0"/>
+              </a:spcAft>
+              <a:buClrTx/>
+              <a:buSzTx/>
+              <a:buFontTx/>
+              <a:buNone/>
+            </a:pPr>
+            <a:r>
+              <a:rPr kumimoji="0" lang="pt-BR" altLang="zh-CN" sz="1800" b="0" i="0" u="none" strike="noStrike" cap="none" normalizeH="0" baseline="0" smtClean="0">
+                <a:ln>
+                  <a:noFill/>
+                </a:ln>
+                <a:solidFill>
+                  <a:schemeClr val="tx1"/>
+                </a:solidFill>
+                <a:effectLst/>
+                <a:latin typeface="Arial" panose="020B0604020202020204" pitchFamily="34" charset="0"/>
+                <a:ea typeface="SimSun" panose="02010600030101010101" pitchFamily="2" charset="-122"/>
+              </a:rPr>
+              <a:t>nomeRestTest.java</a:t>
+            </a:r>
+            <a:endParaRPr kumimoji="0" lang="pt-BR" altLang="zh-CN" sz="1800" b="0" i="0" u="none" strike="noStrike" cap="none" normalizeH="0" baseline="0" smtClean="0">
+              <a:ln>
+                <a:noFill/>
+              </a:ln>
+              <a:solidFill>
+                <a:schemeClr val="tx1"/>
+              </a:solidFill>
+              <a:effectLst/>
+              <a:latin typeface="Arial" panose="020B0604020202020204" pitchFamily="34" charset="0"/>
+              <a:ea typeface="SimSun" panose="02010600030101010101" pitchFamily="2" charset="-122"/>
+            </a:endParaRPr>
+          </a:p>
+          <a:p>
+            <a:pPr marL="0" marR="0" indent="0" algn="l" defTabSz="914400" rtl="0" eaLnBrk="1" fontAlgn="base" latinLnBrk="0" hangingPunct="1">
+              <a:lnSpc>
+                <a:spcPct val="100000"/>
+              </a:lnSpc>
+              <a:spcBef>
+                <a:spcPct val="0"/>
+              </a:spcBef>
+              <a:spcAft>
+                <a:spcPct val="0"/>
+              </a:spcAft>
+              <a:buClrTx/>
+              <a:buSzTx/>
+              <a:buFontTx/>
+              <a:buNone/>
+            </a:pPr>
+            <a:r>
+              <a:rPr kumimoji="0" lang="pt-BR" altLang="zh-CN" sz="1800" b="0" i="0" u="none" strike="noStrike" cap="none" normalizeH="0" baseline="0" smtClean="0">
+                <a:ln>
+                  <a:noFill/>
+                </a:ln>
+                <a:solidFill>
+                  <a:schemeClr val="tx1"/>
+                </a:solidFill>
+                <a:effectLst/>
+                <a:latin typeface="Arial" panose="020B0604020202020204" pitchFamily="34" charset="0"/>
+                <a:ea typeface="SimSun" panose="02010600030101010101" pitchFamily="2" charset="-122"/>
+              </a:rPr>
+              <a:t>...</a:t>
+            </a:r>
+            <a:endParaRPr kumimoji="0" lang="pt-BR" altLang="zh-CN" sz="1800" b="0" i="0" u="none" strike="noStrike" cap="none" normalizeH="0" baseline="0" smtClean="0">
+              <a:ln>
+                <a:noFill/>
+              </a:ln>
+              <a:solidFill>
+                <a:schemeClr val="tx1"/>
+              </a:solidFill>
+              <a:effectLst/>
+              <a:latin typeface="Arial" panose="020B0604020202020204" pitchFamily="34" charset="0"/>
+              <a:ea typeface="SimSun" panose="02010600030101010101" pitchFamily="2" charset="-122"/>
+            </a:endParaRPr>
+          </a:p>
+        </p:txBody>
+      </p:sp>
+      <p:cxnSp>
+        <p:nvCxnSpPr>
+          <p:cNvPr id="12" name="Conector de Seta Reta 11"/>
+          <p:cNvCxnSpPr>
+            <a:stCxn id="8" idx="6"/>
+            <a:endCxn id="11" idx="1"/>
+          </p:cNvCxnSpPr>
+          <p:nvPr/>
+        </p:nvCxnSpPr>
+        <p:spPr>
+          <a:xfrm>
+            <a:off x="7046595" y="5906770"/>
+            <a:ext cx="765810" cy="20955"/>
+          </a:xfrm>
+          <a:prstGeom prst="straightConnector1">
+            <a:avLst/>
+          </a:prstGeom>
+          <a:gradFill rotWithShape="0">
+            <a:gsLst>
+              <a:gs pos="0">
+                <a:schemeClr val="accent1"/>
+              </a:gs>
+              <a:gs pos="100000">
+                <a:schemeClr val="accent2"/>
+              </a:gs>
+            </a:gsLst>
+            <a:lin ang="5400000" scaled="1"/>
+          </a:gradFill>
+          <a:ln w="9525" cap="flat" cmpd="sng" algn="ctr">
+            <a:solidFill>
+              <a:schemeClr val="accent1"/>
+            </a:solidFill>
+            <a:prstDash val="solid"/>
+            <a:round/>
+            <a:headEnd type="none" w="med" len="med"/>
+            <a:tailEnd type="arrow" w="med" len="med"/>
+          </a:ln>
+        </p:spPr>
+      </p:cxnSp>
+      <p:sp>
+        <p:nvSpPr>
           <p:cNvPr id="14" name="Caixa de Texto 13"/>
           <p:cNvSpPr txBox="1"/>
           <p:nvPr/>
@@ -11121,7 +13331,7 @@
 </p:sld>
 </file>
 
-<file path=ppt/slides/slide8.xml><?xml version="1.0" encoding="utf-8"?>
+<file path=ppt/slides/slide9.xml><?xml version="1.0" encoding="utf-8"?>
 <p:sld xmlns:a="http://schemas.openxmlformats.org/drawingml/2006/main" xmlns:r="http://schemas.openxmlformats.org/officeDocument/2006/relationships" xmlns:p="http://schemas.openxmlformats.org/presentationml/2006/main">
   <p:cSld>
     <p:spTree>
@@ -11317,1217 +13527,6 @@
               <a:t>spring.profiles.active=prod</a:t>
             </a:r>
             <a:endParaRPr lang="pt-BR" altLang="en-US"/>
-          </a:p>
-        </p:txBody>
-      </p:sp>
-    </p:spTree>
-  </p:cSld>
-  <p:clrMapOvr>
-    <a:masterClrMapping/>
-  </p:clrMapOvr>
-</p:sld>
-</file>
-
-<file path=ppt/slides/slide9.xml><?xml version="1.0" encoding="utf-8"?>
-<p:sld xmlns:a="http://schemas.openxmlformats.org/drawingml/2006/main" xmlns:r="http://schemas.openxmlformats.org/officeDocument/2006/relationships" xmlns:p="http://schemas.openxmlformats.org/presentationml/2006/main">
-  <p:cSld>
-    <p:spTree>
-      <p:nvGrpSpPr>
-        <p:cNvPr id="1" name=""/>
-        <p:cNvGrpSpPr/>
-        <p:nvPr/>
-      </p:nvGrpSpPr>
-      <p:grpSpPr/>
-      <p:sp>
-        <p:nvSpPr>
-          <p:cNvPr id="2" name="Título 1"/>
-          <p:cNvSpPr>
-            <a:spLocks noGrp="1"/>
-          </p:cNvSpPr>
-          <p:nvPr>
-            <p:ph type="title"/>
-          </p:nvPr>
-        </p:nvSpPr>
-        <p:spPr/>
-        <p:txBody>
-          <a:bodyPr/>
-          <a:p>
-            <a:r>
-              <a:rPr lang="pt-BR" altLang="en-US"/>
-              <a:t>Arquitetura:  </a:t>
-            </a:r>
-            <a:r>
-              <a:rPr lang="pt-BR" altLang="zh-CN" smtClean="0">
-                <a:ln>
-                  <a:noFill/>
-                </a:ln>
-                <a:effectLst/>
-                <a:ea typeface="SimSun" panose="02010600030101010101" pitchFamily="2" charset="-122"/>
-                <a:cs typeface="+mj-lt"/>
-                <a:sym typeface="+mn-ea"/>
-              </a:rPr>
-              <a:t>Thymeleaf </a:t>
-            </a:r>
-            <a:endParaRPr lang="pt-BR" altLang="en-US"/>
-          </a:p>
-        </p:txBody>
-      </p:sp>
-      <p:sp>
-        <p:nvSpPr>
-          <p:cNvPr id="6" name="Elipse 5"/>
-          <p:cNvSpPr/>
-          <p:nvPr/>
-        </p:nvSpPr>
-        <p:spPr>
-          <a:xfrm>
-            <a:off x="842010" y="1884680"/>
-            <a:ext cx="3622675" cy="3077210"/>
-          </a:xfrm>
-          <a:prstGeom prst="ellipse">
-            <a:avLst/>
-          </a:prstGeom>
-          <a:noFill/>
-          <a:ln w="28575" cap="flat" cmpd="sng" algn="ctr">
-            <a:solidFill>
-              <a:schemeClr val="accent1">
-                <a:shade val="50000"/>
-              </a:schemeClr>
-            </a:solidFill>
-            <a:prstDash val="solid"/>
-            <a:round/>
-            <a:headEnd type="none" w="med" len="med"/>
-            <a:tailEnd type="none" w="med" len="med"/>
-          </a:ln>
-        </p:spPr>
-        <p:txBody>
-          <a:bodyPr vert="horz" wrap="none" lIns="91440" tIns="45720" rIns="91440" bIns="45720" numCol="1" anchor="ctr" anchorCtr="0" compatLnSpc="1"/>
-          <a:p>
-            <a:pPr marL="0" marR="0" indent="0" algn="l" defTabSz="914400" rtl="0" eaLnBrk="1" fontAlgn="base" latinLnBrk="0" hangingPunct="1">
-              <a:lnSpc>
-                <a:spcPct val="100000"/>
-              </a:lnSpc>
-              <a:spcBef>
-                <a:spcPct val="0"/>
-              </a:spcBef>
-              <a:spcAft>
-                <a:spcPct val="0"/>
-              </a:spcAft>
-              <a:buClrTx/>
-              <a:buSzTx/>
-              <a:buFontTx/>
-              <a:buNone/>
-            </a:pPr>
-            <a:endParaRPr kumimoji="0" lang="zh-CN" altLang="en-US" sz="1800" b="0" i="0" u="none" strike="noStrike" cap="none" normalizeH="0" baseline="0" smtClean="0">
-              <a:ln>
-                <a:noFill/>
-              </a:ln>
-              <a:solidFill>
-                <a:schemeClr val="tx1"/>
-              </a:solidFill>
-              <a:effectLst/>
-              <a:latin typeface="Arial" panose="020B0604020202020204" pitchFamily="34" charset="0"/>
-              <a:ea typeface="SimSun" panose="02010600030101010101" pitchFamily="2" charset="-122"/>
-            </a:endParaRPr>
-          </a:p>
-        </p:txBody>
-      </p:sp>
-      <p:sp>
-        <p:nvSpPr>
-          <p:cNvPr id="7" name="Elipse 6"/>
-          <p:cNvSpPr/>
-          <p:nvPr/>
-        </p:nvSpPr>
-        <p:spPr>
-          <a:xfrm>
-            <a:off x="3286125" y="1884680"/>
-            <a:ext cx="4798695" cy="3077210"/>
-          </a:xfrm>
-          <a:prstGeom prst="ellipse">
-            <a:avLst/>
-          </a:prstGeom>
-          <a:noFill/>
-          <a:ln w="28575" cap="flat" cmpd="sng" algn="ctr">
-            <a:solidFill>
-              <a:schemeClr val="accent1">
-                <a:shade val="50000"/>
-              </a:schemeClr>
-            </a:solidFill>
-            <a:prstDash val="solid"/>
-            <a:round/>
-            <a:headEnd type="none" w="med" len="med"/>
-            <a:tailEnd type="none" w="med" len="med"/>
-          </a:ln>
-        </p:spPr>
-        <p:txBody>
-          <a:bodyPr vert="horz" wrap="none" lIns="91440" tIns="45720" rIns="91440" bIns="45720" numCol="1" anchor="ctr" anchorCtr="0" compatLnSpc="1"/>
-          <a:p>
-            <a:pPr marL="0" marR="0" indent="0" algn="l" defTabSz="914400" rtl="0" eaLnBrk="1" fontAlgn="base" latinLnBrk="0" hangingPunct="1">
-              <a:lnSpc>
-                <a:spcPct val="100000"/>
-              </a:lnSpc>
-              <a:spcBef>
-                <a:spcPct val="0"/>
-              </a:spcBef>
-              <a:spcAft>
-                <a:spcPct val="0"/>
-              </a:spcAft>
-              <a:buClrTx/>
-              <a:buSzTx/>
-              <a:buFontTx/>
-              <a:buNone/>
-            </a:pPr>
-            <a:endParaRPr kumimoji="0" lang="zh-CN" altLang="en-US" sz="1800" b="0" i="0" u="none" strike="noStrike" cap="none" normalizeH="0" baseline="0" smtClean="0">
-              <a:ln>
-                <a:noFill/>
-              </a:ln>
-              <a:solidFill>
-                <a:schemeClr val="tx1"/>
-              </a:solidFill>
-              <a:effectLst/>
-              <a:latin typeface="Arial" panose="020B0604020202020204" pitchFamily="34" charset="0"/>
-              <a:ea typeface="SimSun" panose="02010600030101010101" pitchFamily="2" charset="-122"/>
-            </a:endParaRPr>
-          </a:p>
-        </p:txBody>
-      </p:sp>
-      <p:sp>
-        <p:nvSpPr>
-          <p:cNvPr id="8" name="Elipse 7"/>
-          <p:cNvSpPr/>
-          <p:nvPr/>
-        </p:nvSpPr>
-        <p:spPr>
-          <a:xfrm>
-            <a:off x="6256655" y="1884680"/>
-            <a:ext cx="4929505" cy="3077210"/>
-          </a:xfrm>
-          <a:prstGeom prst="ellipse">
-            <a:avLst/>
-          </a:prstGeom>
-          <a:noFill/>
-          <a:ln w="28575" cap="flat" cmpd="sng" algn="ctr">
-            <a:solidFill>
-              <a:schemeClr val="accent1">
-                <a:shade val="50000"/>
-              </a:schemeClr>
-            </a:solidFill>
-            <a:prstDash val="solid"/>
-            <a:round/>
-            <a:headEnd type="none" w="med" len="med"/>
-            <a:tailEnd type="none" w="med" len="med"/>
-          </a:ln>
-        </p:spPr>
-        <p:txBody>
-          <a:bodyPr vert="horz" wrap="none" lIns="91440" tIns="45720" rIns="91440" bIns="45720" numCol="1" anchor="ctr" anchorCtr="0" compatLnSpc="1"/>
-          <a:p>
-            <a:pPr marL="0" marR="0" indent="0" algn="l" defTabSz="914400" rtl="0" eaLnBrk="1" fontAlgn="base" latinLnBrk="0" hangingPunct="1">
-              <a:lnSpc>
-                <a:spcPct val="100000"/>
-              </a:lnSpc>
-              <a:spcBef>
-                <a:spcPct val="0"/>
-              </a:spcBef>
-              <a:spcAft>
-                <a:spcPct val="0"/>
-              </a:spcAft>
-              <a:buClrTx/>
-              <a:buSzTx/>
-              <a:buFontTx/>
-              <a:buNone/>
-            </a:pPr>
-            <a:endParaRPr kumimoji="0" lang="zh-CN" altLang="en-US" sz="1800" b="0" i="0" u="none" strike="noStrike" cap="none" normalizeH="0" baseline="0" smtClean="0">
-              <a:ln>
-                <a:noFill/>
-              </a:ln>
-              <a:solidFill>
-                <a:schemeClr val="tx1"/>
-              </a:solidFill>
-              <a:effectLst/>
-              <a:latin typeface="Arial" panose="020B0604020202020204" pitchFamily="34" charset="0"/>
-              <a:ea typeface="SimSun" panose="02010600030101010101" pitchFamily="2" charset="-122"/>
-            </a:endParaRPr>
-          </a:p>
-        </p:txBody>
-      </p:sp>
-      <p:sp>
-        <p:nvSpPr>
-          <p:cNvPr id="9" name="Caixa de Texto 8"/>
-          <p:cNvSpPr txBox="1"/>
-          <p:nvPr/>
-        </p:nvSpPr>
-        <p:spPr>
-          <a:xfrm>
-            <a:off x="4746625" y="1104265"/>
-            <a:ext cx="1643380" cy="368300"/>
-          </a:xfrm>
-          <a:prstGeom prst="rect">
-            <a:avLst/>
-          </a:prstGeom>
-          <a:noFill/>
-        </p:spPr>
-        <p:txBody>
-          <a:bodyPr wrap="none" rtlCol="0" anchor="t">
-            <a:spAutoFit/>
-          </a:bodyPr>
-          <a:p>
-            <a:pPr algn="l"/>
-            <a:r>
-              <a:rPr lang="pt-BR" altLang="en-US">
-                <a:sym typeface="+mn-ea"/>
-              </a:rPr>
-              <a:t>Arquiteto </a:t>
-            </a:r>
-            <a:r>
-              <a:rPr lang="pt-BR" altLang="en-US">
-                <a:sym typeface="+mn-ea"/>
-              </a:rPr>
-              <a:t>Java</a:t>
-            </a:r>
-            <a:endParaRPr lang="pt-BR" altLang="en-US"/>
-          </a:p>
-        </p:txBody>
-      </p:sp>
-      <p:sp>
-        <p:nvSpPr>
-          <p:cNvPr id="10" name="Caixa de Texto 9"/>
-          <p:cNvSpPr txBox="1"/>
-          <p:nvPr/>
-        </p:nvSpPr>
-        <p:spPr>
-          <a:xfrm>
-            <a:off x="2418080" y="1373505"/>
-            <a:ext cx="652780" cy="368300"/>
-          </a:xfrm>
-          <a:prstGeom prst="rect">
-            <a:avLst/>
-          </a:prstGeom>
-          <a:noFill/>
-        </p:spPr>
-        <p:txBody>
-          <a:bodyPr wrap="none" rtlCol="0" anchor="t">
-            <a:spAutoFit/>
-          </a:bodyPr>
-          <a:p>
-            <a:r>
-              <a:rPr lang="pt-BR" altLang="en-US">
-                <a:sym typeface="+mn-ea"/>
-              </a:rPr>
-              <a:t>DBA</a:t>
-            </a:r>
-            <a:endParaRPr lang="pt-BR" altLang="en-US"/>
-          </a:p>
-        </p:txBody>
-      </p:sp>
-      <p:sp>
-        <p:nvSpPr>
-          <p:cNvPr id="11" name="Caixa de Texto 10"/>
-          <p:cNvSpPr txBox="1"/>
-          <p:nvPr/>
-        </p:nvSpPr>
-        <p:spPr>
-          <a:xfrm>
-            <a:off x="7917180" y="1373505"/>
-            <a:ext cx="1626235" cy="368300"/>
-          </a:xfrm>
-          <a:prstGeom prst="rect">
-            <a:avLst/>
-          </a:prstGeom>
-          <a:noFill/>
-        </p:spPr>
-        <p:txBody>
-          <a:bodyPr wrap="none" rtlCol="0" anchor="t">
-            <a:spAutoFit/>
-          </a:bodyPr>
-          <a:p>
-            <a:pPr algn="l"/>
-            <a:r>
-              <a:rPr lang="pt-BR" altLang="en-US"/>
-              <a:t>Designer Web</a:t>
-            </a:r>
-            <a:endParaRPr lang="pt-BR" altLang="en-US"/>
-          </a:p>
-        </p:txBody>
-      </p:sp>
-      <p:sp>
-        <p:nvSpPr>
-          <p:cNvPr id="12" name="Caixa de Texto 11"/>
-          <p:cNvSpPr txBox="1"/>
-          <p:nvPr/>
-        </p:nvSpPr>
-        <p:spPr>
-          <a:xfrm>
-            <a:off x="1071880" y="3029585"/>
-            <a:ext cx="1998980" cy="368300"/>
-          </a:xfrm>
-          <a:prstGeom prst="rect">
-            <a:avLst/>
-          </a:prstGeom>
-          <a:noFill/>
-        </p:spPr>
-        <p:txBody>
-          <a:bodyPr wrap="none" rtlCol="0" anchor="t">
-            <a:spAutoFit/>
-          </a:bodyPr>
-          <a:p>
-            <a:pPr algn="l"/>
-            <a:r>
-              <a:rPr lang="pt-BR" altLang="en-US">
-                <a:sym typeface="+mn-ea"/>
-              </a:rPr>
-              <a:t>Oracle, MySQL,...</a:t>
-            </a:r>
-            <a:endParaRPr lang="pt-BR" altLang="en-US"/>
-          </a:p>
-        </p:txBody>
-      </p:sp>
-      <p:sp>
-        <p:nvSpPr>
-          <p:cNvPr id="14" name="Caixa de Texto 13"/>
-          <p:cNvSpPr txBox="1"/>
-          <p:nvPr/>
-        </p:nvSpPr>
-        <p:spPr>
-          <a:xfrm>
-            <a:off x="4683760" y="3050540"/>
-            <a:ext cx="1600200" cy="1938020"/>
-          </a:xfrm>
-          <a:prstGeom prst="rect">
-            <a:avLst/>
-          </a:prstGeom>
-          <a:noFill/>
-        </p:spPr>
-        <p:txBody>
-          <a:bodyPr wrap="square" rtlCol="0" anchor="t">
-            <a:spAutoFit/>
-          </a:bodyPr>
-          <a:p>
-            <a:pPr algn="l"/>
-            <a:r>
-              <a:rPr lang="pt-BR" altLang="en-US" b="1">
-                <a:sym typeface="+mn-ea"/>
-              </a:rPr>
-              <a:t>SpringBoot</a:t>
-            </a:r>
-            <a:endParaRPr lang="pt-BR" altLang="en-US">
-              <a:sym typeface="+mn-ea"/>
-            </a:endParaRPr>
-          </a:p>
-          <a:p>
-            <a:pPr algn="l"/>
-            <a:endParaRPr lang="pt-BR" altLang="en-US"/>
-          </a:p>
-          <a:p>
-            <a:pPr algn="l"/>
-            <a:endParaRPr lang="pt-BR" altLang="en-US"/>
-          </a:p>
-          <a:p>
-            <a:pPr algn="l"/>
-            <a:endParaRPr lang="pt-BR" altLang="en-US"/>
-          </a:p>
-          <a:p>
-            <a:pPr algn="l"/>
-            <a:endParaRPr lang="pt-BR" altLang="en-US"/>
-          </a:p>
-          <a:p>
-            <a:pPr algn="l"/>
-            <a:endParaRPr lang="pt-BR" altLang="en-US"/>
-          </a:p>
-          <a:p>
-            <a:pPr algn="l"/>
-            <a:endParaRPr lang="pt-BR" altLang="en-US" sz="1200"/>
-          </a:p>
-        </p:txBody>
-      </p:sp>
-      <p:sp>
-        <p:nvSpPr>
-          <p:cNvPr id="15" name="Caixa de Texto 14"/>
-          <p:cNvSpPr txBox="1"/>
-          <p:nvPr/>
-        </p:nvSpPr>
-        <p:spPr>
-          <a:xfrm>
-            <a:off x="6390005" y="2905125"/>
-            <a:ext cx="1656080" cy="645160"/>
-          </a:xfrm>
-          <a:prstGeom prst="rect">
-            <a:avLst/>
-          </a:prstGeom>
-          <a:noFill/>
-        </p:spPr>
-        <p:txBody>
-          <a:bodyPr wrap="none" rtlCol="0" anchor="t">
-            <a:spAutoFit/>
-          </a:bodyPr>
-          <a:p>
-            <a:pPr algn="l"/>
-            <a:r>
-              <a:rPr lang="pt-BR" altLang="zh-CN" b="1" smtClean="0">
-                <a:ln>
-                  <a:noFill/>
-                </a:ln>
-                <a:effectLst/>
-                <a:latin typeface="+mj-lt"/>
-                <a:ea typeface="SimSun" panose="02010600030101010101" pitchFamily="2" charset="-122"/>
-                <a:cs typeface="+mj-lt"/>
-                <a:sym typeface="+mn-ea"/>
-              </a:rPr>
-              <a:t>Thymeleaf </a:t>
-            </a:r>
-            <a:endParaRPr lang="pt-BR" altLang="zh-CN" smtClean="0">
-              <a:ln>
-                <a:noFill/>
-              </a:ln>
-              <a:effectLst/>
-              <a:latin typeface="+mj-lt"/>
-              <a:ea typeface="SimSun" panose="02010600030101010101" pitchFamily="2" charset="-122"/>
-              <a:cs typeface="+mj-lt"/>
-              <a:sym typeface="+mn-ea"/>
-            </a:endParaRPr>
-          </a:p>
-          <a:p>
-            <a:pPr algn="l"/>
-            <a:r>
-              <a:rPr lang="pt-BR" altLang="en-US"/>
-              <a:t>(Servlets/html)</a:t>
-            </a:r>
-            <a:endParaRPr lang="pt-BR" altLang="en-US"/>
-          </a:p>
-        </p:txBody>
-      </p:sp>
-      <p:sp>
-        <p:nvSpPr>
-          <p:cNvPr id="16" name="Seta para baixo 15"/>
-          <p:cNvSpPr/>
-          <p:nvPr/>
-        </p:nvSpPr>
-        <p:spPr>
-          <a:xfrm>
-            <a:off x="6811645" y="3669030"/>
-            <a:ext cx="628650" cy="2013585"/>
-          </a:xfrm>
-          <a:prstGeom prst="downArrow">
-            <a:avLst/>
-          </a:prstGeom>
-          <a:gradFill rotWithShape="0">
-            <a:gsLst>
-              <a:gs pos="0">
-                <a:schemeClr val="accent1"/>
-              </a:gs>
-              <a:gs pos="100000">
-                <a:schemeClr val="accent2"/>
-              </a:gs>
-            </a:gsLst>
-            <a:lin ang="5400000" scaled="1"/>
-          </a:gradFill>
-          <a:ln w="9525" cap="flat" cmpd="sng" algn="ctr">
-            <a:solidFill>
-              <a:schemeClr val="accent1"/>
-            </a:solidFill>
-            <a:prstDash val="solid"/>
-            <a:round/>
-            <a:headEnd type="none" w="med" len="med"/>
-            <a:tailEnd type="none" w="med" len="med"/>
-          </a:ln>
-        </p:spPr>
-        <p:txBody>
-          <a:bodyPr vert="horz" wrap="none" lIns="91440" tIns="45720" rIns="91440" bIns="45720" numCol="1" anchor="ctr" anchorCtr="0" compatLnSpc="1"/>
-          <a:p>
-            <a:pPr marL="0" marR="0" indent="0" algn="l" defTabSz="914400" rtl="0" eaLnBrk="1" fontAlgn="base" latinLnBrk="0" hangingPunct="1">
-              <a:lnSpc>
-                <a:spcPct val="100000"/>
-              </a:lnSpc>
-              <a:spcBef>
-                <a:spcPct val="0"/>
-              </a:spcBef>
-              <a:spcAft>
-                <a:spcPct val="0"/>
-              </a:spcAft>
-              <a:buClrTx/>
-              <a:buSzTx/>
-              <a:buFontTx/>
-              <a:buNone/>
-            </a:pPr>
-            <a:endParaRPr kumimoji="0" lang="zh-CN" altLang="en-US" sz="1800" b="0" i="0" u="none" strike="noStrike" cap="none" normalizeH="0" baseline="0" smtClean="0">
-              <a:ln>
-                <a:noFill/>
-              </a:ln>
-              <a:solidFill>
-                <a:schemeClr val="tx1"/>
-              </a:solidFill>
-              <a:effectLst/>
-              <a:latin typeface="Arial" panose="020B0604020202020204" pitchFamily="34" charset="0"/>
-              <a:ea typeface="SimSun" panose="02010600030101010101" pitchFamily="2" charset="-122"/>
-            </a:endParaRPr>
-          </a:p>
-        </p:txBody>
-      </p:sp>
-      <p:sp>
-        <p:nvSpPr>
-          <p:cNvPr id="17" name="Fluxograma: Documento 16"/>
-          <p:cNvSpPr/>
-          <p:nvPr/>
-        </p:nvSpPr>
-        <p:spPr>
-          <a:xfrm>
-            <a:off x="115570" y="5681980"/>
-            <a:ext cx="12077065" cy="1097915"/>
-          </a:xfrm>
-          <a:prstGeom prst="flowChartDocument">
-            <a:avLst/>
-          </a:prstGeom>
-          <a:gradFill rotWithShape="0">
-            <a:gsLst>
-              <a:gs pos="81000">
-                <a:srgbClr val="0070C0"/>
-              </a:gs>
-              <a:gs pos="0">
-                <a:srgbClr val="00B0F0"/>
-              </a:gs>
-              <a:gs pos="100000">
-                <a:srgbClr val="002060"/>
-              </a:gs>
-            </a:gsLst>
-            <a:lin ang="5040000" scaled="1"/>
-          </a:gradFill>
-          <a:ln w="9525" cap="flat" cmpd="sng" algn="ctr">
-            <a:solidFill>
-              <a:schemeClr val="accent1"/>
-            </a:solidFill>
-            <a:prstDash val="solid"/>
-            <a:round/>
-            <a:headEnd type="none" w="med" len="med"/>
-            <a:tailEnd type="none" w="med" len="med"/>
-          </a:ln>
-        </p:spPr>
-        <p:txBody>
-          <a:bodyPr vert="horz" wrap="none" lIns="91440" tIns="45720" rIns="91440" bIns="45720" numCol="1" anchor="ctr" anchorCtr="0" compatLnSpc="1"/>
-          <a:p>
-            <a:pPr marL="0" marR="0" indent="0" algn="l" defTabSz="914400" rtl="0" eaLnBrk="1" fontAlgn="base" latinLnBrk="0" hangingPunct="1">
-              <a:lnSpc>
-                <a:spcPct val="100000"/>
-              </a:lnSpc>
-              <a:spcBef>
-                <a:spcPct val="0"/>
-              </a:spcBef>
-              <a:spcAft>
-                <a:spcPct val="0"/>
-              </a:spcAft>
-              <a:buClrTx/>
-              <a:buSzTx/>
-              <a:buFontTx/>
-              <a:buNone/>
-            </a:pPr>
-            <a:endParaRPr kumimoji="0" lang="zh-CN" altLang="en-US" sz="1800" b="0" i="0" u="none" strike="noStrike" cap="none" normalizeH="0" baseline="0" smtClean="0">
-              <a:ln>
-                <a:noFill/>
-              </a:ln>
-              <a:solidFill>
-                <a:schemeClr val="tx1"/>
-              </a:solidFill>
-              <a:effectLst/>
-              <a:latin typeface="Arial" panose="020B0604020202020204" pitchFamily="34" charset="0"/>
-              <a:ea typeface="SimSun" panose="02010600030101010101" pitchFamily="2" charset="-122"/>
-            </a:endParaRPr>
-          </a:p>
-        </p:txBody>
-      </p:sp>
-      <p:sp>
-        <p:nvSpPr>
-          <p:cNvPr id="18" name="Fluxograma: multidocument 17"/>
-          <p:cNvSpPr/>
-          <p:nvPr/>
-        </p:nvSpPr>
-        <p:spPr>
-          <a:xfrm>
-            <a:off x="205740" y="5875655"/>
-            <a:ext cx="2728595" cy="711200"/>
-          </a:xfrm>
-          <a:prstGeom prst="flowChartMultidocument">
-            <a:avLst/>
-          </a:prstGeom>
-          <a:gradFill rotWithShape="0">
-            <a:gsLst>
-              <a:gs pos="0">
-                <a:schemeClr val="accent1"/>
-              </a:gs>
-              <a:gs pos="100000">
-                <a:schemeClr val="accent2"/>
-              </a:gs>
-            </a:gsLst>
-            <a:lin ang="5400000" scaled="1"/>
-          </a:gradFill>
-          <a:ln w="28575" cap="flat" cmpd="sng" algn="ctr">
-            <a:solidFill>
-              <a:schemeClr val="accent1">
-                <a:shade val="50000"/>
-              </a:schemeClr>
-            </a:solidFill>
-            <a:prstDash val="solid"/>
-            <a:round/>
-            <a:headEnd type="none" w="med" len="med"/>
-            <a:tailEnd type="none" w="med" len="med"/>
-          </a:ln>
-        </p:spPr>
-        <p:txBody>
-          <a:bodyPr vert="horz" wrap="none" lIns="91440" tIns="45720" rIns="91440" bIns="45720" numCol="1" anchor="ctr" anchorCtr="0" compatLnSpc="1"/>
-          <a:p>
-            <a:pPr marL="0" marR="0" indent="0" algn="l" defTabSz="914400" rtl="0" eaLnBrk="1" fontAlgn="base" latinLnBrk="0" hangingPunct="1">
-              <a:lnSpc>
-                <a:spcPct val="100000"/>
-              </a:lnSpc>
-              <a:spcBef>
-                <a:spcPct val="0"/>
-              </a:spcBef>
-              <a:spcAft>
-                <a:spcPct val="0"/>
-              </a:spcAft>
-              <a:buClrTx/>
-              <a:buSzTx/>
-              <a:buFontTx/>
-              <a:buNone/>
-            </a:pPr>
-            <a:r>
-              <a:rPr kumimoji="0" lang="pt-BR" altLang="zh-CN" sz="1800" b="0" i="0" u="none" strike="noStrike" cap="none" normalizeH="0" baseline="0" smtClean="0">
-                <a:ln>
-                  <a:noFill/>
-                </a:ln>
-                <a:solidFill>
-                  <a:schemeClr val="tx1"/>
-                </a:solidFill>
-                <a:effectLst/>
-                <a:latin typeface="Arial" panose="020B0604020202020204" pitchFamily="34" charset="0"/>
-                <a:ea typeface="SimSun" panose="02010600030101010101" pitchFamily="2" charset="-122"/>
-              </a:rPr>
-              <a:t>Fragmentos (html) </a:t>
-            </a:r>
-            <a:endParaRPr kumimoji="0" lang="pt-BR" altLang="zh-CN" sz="1800" b="0" i="0" u="none" strike="noStrike" cap="none" normalizeH="0" baseline="0" smtClean="0">
-              <a:ln>
-                <a:noFill/>
-              </a:ln>
-              <a:solidFill>
-                <a:schemeClr val="tx1"/>
-              </a:solidFill>
-              <a:effectLst/>
-              <a:latin typeface="Arial" panose="020B0604020202020204" pitchFamily="34" charset="0"/>
-              <a:ea typeface="SimSun" panose="02010600030101010101" pitchFamily="2" charset="-122"/>
-            </a:endParaRPr>
-          </a:p>
-        </p:txBody>
-      </p:sp>
-      <p:sp>
-        <p:nvSpPr>
-          <p:cNvPr id="20" name="Fluxograma: Processo Alternativo 19"/>
-          <p:cNvSpPr/>
-          <p:nvPr/>
-        </p:nvSpPr>
-        <p:spPr>
-          <a:xfrm>
-            <a:off x="6810375" y="5800725"/>
-            <a:ext cx="892810" cy="579120"/>
-          </a:xfrm>
-          <a:prstGeom prst="flowChartAlternateProcess">
-            <a:avLst/>
-          </a:prstGeom>
-          <a:gradFill rotWithShape="0">
-            <a:gsLst>
-              <a:gs pos="0">
-                <a:schemeClr val="accent1"/>
-              </a:gs>
-              <a:gs pos="100000">
-                <a:schemeClr val="accent2"/>
-              </a:gs>
-            </a:gsLst>
-            <a:lin ang="5400000" scaled="1"/>
-          </a:gradFill>
-          <a:ln w="28575" cap="flat" cmpd="sng" algn="ctr">
-            <a:solidFill>
-              <a:schemeClr val="accent1">
-                <a:shade val="50000"/>
-              </a:schemeClr>
-            </a:solidFill>
-            <a:prstDash val="solid"/>
-            <a:round/>
-            <a:headEnd type="none" w="med" len="med"/>
-            <a:tailEnd type="none" w="med" len="med"/>
-          </a:ln>
-        </p:spPr>
-        <p:txBody>
-          <a:bodyPr vert="horz" wrap="none" lIns="91440" tIns="45720" rIns="91440" bIns="45720" numCol="1" anchor="ctr" anchorCtr="0" compatLnSpc="1"/>
-          <a:p>
-            <a:pPr marL="0" marR="0" indent="0" algn="l" defTabSz="914400" rtl="0" eaLnBrk="1" fontAlgn="base" latinLnBrk="0" hangingPunct="1">
-              <a:lnSpc>
-                <a:spcPct val="100000"/>
-              </a:lnSpc>
-              <a:spcBef>
-                <a:spcPct val="0"/>
-              </a:spcBef>
-              <a:spcAft>
-                <a:spcPct val="0"/>
-              </a:spcAft>
-              <a:buClrTx/>
-              <a:buSzTx/>
-              <a:buFontTx/>
-              <a:buNone/>
-            </a:pPr>
-            <a:r>
-              <a:rPr kumimoji="0" lang="pt-BR" altLang="zh-CN" sz="1800" b="0" i="0" u="none" strike="noStrike" cap="none" normalizeH="0" baseline="0" smtClean="0">
-                <a:ln>
-                  <a:noFill/>
-                </a:ln>
-                <a:solidFill>
-                  <a:schemeClr val="tx1"/>
-                </a:solidFill>
-                <a:effectLst/>
-                <a:latin typeface="Arial" panose="020B0604020202020204" pitchFamily="34" charset="0"/>
-                <a:ea typeface="SimSun" panose="02010600030101010101" pitchFamily="2" charset="-122"/>
-              </a:rPr>
-              <a:t>CRUD</a:t>
-            </a:r>
-            <a:endParaRPr kumimoji="0" lang="pt-BR" altLang="zh-CN" sz="1800" b="0" i="0" u="none" strike="noStrike" cap="none" normalizeH="0" baseline="0" smtClean="0">
-              <a:ln>
-                <a:noFill/>
-              </a:ln>
-              <a:solidFill>
-                <a:schemeClr val="tx1"/>
-              </a:solidFill>
-              <a:effectLst/>
-              <a:latin typeface="Arial" panose="020B0604020202020204" pitchFamily="34" charset="0"/>
-              <a:ea typeface="SimSun" panose="02010600030101010101" pitchFamily="2" charset="-122"/>
-            </a:endParaRPr>
-          </a:p>
-        </p:txBody>
-      </p:sp>
-      <p:sp>
-        <p:nvSpPr>
-          <p:cNvPr id="21" name="Caixa de Texto 20"/>
-          <p:cNvSpPr txBox="1"/>
-          <p:nvPr/>
-        </p:nvSpPr>
-        <p:spPr>
-          <a:xfrm>
-            <a:off x="8300085" y="2489835"/>
-            <a:ext cx="2646680" cy="1476375"/>
-          </a:xfrm>
-          <a:prstGeom prst="rect">
-            <a:avLst/>
-          </a:prstGeom>
-          <a:noFill/>
-        </p:spPr>
-        <p:txBody>
-          <a:bodyPr wrap="none" rtlCol="0" anchor="t">
-            <a:spAutoFit/>
-          </a:bodyPr>
-          <a:p>
-            <a:pPr algn="l"/>
-            <a:r>
-              <a:rPr lang="pt-BR" altLang="zh-CN" smtClean="0">
-                <a:ln>
-                  <a:noFill/>
-                </a:ln>
-                <a:effectLst/>
-                <a:latin typeface="+mj-lt"/>
-                <a:ea typeface="SimSun" panose="02010600030101010101" pitchFamily="2" charset="-122"/>
-                <a:cs typeface="+mj-lt"/>
-                <a:sym typeface="+mn-ea"/>
-              </a:rPr>
-              <a:t>CSS, JS, ...</a:t>
-            </a:r>
-            <a:endParaRPr lang="pt-BR" altLang="zh-CN" smtClean="0">
-              <a:ln>
-                <a:noFill/>
-              </a:ln>
-              <a:effectLst/>
-              <a:latin typeface="+mj-lt"/>
-              <a:ea typeface="SimSun" panose="02010600030101010101" pitchFamily="2" charset="-122"/>
-              <a:cs typeface="+mj-lt"/>
-              <a:sym typeface="+mn-ea"/>
-            </a:endParaRPr>
-          </a:p>
-          <a:p>
-            <a:pPr algn="l"/>
-            <a:endParaRPr lang="pt-BR" altLang="en-US"/>
-          </a:p>
-          <a:p>
-            <a:pPr algn="l"/>
-            <a:r>
-              <a:rPr lang="pt-BR" altLang="en-US" b="1"/>
-              <a:t>Analisar</a:t>
-            </a:r>
-            <a:r>
-              <a:rPr lang="pt-BR" altLang="en-US"/>
-              <a:t>: React, Vue </a:t>
-            </a:r>
-            <a:endParaRPr lang="pt-BR" altLang="en-US"/>
-          </a:p>
-          <a:p>
-            <a:pPr algn="l"/>
-            <a:r>
-              <a:rPr lang="pt-BR" altLang="en-US"/>
-              <a:t>ou Angular em conjunto </a:t>
-            </a:r>
-            <a:endParaRPr lang="pt-BR" altLang="en-US"/>
-          </a:p>
-          <a:p>
-            <a:pPr algn="l"/>
-            <a:r>
-              <a:rPr lang="pt-BR" altLang="en-US"/>
-              <a:t>com Thymeleaf</a:t>
-            </a:r>
-            <a:endParaRPr lang="pt-BR" altLang="en-US"/>
-          </a:p>
-        </p:txBody>
-      </p:sp>
-      <p:cxnSp>
-        <p:nvCxnSpPr>
-          <p:cNvPr id="22" name="Conector de Seta Reta 21"/>
-          <p:cNvCxnSpPr>
-            <a:stCxn id="20" idx="3"/>
-            <a:endCxn id="23" idx="1"/>
-          </p:cNvCxnSpPr>
-          <p:nvPr/>
-        </p:nvCxnSpPr>
-        <p:spPr>
-          <a:xfrm>
-            <a:off x="7703185" y="6090285"/>
-            <a:ext cx="880110" cy="9525"/>
-          </a:xfrm>
-          <a:prstGeom prst="straightConnector1">
-            <a:avLst/>
-          </a:prstGeom>
-          <a:gradFill rotWithShape="0">
-            <a:gsLst>
-              <a:gs pos="0">
-                <a:schemeClr val="accent1"/>
-              </a:gs>
-              <a:gs pos="100000">
-                <a:schemeClr val="accent2"/>
-              </a:gs>
-            </a:gsLst>
-            <a:lin ang="5400000" scaled="1"/>
-          </a:gradFill>
-          <a:ln w="9525" cap="flat" cmpd="sng" algn="ctr">
-            <a:solidFill>
-              <a:schemeClr val="accent1">
-                <a:lumMod val="50000"/>
-              </a:schemeClr>
-            </a:solidFill>
-            <a:prstDash val="solid"/>
-            <a:round/>
-            <a:headEnd type="none" w="med" len="med"/>
-            <a:tailEnd type="arrow" w="med" len="med"/>
-          </a:ln>
-        </p:spPr>
-      </p:cxnSp>
-      <p:sp>
-        <p:nvSpPr>
-          <p:cNvPr id="23" name="Canto dobrado 22"/>
-          <p:cNvSpPr/>
-          <p:nvPr/>
-        </p:nvSpPr>
-        <p:spPr>
-          <a:xfrm>
-            <a:off x="8583295" y="5784850"/>
-            <a:ext cx="1009015" cy="629920"/>
-          </a:xfrm>
-          <a:prstGeom prst="foldedCorner">
-            <a:avLst/>
-          </a:prstGeom>
-          <a:gradFill rotWithShape="0">
-            <a:gsLst>
-              <a:gs pos="0">
-                <a:schemeClr val="accent1"/>
-              </a:gs>
-              <a:gs pos="100000">
-                <a:schemeClr val="accent2"/>
-              </a:gs>
-            </a:gsLst>
-            <a:lin ang="5400000" scaled="1"/>
-          </a:gradFill>
-          <a:ln w="9525" cap="flat" cmpd="sng" algn="ctr">
-            <a:solidFill>
-              <a:schemeClr val="accent1"/>
-            </a:solidFill>
-            <a:prstDash val="solid"/>
-            <a:round/>
-            <a:headEnd type="none" w="med" len="med"/>
-            <a:tailEnd type="none" w="med" len="med"/>
-          </a:ln>
-        </p:spPr>
-        <p:txBody>
-          <a:bodyPr vert="horz" wrap="none" lIns="91440" tIns="45720" rIns="91440" bIns="45720" numCol="1" anchor="ctr" anchorCtr="0" compatLnSpc="1"/>
-          <a:p>
-            <a:pPr marL="0" marR="0" indent="0" algn="l" defTabSz="914400" rtl="0" eaLnBrk="1" fontAlgn="base" latinLnBrk="0" hangingPunct="1">
-              <a:lnSpc>
-                <a:spcPct val="100000"/>
-              </a:lnSpc>
-              <a:spcBef>
-                <a:spcPct val="0"/>
-              </a:spcBef>
-              <a:spcAft>
-                <a:spcPct val="0"/>
-              </a:spcAft>
-              <a:buClrTx/>
-              <a:buSzTx/>
-              <a:buFontTx/>
-              <a:buNone/>
-            </a:pPr>
-            <a:r>
-              <a:rPr kumimoji="0" lang="pt-BR" altLang="zh-CN" sz="1800" b="0" i="0" u="none" strike="noStrike" cap="none" normalizeH="0" baseline="0" smtClean="0">
-                <a:ln>
-                  <a:noFill/>
-                </a:ln>
-                <a:solidFill>
-                  <a:schemeClr val="tx1"/>
-                </a:solidFill>
-                <a:effectLst/>
-                <a:latin typeface="Arial" panose="020B0604020202020204" pitchFamily="34" charset="0"/>
-                <a:ea typeface="SimSun" panose="02010600030101010101" pitchFamily="2" charset="-122"/>
-              </a:rPr>
-              <a:t>Forms</a:t>
-            </a:r>
-            <a:endParaRPr kumimoji="0" lang="pt-BR" altLang="zh-CN" sz="1800" b="0" i="0" u="none" strike="noStrike" cap="none" normalizeH="0" baseline="0" smtClean="0">
-              <a:ln>
-                <a:noFill/>
-              </a:ln>
-              <a:solidFill>
-                <a:schemeClr val="tx1"/>
-              </a:solidFill>
-              <a:effectLst/>
-              <a:latin typeface="Arial" panose="020B0604020202020204" pitchFamily="34" charset="0"/>
-              <a:ea typeface="SimSun" panose="02010600030101010101" pitchFamily="2" charset="-122"/>
-            </a:endParaRPr>
-          </a:p>
-        </p:txBody>
-      </p:sp>
-      <p:sp>
-        <p:nvSpPr>
-          <p:cNvPr id="3" name="Caixa de Texto 2"/>
-          <p:cNvSpPr txBox="1"/>
-          <p:nvPr/>
-        </p:nvSpPr>
-        <p:spPr>
-          <a:xfrm>
-            <a:off x="4537075" y="3597910"/>
-            <a:ext cx="2037715" cy="1198880"/>
-          </a:xfrm>
-          <a:prstGeom prst="rect">
-            <a:avLst/>
-          </a:prstGeom>
-          <a:noFill/>
-        </p:spPr>
-        <p:txBody>
-          <a:bodyPr wrap="square" rtlCol="0" anchor="t">
-            <a:spAutoFit/>
-          </a:bodyPr>
-          <a:p>
-            <a:pPr algn="l"/>
-            <a:r>
-              <a:rPr lang="pt-BR" altLang="en-US">
-                <a:sym typeface="+mn-ea"/>
-              </a:rPr>
-              <a:t>        </a:t>
-            </a:r>
-            <a:r>
-              <a:rPr lang="pt-BR" altLang="en-US" b="1">
-                <a:sym typeface="+mn-ea"/>
-              </a:rPr>
-              <a:t>TDD </a:t>
-            </a:r>
-            <a:endParaRPr lang="pt-BR" altLang="en-US"/>
-          </a:p>
-          <a:p>
-            <a:pPr algn="l"/>
-            <a:r>
-              <a:rPr lang="pt-BR" altLang="en-US">
-                <a:sym typeface="+mn-ea"/>
-              </a:rPr>
-              <a:t>(Desenvlvimento Orientado a Teste )</a:t>
-            </a:r>
-            <a:endParaRPr lang="pt-BR" altLang="en-US"/>
-          </a:p>
-        </p:txBody>
-      </p:sp>
-      <p:sp>
-        <p:nvSpPr>
-          <p:cNvPr id="4" name="Caixa de Texto 3"/>
-          <p:cNvSpPr txBox="1"/>
-          <p:nvPr/>
-        </p:nvSpPr>
-        <p:spPr>
-          <a:xfrm>
-            <a:off x="4672965" y="1461770"/>
-            <a:ext cx="1884680" cy="368300"/>
-          </a:xfrm>
-          <a:prstGeom prst="rect">
-            <a:avLst/>
-          </a:prstGeom>
-          <a:noFill/>
-        </p:spPr>
-        <p:txBody>
-          <a:bodyPr wrap="none" rtlCol="0" anchor="t">
-            <a:spAutoFit/>
-          </a:bodyPr>
-          <a:p>
-            <a:pPr algn="l"/>
-            <a:r>
-              <a:rPr lang="pt-BR" altLang="en-US">
-                <a:sym typeface="+mn-ea"/>
-              </a:rPr>
-              <a:t>[Programadores]</a:t>
-            </a:r>
-            <a:endParaRPr lang="pt-BR" altLang="en-US"/>
-          </a:p>
-        </p:txBody>
-      </p:sp>
-      <p:sp>
-        <p:nvSpPr>
-          <p:cNvPr id="13" name="Fluxograma: Armazenamento interno 12"/>
-          <p:cNvSpPr/>
-          <p:nvPr/>
-        </p:nvSpPr>
-        <p:spPr>
-          <a:xfrm>
-            <a:off x="4387850" y="5797550"/>
-            <a:ext cx="1951990" cy="618490"/>
-          </a:xfrm>
-          <a:prstGeom prst="flowChartInternalStorage">
-            <a:avLst/>
-          </a:prstGeom>
-          <a:gradFill rotWithShape="0">
-            <a:gsLst>
-              <a:gs pos="0">
-                <a:schemeClr val="accent1"/>
-              </a:gs>
-              <a:gs pos="100000">
-                <a:schemeClr val="accent2"/>
-              </a:gs>
-            </a:gsLst>
-            <a:lin ang="5400000" scaled="1"/>
-          </a:gradFill>
-          <a:ln w="28575" cap="flat" cmpd="sng" algn="ctr">
-            <a:solidFill>
-              <a:schemeClr val="accent1">
-                <a:shade val="50000"/>
-              </a:schemeClr>
-            </a:solidFill>
-            <a:prstDash val="solid"/>
-            <a:round/>
-            <a:headEnd type="none" w="med" len="med"/>
-            <a:tailEnd type="none" w="med" len="med"/>
-          </a:ln>
-        </p:spPr>
-        <p:txBody>
-          <a:bodyPr vert="horz" wrap="none" lIns="91440" tIns="45720" rIns="91440" bIns="45720" numCol="1" anchor="ctr" anchorCtr="0" compatLnSpc="1"/>
-          <a:p>
-            <a:pPr marL="0" marR="0" indent="0" algn="l" defTabSz="914400" rtl="0" eaLnBrk="1" fontAlgn="base" latinLnBrk="0" hangingPunct="1">
-              <a:lnSpc>
-                <a:spcPct val="100000"/>
-              </a:lnSpc>
-              <a:spcBef>
-                <a:spcPct val="0"/>
-              </a:spcBef>
-              <a:spcAft>
-                <a:spcPct val="0"/>
-              </a:spcAft>
-              <a:buClrTx/>
-              <a:buSzTx/>
-              <a:buFontTx/>
-              <a:buNone/>
-            </a:pPr>
-            <a:r>
-              <a:rPr kumimoji="0" lang="pt-BR" altLang="zh-CN" sz="1800" b="0" i="0" u="none" strike="noStrike" cap="none" normalizeH="0" baseline="0" smtClean="0">
-                <a:ln>
-                  <a:noFill/>
-                </a:ln>
-                <a:solidFill>
-                  <a:schemeClr val="tx1"/>
-                </a:solidFill>
-                <a:effectLst/>
-                <a:latin typeface="Arial" panose="020B0604020202020204" pitchFamily="34" charset="0"/>
-                <a:ea typeface="SimSun" panose="02010600030101010101" pitchFamily="2" charset="-122"/>
-              </a:rPr>
-              <a:t>Pagina.html</a:t>
-            </a:r>
-            <a:endParaRPr kumimoji="0" lang="pt-BR" altLang="zh-CN" sz="1800" b="0" i="0" u="none" strike="noStrike" cap="none" normalizeH="0" baseline="0" smtClean="0">
-              <a:ln>
-                <a:noFill/>
-              </a:ln>
-              <a:solidFill>
-                <a:schemeClr val="tx1"/>
-              </a:solidFill>
-              <a:effectLst/>
-              <a:latin typeface="Arial" panose="020B0604020202020204" pitchFamily="34" charset="0"/>
-              <a:ea typeface="SimSun" panose="02010600030101010101" pitchFamily="2" charset="-122"/>
-            </a:endParaRPr>
-          </a:p>
-        </p:txBody>
-      </p:sp>
-      <p:sp>
-        <p:nvSpPr>
-          <p:cNvPr id="19" name="Esquerda-Direita Seta 18"/>
-          <p:cNvSpPr/>
-          <p:nvPr/>
-        </p:nvSpPr>
-        <p:spPr>
-          <a:xfrm>
-            <a:off x="2934335" y="5953125"/>
-            <a:ext cx="1453515" cy="429895"/>
-          </a:xfrm>
-          <a:prstGeom prst="leftRightArrow">
-            <a:avLst/>
-          </a:prstGeom>
-          <a:gradFill rotWithShape="0">
-            <a:gsLst>
-              <a:gs pos="0">
-                <a:schemeClr val="accent1"/>
-              </a:gs>
-              <a:gs pos="100000">
-                <a:schemeClr val="accent2"/>
-              </a:gs>
-            </a:gsLst>
-            <a:lin ang="5400000" scaled="1"/>
-          </a:gradFill>
-          <a:ln w="28575" cap="flat" cmpd="sng" algn="ctr">
-            <a:solidFill>
-              <a:schemeClr val="accent1">
-                <a:shade val="50000"/>
-              </a:schemeClr>
-            </a:solidFill>
-            <a:prstDash val="solid"/>
-            <a:round/>
-            <a:headEnd type="none" w="med" len="med"/>
-            <a:tailEnd type="none" w="med" len="med"/>
-          </a:ln>
-        </p:spPr>
-        <p:txBody>
-          <a:bodyPr vert="horz" wrap="none" lIns="91440" tIns="45720" rIns="91440" bIns="45720" numCol="1" anchor="ctr" anchorCtr="0" compatLnSpc="1"/>
-          <a:p>
-            <a:pPr marL="0" marR="0" indent="0" algn="l" defTabSz="914400" rtl="0" eaLnBrk="1" fontAlgn="base" latinLnBrk="0" hangingPunct="1">
-              <a:lnSpc>
-                <a:spcPct val="100000"/>
-              </a:lnSpc>
-              <a:spcBef>
-                <a:spcPct val="0"/>
-              </a:spcBef>
-              <a:spcAft>
-                <a:spcPct val="0"/>
-              </a:spcAft>
-              <a:buClrTx/>
-              <a:buSzTx/>
-              <a:buFontTx/>
-              <a:buNone/>
-            </a:pPr>
-            <a:endParaRPr kumimoji="0" lang="zh-CN" altLang="en-US" sz="1800" b="0" i="0" u="none" strike="noStrike" cap="none" normalizeH="0" baseline="0" smtClean="0">
-              <a:ln>
-                <a:noFill/>
-              </a:ln>
-              <a:solidFill>
-                <a:schemeClr val="tx1"/>
-              </a:solidFill>
-              <a:effectLst/>
-              <a:latin typeface="Arial" panose="020B0604020202020204" pitchFamily="34" charset="0"/>
-              <a:ea typeface="SimSun" panose="02010600030101010101" pitchFamily="2" charset="-122"/>
-            </a:endParaRPr>
           </a:p>
         </p:txBody>
       </p:sp>
